--- a/Presentazione.pptx
+++ b/Presentazione.pptx
@@ -141,7 +141,7 @@
 <file path=ppt/revisionInfo.xml><?xml version="1.0" encoding="utf-8"?>
 <p1510:revInfo xmlns:a="http://schemas.openxmlformats.org/drawingml/2006/main" xmlns:r="http://schemas.openxmlformats.org/officeDocument/2006/relationships" xmlns:p1510="http://schemas.microsoft.com/office/powerpoint/2015/10/main">
   <p1510:revLst>
-    <p1510:client id="{255E8966-DA7A-4F42-BBC2-EB4277AFD265}" v="15" dt="2019-10-25T18:45:54.829"/>
+    <p1510:client id="{255E8966-DA7A-4F42-BBC2-EB4277AFD265}" v="45" dt="2019-10-26T02:11:16.048"/>
   </p1510:revLst>
 </p1510:revInfo>
 </file>
@@ -457,7 +457,7 @@
   <pc:docChgLst>
     <pc:chgData name="Andrei Daniel Ivan" userId="d3c4cde5a19fb9a3" providerId="LiveId" clId="{255E8966-DA7A-4F42-BBC2-EB4277AFD265}"/>
     <pc:docChg chg="undo custSel addSld delSld modSld">
-      <pc:chgData name="Andrei Daniel Ivan" userId="d3c4cde5a19fb9a3" providerId="LiveId" clId="{255E8966-DA7A-4F42-BBC2-EB4277AFD265}" dt="2019-10-25T18:46:07.580" v="431" actId="1076"/>
+      <pc:chgData name="Andrei Daniel Ivan" userId="d3c4cde5a19fb9a3" providerId="LiveId" clId="{255E8966-DA7A-4F42-BBC2-EB4277AFD265}" dt="2019-10-26T13:33:15.785" v="634" actId="20577"/>
       <pc:docMkLst>
         <pc:docMk/>
       </pc:docMkLst>
@@ -536,7 +536,7 @@
         </pc:sldMkLst>
       </pc:sldChg>
       <pc:sldChg chg="modSp">
-        <pc:chgData name="Andrei Daniel Ivan" userId="d3c4cde5a19fb9a3" providerId="LiveId" clId="{255E8966-DA7A-4F42-BBC2-EB4277AFD265}" dt="2019-10-25T18:37:19.581" v="88" actId="1076"/>
+        <pc:chgData name="Andrei Daniel Ivan" userId="d3c4cde5a19fb9a3" providerId="LiveId" clId="{255E8966-DA7A-4F42-BBC2-EB4277AFD265}" dt="2019-10-26T13:33:15.785" v="634" actId="20577"/>
         <pc:sldMkLst>
           <pc:docMk/>
           <pc:sldMk cId="148092493" sldId="264"/>
@@ -550,7 +550,7 @@
           </ac:spMkLst>
         </pc:spChg>
         <pc:spChg chg="mod">
-          <ac:chgData name="Andrei Daniel Ivan" userId="d3c4cde5a19fb9a3" providerId="LiveId" clId="{255E8966-DA7A-4F42-BBC2-EB4277AFD265}" dt="2019-10-25T18:35:16.534" v="30" actId="20577"/>
+          <ac:chgData name="Andrei Daniel Ivan" userId="d3c4cde5a19fb9a3" providerId="LiveId" clId="{255E8966-DA7A-4F42-BBC2-EB4277AFD265}" dt="2019-10-26T13:33:15.785" v="634" actId="20577"/>
           <ac:spMkLst>
             <pc:docMk/>
             <pc:sldMk cId="148092493" sldId="264"/>
@@ -574,7 +574,7 @@
         </pc:spChg>
       </pc:sldChg>
       <pc:sldChg chg="addSp delSp modSp add">
-        <pc:chgData name="Andrei Daniel Ivan" userId="d3c4cde5a19fb9a3" providerId="LiveId" clId="{255E8966-DA7A-4F42-BBC2-EB4277AFD265}" dt="2019-10-25T18:46:07.580" v="431" actId="1076"/>
+        <pc:chgData name="Andrei Daniel Ivan" userId="d3c4cde5a19fb9a3" providerId="LiveId" clId="{255E8966-DA7A-4F42-BBC2-EB4277AFD265}" dt="2019-10-25T18:54:39.645" v="433" actId="20577"/>
         <pc:sldMkLst>
           <pc:docMk/>
           <pc:sldMk cId="1263132891" sldId="265"/>
@@ -660,7 +660,7 @@
           </ac:spMkLst>
         </pc:spChg>
         <pc:spChg chg="add mod">
-          <ac:chgData name="Andrei Daniel Ivan" userId="d3c4cde5a19fb9a3" providerId="LiveId" clId="{255E8966-DA7A-4F42-BBC2-EB4277AFD265}" dt="2019-10-25T18:46:07.580" v="431" actId="1076"/>
+          <ac:chgData name="Andrei Daniel Ivan" userId="d3c4cde5a19fb9a3" providerId="LiveId" clId="{255E8966-DA7A-4F42-BBC2-EB4277AFD265}" dt="2019-10-25T18:54:39.645" v="433" actId="20577"/>
           <ac:spMkLst>
             <pc:docMk/>
             <pc:sldMk cId="1263132891" sldId="265"/>
@@ -691,8 +691,8 @@
           </ac:spMkLst>
         </pc:spChg>
       </pc:sldChg>
-      <pc:sldChg chg="delSp modSp add">
-        <pc:chgData name="Andrei Daniel Ivan" userId="d3c4cde5a19fb9a3" providerId="LiveId" clId="{255E8966-DA7A-4F42-BBC2-EB4277AFD265}" dt="2019-10-25T18:38:12.237" v="183" actId="478"/>
+      <pc:sldChg chg="addSp delSp modSp add">
+        <pc:chgData name="Andrei Daniel Ivan" userId="d3c4cde5a19fb9a3" providerId="LiveId" clId="{255E8966-DA7A-4F42-BBC2-EB4277AFD265}" dt="2019-10-26T02:14:01.294" v="632" actId="1076"/>
         <pc:sldMkLst>
           <pc:docMk/>
           <pc:sldMk cId="3577249319" sldId="266"/>
@@ -713,6 +713,134 @@
             <ac:spMk id="4" creationId="{53201F81-8510-4C74-BAB4-1DBFEB2D3B79}"/>
           </ac:spMkLst>
         </pc:spChg>
+        <pc:spChg chg="add">
+          <ac:chgData name="Andrei Daniel Ivan" userId="d3c4cde5a19fb9a3" providerId="LiveId" clId="{255E8966-DA7A-4F42-BBC2-EB4277AFD265}" dt="2019-10-26T02:05:08.788" v="438"/>
+          <ac:spMkLst>
+            <pc:docMk/>
+            <pc:sldMk cId="3577249319" sldId="266"/>
+            <ac:spMk id="6" creationId="{9B8EB54B-0D77-4E7A-B2E9-9DB1B89A05A7}"/>
+          </ac:spMkLst>
+        </pc:spChg>
+        <pc:spChg chg="add">
+          <ac:chgData name="Andrei Daniel Ivan" userId="d3c4cde5a19fb9a3" providerId="LiveId" clId="{255E8966-DA7A-4F42-BBC2-EB4277AFD265}" dt="2019-10-26T02:05:13.059" v="439"/>
+          <ac:spMkLst>
+            <pc:docMk/>
+            <pc:sldMk cId="3577249319" sldId="266"/>
+            <ac:spMk id="7" creationId="{1C544053-6751-4420-A592-2979D732C879}"/>
+          </ac:spMkLst>
+        </pc:spChg>
+        <pc:spChg chg="add">
+          <ac:chgData name="Andrei Daniel Ivan" userId="d3c4cde5a19fb9a3" providerId="LiveId" clId="{255E8966-DA7A-4F42-BBC2-EB4277AFD265}" dt="2019-10-26T02:05:18.090" v="440"/>
+          <ac:spMkLst>
+            <pc:docMk/>
+            <pc:sldMk cId="3577249319" sldId="266"/>
+            <ac:spMk id="8" creationId="{F05EBE76-4F37-4234-B277-19F49BA4766F}"/>
+          </ac:spMkLst>
+        </pc:spChg>
+        <pc:spChg chg="add mod">
+          <ac:chgData name="Andrei Daniel Ivan" userId="d3c4cde5a19fb9a3" providerId="LiveId" clId="{255E8966-DA7A-4F42-BBC2-EB4277AFD265}" dt="2019-10-26T02:05:46.742" v="463" actId="1076"/>
+          <ac:spMkLst>
+            <pc:docMk/>
+            <pc:sldMk cId="3577249319" sldId="266"/>
+            <ac:spMk id="9" creationId="{24711185-B444-44C2-A328-45964709B321}"/>
+          </ac:spMkLst>
+        </pc:spChg>
+        <pc:spChg chg="add mod">
+          <ac:chgData name="Andrei Daniel Ivan" userId="d3c4cde5a19fb9a3" providerId="LiveId" clId="{255E8966-DA7A-4F42-BBC2-EB4277AFD265}" dt="2019-10-26T02:06:08.438" v="503" actId="1076"/>
+          <ac:spMkLst>
+            <pc:docMk/>
+            <pc:sldMk cId="3577249319" sldId="266"/>
+            <ac:spMk id="10" creationId="{61234104-F01F-47B7-B03C-74022B0B1521}"/>
+          </ac:spMkLst>
+        </pc:spChg>
+        <pc:spChg chg="add mod">
+          <ac:chgData name="Andrei Daniel Ivan" userId="d3c4cde5a19fb9a3" providerId="LiveId" clId="{255E8966-DA7A-4F42-BBC2-EB4277AFD265}" dt="2019-10-26T02:09:35.014" v="554" actId="1076"/>
+          <ac:spMkLst>
+            <pc:docMk/>
+            <pc:sldMk cId="3577249319" sldId="266"/>
+            <ac:spMk id="11" creationId="{C864299B-89B2-4A65-A926-E699D4636434}"/>
+          </ac:spMkLst>
+        </pc:spChg>
+        <pc:spChg chg="add del mod">
+          <ac:chgData name="Andrei Daniel Ivan" userId="d3c4cde5a19fb9a3" providerId="LiveId" clId="{255E8966-DA7A-4F42-BBC2-EB4277AFD265}" dt="2019-10-26T02:08:48.954" v="539" actId="478"/>
+          <ac:spMkLst>
+            <pc:docMk/>
+            <pc:sldMk cId="3577249319" sldId="266"/>
+            <ac:spMk id="12" creationId="{45FB2683-7849-4F99-9BA0-FD8FA37424F1}"/>
+          </ac:spMkLst>
+        </pc:spChg>
+        <pc:spChg chg="add mod">
+          <ac:chgData name="Andrei Daniel Ivan" userId="d3c4cde5a19fb9a3" providerId="LiveId" clId="{255E8966-DA7A-4F42-BBC2-EB4277AFD265}" dt="2019-10-26T02:09:39.998" v="555" actId="1076"/>
+          <ac:spMkLst>
+            <pc:docMk/>
+            <pc:sldMk cId="3577249319" sldId="266"/>
+            <ac:spMk id="13" creationId="{4C5A1219-ABB8-47D2-BDAB-A9F0F8C70AC9}"/>
+          </ac:spMkLst>
+        </pc:spChg>
+        <pc:spChg chg="add mod">
+          <ac:chgData name="Andrei Daniel Ivan" userId="d3c4cde5a19fb9a3" providerId="LiveId" clId="{255E8966-DA7A-4F42-BBC2-EB4277AFD265}" dt="2019-10-26T02:10:01.094" v="558" actId="1076"/>
+          <ac:spMkLst>
+            <pc:docMk/>
+            <pc:sldMk cId="3577249319" sldId="266"/>
+            <ac:spMk id="14" creationId="{57B21165-AA57-479A-9B4F-E49A9465AADB}"/>
+          </ac:spMkLst>
+        </pc:spChg>
+        <pc:spChg chg="add mod">
+          <ac:chgData name="Andrei Daniel Ivan" userId="d3c4cde5a19fb9a3" providerId="LiveId" clId="{255E8966-DA7A-4F42-BBC2-EB4277AFD265}" dt="2019-10-26T02:10:11.295" v="562" actId="20577"/>
+          <ac:spMkLst>
+            <pc:docMk/>
+            <pc:sldMk cId="3577249319" sldId="266"/>
+            <ac:spMk id="15" creationId="{CB22CA14-4121-402A-B73E-FE97D8B3E6A0}"/>
+          </ac:spMkLst>
+        </pc:spChg>
+        <pc:spChg chg="add mod">
+          <ac:chgData name="Andrei Daniel Ivan" userId="d3c4cde5a19fb9a3" providerId="LiveId" clId="{255E8966-DA7A-4F42-BBC2-EB4277AFD265}" dt="2019-10-26T02:10:07.998" v="560" actId="1076"/>
+          <ac:spMkLst>
+            <pc:docMk/>
+            <pc:sldMk cId="3577249319" sldId="266"/>
+            <ac:spMk id="16" creationId="{834E14CA-8869-44A2-9445-EB50B4512A60}"/>
+          </ac:spMkLst>
+        </pc:spChg>
+        <pc:spChg chg="add mod">
+          <ac:chgData name="Andrei Daniel Ivan" userId="d3c4cde5a19fb9a3" providerId="LiveId" clId="{255E8966-DA7A-4F42-BBC2-EB4277AFD265}" dt="2019-10-26T02:10:15" v="564" actId="20577"/>
+          <ac:spMkLst>
+            <pc:docMk/>
+            <pc:sldMk cId="3577249319" sldId="266"/>
+            <ac:spMk id="17" creationId="{6DB36EAA-5957-4E6A-9D0B-19335C9E3288}"/>
+          </ac:spMkLst>
+        </pc:spChg>
+        <pc:spChg chg="add mod">
+          <ac:chgData name="Andrei Daniel Ivan" userId="d3c4cde5a19fb9a3" providerId="LiveId" clId="{255E8966-DA7A-4F42-BBC2-EB4277AFD265}" dt="2019-10-26T02:13:47.902" v="622" actId="1076"/>
+          <ac:spMkLst>
+            <pc:docMk/>
+            <pc:sldMk cId="3577249319" sldId="266"/>
+            <ac:spMk id="18" creationId="{96E91492-0F03-40AE-A92C-AF810161F87B}"/>
+          </ac:spMkLst>
+        </pc:spChg>
+        <pc:spChg chg="add mod">
+          <ac:chgData name="Andrei Daniel Ivan" userId="d3c4cde5a19fb9a3" providerId="LiveId" clId="{255E8966-DA7A-4F42-BBC2-EB4277AFD265}" dt="2019-10-26T02:13:51.983" v="625" actId="1076"/>
+          <ac:spMkLst>
+            <pc:docMk/>
+            <pc:sldMk cId="3577249319" sldId="266"/>
+            <ac:spMk id="19" creationId="{52615D8C-B002-46BC-95C9-601B71A6BD12}"/>
+          </ac:spMkLst>
+        </pc:spChg>
+        <pc:spChg chg="add mod">
+          <ac:chgData name="Andrei Daniel Ivan" userId="d3c4cde5a19fb9a3" providerId="LiveId" clId="{255E8966-DA7A-4F42-BBC2-EB4277AFD265}" dt="2019-10-26T02:14:01.294" v="632" actId="1076"/>
+          <ac:spMkLst>
+            <pc:docMk/>
+            <pc:sldMk cId="3577249319" sldId="266"/>
+            <ac:spMk id="20" creationId="{4589F7B9-92BE-4E30-9687-5A24749B8F60}"/>
+          </ac:spMkLst>
+        </pc:spChg>
+        <pc:picChg chg="add del mod">
+          <ac:chgData name="Andrei Daniel Ivan" userId="d3c4cde5a19fb9a3" providerId="LiveId" clId="{255E8966-DA7A-4F42-BBC2-EB4277AFD265}" dt="2019-10-26T02:13:45.086" v="621" actId="1076"/>
+          <ac:picMkLst>
+            <pc:docMk/>
+            <pc:sldMk cId="3577249319" sldId="266"/>
+            <ac:picMk id="5" creationId="{9D59A15F-91D1-45D9-84C7-572B7462A2DC}"/>
+          </ac:picMkLst>
+        </pc:picChg>
       </pc:sldChg>
       <pc:sldChg chg="modSp add">
         <pc:chgData name="Andrei Daniel Ivan" userId="d3c4cde5a19fb9a3" providerId="LiveId" clId="{255E8966-DA7A-4F42-BBC2-EB4277AFD265}" dt="2019-10-25T18:37:36.389" v="105" actId="20577"/>
@@ -1074,7 +1202,7 @@
           <a:p>
             <a:fld id="{227EB8F9-9849-4F1B-8247-B2B87148EF6E}" type="datetimeFigureOut">
               <a:rPr lang="it-IT" smtClean="0"/>
-              <a:t>25/10/2019</a:t>
+              <a:t>26/10/2019</a:t>
             </a:fld>
             <a:endParaRPr lang="it-IT"/>
           </a:p>
@@ -1472,7 +1600,7 @@
           <a:p>
             <a:fld id="{519C5307-3A56-4F91-8FB2-60E4C7C3FF23}" type="datetime1">
               <a:rPr lang="it-IT" smtClean="0"/>
-              <a:t>25/10/2019</a:t>
+              <a:t>26/10/2019</a:t>
             </a:fld>
             <a:endParaRPr lang="it-IT"/>
           </a:p>
@@ -1643,7 +1771,7 @@
           <a:p>
             <a:fld id="{519C5307-3A56-4F91-8FB2-60E4C7C3FF23}" type="datetime1">
               <a:rPr lang="it-IT" smtClean="0"/>
-              <a:t>25/10/2019</a:t>
+              <a:t>26/10/2019</a:t>
             </a:fld>
             <a:endParaRPr lang="it-IT"/>
           </a:p>
@@ -1824,7 +1952,7 @@
           <a:p>
             <a:fld id="{519C5307-3A56-4F91-8FB2-60E4C7C3FF23}" type="datetime1">
               <a:rPr lang="it-IT" smtClean="0"/>
-              <a:t>25/10/2019</a:t>
+              <a:t>26/10/2019</a:t>
             </a:fld>
             <a:endParaRPr lang="it-IT"/>
           </a:p>
@@ -1995,7 +2123,7 @@
           <a:p>
             <a:fld id="{519C5307-3A56-4F91-8FB2-60E4C7C3FF23}" type="datetime1">
               <a:rPr lang="it-IT" smtClean="0"/>
-              <a:t>25/10/2019</a:t>
+              <a:t>26/10/2019</a:t>
             </a:fld>
             <a:endParaRPr lang="it-IT"/>
           </a:p>
@@ -2242,7 +2370,7 @@
           <a:p>
             <a:fld id="{519C5307-3A56-4F91-8FB2-60E4C7C3FF23}" type="datetime1">
               <a:rPr lang="it-IT" smtClean="0"/>
-              <a:t>25/10/2019</a:t>
+              <a:t>26/10/2019</a:t>
             </a:fld>
             <a:endParaRPr lang="it-IT"/>
           </a:p>
@@ -2475,7 +2603,7 @@
           <a:p>
             <a:fld id="{519C5307-3A56-4F91-8FB2-60E4C7C3FF23}" type="datetime1">
               <a:rPr lang="it-IT" smtClean="0"/>
-              <a:t>25/10/2019</a:t>
+              <a:t>26/10/2019</a:t>
             </a:fld>
             <a:endParaRPr lang="it-IT"/>
           </a:p>
@@ -2843,7 +2971,7 @@
           <a:p>
             <a:fld id="{519C5307-3A56-4F91-8FB2-60E4C7C3FF23}" type="datetime1">
               <a:rPr lang="it-IT" smtClean="0"/>
-              <a:t>25/10/2019</a:t>
+              <a:t>26/10/2019</a:t>
             </a:fld>
             <a:endParaRPr lang="it-IT"/>
           </a:p>
@@ -2962,7 +3090,7 @@
           <a:p>
             <a:fld id="{519C5307-3A56-4F91-8FB2-60E4C7C3FF23}" type="datetime1">
               <a:rPr lang="it-IT" smtClean="0"/>
-              <a:t>25/10/2019</a:t>
+              <a:t>26/10/2019</a:t>
             </a:fld>
             <a:endParaRPr lang="it-IT"/>
           </a:p>
@@ -3058,7 +3186,7 @@
           <a:p>
             <a:fld id="{519C5307-3A56-4F91-8FB2-60E4C7C3FF23}" type="datetime1">
               <a:rPr lang="it-IT" smtClean="0"/>
-              <a:t>25/10/2019</a:t>
+              <a:t>26/10/2019</a:t>
             </a:fld>
             <a:endParaRPr lang="it-IT"/>
           </a:p>
@@ -3336,7 +3464,7 @@
           <a:p>
             <a:fld id="{519C5307-3A56-4F91-8FB2-60E4C7C3FF23}" type="datetime1">
               <a:rPr lang="it-IT" smtClean="0"/>
-              <a:t>25/10/2019</a:t>
+              <a:t>26/10/2019</a:t>
             </a:fld>
             <a:endParaRPr lang="it-IT"/>
           </a:p>
@@ -3594,7 +3722,7 @@
           <a:p>
             <a:fld id="{519C5307-3A56-4F91-8FB2-60E4C7C3FF23}" type="datetime1">
               <a:rPr lang="it-IT" smtClean="0"/>
-              <a:t>25/10/2019</a:t>
+              <a:t>26/10/2019</a:t>
             </a:fld>
             <a:endParaRPr lang="it-IT"/>
           </a:p>
@@ -3808,7 +3936,7 @@
           <a:p>
             <a:fld id="{519C5307-3A56-4F91-8FB2-60E4C7C3FF23}" type="datetime1">
               <a:rPr lang="it-IT" smtClean="0"/>
-              <a:t>25/10/2019</a:t>
+              <a:t>26/10/2019</a:t>
             </a:fld>
             <a:endParaRPr lang="it-IT"/>
           </a:p>
@@ -5234,19 +5362,7 @@
               <a:rPr lang="it-IT" sz="1400" dirty="0">
                 <a:latin typeface="Avenir Next LT Pro Light" panose="020B0304020202020204" pitchFamily="34" charset="0"/>
               </a:rPr>
-              <a:t>LUNGHEZZA DELLA PAROLA </a:t>
-            </a:r>
-            <a:r>
-              <a:rPr lang="it-IT" sz="1400" dirty="0" err="1">
-                <a:latin typeface="Avenir Next LT Pro Light" panose="020B0304020202020204" pitchFamily="34" charset="0"/>
-              </a:rPr>
-              <a:t>PiÙ</a:t>
-            </a:r>
-            <a:r>
-              <a:rPr lang="it-IT" sz="1400" dirty="0">
-                <a:latin typeface="Avenir Next LT Pro Light" panose="020B0304020202020204" pitchFamily="34" charset="0"/>
-              </a:rPr>
-              <a:t> LUNGA NEL FILE</a:t>
+              <a:t>LUNGHEZZA DELLA PAROLA PIÙ LUNGA NEL FILE</a:t>
             </a:r>
           </a:p>
         </p:txBody>
@@ -5356,6 +5472,560 @@
               <a:t>4</a:t>
             </a:fld>
             <a:endParaRPr lang="it-IT"/>
+          </a:p>
+        </p:txBody>
+      </p:sp>
+      <p:pic>
+        <p:nvPicPr>
+          <p:cNvPr id="5" name="Immagine 4" descr="Immagine che contiene orologio, luce, segnale&#10;&#10;Descrizione generata automaticamente">
+            <a:extLst>
+              <a:ext uri="{FF2B5EF4-FFF2-40B4-BE49-F238E27FC236}">
+                <a16:creationId xmlns:a16="http://schemas.microsoft.com/office/drawing/2014/main" id="{9D59A15F-91D1-45D9-84C7-572B7462A2DC}"/>
+              </a:ext>
+            </a:extLst>
+          </p:cNvPr>
+          <p:cNvPicPr>
+            <a:picLocks noChangeAspect="1"/>
+          </p:cNvPicPr>
+          <p:nvPr/>
+        </p:nvPicPr>
+        <p:blipFill>
+          <a:blip r:embed="rId2">
+            <a:extLst>
+              <a:ext uri="{28A0092B-C50C-407E-A947-70E740481C1C}">
+                <a14:useLocalDpi xmlns:a14="http://schemas.microsoft.com/office/drawing/2010/main" val="0"/>
+              </a:ext>
+            </a:extLst>
+          </a:blip>
+          <a:stretch>
+            <a:fillRect/>
+          </a:stretch>
+        </p:blipFill>
+        <p:spPr>
+          <a:xfrm>
+            <a:off x="0" y="203200"/>
+            <a:ext cx="12192000" cy="6858000"/>
+          </a:xfrm>
+          <a:prstGeom prst="rect">
+            <a:avLst/>
+          </a:prstGeom>
+        </p:spPr>
+      </p:pic>
+      <p:sp>
+        <p:nvSpPr>
+          <p:cNvPr id="6" name="CasellaDiTesto 5">
+            <a:extLst>
+              <a:ext uri="{FF2B5EF4-FFF2-40B4-BE49-F238E27FC236}">
+                <a16:creationId xmlns:a16="http://schemas.microsoft.com/office/drawing/2014/main" id="{9B8EB54B-0D77-4E7A-B2E9-9DB1B89A05A7}"/>
+              </a:ext>
+            </a:extLst>
+          </p:cNvPr>
+          <p:cNvSpPr txBox="1"/>
+          <p:nvPr/>
+        </p:nvSpPr>
+        <p:spPr>
+          <a:xfrm>
+            <a:off x="2513377" y="1618537"/>
+            <a:ext cx="1059906" cy="369332"/>
+          </a:xfrm>
+          <a:prstGeom prst="rect">
+            <a:avLst/>
+          </a:prstGeom>
+          <a:noFill/>
+        </p:spPr>
+        <p:txBody>
+          <a:bodyPr wrap="none" rtlCol="0">
+            <a:spAutoFit/>
+          </a:bodyPr>
+          <a:lstStyle/>
+          <a:p>
+            <a:r>
+              <a:rPr lang="it-IT" dirty="0">
+                <a:latin typeface="Avenir Next LT Pro Light" panose="020B0304020202020204" pitchFamily="34" charset="0"/>
+              </a:rPr>
+              <a:t>UTENTE</a:t>
+            </a:r>
+          </a:p>
+        </p:txBody>
+      </p:sp>
+      <p:sp>
+        <p:nvSpPr>
+          <p:cNvPr id="7" name="CasellaDiTesto 6">
+            <a:extLst>
+              <a:ext uri="{FF2B5EF4-FFF2-40B4-BE49-F238E27FC236}">
+                <a16:creationId xmlns:a16="http://schemas.microsoft.com/office/drawing/2014/main" id="{1C544053-6751-4420-A592-2979D732C879}"/>
+              </a:ext>
+            </a:extLst>
+          </p:cNvPr>
+          <p:cNvSpPr txBox="1"/>
+          <p:nvPr/>
+        </p:nvSpPr>
+        <p:spPr>
+          <a:xfrm>
+            <a:off x="8670499" y="3447534"/>
+            <a:ext cx="970137" cy="369332"/>
+          </a:xfrm>
+          <a:prstGeom prst="rect">
+            <a:avLst/>
+          </a:prstGeom>
+          <a:noFill/>
+        </p:spPr>
+        <p:txBody>
+          <a:bodyPr wrap="none" rtlCol="0">
+            <a:spAutoFit/>
+          </a:bodyPr>
+          <a:lstStyle/>
+          <a:p>
+            <a:r>
+              <a:rPr lang="it-IT" dirty="0">
+                <a:latin typeface="Avenir Next LT Pro Light" panose="020B0304020202020204" pitchFamily="34" charset="0"/>
+              </a:rPr>
+              <a:t>CLIENT</a:t>
+            </a:r>
+          </a:p>
+        </p:txBody>
+      </p:sp>
+      <p:sp>
+        <p:nvSpPr>
+          <p:cNvPr id="8" name="CasellaDiTesto 7">
+            <a:extLst>
+              <a:ext uri="{FF2B5EF4-FFF2-40B4-BE49-F238E27FC236}">
+                <a16:creationId xmlns:a16="http://schemas.microsoft.com/office/drawing/2014/main" id="{F05EBE76-4F37-4234-B277-19F49BA4766F}"/>
+              </a:ext>
+            </a:extLst>
+          </p:cNvPr>
+          <p:cNvSpPr txBox="1"/>
+          <p:nvPr/>
+        </p:nvSpPr>
+        <p:spPr>
+          <a:xfrm>
+            <a:off x="2542039" y="5239463"/>
+            <a:ext cx="1002582" cy="369332"/>
+          </a:xfrm>
+          <a:prstGeom prst="rect">
+            <a:avLst/>
+          </a:prstGeom>
+          <a:noFill/>
+        </p:spPr>
+        <p:txBody>
+          <a:bodyPr wrap="none" rtlCol="0">
+            <a:spAutoFit/>
+          </a:bodyPr>
+          <a:lstStyle/>
+          <a:p>
+            <a:r>
+              <a:rPr lang="it-IT" dirty="0">
+                <a:latin typeface="Avenir Next LT Pro Light" panose="020B0304020202020204" pitchFamily="34" charset="0"/>
+              </a:rPr>
+              <a:t>SERVER</a:t>
+            </a:r>
+          </a:p>
+        </p:txBody>
+      </p:sp>
+      <p:sp>
+        <p:nvSpPr>
+          <p:cNvPr id="9" name="CasellaDiTesto 8">
+            <a:extLst>
+              <a:ext uri="{FF2B5EF4-FFF2-40B4-BE49-F238E27FC236}">
+                <a16:creationId xmlns:a16="http://schemas.microsoft.com/office/drawing/2014/main" id="{24711185-B444-44C2-A328-45964709B321}"/>
+              </a:ext>
+            </a:extLst>
+          </p:cNvPr>
+          <p:cNvSpPr txBox="1"/>
+          <p:nvPr/>
+        </p:nvSpPr>
+        <p:spPr>
+          <a:xfrm>
+            <a:off x="4713952" y="1680092"/>
+            <a:ext cx="3775329" cy="307777"/>
+          </a:xfrm>
+          <a:prstGeom prst="rect">
+            <a:avLst/>
+          </a:prstGeom>
+          <a:noFill/>
+        </p:spPr>
+        <p:txBody>
+          <a:bodyPr wrap="none" rtlCol="0">
+            <a:spAutoFit/>
+          </a:bodyPr>
+          <a:lstStyle/>
+          <a:p>
+            <a:r>
+              <a:rPr lang="it-IT" sz="1400" dirty="0">
+                <a:latin typeface="Avenir Next LT Pro Light" panose="020B0304020202020204" pitchFamily="34" charset="0"/>
+              </a:rPr>
+              <a:t>NOME DI UN FILE E NUMERO DI UNA RIGA</a:t>
+            </a:r>
+          </a:p>
+        </p:txBody>
+      </p:sp>
+      <p:sp>
+        <p:nvSpPr>
+          <p:cNvPr id="10" name="CasellaDiTesto 9">
+            <a:extLst>
+              <a:ext uri="{FF2B5EF4-FFF2-40B4-BE49-F238E27FC236}">
+                <a16:creationId xmlns:a16="http://schemas.microsoft.com/office/drawing/2014/main" id="{61234104-F01F-47B7-B03C-74022B0B1521}"/>
+              </a:ext>
+            </a:extLst>
+          </p:cNvPr>
+          <p:cNvSpPr txBox="1"/>
+          <p:nvPr/>
+        </p:nvSpPr>
+        <p:spPr>
+          <a:xfrm>
+            <a:off x="3480250" y="3479924"/>
+            <a:ext cx="4129015" cy="307777"/>
+          </a:xfrm>
+          <a:prstGeom prst="rect">
+            <a:avLst/>
+          </a:prstGeom>
+          <a:noFill/>
+        </p:spPr>
+        <p:txBody>
+          <a:bodyPr wrap="none" rtlCol="0">
+            <a:spAutoFit/>
+          </a:bodyPr>
+          <a:lstStyle/>
+          <a:p>
+            <a:r>
+              <a:rPr lang="it-IT" sz="1400" dirty="0">
+                <a:latin typeface="Avenir Next LT Pro Light" panose="020B0304020202020204" pitchFamily="34" charset="0"/>
+              </a:rPr>
+              <a:t>CONTENUTO DEL FILE E NUMERO DELLA RIGA</a:t>
+            </a:r>
+          </a:p>
+        </p:txBody>
+      </p:sp>
+      <p:sp>
+        <p:nvSpPr>
+          <p:cNvPr id="11" name="CasellaDiTesto 10">
+            <a:extLst>
+              <a:ext uri="{FF2B5EF4-FFF2-40B4-BE49-F238E27FC236}">
+                <a16:creationId xmlns:a16="http://schemas.microsoft.com/office/drawing/2014/main" id="{C864299B-89B2-4A65-A926-E699D4636434}"/>
+              </a:ext>
+            </a:extLst>
+          </p:cNvPr>
+          <p:cNvSpPr txBox="1"/>
+          <p:nvPr/>
+        </p:nvSpPr>
+        <p:spPr>
+          <a:xfrm>
+            <a:off x="3837354" y="4718054"/>
+            <a:ext cx="317716" cy="369332"/>
+          </a:xfrm>
+          <a:prstGeom prst="rect">
+            <a:avLst/>
+          </a:prstGeom>
+          <a:noFill/>
+        </p:spPr>
+        <p:txBody>
+          <a:bodyPr wrap="none" rtlCol="0">
+            <a:spAutoFit/>
+          </a:bodyPr>
+          <a:lstStyle/>
+          <a:p>
+            <a:r>
+              <a:rPr lang="it-IT" dirty="0">
+                <a:latin typeface="Avenir Next LT Pro Light" panose="020B0304020202020204" pitchFamily="34" charset="0"/>
+              </a:rPr>
+              <a:t>P</a:t>
+            </a:r>
+          </a:p>
+        </p:txBody>
+      </p:sp>
+      <p:sp>
+        <p:nvSpPr>
+          <p:cNvPr id="13" name="CasellaDiTesto 12">
+            <a:extLst>
+              <a:ext uri="{FF2B5EF4-FFF2-40B4-BE49-F238E27FC236}">
+                <a16:creationId xmlns:a16="http://schemas.microsoft.com/office/drawing/2014/main" id="{4C5A1219-ABB8-47D2-BDAB-A9F0F8C70AC9}"/>
+              </a:ext>
+            </a:extLst>
+          </p:cNvPr>
+          <p:cNvSpPr txBox="1"/>
+          <p:nvPr/>
+        </p:nvSpPr>
+        <p:spPr>
+          <a:xfrm>
+            <a:off x="3953509" y="4857037"/>
+            <a:ext cx="266420" cy="261610"/>
+          </a:xfrm>
+          <a:prstGeom prst="rect">
+            <a:avLst/>
+          </a:prstGeom>
+          <a:noFill/>
+        </p:spPr>
+        <p:txBody>
+          <a:bodyPr wrap="none" rtlCol="0">
+            <a:spAutoFit/>
+          </a:bodyPr>
+          <a:lstStyle/>
+          <a:p>
+            <a:r>
+              <a:rPr lang="it-IT" sz="1100" dirty="0">
+                <a:latin typeface="Avenir Next LT Pro Light" panose="020B0304020202020204" pitchFamily="34" charset="0"/>
+              </a:rPr>
+              <a:t>1</a:t>
+            </a:r>
+          </a:p>
+        </p:txBody>
+      </p:sp>
+      <p:sp>
+        <p:nvSpPr>
+          <p:cNvPr id="14" name="CasellaDiTesto 13">
+            <a:extLst>
+              <a:ext uri="{FF2B5EF4-FFF2-40B4-BE49-F238E27FC236}">
+                <a16:creationId xmlns:a16="http://schemas.microsoft.com/office/drawing/2014/main" id="{57B21165-AA57-479A-9B4F-E49A9465AADB}"/>
+              </a:ext>
+            </a:extLst>
+          </p:cNvPr>
+          <p:cNvSpPr txBox="1"/>
+          <p:nvPr/>
+        </p:nvSpPr>
+        <p:spPr>
+          <a:xfrm>
+            <a:off x="3837354" y="5223832"/>
+            <a:ext cx="317716" cy="369332"/>
+          </a:xfrm>
+          <a:prstGeom prst="rect">
+            <a:avLst/>
+          </a:prstGeom>
+          <a:noFill/>
+        </p:spPr>
+        <p:txBody>
+          <a:bodyPr wrap="none" rtlCol="0">
+            <a:spAutoFit/>
+          </a:bodyPr>
+          <a:lstStyle/>
+          <a:p>
+            <a:r>
+              <a:rPr lang="it-IT" dirty="0">
+                <a:latin typeface="Avenir Next LT Pro Light" panose="020B0304020202020204" pitchFamily="34" charset="0"/>
+              </a:rPr>
+              <a:t>P</a:t>
+            </a:r>
+          </a:p>
+        </p:txBody>
+      </p:sp>
+      <p:sp>
+        <p:nvSpPr>
+          <p:cNvPr id="15" name="CasellaDiTesto 14">
+            <a:extLst>
+              <a:ext uri="{FF2B5EF4-FFF2-40B4-BE49-F238E27FC236}">
+                <a16:creationId xmlns:a16="http://schemas.microsoft.com/office/drawing/2014/main" id="{CB22CA14-4121-402A-B73E-FE97D8B3E6A0}"/>
+              </a:ext>
+            </a:extLst>
+          </p:cNvPr>
+          <p:cNvSpPr txBox="1"/>
+          <p:nvPr/>
+        </p:nvSpPr>
+        <p:spPr>
+          <a:xfrm>
+            <a:off x="3953509" y="5362815"/>
+            <a:ext cx="266420" cy="261610"/>
+          </a:xfrm>
+          <a:prstGeom prst="rect">
+            <a:avLst/>
+          </a:prstGeom>
+          <a:noFill/>
+        </p:spPr>
+        <p:txBody>
+          <a:bodyPr wrap="none" rtlCol="0">
+            <a:spAutoFit/>
+          </a:bodyPr>
+          <a:lstStyle/>
+          <a:p>
+            <a:r>
+              <a:rPr lang="it-IT" sz="1100" dirty="0">
+                <a:latin typeface="Avenir Next LT Pro Light" panose="020B0304020202020204" pitchFamily="34" charset="0"/>
+              </a:rPr>
+              <a:t>2</a:t>
+            </a:r>
+          </a:p>
+        </p:txBody>
+      </p:sp>
+      <p:sp>
+        <p:nvSpPr>
+          <p:cNvPr id="16" name="CasellaDiTesto 15">
+            <a:extLst>
+              <a:ext uri="{FF2B5EF4-FFF2-40B4-BE49-F238E27FC236}">
+                <a16:creationId xmlns:a16="http://schemas.microsoft.com/office/drawing/2014/main" id="{834E14CA-8869-44A2-9445-EB50B4512A60}"/>
+              </a:ext>
+            </a:extLst>
+          </p:cNvPr>
+          <p:cNvSpPr txBox="1"/>
+          <p:nvPr/>
+        </p:nvSpPr>
+        <p:spPr>
+          <a:xfrm>
+            <a:off x="3837354" y="5729610"/>
+            <a:ext cx="317716" cy="369332"/>
+          </a:xfrm>
+          <a:prstGeom prst="rect">
+            <a:avLst/>
+          </a:prstGeom>
+          <a:noFill/>
+        </p:spPr>
+        <p:txBody>
+          <a:bodyPr wrap="none" rtlCol="0">
+            <a:spAutoFit/>
+          </a:bodyPr>
+          <a:lstStyle/>
+          <a:p>
+            <a:r>
+              <a:rPr lang="it-IT" dirty="0">
+                <a:latin typeface="Avenir Next LT Pro Light" panose="020B0304020202020204" pitchFamily="34" charset="0"/>
+              </a:rPr>
+              <a:t>P</a:t>
+            </a:r>
+          </a:p>
+        </p:txBody>
+      </p:sp>
+      <p:sp>
+        <p:nvSpPr>
+          <p:cNvPr id="17" name="CasellaDiTesto 16">
+            <a:extLst>
+              <a:ext uri="{FF2B5EF4-FFF2-40B4-BE49-F238E27FC236}">
+                <a16:creationId xmlns:a16="http://schemas.microsoft.com/office/drawing/2014/main" id="{6DB36EAA-5957-4E6A-9D0B-19335C9E3288}"/>
+              </a:ext>
+            </a:extLst>
+          </p:cNvPr>
+          <p:cNvSpPr txBox="1"/>
+          <p:nvPr/>
+        </p:nvSpPr>
+        <p:spPr>
+          <a:xfrm>
+            <a:off x="3953509" y="5868593"/>
+            <a:ext cx="293670" cy="261610"/>
+          </a:xfrm>
+          <a:prstGeom prst="rect">
+            <a:avLst/>
+          </a:prstGeom>
+          <a:noFill/>
+        </p:spPr>
+        <p:txBody>
+          <a:bodyPr wrap="none" rtlCol="0">
+            <a:spAutoFit/>
+          </a:bodyPr>
+          <a:lstStyle/>
+          <a:p>
+            <a:r>
+              <a:rPr lang="it-IT" sz="1100" dirty="0">
+                <a:latin typeface="Avenir Next LT Pro Light" panose="020B0304020202020204" pitchFamily="34" charset="0"/>
+              </a:rPr>
+              <a:t>N</a:t>
+            </a:r>
+          </a:p>
+        </p:txBody>
+      </p:sp>
+      <p:sp>
+        <p:nvSpPr>
+          <p:cNvPr id="18" name="CasellaDiTesto 17">
+            <a:extLst>
+              <a:ext uri="{FF2B5EF4-FFF2-40B4-BE49-F238E27FC236}">
+                <a16:creationId xmlns:a16="http://schemas.microsoft.com/office/drawing/2014/main" id="{96E91492-0F03-40AE-A92C-AF810161F87B}"/>
+              </a:ext>
+            </a:extLst>
+          </p:cNvPr>
+          <p:cNvSpPr txBox="1"/>
+          <p:nvPr/>
+        </p:nvSpPr>
+        <p:spPr>
+          <a:xfrm>
+            <a:off x="4503188" y="4779609"/>
+            <a:ext cx="4196855" cy="307777"/>
+          </a:xfrm>
+          <a:prstGeom prst="rect">
+            <a:avLst/>
+          </a:prstGeom>
+          <a:noFill/>
+        </p:spPr>
+        <p:txBody>
+          <a:bodyPr wrap="none" rtlCol="0">
+            <a:spAutoFit/>
+          </a:bodyPr>
+          <a:lstStyle/>
+          <a:p>
+            <a:r>
+              <a:rPr lang="it-IT" sz="1400" dirty="0">
+                <a:latin typeface="Avenir Next LT Pro Light" panose="020B0304020202020204" pitchFamily="34" charset="0"/>
+              </a:rPr>
+              <a:t>ELIMINAZIONE RIGA E INVIO FILE 1 SENZA RIGA</a:t>
+            </a:r>
+          </a:p>
+        </p:txBody>
+      </p:sp>
+      <p:sp>
+        <p:nvSpPr>
+          <p:cNvPr id="19" name="CasellaDiTesto 18">
+            <a:extLst>
+              <a:ext uri="{FF2B5EF4-FFF2-40B4-BE49-F238E27FC236}">
+                <a16:creationId xmlns:a16="http://schemas.microsoft.com/office/drawing/2014/main" id="{52615D8C-B002-46BC-95C9-601B71A6BD12}"/>
+              </a:ext>
+            </a:extLst>
+          </p:cNvPr>
+          <p:cNvSpPr txBox="1"/>
+          <p:nvPr/>
+        </p:nvSpPr>
+        <p:spPr>
+          <a:xfrm>
+            <a:off x="4787884" y="5270240"/>
+            <a:ext cx="4196855" cy="307777"/>
+          </a:xfrm>
+          <a:prstGeom prst="rect">
+            <a:avLst/>
+          </a:prstGeom>
+          <a:noFill/>
+        </p:spPr>
+        <p:txBody>
+          <a:bodyPr wrap="none" rtlCol="0">
+            <a:spAutoFit/>
+          </a:bodyPr>
+          <a:lstStyle/>
+          <a:p>
+            <a:r>
+              <a:rPr lang="it-IT" sz="1400" dirty="0">
+                <a:latin typeface="Avenir Next LT Pro Light" panose="020B0304020202020204" pitchFamily="34" charset="0"/>
+              </a:rPr>
+              <a:t>ELIMINAZIONE RIGA E INVIO FILE 2 SENZA RIGA</a:t>
+            </a:r>
+          </a:p>
+        </p:txBody>
+      </p:sp>
+      <p:sp>
+        <p:nvSpPr>
+          <p:cNvPr id="20" name="CasellaDiTesto 19">
+            <a:extLst>
+              <a:ext uri="{FF2B5EF4-FFF2-40B4-BE49-F238E27FC236}">
+                <a16:creationId xmlns:a16="http://schemas.microsoft.com/office/drawing/2014/main" id="{4589F7B9-92BE-4E30-9687-5A24749B8F60}"/>
+              </a:ext>
+            </a:extLst>
+          </p:cNvPr>
+          <p:cNvSpPr txBox="1"/>
+          <p:nvPr/>
+        </p:nvSpPr>
+        <p:spPr>
+          <a:xfrm>
+            <a:off x="5081860" y="5791165"/>
+            <a:ext cx="4198457" cy="307777"/>
+          </a:xfrm>
+          <a:prstGeom prst="rect">
+            <a:avLst/>
+          </a:prstGeom>
+          <a:noFill/>
+        </p:spPr>
+        <p:txBody>
+          <a:bodyPr wrap="none" rtlCol="0">
+            <a:spAutoFit/>
+          </a:bodyPr>
+          <a:lstStyle/>
+          <a:p>
+            <a:r>
+              <a:rPr lang="it-IT" sz="1400" dirty="0">
+                <a:latin typeface="Avenir Next LT Pro Light" panose="020B0304020202020204" pitchFamily="34" charset="0"/>
+              </a:rPr>
+              <a:t>ELIMINAZIONE RIGA E INVIO FILE N SENZA RIGA</a:t>
+            </a:r>
           </a:p>
         </p:txBody>
       </p:sp>

--- a/Presentazione.pptx
+++ b/Presentazione.pptx
@@ -5,14 +5,17 @@
     <p:sldMasterId id="2147483714" r:id="rId1"/>
   </p:sldMasterIdLst>
   <p:notesMasterIdLst>
-    <p:notesMasterId r:id="rId7"/>
+    <p:notesMasterId r:id="rId10"/>
   </p:notesMasterIdLst>
   <p:sldIdLst>
     <p:sldId id="256" r:id="rId2"/>
     <p:sldId id="264" r:id="rId3"/>
     <p:sldId id="265" r:id="rId4"/>
-    <p:sldId id="266" r:id="rId5"/>
-    <p:sldId id="267" r:id="rId6"/>
+    <p:sldId id="268" r:id="rId5"/>
+    <p:sldId id="269" r:id="rId6"/>
+    <p:sldId id="270" r:id="rId7"/>
+    <p:sldId id="266" r:id="rId8"/>
+    <p:sldId id="267" r:id="rId9"/>
   </p:sldIdLst>
   <p:sldSz cx="12192000" cy="6858000"/>
   <p:notesSz cx="6858000" cy="9144000"/>
@@ -141,7 +144,7 @@
 <file path=ppt/revisionInfo.xml><?xml version="1.0" encoding="utf-8"?>
 <p1510:revInfo xmlns:a="http://schemas.openxmlformats.org/drawingml/2006/main" xmlns:r="http://schemas.openxmlformats.org/officeDocument/2006/relationships" xmlns:p1510="http://schemas.microsoft.com/office/powerpoint/2015/10/main">
   <p1510:revLst>
-    <p1510:client id="{255E8966-DA7A-4F42-BBC2-EB4277AFD265}" v="45" dt="2019-10-26T02:11:16.048"/>
+    <p1510:client id="{43CC9881-2FEC-47B1-AC96-5220636F8AE5}" v="17" dt="2019-10-28T15:41:27.137"/>
   </p1510:revLst>
 </p1510:revInfo>
 </file>
@@ -457,7 +460,7 @@
   <pc:docChgLst>
     <pc:chgData name="Andrei Daniel Ivan" userId="d3c4cde5a19fb9a3" providerId="LiveId" clId="{255E8966-DA7A-4F42-BBC2-EB4277AFD265}"/>
     <pc:docChg chg="undo custSel addSld delSld modSld">
-      <pc:chgData name="Andrei Daniel Ivan" userId="d3c4cde5a19fb9a3" providerId="LiveId" clId="{255E8966-DA7A-4F42-BBC2-EB4277AFD265}" dt="2019-10-26T13:33:15.785" v="634" actId="20577"/>
+      <pc:chgData name="Andrei Daniel Ivan" userId="d3c4cde5a19fb9a3" providerId="LiveId" clId="{255E8966-DA7A-4F42-BBC2-EB4277AFD265}" dt="2019-10-26T23:21:44.601" v="644" actId="1076"/>
       <pc:docMkLst>
         <pc:docMk/>
       </pc:docMkLst>
@@ -574,7 +577,7 @@
         </pc:spChg>
       </pc:sldChg>
       <pc:sldChg chg="addSp delSp modSp add">
-        <pc:chgData name="Andrei Daniel Ivan" userId="d3c4cde5a19fb9a3" providerId="LiveId" clId="{255E8966-DA7A-4F42-BBC2-EB4277AFD265}" dt="2019-10-25T18:54:39.645" v="433" actId="20577"/>
+        <pc:chgData name="Andrei Daniel Ivan" userId="d3c4cde5a19fb9a3" providerId="LiveId" clId="{255E8966-DA7A-4F42-BBC2-EB4277AFD265}" dt="2019-10-26T23:21:44.601" v="644" actId="1076"/>
         <pc:sldMkLst>
           <pc:docMk/>
           <pc:sldMk cId="1263132891" sldId="265"/>
@@ -660,7 +663,7 @@
           </ac:spMkLst>
         </pc:spChg>
         <pc:spChg chg="add mod">
-          <ac:chgData name="Andrei Daniel Ivan" userId="d3c4cde5a19fb9a3" providerId="LiveId" clId="{255E8966-DA7A-4F42-BBC2-EB4277AFD265}" dt="2019-10-25T18:54:39.645" v="433" actId="20577"/>
+          <ac:chgData name="Andrei Daniel Ivan" userId="d3c4cde5a19fb9a3" providerId="LiveId" clId="{255E8966-DA7A-4F42-BBC2-EB4277AFD265}" dt="2019-10-26T23:21:44.601" v="644" actId="1076"/>
           <ac:spMkLst>
             <pc:docMk/>
             <pc:sldMk cId="1263132891" sldId="265"/>
@@ -692,13 +695,13 @@
         </pc:spChg>
       </pc:sldChg>
       <pc:sldChg chg="addSp delSp modSp add">
-        <pc:chgData name="Andrei Daniel Ivan" userId="d3c4cde5a19fb9a3" providerId="LiveId" clId="{255E8966-DA7A-4F42-BBC2-EB4277AFD265}" dt="2019-10-26T02:14:01.294" v="632" actId="1076"/>
+        <pc:chgData name="Andrei Daniel Ivan" userId="d3c4cde5a19fb9a3" providerId="LiveId" clId="{255E8966-DA7A-4F42-BBC2-EB4277AFD265}" dt="2019-10-26T20:32:42.597" v="643" actId="20577"/>
         <pc:sldMkLst>
           <pc:docMk/>
           <pc:sldMk cId="3577249319" sldId="266"/>
         </pc:sldMkLst>
         <pc:spChg chg="mod">
-          <ac:chgData name="Andrei Daniel Ivan" userId="d3c4cde5a19fb9a3" providerId="LiveId" clId="{255E8966-DA7A-4F42-BBC2-EB4277AFD265}" dt="2019-10-25T18:37:57.686" v="181" actId="20577"/>
+          <ac:chgData name="Andrei Daniel Ivan" userId="d3c4cde5a19fb9a3" providerId="LiveId" clId="{255E8966-DA7A-4F42-BBC2-EB4277AFD265}" dt="2019-10-26T20:32:42.597" v="643" actId="20577"/>
           <ac:spMkLst>
             <pc:docMk/>
             <pc:sldMk cId="3577249319" sldId="266"/>
@@ -833,8 +836,8 @@
             <ac:spMk id="20" creationId="{4589F7B9-92BE-4E30-9687-5A24749B8F60}"/>
           </ac:spMkLst>
         </pc:spChg>
-        <pc:picChg chg="add del mod">
-          <ac:chgData name="Andrei Daniel Ivan" userId="d3c4cde5a19fb9a3" providerId="LiveId" clId="{255E8966-DA7A-4F42-BBC2-EB4277AFD265}" dt="2019-10-26T02:13:45.086" v="621" actId="1076"/>
+        <pc:picChg chg="add del mod ord">
+          <ac:chgData name="Andrei Daniel Ivan" userId="d3c4cde5a19fb9a3" providerId="LiveId" clId="{255E8966-DA7A-4F42-BBC2-EB4277AFD265}" dt="2019-10-26T20:32:33.967" v="641" actId="167"/>
           <ac:picMkLst>
             <pc:docMk/>
             <pc:sldMk cId="3577249319" sldId="266"/>
@@ -860,55 +863,24 @@
     </pc:docChg>
   </pc:docChgLst>
   <pc:docChgLst>
-    <pc:chgData name="Andrei Daniel Ivan" userId="d3c4cde5a19fb9a3" providerId="LiveId" clId="{5F41118D-A46A-4BCB-B31B-F83832F54457}"/>
-    <pc:docChg chg="custSel modSld">
-      <pc:chgData name="Andrei Daniel Ivan" userId="d3c4cde5a19fb9a3" providerId="LiveId" clId="{5F41118D-A46A-4BCB-B31B-F83832F54457}" dt="2019-10-17T13:27:09.784" v="283" actId="1076"/>
+    <pc:chgData name="Andrei Daniel Ivan" userId="d3c4cde5a19fb9a3" providerId="LiveId" clId="{A6A77833-C58B-4237-AD71-6D723E100C6B}"/>
+    <pc:docChg chg="modSld">
+      <pc:chgData name="Andrei Daniel Ivan" userId="d3c4cde5a19fb9a3" providerId="LiveId" clId="{A6A77833-C58B-4237-AD71-6D723E100C6B}" dt="2019-10-10T12:09:21.282" v="20" actId="20577"/>
       <pc:docMkLst>
         <pc:docMk/>
       </pc:docMkLst>
       <pc:sldChg chg="modSp">
-        <pc:chgData name="Andrei Daniel Ivan" userId="d3c4cde5a19fb9a3" providerId="LiveId" clId="{5F41118D-A46A-4BCB-B31B-F83832F54457}" dt="2019-10-17T12:25:06.306" v="143" actId="1076"/>
+        <pc:chgData name="Andrei Daniel Ivan" userId="d3c4cde5a19fb9a3" providerId="LiveId" clId="{A6A77833-C58B-4237-AD71-6D723E100C6B}" dt="2019-10-10T12:09:21.282" v="20" actId="20577"/>
         <pc:sldMkLst>
           <pc:docMk/>
-          <pc:sldMk cId="2617522827" sldId="259"/>
+          <pc:sldMk cId="2242395889" sldId="257"/>
         </pc:sldMkLst>
         <pc:spChg chg="mod">
-          <ac:chgData name="Andrei Daniel Ivan" userId="d3c4cde5a19fb9a3" providerId="LiveId" clId="{5F41118D-A46A-4BCB-B31B-F83832F54457}" dt="2019-10-17T12:24:56.663" v="141" actId="20577"/>
+          <ac:chgData name="Andrei Daniel Ivan" userId="d3c4cde5a19fb9a3" providerId="LiveId" clId="{A6A77833-C58B-4237-AD71-6D723E100C6B}" dt="2019-10-10T12:09:21.282" v="20" actId="20577"/>
           <ac:spMkLst>
             <pc:docMk/>
-            <pc:sldMk cId="2617522827" sldId="259"/>
-            <ac:spMk id="7" creationId="{EE01FA61-8462-4AFC-BE72-063FF8D343E8}"/>
-          </ac:spMkLst>
-        </pc:spChg>
-        <pc:spChg chg="mod">
-          <ac:chgData name="Andrei Daniel Ivan" userId="d3c4cde5a19fb9a3" providerId="LiveId" clId="{5F41118D-A46A-4BCB-B31B-F83832F54457}" dt="2019-10-17T12:25:06.306" v="143" actId="1076"/>
-          <ac:spMkLst>
-            <pc:docMk/>
-            <pc:sldMk cId="2617522827" sldId="259"/>
-            <ac:spMk id="8" creationId="{F49C932E-42CB-401A-B8E1-89A251888411}"/>
-          </ac:spMkLst>
-        </pc:spChg>
-      </pc:sldChg>
-      <pc:sldChg chg="modSp">
-        <pc:chgData name="Andrei Daniel Ivan" userId="d3c4cde5a19fb9a3" providerId="LiveId" clId="{5F41118D-A46A-4BCB-B31B-F83832F54457}" dt="2019-10-17T13:27:09.784" v="283" actId="1076"/>
-        <pc:sldMkLst>
-          <pc:docMk/>
-          <pc:sldMk cId="1889561379" sldId="260"/>
-        </pc:sldMkLst>
-        <pc:spChg chg="mod">
-          <ac:chgData name="Andrei Daniel Ivan" userId="d3c4cde5a19fb9a3" providerId="LiveId" clId="{5F41118D-A46A-4BCB-B31B-F83832F54457}" dt="2019-10-17T13:27:01.020" v="282" actId="255"/>
-          <ac:spMkLst>
-            <pc:docMk/>
-            <pc:sldMk cId="1889561379" sldId="260"/>
-            <ac:spMk id="4" creationId="{86399399-6393-4A4B-8522-F717A489643B}"/>
-          </ac:spMkLst>
-        </pc:spChg>
-        <pc:spChg chg="mod">
-          <ac:chgData name="Andrei Daniel Ivan" userId="d3c4cde5a19fb9a3" providerId="LiveId" clId="{5F41118D-A46A-4BCB-B31B-F83832F54457}" dt="2019-10-17T13:27:09.784" v="283" actId="1076"/>
-          <ac:spMkLst>
-            <pc:docMk/>
-            <pc:sldMk cId="1889561379" sldId="260"/>
-            <ac:spMk id="34" creationId="{4D9E606D-73EC-4A54-9FCE-4DEBEE992671}"/>
+            <pc:sldMk cId="2242395889" sldId="257"/>
+            <ac:spMk id="4" creationId="{A372732A-5502-4218-941E-F135920541BB}"/>
           </ac:spMkLst>
         </pc:spChg>
       </pc:sldChg>
@@ -1094,24 +1066,179 @@
     </pc:docChg>
   </pc:docChgLst>
   <pc:docChgLst>
-    <pc:chgData name="Andrei Daniel Ivan" userId="d3c4cde5a19fb9a3" providerId="LiveId" clId="{A6A77833-C58B-4237-AD71-6D723E100C6B}"/>
-    <pc:docChg chg="modSld">
-      <pc:chgData name="Andrei Daniel Ivan" userId="d3c4cde5a19fb9a3" providerId="LiveId" clId="{A6A77833-C58B-4237-AD71-6D723E100C6B}" dt="2019-10-10T12:09:21.282" v="20" actId="20577"/>
+    <pc:chgData name="Andrei Daniel Ivan" userId="d3c4cde5a19fb9a3" providerId="LiveId" clId="{5F41118D-A46A-4BCB-B31B-F83832F54457}"/>
+    <pc:docChg chg="custSel modSld">
+      <pc:chgData name="Andrei Daniel Ivan" userId="d3c4cde5a19fb9a3" providerId="LiveId" clId="{5F41118D-A46A-4BCB-B31B-F83832F54457}" dt="2019-10-17T13:27:09.784" v="283" actId="1076"/>
       <pc:docMkLst>
         <pc:docMk/>
       </pc:docMkLst>
       <pc:sldChg chg="modSp">
-        <pc:chgData name="Andrei Daniel Ivan" userId="d3c4cde5a19fb9a3" providerId="LiveId" clId="{A6A77833-C58B-4237-AD71-6D723E100C6B}" dt="2019-10-10T12:09:21.282" v="20" actId="20577"/>
+        <pc:chgData name="Andrei Daniel Ivan" userId="d3c4cde5a19fb9a3" providerId="LiveId" clId="{5F41118D-A46A-4BCB-B31B-F83832F54457}" dt="2019-10-17T12:25:06.306" v="143" actId="1076"/>
         <pc:sldMkLst>
           <pc:docMk/>
-          <pc:sldMk cId="2242395889" sldId="257"/>
+          <pc:sldMk cId="2617522827" sldId="259"/>
         </pc:sldMkLst>
         <pc:spChg chg="mod">
-          <ac:chgData name="Andrei Daniel Ivan" userId="d3c4cde5a19fb9a3" providerId="LiveId" clId="{A6A77833-C58B-4237-AD71-6D723E100C6B}" dt="2019-10-10T12:09:21.282" v="20" actId="20577"/>
+          <ac:chgData name="Andrei Daniel Ivan" userId="d3c4cde5a19fb9a3" providerId="LiveId" clId="{5F41118D-A46A-4BCB-B31B-F83832F54457}" dt="2019-10-17T12:24:56.663" v="141" actId="20577"/>
           <ac:spMkLst>
             <pc:docMk/>
-            <pc:sldMk cId="2242395889" sldId="257"/>
-            <ac:spMk id="4" creationId="{A372732A-5502-4218-941E-F135920541BB}"/>
+            <pc:sldMk cId="2617522827" sldId="259"/>
+            <ac:spMk id="7" creationId="{EE01FA61-8462-4AFC-BE72-063FF8D343E8}"/>
+          </ac:spMkLst>
+        </pc:spChg>
+        <pc:spChg chg="mod">
+          <ac:chgData name="Andrei Daniel Ivan" userId="d3c4cde5a19fb9a3" providerId="LiveId" clId="{5F41118D-A46A-4BCB-B31B-F83832F54457}" dt="2019-10-17T12:25:06.306" v="143" actId="1076"/>
+          <ac:spMkLst>
+            <pc:docMk/>
+            <pc:sldMk cId="2617522827" sldId="259"/>
+            <ac:spMk id="8" creationId="{F49C932E-42CB-401A-B8E1-89A251888411}"/>
+          </ac:spMkLst>
+        </pc:spChg>
+      </pc:sldChg>
+      <pc:sldChg chg="modSp">
+        <pc:chgData name="Andrei Daniel Ivan" userId="d3c4cde5a19fb9a3" providerId="LiveId" clId="{5F41118D-A46A-4BCB-B31B-F83832F54457}" dt="2019-10-17T13:27:09.784" v="283" actId="1076"/>
+        <pc:sldMkLst>
+          <pc:docMk/>
+          <pc:sldMk cId="1889561379" sldId="260"/>
+        </pc:sldMkLst>
+        <pc:spChg chg="mod">
+          <ac:chgData name="Andrei Daniel Ivan" userId="d3c4cde5a19fb9a3" providerId="LiveId" clId="{5F41118D-A46A-4BCB-B31B-F83832F54457}" dt="2019-10-17T13:27:01.020" v="282" actId="255"/>
+          <ac:spMkLst>
+            <pc:docMk/>
+            <pc:sldMk cId="1889561379" sldId="260"/>
+            <ac:spMk id="4" creationId="{86399399-6393-4A4B-8522-F717A489643B}"/>
+          </ac:spMkLst>
+        </pc:spChg>
+        <pc:spChg chg="mod">
+          <ac:chgData name="Andrei Daniel Ivan" userId="d3c4cde5a19fb9a3" providerId="LiveId" clId="{5F41118D-A46A-4BCB-B31B-F83832F54457}" dt="2019-10-17T13:27:09.784" v="283" actId="1076"/>
+          <ac:spMkLst>
+            <pc:docMk/>
+            <pc:sldMk cId="1889561379" sldId="260"/>
+            <ac:spMk id="34" creationId="{4D9E606D-73EC-4A54-9FCE-4DEBEE992671}"/>
+          </ac:spMkLst>
+        </pc:spChg>
+      </pc:sldChg>
+    </pc:docChg>
+  </pc:docChgLst>
+  <pc:docChgLst>
+    <pc:chgData name="Andrei Daniel Ivan" userId="d3c4cde5a19fb9a3" providerId="LiveId" clId="{43CC9881-2FEC-47B1-AC96-5220636F8AE5}"/>
+    <pc:docChg chg="undo custSel addSld delSld modSld sldOrd">
+      <pc:chgData name="Andrei Daniel Ivan" userId="d3c4cde5a19fb9a3" providerId="LiveId" clId="{43CC9881-2FEC-47B1-AC96-5220636F8AE5}" dt="2019-10-28T15:41:48.884" v="885" actId="20577"/>
+      <pc:docMkLst>
+        <pc:docMk/>
+      </pc:docMkLst>
+      <pc:sldChg chg="ord">
+        <pc:chgData name="Andrei Daniel Ivan" userId="d3c4cde5a19fb9a3" providerId="LiveId" clId="{43CC9881-2FEC-47B1-AC96-5220636F8AE5}" dt="2019-10-28T15:28:17.940" v="203"/>
+        <pc:sldMkLst>
+          <pc:docMk/>
+          <pc:sldMk cId="1263132891" sldId="265"/>
+        </pc:sldMkLst>
+      </pc:sldChg>
+      <pc:sldChg chg="addSp delSp modSp add del">
+        <pc:chgData name="Andrei Daniel Ivan" userId="d3c4cde5a19fb9a3" providerId="LiveId" clId="{43CC9881-2FEC-47B1-AC96-5220636F8AE5}" dt="2019-10-28T15:20:18.303" v="4" actId="2696"/>
+        <pc:sldMkLst>
+          <pc:docMk/>
+          <pc:sldMk cId="247021631" sldId="268"/>
+        </pc:sldMkLst>
+        <pc:spChg chg="del">
+          <ac:chgData name="Andrei Daniel Ivan" userId="d3c4cde5a19fb9a3" providerId="LiveId" clId="{43CC9881-2FEC-47B1-AC96-5220636F8AE5}" dt="2019-10-28T15:19:46.562" v="1" actId="478"/>
+          <ac:spMkLst>
+            <pc:docMk/>
+            <pc:sldMk cId="247021631" sldId="268"/>
+            <ac:spMk id="4" creationId="{53201F81-8510-4C74-BAB4-1DBFEB2D3B79}"/>
+          </ac:spMkLst>
+        </pc:spChg>
+        <pc:spChg chg="add mod">
+          <ac:chgData name="Andrei Daniel Ivan" userId="d3c4cde5a19fb9a3" providerId="LiveId" clId="{43CC9881-2FEC-47B1-AC96-5220636F8AE5}" dt="2019-10-28T15:20:05.887" v="3"/>
+          <ac:spMkLst>
+            <pc:docMk/>
+            <pc:sldMk cId="247021631" sldId="268"/>
+            <ac:spMk id="5" creationId="{C2DEA1E2-8272-4188-9D3B-D540F5E3A6EB}"/>
+          </ac:spMkLst>
+        </pc:spChg>
+      </pc:sldChg>
+      <pc:sldChg chg="addSp delSp modSp add">
+        <pc:chgData name="Andrei Daniel Ivan" userId="d3c4cde5a19fb9a3" providerId="LiveId" clId="{43CC9881-2FEC-47B1-AC96-5220636F8AE5}" dt="2019-10-28T15:35:31.051" v="450" actId="14100"/>
+        <pc:sldMkLst>
+          <pc:docMk/>
+          <pc:sldMk cId="3834406972" sldId="268"/>
+        </pc:sldMkLst>
+        <pc:spChg chg="mod">
+          <ac:chgData name="Andrei Daniel Ivan" userId="d3c4cde5a19fb9a3" providerId="LiveId" clId="{43CC9881-2FEC-47B1-AC96-5220636F8AE5}" dt="2019-10-28T15:25:43.552" v="192" actId="20577"/>
+          <ac:spMkLst>
+            <pc:docMk/>
+            <pc:sldMk cId="3834406972" sldId="268"/>
+            <ac:spMk id="2" creationId="{F1DDE7A4-1A5F-4F0D-B842-7798EDC6EDA8}"/>
+          </ac:spMkLst>
+        </pc:spChg>
+        <pc:spChg chg="del">
+          <ac:chgData name="Andrei Daniel Ivan" userId="d3c4cde5a19fb9a3" providerId="LiveId" clId="{43CC9881-2FEC-47B1-AC96-5220636F8AE5}" dt="2019-10-28T15:21:39.397" v="10" actId="478"/>
+          <ac:spMkLst>
+            <pc:docMk/>
+            <pc:sldMk cId="3834406972" sldId="268"/>
+            <ac:spMk id="4" creationId="{53201F81-8510-4C74-BAB4-1DBFEB2D3B79}"/>
+          </ac:spMkLst>
+        </pc:spChg>
+        <pc:spChg chg="add mod">
+          <ac:chgData name="Andrei Daniel Ivan" userId="d3c4cde5a19fb9a3" providerId="LiveId" clId="{43CC9881-2FEC-47B1-AC96-5220636F8AE5}" dt="2019-10-28T15:32:30.092" v="204" actId="20577"/>
+          <ac:spMkLst>
+            <pc:docMk/>
+            <pc:sldMk cId="3834406972" sldId="268"/>
+            <ac:spMk id="5" creationId="{16613504-0E07-4823-8604-71855244FD7C}"/>
+          </ac:spMkLst>
+        </pc:spChg>
+        <pc:spChg chg="add mod">
+          <ac:chgData name="Andrei Daniel Ivan" userId="d3c4cde5a19fb9a3" providerId="LiveId" clId="{43CC9881-2FEC-47B1-AC96-5220636F8AE5}" dt="2019-10-28T15:35:31.051" v="450" actId="14100"/>
+          <ac:spMkLst>
+            <pc:docMk/>
+            <pc:sldMk cId="3834406972" sldId="268"/>
+            <ac:spMk id="6" creationId="{D05C6D4C-6676-4E9C-880E-E4180C031C74}"/>
+          </ac:spMkLst>
+        </pc:spChg>
+      </pc:sldChg>
+      <pc:sldChg chg="addSp modSp add">
+        <pc:chgData name="Andrei Daniel Ivan" userId="d3c4cde5a19fb9a3" providerId="LiveId" clId="{43CC9881-2FEC-47B1-AC96-5220636F8AE5}" dt="2019-10-28T15:40:14.507" v="841" actId="14100"/>
+        <pc:sldMkLst>
+          <pc:docMk/>
+          <pc:sldMk cId="1629653739" sldId="269"/>
+        </pc:sldMkLst>
+        <pc:spChg chg="mod">
+          <ac:chgData name="Andrei Daniel Ivan" userId="d3c4cde5a19fb9a3" providerId="LiveId" clId="{43CC9881-2FEC-47B1-AC96-5220636F8AE5}" dt="2019-10-28T15:26:34.411" v="195" actId="20577"/>
+          <ac:spMkLst>
+            <pc:docMk/>
+            <pc:sldMk cId="1629653739" sldId="269"/>
+            <ac:spMk id="2" creationId="{F1DDE7A4-1A5F-4F0D-B842-7798EDC6EDA8}"/>
+          </ac:spMkLst>
+        </pc:spChg>
+        <pc:spChg chg="add mod">
+          <ac:chgData name="Andrei Daniel Ivan" userId="d3c4cde5a19fb9a3" providerId="LiveId" clId="{43CC9881-2FEC-47B1-AC96-5220636F8AE5}" dt="2019-10-28T15:40:14.507" v="841" actId="14100"/>
+          <ac:spMkLst>
+            <pc:docMk/>
+            <pc:sldMk cId="1629653739" sldId="269"/>
+            <ac:spMk id="4" creationId="{3142C27D-66B6-4EC5-B175-799DACA0D343}"/>
+          </ac:spMkLst>
+        </pc:spChg>
+        <pc:spChg chg="mod">
+          <ac:chgData name="Andrei Daniel Ivan" userId="d3c4cde5a19fb9a3" providerId="LiveId" clId="{43CC9881-2FEC-47B1-AC96-5220636F8AE5}" dt="2019-10-28T15:28:02.796" v="202" actId="2710"/>
+          <ac:spMkLst>
+            <pc:docMk/>
+            <pc:sldMk cId="1629653739" sldId="269"/>
+            <ac:spMk id="5" creationId="{16613504-0E07-4823-8604-71855244FD7C}"/>
+          </ac:spMkLst>
+        </pc:spChg>
+      </pc:sldChg>
+      <pc:sldChg chg="modSp add ord">
+        <pc:chgData name="Andrei Daniel Ivan" userId="d3c4cde5a19fb9a3" providerId="LiveId" clId="{43CC9881-2FEC-47B1-AC96-5220636F8AE5}" dt="2019-10-28T15:41:48.884" v="885" actId="20577"/>
+        <pc:sldMkLst>
+          <pc:docMk/>
+          <pc:sldMk cId="234433866" sldId="270"/>
+        </pc:sldMkLst>
+        <pc:spChg chg="mod">
+          <ac:chgData name="Andrei Daniel Ivan" userId="d3c4cde5a19fb9a3" providerId="LiveId" clId="{43CC9881-2FEC-47B1-AC96-5220636F8AE5}" dt="2019-10-28T15:41:48.884" v="885" actId="20577"/>
+          <ac:spMkLst>
+            <pc:docMk/>
+            <pc:sldMk cId="234433866" sldId="270"/>
+            <ac:spMk id="2" creationId="{F1DDE7A4-1A5F-4F0D-B842-7798EDC6EDA8}"/>
           </ac:spMkLst>
         </pc:spChg>
       </pc:sldChg>
@@ -1202,7 +1329,7 @@
           <a:p>
             <a:fld id="{227EB8F9-9849-4F1B-8247-B2B87148EF6E}" type="datetimeFigureOut">
               <a:rPr lang="it-IT" smtClean="0"/>
-              <a:t>26/10/2019</a:t>
+              <a:t>28/10/2019</a:t>
             </a:fld>
             <a:endParaRPr lang="it-IT"/>
           </a:p>
@@ -1600,7 +1727,7 @@
           <a:p>
             <a:fld id="{519C5307-3A56-4F91-8FB2-60E4C7C3FF23}" type="datetime1">
               <a:rPr lang="it-IT" smtClean="0"/>
-              <a:t>26/10/2019</a:t>
+              <a:t>28/10/2019</a:t>
             </a:fld>
             <a:endParaRPr lang="it-IT"/>
           </a:p>
@@ -1771,7 +1898,7 @@
           <a:p>
             <a:fld id="{519C5307-3A56-4F91-8FB2-60E4C7C3FF23}" type="datetime1">
               <a:rPr lang="it-IT" smtClean="0"/>
-              <a:t>26/10/2019</a:t>
+              <a:t>28/10/2019</a:t>
             </a:fld>
             <a:endParaRPr lang="it-IT"/>
           </a:p>
@@ -1952,7 +2079,7 @@
           <a:p>
             <a:fld id="{519C5307-3A56-4F91-8FB2-60E4C7C3FF23}" type="datetime1">
               <a:rPr lang="it-IT" smtClean="0"/>
-              <a:t>26/10/2019</a:t>
+              <a:t>28/10/2019</a:t>
             </a:fld>
             <a:endParaRPr lang="it-IT"/>
           </a:p>
@@ -2123,7 +2250,7 @@
           <a:p>
             <a:fld id="{519C5307-3A56-4F91-8FB2-60E4C7C3FF23}" type="datetime1">
               <a:rPr lang="it-IT" smtClean="0"/>
-              <a:t>26/10/2019</a:t>
+              <a:t>28/10/2019</a:t>
             </a:fld>
             <a:endParaRPr lang="it-IT"/>
           </a:p>
@@ -2370,7 +2497,7 @@
           <a:p>
             <a:fld id="{519C5307-3A56-4F91-8FB2-60E4C7C3FF23}" type="datetime1">
               <a:rPr lang="it-IT" smtClean="0"/>
-              <a:t>26/10/2019</a:t>
+              <a:t>28/10/2019</a:t>
             </a:fld>
             <a:endParaRPr lang="it-IT"/>
           </a:p>
@@ -2603,7 +2730,7 @@
           <a:p>
             <a:fld id="{519C5307-3A56-4F91-8FB2-60E4C7C3FF23}" type="datetime1">
               <a:rPr lang="it-IT" smtClean="0"/>
-              <a:t>26/10/2019</a:t>
+              <a:t>28/10/2019</a:t>
             </a:fld>
             <a:endParaRPr lang="it-IT"/>
           </a:p>
@@ -2971,7 +3098,7 @@
           <a:p>
             <a:fld id="{519C5307-3A56-4F91-8FB2-60E4C7C3FF23}" type="datetime1">
               <a:rPr lang="it-IT" smtClean="0"/>
-              <a:t>26/10/2019</a:t>
+              <a:t>28/10/2019</a:t>
             </a:fld>
             <a:endParaRPr lang="it-IT"/>
           </a:p>
@@ -3090,7 +3217,7 @@
           <a:p>
             <a:fld id="{519C5307-3A56-4F91-8FB2-60E4C7C3FF23}" type="datetime1">
               <a:rPr lang="it-IT" smtClean="0"/>
-              <a:t>26/10/2019</a:t>
+              <a:t>28/10/2019</a:t>
             </a:fld>
             <a:endParaRPr lang="it-IT"/>
           </a:p>
@@ -3186,7 +3313,7 @@
           <a:p>
             <a:fld id="{519C5307-3A56-4F91-8FB2-60E4C7C3FF23}" type="datetime1">
               <a:rPr lang="it-IT" smtClean="0"/>
-              <a:t>26/10/2019</a:t>
+              <a:t>28/10/2019</a:t>
             </a:fld>
             <a:endParaRPr lang="it-IT"/>
           </a:p>
@@ -3464,7 +3591,7 @@
           <a:p>
             <a:fld id="{519C5307-3A56-4F91-8FB2-60E4C7C3FF23}" type="datetime1">
               <a:rPr lang="it-IT" smtClean="0"/>
-              <a:t>26/10/2019</a:t>
+              <a:t>28/10/2019</a:t>
             </a:fld>
             <a:endParaRPr lang="it-IT"/>
           </a:p>
@@ -3722,7 +3849,7 @@
           <a:p>
             <a:fld id="{519C5307-3A56-4F91-8FB2-60E4C7C3FF23}" type="datetime1">
               <a:rPr lang="it-IT" smtClean="0"/>
-              <a:t>26/10/2019</a:t>
+              <a:t>28/10/2019</a:t>
             </a:fld>
             <a:endParaRPr lang="it-IT"/>
           </a:p>
@@ -3936,7 +4063,7 @@
           <a:p>
             <a:fld id="{519C5307-3A56-4F91-8FB2-60E4C7C3FF23}" type="datetime1">
               <a:rPr lang="it-IT" smtClean="0"/>
-              <a:t>26/10/2019</a:t>
+              <a:t>28/10/2019</a:t>
             </a:fld>
             <a:endParaRPr lang="it-IT"/>
           </a:p>
@@ -5344,7 +5471,7 @@
         </p:nvSpPr>
         <p:spPr>
           <a:xfrm>
-            <a:off x="4814277" y="5631184"/>
+            <a:off x="4819974" y="5631184"/>
             <a:ext cx="4306628" cy="307777"/>
           </a:xfrm>
           <a:prstGeom prst="rect">
@@ -5441,7 +5568,7 @@
                 </a:solidFill>
                 <a:latin typeface="Avenir Next LT Pro Light" panose="020B0304020202020204" pitchFamily="34" charset="0"/>
               </a:rPr>
-              <a:t>Schema C/S con connessione (UDP)</a:t>
+              <a:t>Codice Client UDP (1)</a:t>
             </a:r>
           </a:p>
         </p:txBody>
@@ -5475,6 +5602,3616 @@
           </a:p>
         </p:txBody>
       </p:sp>
+      <p:sp>
+        <p:nvSpPr>
+          <p:cNvPr id="5" name="CasellaDiTesto 4">
+            <a:extLst>
+              <a:ext uri="{FF2B5EF4-FFF2-40B4-BE49-F238E27FC236}">
+                <a16:creationId xmlns:a16="http://schemas.microsoft.com/office/drawing/2014/main" id="{16613504-0E07-4823-8604-71855244FD7C}"/>
+              </a:ext>
+            </a:extLst>
+          </p:cNvPr>
+          <p:cNvSpPr txBox="1"/>
+          <p:nvPr/>
+        </p:nvSpPr>
+        <p:spPr>
+          <a:xfrm>
+            <a:off x="503280" y="1171324"/>
+            <a:ext cx="11155320" cy="5048626"/>
+          </a:xfrm>
+          <a:prstGeom prst="rect">
+            <a:avLst/>
+          </a:prstGeom>
+          <a:noFill/>
+        </p:spPr>
+        <p:txBody>
+          <a:bodyPr wrap="square" rtlCol="0">
+            <a:spAutoFit/>
+          </a:bodyPr>
+          <a:lstStyle/>
+          <a:p>
+            <a:pPr>
+              <a:lnSpc>
+                <a:spcPct val="150000"/>
+              </a:lnSpc>
+              <a:spcAft>
+                <a:spcPts val="0"/>
+              </a:spcAft>
+            </a:pPr>
+            <a:r>
+              <a:rPr lang="it-IT" sz="1200" dirty="0" err="1">
+                <a:solidFill>
+                  <a:srgbClr val="DCDCAA"/>
+                </a:solidFill>
+                <a:latin typeface="Consolas" panose="020B0609020204030204" pitchFamily="49" charset="0"/>
+                <a:ea typeface="Times New Roman" panose="02020603050405020304" pitchFamily="18" charset="0"/>
+                <a:cs typeface="Times New Roman" panose="02020603050405020304" pitchFamily="18" charset="0"/>
+              </a:rPr>
+              <a:t>printf</a:t>
+            </a:r>
+            <a:r>
+              <a:rPr lang="it-IT" sz="1200" dirty="0">
+                <a:solidFill>
+                  <a:srgbClr val="D4D4D4"/>
+                </a:solidFill>
+                <a:latin typeface="Consolas" panose="020B0609020204030204" pitchFamily="49" charset="0"/>
+                <a:ea typeface="Times New Roman" panose="02020603050405020304" pitchFamily="18" charset="0"/>
+                <a:cs typeface="Times New Roman" panose="02020603050405020304" pitchFamily="18" charset="0"/>
+              </a:rPr>
+              <a:t>(</a:t>
+            </a:r>
+            <a:r>
+              <a:rPr lang="it-IT" sz="1200" dirty="0">
+                <a:solidFill>
+                  <a:srgbClr val="CE9178"/>
+                </a:solidFill>
+                <a:latin typeface="Consolas" panose="020B0609020204030204" pitchFamily="49" charset="0"/>
+                <a:ea typeface="Times New Roman" panose="02020603050405020304" pitchFamily="18" charset="0"/>
+                <a:cs typeface="Times New Roman" panose="02020603050405020304" pitchFamily="18" charset="0"/>
+              </a:rPr>
+              <a:t>"Inserire il nome di un file o EOF (CTRL + D) per terminare: "</a:t>
+            </a:r>
+            <a:r>
+              <a:rPr lang="it-IT" sz="1200" dirty="0">
+                <a:solidFill>
+                  <a:srgbClr val="D4D4D4"/>
+                </a:solidFill>
+                <a:latin typeface="Consolas" panose="020B0609020204030204" pitchFamily="49" charset="0"/>
+                <a:ea typeface="Times New Roman" panose="02020603050405020304" pitchFamily="18" charset="0"/>
+                <a:cs typeface="Times New Roman" panose="02020603050405020304" pitchFamily="18" charset="0"/>
+              </a:rPr>
+              <a:t>);</a:t>
+            </a:r>
+            <a:endParaRPr lang="it-IT" sz="1200" dirty="0">
+              <a:solidFill>
+                <a:srgbClr val="C586C0"/>
+              </a:solidFill>
+              <a:latin typeface="Consolas" panose="020B0609020204030204" pitchFamily="49" charset="0"/>
+              <a:ea typeface="Times New Roman" panose="02020603050405020304" pitchFamily="18" charset="0"/>
+              <a:cs typeface="Times New Roman" panose="02020603050405020304" pitchFamily="18" charset="0"/>
+            </a:endParaRPr>
+          </a:p>
+          <a:p>
+            <a:pPr>
+              <a:lnSpc>
+                <a:spcPct val="150000"/>
+              </a:lnSpc>
+              <a:spcAft>
+                <a:spcPts val="0"/>
+              </a:spcAft>
+            </a:pPr>
+            <a:endParaRPr lang="it-IT" sz="1200" dirty="0">
+              <a:solidFill>
+                <a:srgbClr val="C586C0"/>
+              </a:solidFill>
+              <a:latin typeface="Consolas" panose="020B0609020204030204" pitchFamily="49" charset="0"/>
+              <a:ea typeface="Times New Roman" panose="02020603050405020304" pitchFamily="18" charset="0"/>
+              <a:cs typeface="Times New Roman" panose="02020603050405020304" pitchFamily="18" charset="0"/>
+            </a:endParaRPr>
+          </a:p>
+          <a:p>
+            <a:pPr>
+              <a:lnSpc>
+                <a:spcPct val="150000"/>
+              </a:lnSpc>
+              <a:spcAft>
+                <a:spcPts val="0"/>
+              </a:spcAft>
+            </a:pPr>
+            <a:r>
+              <a:rPr lang="it-IT" sz="1200" dirty="0" err="1">
+                <a:solidFill>
+                  <a:srgbClr val="C586C0"/>
+                </a:solidFill>
+                <a:latin typeface="Consolas" panose="020B0609020204030204" pitchFamily="49" charset="0"/>
+                <a:ea typeface="Times New Roman" panose="02020603050405020304" pitchFamily="18" charset="0"/>
+                <a:cs typeface="Times New Roman" panose="02020603050405020304" pitchFamily="18" charset="0"/>
+              </a:rPr>
+              <a:t>while</a:t>
+            </a:r>
+            <a:r>
+              <a:rPr lang="it-IT" sz="1200" dirty="0">
+                <a:solidFill>
+                  <a:srgbClr val="D4D4D4"/>
+                </a:solidFill>
+                <a:latin typeface="Consolas" panose="020B0609020204030204" pitchFamily="49" charset="0"/>
+                <a:ea typeface="Times New Roman" panose="02020603050405020304" pitchFamily="18" charset="0"/>
+                <a:cs typeface="Times New Roman" panose="02020603050405020304" pitchFamily="18" charset="0"/>
+              </a:rPr>
+              <a:t> (</a:t>
+            </a:r>
+            <a:r>
+              <a:rPr lang="it-IT" sz="1200" dirty="0" err="1">
+                <a:solidFill>
+                  <a:srgbClr val="DCDCAA"/>
+                </a:solidFill>
+                <a:latin typeface="Consolas" panose="020B0609020204030204" pitchFamily="49" charset="0"/>
+                <a:ea typeface="Times New Roman" panose="02020603050405020304" pitchFamily="18" charset="0"/>
+                <a:cs typeface="Times New Roman" panose="02020603050405020304" pitchFamily="18" charset="0"/>
+              </a:rPr>
+              <a:t>gets</a:t>
+            </a:r>
+            <a:r>
+              <a:rPr lang="it-IT" sz="1200" dirty="0">
+                <a:solidFill>
+                  <a:srgbClr val="D4D4D4"/>
+                </a:solidFill>
+                <a:latin typeface="Consolas" panose="020B0609020204030204" pitchFamily="49" charset="0"/>
+                <a:ea typeface="Times New Roman" panose="02020603050405020304" pitchFamily="18" charset="0"/>
+                <a:cs typeface="Times New Roman" panose="02020603050405020304" pitchFamily="18" charset="0"/>
+              </a:rPr>
+              <a:t>(</a:t>
+            </a:r>
+            <a:r>
+              <a:rPr lang="it-IT" sz="1200" dirty="0" err="1">
+                <a:solidFill>
+                  <a:srgbClr val="D4D4D4"/>
+                </a:solidFill>
+                <a:latin typeface="Consolas" panose="020B0609020204030204" pitchFamily="49" charset="0"/>
+                <a:ea typeface="Times New Roman" panose="02020603050405020304" pitchFamily="18" charset="0"/>
+                <a:cs typeface="Times New Roman" panose="02020603050405020304" pitchFamily="18" charset="0"/>
+              </a:rPr>
+              <a:t>fileName</a:t>
+            </a:r>
+            <a:r>
+              <a:rPr lang="it-IT" sz="1200" dirty="0">
+                <a:solidFill>
+                  <a:srgbClr val="D4D4D4"/>
+                </a:solidFill>
+                <a:latin typeface="Consolas" panose="020B0609020204030204" pitchFamily="49" charset="0"/>
+                <a:ea typeface="Times New Roman" panose="02020603050405020304" pitchFamily="18" charset="0"/>
+                <a:cs typeface="Times New Roman" panose="02020603050405020304" pitchFamily="18" charset="0"/>
+              </a:rPr>
+              <a:t>)) {</a:t>
+            </a:r>
+            <a:endParaRPr lang="it-IT" sz="1200" dirty="0">
+              <a:latin typeface="Consolas" panose="020B0609020204030204" pitchFamily="49" charset="0"/>
+              <a:ea typeface="Calibri" panose="020F0502020204030204" pitchFamily="34" charset="0"/>
+              <a:cs typeface="Times New Roman" panose="02020603050405020304" pitchFamily="18" charset="0"/>
+            </a:endParaRPr>
+          </a:p>
+          <a:p>
+            <a:pPr>
+              <a:lnSpc>
+                <a:spcPct val="150000"/>
+              </a:lnSpc>
+              <a:spcAft>
+                <a:spcPts val="0"/>
+              </a:spcAft>
+            </a:pPr>
+            <a:r>
+              <a:rPr lang="it-IT" sz="1200" dirty="0">
+                <a:solidFill>
+                  <a:srgbClr val="D4D4D4"/>
+                </a:solidFill>
+                <a:latin typeface="Consolas" panose="020B0609020204030204" pitchFamily="49" charset="0"/>
+                <a:ea typeface="Times New Roman" panose="02020603050405020304" pitchFamily="18" charset="0"/>
+                <a:cs typeface="Times New Roman" panose="02020603050405020304" pitchFamily="18" charset="0"/>
+              </a:rPr>
+              <a:t>        </a:t>
+            </a:r>
+            <a:r>
+              <a:rPr lang="it-IT" sz="1200" dirty="0" err="1">
+                <a:solidFill>
+                  <a:srgbClr val="D4D4D4"/>
+                </a:solidFill>
+                <a:latin typeface="Consolas" panose="020B0609020204030204" pitchFamily="49" charset="0"/>
+                <a:ea typeface="Times New Roman" panose="02020603050405020304" pitchFamily="18" charset="0"/>
+                <a:cs typeface="Times New Roman" panose="02020603050405020304" pitchFamily="18" charset="0"/>
+              </a:rPr>
+              <a:t>nameLength</a:t>
+            </a:r>
+            <a:r>
+              <a:rPr lang="it-IT" sz="1200" dirty="0">
+                <a:solidFill>
+                  <a:srgbClr val="D4D4D4"/>
+                </a:solidFill>
+                <a:latin typeface="Consolas" panose="020B0609020204030204" pitchFamily="49" charset="0"/>
+                <a:ea typeface="Times New Roman" panose="02020603050405020304" pitchFamily="18" charset="0"/>
+                <a:cs typeface="Times New Roman" panose="02020603050405020304" pitchFamily="18" charset="0"/>
+              </a:rPr>
+              <a:t> = </a:t>
+            </a:r>
+            <a:r>
+              <a:rPr lang="it-IT" sz="1200" dirty="0" err="1">
+                <a:solidFill>
+                  <a:srgbClr val="DCDCAA"/>
+                </a:solidFill>
+                <a:latin typeface="Consolas" panose="020B0609020204030204" pitchFamily="49" charset="0"/>
+                <a:ea typeface="Times New Roman" panose="02020603050405020304" pitchFamily="18" charset="0"/>
+                <a:cs typeface="Times New Roman" panose="02020603050405020304" pitchFamily="18" charset="0"/>
+              </a:rPr>
+              <a:t>strlen</a:t>
+            </a:r>
+            <a:r>
+              <a:rPr lang="it-IT" sz="1200" dirty="0">
+                <a:solidFill>
+                  <a:srgbClr val="D4D4D4"/>
+                </a:solidFill>
+                <a:latin typeface="Consolas" panose="020B0609020204030204" pitchFamily="49" charset="0"/>
+                <a:ea typeface="Times New Roman" panose="02020603050405020304" pitchFamily="18" charset="0"/>
+                <a:cs typeface="Times New Roman" panose="02020603050405020304" pitchFamily="18" charset="0"/>
+              </a:rPr>
+              <a:t>(</a:t>
+            </a:r>
+            <a:r>
+              <a:rPr lang="it-IT" sz="1200" dirty="0" err="1">
+                <a:solidFill>
+                  <a:srgbClr val="D4D4D4"/>
+                </a:solidFill>
+                <a:latin typeface="Consolas" panose="020B0609020204030204" pitchFamily="49" charset="0"/>
+                <a:ea typeface="Times New Roman" panose="02020603050405020304" pitchFamily="18" charset="0"/>
+                <a:cs typeface="Times New Roman" panose="02020603050405020304" pitchFamily="18" charset="0"/>
+              </a:rPr>
+              <a:t>fileName</a:t>
+            </a:r>
+            <a:r>
+              <a:rPr lang="it-IT" sz="1200" dirty="0">
+                <a:solidFill>
+                  <a:srgbClr val="D4D4D4"/>
+                </a:solidFill>
+                <a:latin typeface="Consolas" panose="020B0609020204030204" pitchFamily="49" charset="0"/>
+                <a:ea typeface="Times New Roman" panose="02020603050405020304" pitchFamily="18" charset="0"/>
+                <a:cs typeface="Times New Roman" panose="02020603050405020304" pitchFamily="18" charset="0"/>
+              </a:rPr>
+              <a:t>);</a:t>
+            </a:r>
+            <a:endParaRPr lang="it-IT" sz="1200" dirty="0">
+              <a:latin typeface="Consolas" panose="020B0609020204030204" pitchFamily="49" charset="0"/>
+              <a:ea typeface="Calibri" panose="020F0502020204030204" pitchFamily="34" charset="0"/>
+              <a:cs typeface="Times New Roman" panose="02020603050405020304" pitchFamily="18" charset="0"/>
+            </a:endParaRPr>
+          </a:p>
+          <a:p>
+            <a:pPr>
+              <a:lnSpc>
+                <a:spcPct val="150000"/>
+              </a:lnSpc>
+              <a:spcAft>
+                <a:spcPts val="0"/>
+              </a:spcAft>
+            </a:pPr>
+            <a:r>
+              <a:rPr lang="it-IT" sz="1200" dirty="0">
+                <a:solidFill>
+                  <a:srgbClr val="D4D4D4"/>
+                </a:solidFill>
+                <a:latin typeface="Consolas" panose="020B0609020204030204" pitchFamily="49" charset="0"/>
+                <a:ea typeface="Times New Roman" panose="02020603050405020304" pitchFamily="18" charset="0"/>
+                <a:cs typeface="Times New Roman" panose="02020603050405020304" pitchFamily="18" charset="0"/>
+              </a:rPr>
+              <a:t>        </a:t>
+            </a:r>
+            <a:r>
+              <a:rPr lang="it-IT" sz="1200" dirty="0" err="1">
+                <a:solidFill>
+                  <a:srgbClr val="C586C0"/>
+                </a:solidFill>
+                <a:latin typeface="Consolas" panose="020B0609020204030204" pitchFamily="49" charset="0"/>
+                <a:ea typeface="Times New Roman" panose="02020603050405020304" pitchFamily="18" charset="0"/>
+                <a:cs typeface="Times New Roman" panose="02020603050405020304" pitchFamily="18" charset="0"/>
+              </a:rPr>
+              <a:t>if</a:t>
+            </a:r>
+            <a:r>
+              <a:rPr lang="it-IT" sz="1200" dirty="0">
+                <a:solidFill>
+                  <a:srgbClr val="C586C0"/>
+                </a:solidFill>
+                <a:latin typeface="Consolas" panose="020B0609020204030204" pitchFamily="49" charset="0"/>
+                <a:ea typeface="Times New Roman" panose="02020603050405020304" pitchFamily="18" charset="0"/>
+                <a:cs typeface="Times New Roman" panose="02020603050405020304" pitchFamily="18" charset="0"/>
+              </a:rPr>
+              <a:t> </a:t>
+            </a:r>
+            <a:r>
+              <a:rPr lang="it-IT" sz="1200" dirty="0">
+                <a:solidFill>
+                  <a:srgbClr val="D4D4D4"/>
+                </a:solidFill>
+                <a:latin typeface="Consolas" panose="020B0609020204030204" pitchFamily="49" charset="0"/>
+                <a:ea typeface="Times New Roman" panose="02020603050405020304" pitchFamily="18" charset="0"/>
+                <a:cs typeface="Times New Roman" panose="02020603050405020304" pitchFamily="18" charset="0"/>
+              </a:rPr>
+              <a:t>(</a:t>
+            </a:r>
+            <a:r>
+              <a:rPr lang="it-IT" sz="1200" dirty="0" err="1">
+                <a:solidFill>
+                  <a:srgbClr val="D4D4D4"/>
+                </a:solidFill>
+                <a:latin typeface="Consolas" panose="020B0609020204030204" pitchFamily="49" charset="0"/>
+                <a:ea typeface="Times New Roman" panose="02020603050405020304" pitchFamily="18" charset="0"/>
+                <a:cs typeface="Times New Roman" panose="02020603050405020304" pitchFamily="18" charset="0"/>
+              </a:rPr>
+              <a:t>nameLength</a:t>
+            </a:r>
+            <a:r>
+              <a:rPr lang="it-IT" sz="1200" dirty="0">
+                <a:solidFill>
+                  <a:srgbClr val="D4D4D4"/>
+                </a:solidFill>
+                <a:latin typeface="Consolas" panose="020B0609020204030204" pitchFamily="49" charset="0"/>
+                <a:ea typeface="Times New Roman" panose="02020603050405020304" pitchFamily="18" charset="0"/>
+                <a:cs typeface="Times New Roman" panose="02020603050405020304" pitchFamily="18" charset="0"/>
+              </a:rPr>
+              <a:t> &gt; </a:t>
+            </a:r>
+            <a:r>
+              <a:rPr lang="it-IT" sz="1200" dirty="0">
+                <a:solidFill>
+                  <a:srgbClr val="B5CEA8"/>
+                </a:solidFill>
+                <a:latin typeface="Consolas" panose="020B0609020204030204" pitchFamily="49" charset="0"/>
+                <a:ea typeface="Times New Roman" panose="02020603050405020304" pitchFamily="18" charset="0"/>
+                <a:cs typeface="Times New Roman" panose="02020603050405020304" pitchFamily="18" charset="0"/>
+              </a:rPr>
+              <a:t>4</a:t>
+            </a:r>
+            <a:endParaRPr lang="it-IT" sz="1200" dirty="0">
+              <a:latin typeface="Consolas" panose="020B0609020204030204" pitchFamily="49" charset="0"/>
+              <a:ea typeface="Calibri" panose="020F0502020204030204" pitchFamily="34" charset="0"/>
+              <a:cs typeface="Times New Roman" panose="02020603050405020304" pitchFamily="18" charset="0"/>
+            </a:endParaRPr>
+          </a:p>
+          <a:p>
+            <a:pPr>
+              <a:lnSpc>
+                <a:spcPct val="150000"/>
+              </a:lnSpc>
+              <a:spcAft>
+                <a:spcPts val="0"/>
+              </a:spcAft>
+            </a:pPr>
+            <a:r>
+              <a:rPr lang="it-IT" sz="1200" dirty="0">
+                <a:solidFill>
+                  <a:srgbClr val="D4D4D4"/>
+                </a:solidFill>
+                <a:latin typeface="Consolas" panose="020B0609020204030204" pitchFamily="49" charset="0"/>
+                <a:ea typeface="Times New Roman" panose="02020603050405020304" pitchFamily="18" charset="0"/>
+                <a:cs typeface="Times New Roman" panose="02020603050405020304" pitchFamily="18" charset="0"/>
+              </a:rPr>
+              <a:t>            &amp;&amp; </a:t>
+            </a:r>
+            <a:r>
+              <a:rPr lang="it-IT" sz="1200" dirty="0" err="1">
+                <a:solidFill>
+                  <a:srgbClr val="9CDCFE"/>
+                </a:solidFill>
+                <a:latin typeface="Consolas" panose="020B0609020204030204" pitchFamily="49" charset="0"/>
+                <a:ea typeface="Times New Roman" panose="02020603050405020304" pitchFamily="18" charset="0"/>
+                <a:cs typeface="Times New Roman" panose="02020603050405020304" pitchFamily="18" charset="0"/>
+              </a:rPr>
+              <a:t>fileName</a:t>
+            </a:r>
+            <a:r>
+              <a:rPr lang="it-IT" sz="1200" dirty="0">
+                <a:solidFill>
+                  <a:srgbClr val="D4D4D4"/>
+                </a:solidFill>
+                <a:latin typeface="Consolas" panose="020B0609020204030204" pitchFamily="49" charset="0"/>
+                <a:ea typeface="Times New Roman" panose="02020603050405020304" pitchFamily="18" charset="0"/>
+                <a:cs typeface="Times New Roman" panose="02020603050405020304" pitchFamily="18" charset="0"/>
+              </a:rPr>
+              <a:t>[nameLength-</a:t>
+            </a:r>
+            <a:r>
+              <a:rPr lang="it-IT" sz="1200" dirty="0">
+                <a:solidFill>
+                  <a:srgbClr val="B5CEA8"/>
+                </a:solidFill>
+                <a:latin typeface="Consolas" panose="020B0609020204030204" pitchFamily="49" charset="0"/>
+                <a:ea typeface="Times New Roman" panose="02020603050405020304" pitchFamily="18" charset="0"/>
+                <a:cs typeface="Times New Roman" panose="02020603050405020304" pitchFamily="18" charset="0"/>
+              </a:rPr>
+              <a:t>4</a:t>
+            </a:r>
+            <a:r>
+              <a:rPr lang="it-IT" sz="1200" dirty="0">
+                <a:solidFill>
+                  <a:srgbClr val="D4D4D4"/>
+                </a:solidFill>
+                <a:latin typeface="Consolas" panose="020B0609020204030204" pitchFamily="49" charset="0"/>
+                <a:ea typeface="Times New Roman" panose="02020603050405020304" pitchFamily="18" charset="0"/>
+                <a:cs typeface="Times New Roman" panose="02020603050405020304" pitchFamily="18" charset="0"/>
+              </a:rPr>
+              <a:t>] == </a:t>
+            </a:r>
+            <a:r>
+              <a:rPr lang="it-IT" sz="1200" dirty="0">
+                <a:solidFill>
+                  <a:srgbClr val="CE9178"/>
+                </a:solidFill>
+                <a:latin typeface="Consolas" panose="020B0609020204030204" pitchFamily="49" charset="0"/>
+                <a:ea typeface="Times New Roman" panose="02020603050405020304" pitchFamily="18" charset="0"/>
+                <a:cs typeface="Times New Roman" panose="02020603050405020304" pitchFamily="18" charset="0"/>
+              </a:rPr>
+              <a:t>'.'</a:t>
+            </a:r>
+            <a:endParaRPr lang="it-IT" sz="1200" dirty="0">
+              <a:latin typeface="Consolas" panose="020B0609020204030204" pitchFamily="49" charset="0"/>
+              <a:ea typeface="Calibri" panose="020F0502020204030204" pitchFamily="34" charset="0"/>
+              <a:cs typeface="Times New Roman" panose="02020603050405020304" pitchFamily="18" charset="0"/>
+            </a:endParaRPr>
+          </a:p>
+          <a:p>
+            <a:pPr>
+              <a:lnSpc>
+                <a:spcPct val="150000"/>
+              </a:lnSpc>
+              <a:spcAft>
+                <a:spcPts val="0"/>
+              </a:spcAft>
+            </a:pPr>
+            <a:r>
+              <a:rPr lang="it-IT" sz="1200" dirty="0">
+                <a:solidFill>
+                  <a:srgbClr val="D4D4D4"/>
+                </a:solidFill>
+                <a:latin typeface="Consolas" panose="020B0609020204030204" pitchFamily="49" charset="0"/>
+                <a:ea typeface="Times New Roman" panose="02020603050405020304" pitchFamily="18" charset="0"/>
+                <a:cs typeface="Times New Roman" panose="02020603050405020304" pitchFamily="18" charset="0"/>
+              </a:rPr>
+              <a:t>            &amp;&amp; </a:t>
+            </a:r>
+            <a:r>
+              <a:rPr lang="it-IT" sz="1200" dirty="0" err="1">
+                <a:solidFill>
+                  <a:srgbClr val="9CDCFE"/>
+                </a:solidFill>
+                <a:latin typeface="Consolas" panose="020B0609020204030204" pitchFamily="49" charset="0"/>
+                <a:ea typeface="Times New Roman" panose="02020603050405020304" pitchFamily="18" charset="0"/>
+                <a:cs typeface="Times New Roman" panose="02020603050405020304" pitchFamily="18" charset="0"/>
+              </a:rPr>
+              <a:t>fileName</a:t>
+            </a:r>
+            <a:r>
+              <a:rPr lang="it-IT" sz="1200" dirty="0">
+                <a:solidFill>
+                  <a:srgbClr val="D4D4D4"/>
+                </a:solidFill>
+                <a:latin typeface="Consolas" panose="020B0609020204030204" pitchFamily="49" charset="0"/>
+                <a:ea typeface="Times New Roman" panose="02020603050405020304" pitchFamily="18" charset="0"/>
+                <a:cs typeface="Times New Roman" panose="02020603050405020304" pitchFamily="18" charset="0"/>
+              </a:rPr>
+              <a:t>[nameLength-</a:t>
+            </a:r>
+            <a:r>
+              <a:rPr lang="it-IT" sz="1200" dirty="0">
+                <a:solidFill>
+                  <a:srgbClr val="B5CEA8"/>
+                </a:solidFill>
+                <a:latin typeface="Consolas" panose="020B0609020204030204" pitchFamily="49" charset="0"/>
+                <a:ea typeface="Times New Roman" panose="02020603050405020304" pitchFamily="18" charset="0"/>
+                <a:cs typeface="Times New Roman" panose="02020603050405020304" pitchFamily="18" charset="0"/>
+              </a:rPr>
+              <a:t>3</a:t>
+            </a:r>
+            <a:r>
+              <a:rPr lang="it-IT" sz="1200" dirty="0">
+                <a:solidFill>
+                  <a:srgbClr val="D4D4D4"/>
+                </a:solidFill>
+                <a:latin typeface="Consolas" panose="020B0609020204030204" pitchFamily="49" charset="0"/>
+                <a:ea typeface="Times New Roman" panose="02020603050405020304" pitchFamily="18" charset="0"/>
+                <a:cs typeface="Times New Roman" panose="02020603050405020304" pitchFamily="18" charset="0"/>
+              </a:rPr>
+              <a:t>] == </a:t>
+            </a:r>
+            <a:r>
+              <a:rPr lang="it-IT" sz="1200" dirty="0">
+                <a:solidFill>
+                  <a:srgbClr val="CE9178"/>
+                </a:solidFill>
+                <a:latin typeface="Consolas" panose="020B0609020204030204" pitchFamily="49" charset="0"/>
+                <a:ea typeface="Times New Roman" panose="02020603050405020304" pitchFamily="18" charset="0"/>
+                <a:cs typeface="Times New Roman" panose="02020603050405020304" pitchFamily="18" charset="0"/>
+              </a:rPr>
+              <a:t>'t'</a:t>
+            </a:r>
+            <a:endParaRPr lang="it-IT" sz="1200" dirty="0">
+              <a:latin typeface="Consolas" panose="020B0609020204030204" pitchFamily="49" charset="0"/>
+              <a:ea typeface="Calibri" panose="020F0502020204030204" pitchFamily="34" charset="0"/>
+              <a:cs typeface="Times New Roman" panose="02020603050405020304" pitchFamily="18" charset="0"/>
+            </a:endParaRPr>
+          </a:p>
+          <a:p>
+            <a:pPr>
+              <a:lnSpc>
+                <a:spcPct val="150000"/>
+              </a:lnSpc>
+              <a:spcAft>
+                <a:spcPts val="0"/>
+              </a:spcAft>
+            </a:pPr>
+            <a:r>
+              <a:rPr lang="it-IT" sz="1200" dirty="0">
+                <a:solidFill>
+                  <a:srgbClr val="D4D4D4"/>
+                </a:solidFill>
+                <a:latin typeface="Consolas" panose="020B0609020204030204" pitchFamily="49" charset="0"/>
+                <a:ea typeface="Times New Roman" panose="02020603050405020304" pitchFamily="18" charset="0"/>
+                <a:cs typeface="Times New Roman" panose="02020603050405020304" pitchFamily="18" charset="0"/>
+              </a:rPr>
+              <a:t>            &amp;&amp; </a:t>
+            </a:r>
+            <a:r>
+              <a:rPr lang="it-IT" sz="1200" dirty="0" err="1">
+                <a:solidFill>
+                  <a:srgbClr val="9CDCFE"/>
+                </a:solidFill>
+                <a:latin typeface="Consolas" panose="020B0609020204030204" pitchFamily="49" charset="0"/>
+                <a:ea typeface="Times New Roman" panose="02020603050405020304" pitchFamily="18" charset="0"/>
+                <a:cs typeface="Times New Roman" panose="02020603050405020304" pitchFamily="18" charset="0"/>
+              </a:rPr>
+              <a:t>fileName</a:t>
+            </a:r>
+            <a:r>
+              <a:rPr lang="it-IT" sz="1200" dirty="0">
+                <a:solidFill>
+                  <a:srgbClr val="D4D4D4"/>
+                </a:solidFill>
+                <a:latin typeface="Consolas" panose="020B0609020204030204" pitchFamily="49" charset="0"/>
+                <a:ea typeface="Times New Roman" panose="02020603050405020304" pitchFamily="18" charset="0"/>
+                <a:cs typeface="Times New Roman" panose="02020603050405020304" pitchFamily="18" charset="0"/>
+              </a:rPr>
+              <a:t>[nameLength-</a:t>
+            </a:r>
+            <a:r>
+              <a:rPr lang="it-IT" sz="1200" dirty="0">
+                <a:solidFill>
+                  <a:srgbClr val="B5CEA8"/>
+                </a:solidFill>
+                <a:latin typeface="Consolas" panose="020B0609020204030204" pitchFamily="49" charset="0"/>
+                <a:ea typeface="Times New Roman" panose="02020603050405020304" pitchFamily="18" charset="0"/>
+                <a:cs typeface="Times New Roman" panose="02020603050405020304" pitchFamily="18" charset="0"/>
+              </a:rPr>
+              <a:t>2</a:t>
+            </a:r>
+            <a:r>
+              <a:rPr lang="it-IT" sz="1200" dirty="0">
+                <a:solidFill>
+                  <a:srgbClr val="D4D4D4"/>
+                </a:solidFill>
+                <a:latin typeface="Consolas" panose="020B0609020204030204" pitchFamily="49" charset="0"/>
+                <a:ea typeface="Times New Roman" panose="02020603050405020304" pitchFamily="18" charset="0"/>
+                <a:cs typeface="Times New Roman" panose="02020603050405020304" pitchFamily="18" charset="0"/>
+              </a:rPr>
+              <a:t>] == </a:t>
+            </a:r>
+            <a:r>
+              <a:rPr lang="it-IT" sz="1200" dirty="0">
+                <a:solidFill>
+                  <a:srgbClr val="CE9178"/>
+                </a:solidFill>
+                <a:latin typeface="Consolas" panose="020B0609020204030204" pitchFamily="49" charset="0"/>
+                <a:ea typeface="Times New Roman" panose="02020603050405020304" pitchFamily="18" charset="0"/>
+                <a:cs typeface="Times New Roman" panose="02020603050405020304" pitchFamily="18" charset="0"/>
+              </a:rPr>
+              <a:t>'x'</a:t>
+            </a:r>
+            <a:endParaRPr lang="it-IT" sz="1200" dirty="0">
+              <a:latin typeface="Consolas" panose="020B0609020204030204" pitchFamily="49" charset="0"/>
+              <a:ea typeface="Calibri" panose="020F0502020204030204" pitchFamily="34" charset="0"/>
+              <a:cs typeface="Times New Roman" panose="02020603050405020304" pitchFamily="18" charset="0"/>
+            </a:endParaRPr>
+          </a:p>
+          <a:p>
+            <a:pPr>
+              <a:lnSpc>
+                <a:spcPct val="150000"/>
+              </a:lnSpc>
+              <a:spcAft>
+                <a:spcPts val="0"/>
+              </a:spcAft>
+            </a:pPr>
+            <a:r>
+              <a:rPr lang="it-IT" sz="1200" dirty="0">
+                <a:solidFill>
+                  <a:srgbClr val="D4D4D4"/>
+                </a:solidFill>
+                <a:latin typeface="Consolas" panose="020B0609020204030204" pitchFamily="49" charset="0"/>
+                <a:ea typeface="Times New Roman" panose="02020603050405020304" pitchFamily="18" charset="0"/>
+                <a:cs typeface="Times New Roman" panose="02020603050405020304" pitchFamily="18" charset="0"/>
+              </a:rPr>
+              <a:t>            &amp;&amp; </a:t>
+            </a:r>
+            <a:r>
+              <a:rPr lang="it-IT" sz="1200" dirty="0" err="1">
+                <a:solidFill>
+                  <a:srgbClr val="9CDCFE"/>
+                </a:solidFill>
+                <a:latin typeface="Consolas" panose="020B0609020204030204" pitchFamily="49" charset="0"/>
+                <a:ea typeface="Times New Roman" panose="02020603050405020304" pitchFamily="18" charset="0"/>
+                <a:cs typeface="Times New Roman" panose="02020603050405020304" pitchFamily="18" charset="0"/>
+              </a:rPr>
+              <a:t>fileName</a:t>
+            </a:r>
+            <a:r>
+              <a:rPr lang="it-IT" sz="1200" dirty="0">
+                <a:solidFill>
+                  <a:srgbClr val="D4D4D4"/>
+                </a:solidFill>
+                <a:latin typeface="Consolas" panose="020B0609020204030204" pitchFamily="49" charset="0"/>
+                <a:ea typeface="Times New Roman" panose="02020603050405020304" pitchFamily="18" charset="0"/>
+                <a:cs typeface="Times New Roman" panose="02020603050405020304" pitchFamily="18" charset="0"/>
+              </a:rPr>
+              <a:t>[nameLength-</a:t>
+            </a:r>
+            <a:r>
+              <a:rPr lang="it-IT" sz="1200" dirty="0">
+                <a:solidFill>
+                  <a:srgbClr val="B5CEA8"/>
+                </a:solidFill>
+                <a:latin typeface="Consolas" panose="020B0609020204030204" pitchFamily="49" charset="0"/>
+                <a:ea typeface="Times New Roman" panose="02020603050405020304" pitchFamily="18" charset="0"/>
+                <a:cs typeface="Times New Roman" panose="02020603050405020304" pitchFamily="18" charset="0"/>
+              </a:rPr>
+              <a:t>1</a:t>
+            </a:r>
+            <a:r>
+              <a:rPr lang="it-IT" sz="1200" dirty="0">
+                <a:solidFill>
+                  <a:srgbClr val="D4D4D4"/>
+                </a:solidFill>
+                <a:latin typeface="Consolas" panose="020B0609020204030204" pitchFamily="49" charset="0"/>
+                <a:ea typeface="Times New Roman" panose="02020603050405020304" pitchFamily="18" charset="0"/>
+                <a:cs typeface="Times New Roman" panose="02020603050405020304" pitchFamily="18" charset="0"/>
+              </a:rPr>
+              <a:t>] == </a:t>
+            </a:r>
+            <a:r>
+              <a:rPr lang="it-IT" sz="1200" dirty="0">
+                <a:solidFill>
+                  <a:srgbClr val="CE9178"/>
+                </a:solidFill>
+                <a:latin typeface="Consolas" panose="020B0609020204030204" pitchFamily="49" charset="0"/>
+                <a:ea typeface="Times New Roman" panose="02020603050405020304" pitchFamily="18" charset="0"/>
+                <a:cs typeface="Times New Roman" panose="02020603050405020304" pitchFamily="18" charset="0"/>
+              </a:rPr>
+              <a:t>'t'</a:t>
+            </a:r>
+            <a:r>
+              <a:rPr lang="it-IT" sz="1200" dirty="0">
+                <a:solidFill>
+                  <a:srgbClr val="D4D4D4"/>
+                </a:solidFill>
+                <a:latin typeface="Consolas" panose="020B0609020204030204" pitchFamily="49" charset="0"/>
+                <a:ea typeface="Times New Roman" panose="02020603050405020304" pitchFamily="18" charset="0"/>
+                <a:cs typeface="Times New Roman" panose="02020603050405020304" pitchFamily="18" charset="0"/>
+              </a:rPr>
+              <a:t>) {</a:t>
+            </a:r>
+            <a:endParaRPr lang="it-IT" sz="1200" dirty="0">
+              <a:latin typeface="Consolas" panose="020B0609020204030204" pitchFamily="49" charset="0"/>
+              <a:ea typeface="Calibri" panose="020F0502020204030204" pitchFamily="34" charset="0"/>
+              <a:cs typeface="Times New Roman" panose="02020603050405020304" pitchFamily="18" charset="0"/>
+            </a:endParaRPr>
+          </a:p>
+          <a:p>
+            <a:pPr>
+              <a:lnSpc>
+                <a:spcPct val="150000"/>
+              </a:lnSpc>
+              <a:spcAft>
+                <a:spcPts val="0"/>
+              </a:spcAft>
+            </a:pPr>
+            <a:r>
+              <a:rPr lang="it-IT" sz="1200" dirty="0">
+                <a:solidFill>
+                  <a:srgbClr val="D4D4D4"/>
+                </a:solidFill>
+                <a:latin typeface="Consolas" panose="020B0609020204030204" pitchFamily="49" charset="0"/>
+                <a:ea typeface="Times New Roman" panose="02020603050405020304" pitchFamily="18" charset="0"/>
+                <a:cs typeface="Times New Roman" panose="02020603050405020304" pitchFamily="18" charset="0"/>
+              </a:rPr>
+              <a:t> </a:t>
+            </a:r>
+            <a:endParaRPr lang="it-IT" sz="1200" dirty="0">
+              <a:latin typeface="Consolas" panose="020B0609020204030204" pitchFamily="49" charset="0"/>
+              <a:ea typeface="Calibri" panose="020F0502020204030204" pitchFamily="34" charset="0"/>
+              <a:cs typeface="Times New Roman" panose="02020603050405020304" pitchFamily="18" charset="0"/>
+            </a:endParaRPr>
+          </a:p>
+          <a:p>
+            <a:pPr>
+              <a:lnSpc>
+                <a:spcPct val="150000"/>
+              </a:lnSpc>
+              <a:spcAft>
+                <a:spcPts val="0"/>
+              </a:spcAft>
+            </a:pPr>
+            <a:r>
+              <a:rPr lang="it-IT" sz="1200" dirty="0">
+                <a:solidFill>
+                  <a:srgbClr val="D4D4D4"/>
+                </a:solidFill>
+                <a:latin typeface="Consolas" panose="020B0609020204030204" pitchFamily="49" charset="0"/>
+                <a:ea typeface="Times New Roman" panose="02020603050405020304" pitchFamily="18" charset="0"/>
+                <a:cs typeface="Times New Roman" panose="02020603050405020304" pitchFamily="18" charset="0"/>
+              </a:rPr>
+              <a:t>            </a:t>
+            </a:r>
+            <a:r>
+              <a:rPr lang="it-IT" sz="1200" dirty="0">
+                <a:solidFill>
+                  <a:srgbClr val="6A9955"/>
+                </a:solidFill>
+                <a:latin typeface="Consolas" panose="020B0609020204030204" pitchFamily="49" charset="0"/>
+                <a:ea typeface="Times New Roman" panose="02020603050405020304" pitchFamily="18" charset="0"/>
+                <a:cs typeface="Times New Roman" panose="02020603050405020304" pitchFamily="18" charset="0"/>
+              </a:rPr>
+              <a:t>// Copio l'array</a:t>
+            </a:r>
+            <a:endParaRPr lang="it-IT" sz="1200" dirty="0">
+              <a:latin typeface="Consolas" panose="020B0609020204030204" pitchFamily="49" charset="0"/>
+              <a:ea typeface="Calibri" panose="020F0502020204030204" pitchFamily="34" charset="0"/>
+              <a:cs typeface="Times New Roman" panose="02020603050405020304" pitchFamily="18" charset="0"/>
+            </a:endParaRPr>
+          </a:p>
+          <a:p>
+            <a:pPr>
+              <a:lnSpc>
+                <a:spcPct val="150000"/>
+              </a:lnSpc>
+              <a:spcAft>
+                <a:spcPts val="0"/>
+              </a:spcAft>
+            </a:pPr>
+            <a:r>
+              <a:rPr lang="it-IT" sz="1200" dirty="0">
+                <a:solidFill>
+                  <a:srgbClr val="D4D4D4"/>
+                </a:solidFill>
+                <a:latin typeface="Consolas" panose="020B0609020204030204" pitchFamily="49" charset="0"/>
+                <a:ea typeface="Times New Roman" panose="02020603050405020304" pitchFamily="18" charset="0"/>
+                <a:cs typeface="Times New Roman" panose="02020603050405020304" pitchFamily="18" charset="0"/>
+              </a:rPr>
+              <a:t>            </a:t>
+            </a:r>
+            <a:r>
+              <a:rPr lang="it-IT" sz="1200" dirty="0" err="1">
+                <a:solidFill>
+                  <a:srgbClr val="DCDCAA"/>
+                </a:solidFill>
+                <a:latin typeface="Consolas" panose="020B0609020204030204" pitchFamily="49" charset="0"/>
+                <a:ea typeface="Times New Roman" panose="02020603050405020304" pitchFamily="18" charset="0"/>
+                <a:cs typeface="Times New Roman" panose="02020603050405020304" pitchFamily="18" charset="0"/>
+              </a:rPr>
+              <a:t>memcpy</a:t>
+            </a:r>
+            <a:r>
+              <a:rPr lang="it-IT" sz="1200" dirty="0">
+                <a:solidFill>
+                  <a:srgbClr val="D4D4D4"/>
+                </a:solidFill>
+                <a:latin typeface="Consolas" panose="020B0609020204030204" pitchFamily="49" charset="0"/>
+                <a:ea typeface="Times New Roman" panose="02020603050405020304" pitchFamily="18" charset="0"/>
+                <a:cs typeface="Times New Roman" panose="02020603050405020304" pitchFamily="18" charset="0"/>
+              </a:rPr>
+              <a:t>(&amp;(</a:t>
+            </a:r>
+            <a:r>
+              <a:rPr lang="it-IT" sz="1200" dirty="0" err="1">
+                <a:solidFill>
+                  <a:srgbClr val="9CDCFE"/>
+                </a:solidFill>
+                <a:latin typeface="Consolas" panose="020B0609020204030204" pitchFamily="49" charset="0"/>
+                <a:ea typeface="Times New Roman" panose="02020603050405020304" pitchFamily="18" charset="0"/>
+                <a:cs typeface="Times New Roman" panose="02020603050405020304" pitchFamily="18" charset="0"/>
+              </a:rPr>
+              <a:t>request</a:t>
+            </a:r>
+            <a:r>
+              <a:rPr lang="it-IT" sz="1200" dirty="0" err="1">
+                <a:solidFill>
+                  <a:srgbClr val="D4D4D4"/>
+                </a:solidFill>
+                <a:latin typeface="Consolas" panose="020B0609020204030204" pitchFamily="49" charset="0"/>
+                <a:ea typeface="Times New Roman" panose="02020603050405020304" pitchFamily="18" charset="0"/>
+                <a:cs typeface="Times New Roman" panose="02020603050405020304" pitchFamily="18" charset="0"/>
+              </a:rPr>
+              <a:t>.</a:t>
+            </a:r>
+            <a:r>
+              <a:rPr lang="it-IT" sz="1200" dirty="0" err="1">
+                <a:solidFill>
+                  <a:srgbClr val="9CDCFE"/>
+                </a:solidFill>
+                <a:latin typeface="Consolas" panose="020B0609020204030204" pitchFamily="49" charset="0"/>
+                <a:ea typeface="Times New Roman" panose="02020603050405020304" pitchFamily="18" charset="0"/>
+                <a:cs typeface="Times New Roman" panose="02020603050405020304" pitchFamily="18" charset="0"/>
+              </a:rPr>
+              <a:t>file</a:t>
+            </a:r>
+            <a:r>
+              <a:rPr lang="it-IT" sz="1200" dirty="0">
+                <a:solidFill>
+                  <a:srgbClr val="D4D4D4"/>
+                </a:solidFill>
+                <a:latin typeface="Consolas" panose="020B0609020204030204" pitchFamily="49" charset="0"/>
+                <a:ea typeface="Times New Roman" panose="02020603050405020304" pitchFamily="18" charset="0"/>
+                <a:cs typeface="Times New Roman" panose="02020603050405020304" pitchFamily="18" charset="0"/>
+              </a:rPr>
+              <a:t>), &amp;</a:t>
+            </a:r>
+            <a:r>
+              <a:rPr lang="it-IT" sz="1200" dirty="0" err="1">
+                <a:solidFill>
+                  <a:srgbClr val="D4D4D4"/>
+                </a:solidFill>
+                <a:latin typeface="Consolas" panose="020B0609020204030204" pitchFamily="49" charset="0"/>
+                <a:ea typeface="Times New Roman" panose="02020603050405020304" pitchFamily="18" charset="0"/>
+                <a:cs typeface="Times New Roman" panose="02020603050405020304" pitchFamily="18" charset="0"/>
+              </a:rPr>
+              <a:t>fileName</a:t>
+            </a:r>
+            <a:r>
+              <a:rPr lang="it-IT" sz="1200" dirty="0">
+                <a:solidFill>
+                  <a:srgbClr val="D4D4D4"/>
+                </a:solidFill>
+                <a:latin typeface="Consolas" panose="020B0609020204030204" pitchFamily="49" charset="0"/>
+                <a:ea typeface="Times New Roman" panose="02020603050405020304" pitchFamily="18" charset="0"/>
+                <a:cs typeface="Times New Roman" panose="02020603050405020304" pitchFamily="18" charset="0"/>
+              </a:rPr>
+              <a:t>, </a:t>
+            </a:r>
+            <a:r>
+              <a:rPr lang="it-IT" sz="1200" dirty="0" err="1">
+                <a:solidFill>
+                  <a:srgbClr val="569CD6"/>
+                </a:solidFill>
+                <a:latin typeface="Consolas" panose="020B0609020204030204" pitchFamily="49" charset="0"/>
+                <a:ea typeface="Times New Roman" panose="02020603050405020304" pitchFamily="18" charset="0"/>
+                <a:cs typeface="Times New Roman" panose="02020603050405020304" pitchFamily="18" charset="0"/>
+              </a:rPr>
+              <a:t>sizeof</a:t>
+            </a:r>
+            <a:r>
+              <a:rPr lang="it-IT" sz="1200" dirty="0">
+                <a:solidFill>
+                  <a:srgbClr val="D4D4D4"/>
+                </a:solidFill>
+                <a:latin typeface="Consolas" panose="020B0609020204030204" pitchFamily="49" charset="0"/>
+                <a:ea typeface="Times New Roman" panose="02020603050405020304" pitchFamily="18" charset="0"/>
+                <a:cs typeface="Times New Roman" panose="02020603050405020304" pitchFamily="18" charset="0"/>
+              </a:rPr>
+              <a:t>(</a:t>
+            </a:r>
+            <a:r>
+              <a:rPr lang="it-IT" sz="1200" dirty="0" err="1">
+                <a:solidFill>
+                  <a:srgbClr val="9CDCFE"/>
+                </a:solidFill>
+                <a:latin typeface="Consolas" panose="020B0609020204030204" pitchFamily="49" charset="0"/>
+                <a:ea typeface="Times New Roman" panose="02020603050405020304" pitchFamily="18" charset="0"/>
+                <a:cs typeface="Times New Roman" panose="02020603050405020304" pitchFamily="18" charset="0"/>
+              </a:rPr>
+              <a:t>request</a:t>
+            </a:r>
+            <a:r>
+              <a:rPr lang="it-IT" sz="1200" dirty="0" err="1">
+                <a:solidFill>
+                  <a:srgbClr val="D4D4D4"/>
+                </a:solidFill>
+                <a:latin typeface="Consolas" panose="020B0609020204030204" pitchFamily="49" charset="0"/>
+                <a:ea typeface="Times New Roman" panose="02020603050405020304" pitchFamily="18" charset="0"/>
+                <a:cs typeface="Times New Roman" panose="02020603050405020304" pitchFamily="18" charset="0"/>
+              </a:rPr>
+              <a:t>.</a:t>
+            </a:r>
+            <a:r>
+              <a:rPr lang="it-IT" sz="1200" dirty="0" err="1">
+                <a:solidFill>
+                  <a:srgbClr val="9CDCFE"/>
+                </a:solidFill>
+                <a:latin typeface="Consolas" panose="020B0609020204030204" pitchFamily="49" charset="0"/>
+                <a:ea typeface="Times New Roman" panose="02020603050405020304" pitchFamily="18" charset="0"/>
+                <a:cs typeface="Times New Roman" panose="02020603050405020304" pitchFamily="18" charset="0"/>
+              </a:rPr>
+              <a:t>file</a:t>
+            </a:r>
+            <a:r>
+              <a:rPr lang="it-IT" sz="1200" dirty="0">
+                <a:solidFill>
+                  <a:srgbClr val="D4D4D4"/>
+                </a:solidFill>
+                <a:latin typeface="Consolas" panose="020B0609020204030204" pitchFamily="49" charset="0"/>
+                <a:ea typeface="Times New Roman" panose="02020603050405020304" pitchFamily="18" charset="0"/>
+                <a:cs typeface="Times New Roman" panose="02020603050405020304" pitchFamily="18" charset="0"/>
+              </a:rPr>
+              <a:t>));       </a:t>
+            </a:r>
+            <a:endParaRPr lang="it-IT" sz="1200" dirty="0">
+              <a:latin typeface="Consolas" panose="020B0609020204030204" pitchFamily="49" charset="0"/>
+              <a:ea typeface="Calibri" panose="020F0502020204030204" pitchFamily="34" charset="0"/>
+              <a:cs typeface="Times New Roman" panose="02020603050405020304" pitchFamily="18" charset="0"/>
+            </a:endParaRPr>
+          </a:p>
+          <a:p>
+            <a:pPr>
+              <a:lnSpc>
+                <a:spcPct val="150000"/>
+              </a:lnSpc>
+              <a:spcAft>
+                <a:spcPts val="0"/>
+              </a:spcAft>
+            </a:pPr>
+            <a:r>
+              <a:rPr lang="it-IT" sz="1200" dirty="0">
+                <a:solidFill>
+                  <a:srgbClr val="D4D4D4"/>
+                </a:solidFill>
+                <a:latin typeface="Consolas" panose="020B0609020204030204" pitchFamily="49" charset="0"/>
+                <a:ea typeface="Times New Roman" panose="02020603050405020304" pitchFamily="18" charset="0"/>
+                <a:cs typeface="Times New Roman" panose="02020603050405020304" pitchFamily="18" charset="0"/>
+              </a:rPr>
+              <a:t> </a:t>
+            </a:r>
+            <a:endParaRPr lang="it-IT" sz="1200" dirty="0">
+              <a:latin typeface="Consolas" panose="020B0609020204030204" pitchFamily="49" charset="0"/>
+              <a:ea typeface="Calibri" panose="020F0502020204030204" pitchFamily="34" charset="0"/>
+              <a:cs typeface="Times New Roman" panose="02020603050405020304" pitchFamily="18" charset="0"/>
+            </a:endParaRPr>
+          </a:p>
+          <a:p>
+            <a:pPr>
+              <a:lnSpc>
+                <a:spcPct val="150000"/>
+              </a:lnSpc>
+              <a:spcAft>
+                <a:spcPts val="0"/>
+              </a:spcAft>
+            </a:pPr>
+            <a:r>
+              <a:rPr lang="it-IT" sz="1200" dirty="0">
+                <a:solidFill>
+                  <a:srgbClr val="D4D4D4"/>
+                </a:solidFill>
+                <a:latin typeface="Consolas" panose="020B0609020204030204" pitchFamily="49" charset="0"/>
+                <a:ea typeface="Times New Roman" panose="02020603050405020304" pitchFamily="18" charset="0"/>
+                <a:cs typeface="Times New Roman" panose="02020603050405020304" pitchFamily="18" charset="0"/>
+              </a:rPr>
+              <a:t>            </a:t>
+            </a:r>
+            <a:r>
+              <a:rPr lang="it-IT" sz="1200" dirty="0" err="1">
+                <a:solidFill>
+                  <a:srgbClr val="D4D4D4"/>
+                </a:solidFill>
+                <a:latin typeface="Consolas" panose="020B0609020204030204" pitchFamily="49" charset="0"/>
+                <a:ea typeface="Times New Roman" panose="02020603050405020304" pitchFamily="18" charset="0"/>
+                <a:cs typeface="Times New Roman" panose="02020603050405020304" pitchFamily="18" charset="0"/>
+              </a:rPr>
+              <a:t>length</a:t>
+            </a:r>
+            <a:r>
+              <a:rPr lang="it-IT" sz="1200" dirty="0">
+                <a:solidFill>
+                  <a:srgbClr val="D4D4D4"/>
+                </a:solidFill>
+                <a:latin typeface="Consolas" panose="020B0609020204030204" pitchFamily="49" charset="0"/>
+                <a:ea typeface="Times New Roman" panose="02020603050405020304" pitchFamily="18" charset="0"/>
+                <a:cs typeface="Times New Roman" panose="02020603050405020304" pitchFamily="18" charset="0"/>
+              </a:rPr>
+              <a:t> = </a:t>
+            </a:r>
+            <a:r>
+              <a:rPr lang="it-IT" sz="1200" dirty="0" err="1">
+                <a:solidFill>
+                  <a:srgbClr val="569CD6"/>
+                </a:solidFill>
+                <a:latin typeface="Consolas" panose="020B0609020204030204" pitchFamily="49" charset="0"/>
+                <a:ea typeface="Times New Roman" panose="02020603050405020304" pitchFamily="18" charset="0"/>
+                <a:cs typeface="Times New Roman" panose="02020603050405020304" pitchFamily="18" charset="0"/>
+              </a:rPr>
+              <a:t>sizeof</a:t>
+            </a:r>
+            <a:r>
+              <a:rPr lang="it-IT" sz="1200" dirty="0">
+                <a:solidFill>
+                  <a:srgbClr val="D4D4D4"/>
+                </a:solidFill>
+                <a:latin typeface="Consolas" panose="020B0609020204030204" pitchFamily="49" charset="0"/>
+                <a:ea typeface="Times New Roman" panose="02020603050405020304" pitchFamily="18" charset="0"/>
+                <a:cs typeface="Times New Roman" panose="02020603050405020304" pitchFamily="18" charset="0"/>
+              </a:rPr>
+              <a:t>(</a:t>
+            </a:r>
+            <a:r>
+              <a:rPr lang="it-IT" sz="1200" dirty="0" err="1">
+                <a:solidFill>
+                  <a:srgbClr val="D4D4D4"/>
+                </a:solidFill>
+                <a:latin typeface="Consolas" panose="020B0609020204030204" pitchFamily="49" charset="0"/>
+                <a:ea typeface="Times New Roman" panose="02020603050405020304" pitchFamily="18" charset="0"/>
+                <a:cs typeface="Times New Roman" panose="02020603050405020304" pitchFamily="18" charset="0"/>
+              </a:rPr>
+              <a:t>servaddr</a:t>
+            </a:r>
+            <a:r>
+              <a:rPr lang="it-IT" sz="1200" dirty="0">
+                <a:solidFill>
+                  <a:srgbClr val="D4D4D4"/>
+                </a:solidFill>
+                <a:latin typeface="Consolas" panose="020B0609020204030204" pitchFamily="49" charset="0"/>
+                <a:ea typeface="Times New Roman" panose="02020603050405020304" pitchFamily="18" charset="0"/>
+                <a:cs typeface="Times New Roman" panose="02020603050405020304" pitchFamily="18" charset="0"/>
+              </a:rPr>
+              <a:t>);</a:t>
+            </a:r>
+            <a:endParaRPr lang="it-IT" sz="1200" dirty="0">
+              <a:latin typeface="Consolas" panose="020B0609020204030204" pitchFamily="49" charset="0"/>
+              <a:ea typeface="Calibri" panose="020F0502020204030204" pitchFamily="34" charset="0"/>
+              <a:cs typeface="Times New Roman" panose="02020603050405020304" pitchFamily="18" charset="0"/>
+            </a:endParaRPr>
+          </a:p>
+          <a:p>
+            <a:pPr>
+              <a:lnSpc>
+                <a:spcPct val="150000"/>
+              </a:lnSpc>
+              <a:spcAft>
+                <a:spcPts val="0"/>
+              </a:spcAft>
+            </a:pPr>
+            <a:r>
+              <a:rPr lang="it-IT" sz="1200" dirty="0">
+                <a:solidFill>
+                  <a:srgbClr val="D4D4D4"/>
+                </a:solidFill>
+                <a:latin typeface="Consolas" panose="020B0609020204030204" pitchFamily="49" charset="0"/>
+                <a:ea typeface="Times New Roman" panose="02020603050405020304" pitchFamily="18" charset="0"/>
+                <a:cs typeface="Times New Roman" panose="02020603050405020304" pitchFamily="18" charset="0"/>
+              </a:rPr>
+              <a:t>            </a:t>
+            </a:r>
+            <a:r>
+              <a:rPr lang="it-IT" sz="1200" dirty="0" err="1">
+                <a:solidFill>
+                  <a:srgbClr val="C586C0"/>
+                </a:solidFill>
+                <a:latin typeface="Consolas" panose="020B0609020204030204" pitchFamily="49" charset="0"/>
+                <a:ea typeface="Times New Roman" panose="02020603050405020304" pitchFamily="18" charset="0"/>
+                <a:cs typeface="Times New Roman" panose="02020603050405020304" pitchFamily="18" charset="0"/>
+              </a:rPr>
+              <a:t>if</a:t>
+            </a:r>
+            <a:r>
+              <a:rPr lang="it-IT" sz="1200" dirty="0">
+                <a:solidFill>
+                  <a:srgbClr val="D4D4D4"/>
+                </a:solidFill>
+                <a:latin typeface="Consolas" panose="020B0609020204030204" pitchFamily="49" charset="0"/>
+                <a:ea typeface="Times New Roman" panose="02020603050405020304" pitchFamily="18" charset="0"/>
+                <a:cs typeface="Times New Roman" panose="02020603050405020304" pitchFamily="18" charset="0"/>
+              </a:rPr>
+              <a:t> (</a:t>
+            </a:r>
+            <a:r>
+              <a:rPr lang="it-IT" sz="1200" dirty="0" err="1">
+                <a:solidFill>
+                  <a:srgbClr val="DCDCAA"/>
+                </a:solidFill>
+                <a:latin typeface="Consolas" panose="020B0609020204030204" pitchFamily="49" charset="0"/>
+                <a:ea typeface="Times New Roman" panose="02020603050405020304" pitchFamily="18" charset="0"/>
+                <a:cs typeface="Times New Roman" panose="02020603050405020304" pitchFamily="18" charset="0"/>
+              </a:rPr>
+              <a:t>sendto</a:t>
+            </a:r>
+            <a:r>
+              <a:rPr lang="it-IT" sz="1200" dirty="0">
+                <a:solidFill>
+                  <a:srgbClr val="D4D4D4"/>
+                </a:solidFill>
+                <a:latin typeface="Consolas" panose="020B0609020204030204" pitchFamily="49" charset="0"/>
+                <a:ea typeface="Times New Roman" panose="02020603050405020304" pitchFamily="18" charset="0"/>
+                <a:cs typeface="Times New Roman" panose="02020603050405020304" pitchFamily="18" charset="0"/>
+              </a:rPr>
+              <a:t>(</a:t>
+            </a:r>
+            <a:r>
+              <a:rPr lang="it-IT" sz="1200" dirty="0" err="1">
+                <a:solidFill>
+                  <a:srgbClr val="D4D4D4"/>
+                </a:solidFill>
+                <a:latin typeface="Consolas" panose="020B0609020204030204" pitchFamily="49" charset="0"/>
+                <a:ea typeface="Times New Roman" panose="02020603050405020304" pitchFamily="18" charset="0"/>
+                <a:cs typeface="Times New Roman" panose="02020603050405020304" pitchFamily="18" charset="0"/>
+              </a:rPr>
+              <a:t>socketDescriptor</a:t>
+            </a:r>
+            <a:r>
+              <a:rPr lang="it-IT" sz="1200" dirty="0">
+                <a:solidFill>
+                  <a:srgbClr val="D4D4D4"/>
+                </a:solidFill>
+                <a:latin typeface="Consolas" panose="020B0609020204030204" pitchFamily="49" charset="0"/>
+                <a:ea typeface="Times New Roman" panose="02020603050405020304" pitchFamily="18" charset="0"/>
+                <a:cs typeface="Times New Roman" panose="02020603050405020304" pitchFamily="18" charset="0"/>
+              </a:rPr>
+              <a:t>, &amp;</a:t>
+            </a:r>
+            <a:r>
+              <a:rPr lang="it-IT" sz="1200" dirty="0" err="1">
+                <a:solidFill>
+                  <a:srgbClr val="D4D4D4"/>
+                </a:solidFill>
+                <a:latin typeface="Consolas" panose="020B0609020204030204" pitchFamily="49" charset="0"/>
+                <a:ea typeface="Times New Roman" panose="02020603050405020304" pitchFamily="18" charset="0"/>
+                <a:cs typeface="Times New Roman" panose="02020603050405020304" pitchFamily="18" charset="0"/>
+              </a:rPr>
+              <a:t>request</a:t>
+            </a:r>
+            <a:r>
+              <a:rPr lang="it-IT" sz="1200" dirty="0">
+                <a:solidFill>
+                  <a:srgbClr val="D4D4D4"/>
+                </a:solidFill>
+                <a:latin typeface="Consolas" panose="020B0609020204030204" pitchFamily="49" charset="0"/>
+                <a:ea typeface="Times New Roman" panose="02020603050405020304" pitchFamily="18" charset="0"/>
+                <a:cs typeface="Times New Roman" panose="02020603050405020304" pitchFamily="18" charset="0"/>
+              </a:rPr>
+              <a:t>, </a:t>
+            </a:r>
+            <a:r>
+              <a:rPr lang="it-IT" sz="1200" dirty="0" err="1">
+                <a:solidFill>
+                  <a:srgbClr val="569CD6"/>
+                </a:solidFill>
+                <a:latin typeface="Consolas" panose="020B0609020204030204" pitchFamily="49" charset="0"/>
+                <a:ea typeface="Times New Roman" panose="02020603050405020304" pitchFamily="18" charset="0"/>
+                <a:cs typeface="Times New Roman" panose="02020603050405020304" pitchFamily="18" charset="0"/>
+              </a:rPr>
+              <a:t>sizeof</a:t>
+            </a:r>
+            <a:r>
+              <a:rPr lang="it-IT" sz="1200" dirty="0">
+                <a:solidFill>
+                  <a:srgbClr val="D4D4D4"/>
+                </a:solidFill>
+                <a:latin typeface="Consolas" panose="020B0609020204030204" pitchFamily="49" charset="0"/>
+                <a:ea typeface="Times New Roman" panose="02020603050405020304" pitchFamily="18" charset="0"/>
+                <a:cs typeface="Times New Roman" panose="02020603050405020304" pitchFamily="18" charset="0"/>
+              </a:rPr>
+              <a:t>(</a:t>
+            </a:r>
+            <a:r>
+              <a:rPr lang="it-IT" sz="1200" dirty="0" err="1">
+                <a:solidFill>
+                  <a:srgbClr val="D4D4D4"/>
+                </a:solidFill>
+                <a:latin typeface="Consolas" panose="020B0609020204030204" pitchFamily="49" charset="0"/>
+                <a:ea typeface="Times New Roman" panose="02020603050405020304" pitchFamily="18" charset="0"/>
+                <a:cs typeface="Times New Roman" panose="02020603050405020304" pitchFamily="18" charset="0"/>
+              </a:rPr>
+              <a:t>Request</a:t>
+            </a:r>
+            <a:r>
+              <a:rPr lang="it-IT" sz="1200" dirty="0">
+                <a:solidFill>
+                  <a:srgbClr val="D4D4D4"/>
+                </a:solidFill>
+                <a:latin typeface="Consolas" panose="020B0609020204030204" pitchFamily="49" charset="0"/>
+                <a:ea typeface="Times New Roman" panose="02020603050405020304" pitchFamily="18" charset="0"/>
+                <a:cs typeface="Times New Roman" panose="02020603050405020304" pitchFamily="18" charset="0"/>
+              </a:rPr>
+              <a:t>), </a:t>
+            </a:r>
+            <a:r>
+              <a:rPr lang="it-IT" sz="1200" dirty="0">
+                <a:solidFill>
+                  <a:srgbClr val="B5CEA8"/>
+                </a:solidFill>
+                <a:latin typeface="Consolas" panose="020B0609020204030204" pitchFamily="49" charset="0"/>
+                <a:ea typeface="Times New Roman" panose="02020603050405020304" pitchFamily="18" charset="0"/>
+                <a:cs typeface="Times New Roman" panose="02020603050405020304" pitchFamily="18" charset="0"/>
+              </a:rPr>
+              <a:t>0</a:t>
+            </a:r>
+            <a:r>
+              <a:rPr lang="it-IT" sz="1200" dirty="0">
+                <a:solidFill>
+                  <a:srgbClr val="D4D4D4"/>
+                </a:solidFill>
+                <a:latin typeface="Consolas" panose="020B0609020204030204" pitchFamily="49" charset="0"/>
+                <a:ea typeface="Times New Roman" panose="02020603050405020304" pitchFamily="18" charset="0"/>
+                <a:cs typeface="Times New Roman" panose="02020603050405020304" pitchFamily="18" charset="0"/>
+              </a:rPr>
+              <a:t>, (</a:t>
+            </a:r>
+            <a:r>
+              <a:rPr lang="it-IT" sz="1200" dirty="0" err="1">
+                <a:solidFill>
+                  <a:srgbClr val="569CD6"/>
+                </a:solidFill>
+                <a:latin typeface="Consolas" panose="020B0609020204030204" pitchFamily="49" charset="0"/>
+                <a:ea typeface="Times New Roman" panose="02020603050405020304" pitchFamily="18" charset="0"/>
+                <a:cs typeface="Times New Roman" panose="02020603050405020304" pitchFamily="18" charset="0"/>
+              </a:rPr>
+              <a:t>struct</a:t>
+            </a:r>
+            <a:r>
+              <a:rPr lang="it-IT" sz="1200" dirty="0">
+                <a:solidFill>
+                  <a:srgbClr val="D4D4D4"/>
+                </a:solidFill>
+                <a:latin typeface="Consolas" panose="020B0609020204030204" pitchFamily="49" charset="0"/>
+                <a:ea typeface="Times New Roman" panose="02020603050405020304" pitchFamily="18" charset="0"/>
+                <a:cs typeface="Times New Roman" panose="02020603050405020304" pitchFamily="18" charset="0"/>
+              </a:rPr>
+              <a:t> </a:t>
+            </a:r>
+            <a:r>
+              <a:rPr lang="it-IT" sz="1200" dirty="0" err="1">
+                <a:solidFill>
+                  <a:srgbClr val="D4D4D4"/>
+                </a:solidFill>
+                <a:latin typeface="Consolas" panose="020B0609020204030204" pitchFamily="49" charset="0"/>
+                <a:ea typeface="Times New Roman" panose="02020603050405020304" pitchFamily="18" charset="0"/>
+                <a:cs typeface="Times New Roman" panose="02020603050405020304" pitchFamily="18" charset="0"/>
+              </a:rPr>
+              <a:t>sockaddr</a:t>
+            </a:r>
+            <a:r>
+              <a:rPr lang="it-IT" sz="1200" dirty="0">
+                <a:solidFill>
+                  <a:srgbClr val="D4D4D4"/>
+                </a:solidFill>
+                <a:latin typeface="Consolas" panose="020B0609020204030204" pitchFamily="49" charset="0"/>
+                <a:ea typeface="Times New Roman" panose="02020603050405020304" pitchFamily="18" charset="0"/>
+                <a:cs typeface="Times New Roman" panose="02020603050405020304" pitchFamily="18" charset="0"/>
+              </a:rPr>
+              <a:t>*)&amp;</a:t>
+            </a:r>
+            <a:r>
+              <a:rPr lang="it-IT" sz="1200" dirty="0" err="1">
+                <a:solidFill>
+                  <a:srgbClr val="D4D4D4"/>
+                </a:solidFill>
+                <a:latin typeface="Consolas" panose="020B0609020204030204" pitchFamily="49" charset="0"/>
+                <a:ea typeface="Times New Roman" panose="02020603050405020304" pitchFamily="18" charset="0"/>
+                <a:cs typeface="Times New Roman" panose="02020603050405020304" pitchFamily="18" charset="0"/>
+              </a:rPr>
+              <a:t>servaddr</a:t>
+            </a:r>
+            <a:r>
+              <a:rPr lang="it-IT" sz="1200" dirty="0">
+                <a:solidFill>
+                  <a:srgbClr val="D4D4D4"/>
+                </a:solidFill>
+                <a:latin typeface="Consolas" panose="020B0609020204030204" pitchFamily="49" charset="0"/>
+                <a:ea typeface="Times New Roman" panose="02020603050405020304" pitchFamily="18" charset="0"/>
+                <a:cs typeface="Times New Roman" panose="02020603050405020304" pitchFamily="18" charset="0"/>
+              </a:rPr>
+              <a:t>, </a:t>
+            </a:r>
+            <a:r>
+              <a:rPr lang="it-IT" sz="1200" dirty="0" err="1">
+                <a:solidFill>
+                  <a:srgbClr val="D4D4D4"/>
+                </a:solidFill>
+                <a:latin typeface="Consolas" panose="020B0609020204030204" pitchFamily="49" charset="0"/>
+                <a:ea typeface="Times New Roman" panose="02020603050405020304" pitchFamily="18" charset="0"/>
+                <a:cs typeface="Times New Roman" panose="02020603050405020304" pitchFamily="18" charset="0"/>
+              </a:rPr>
+              <a:t>length</a:t>
+            </a:r>
+            <a:r>
+              <a:rPr lang="it-IT" sz="1200" dirty="0">
+                <a:solidFill>
+                  <a:srgbClr val="D4D4D4"/>
+                </a:solidFill>
+                <a:latin typeface="Consolas" panose="020B0609020204030204" pitchFamily="49" charset="0"/>
+                <a:ea typeface="Times New Roman" panose="02020603050405020304" pitchFamily="18" charset="0"/>
+                <a:cs typeface="Times New Roman" panose="02020603050405020304" pitchFamily="18" charset="0"/>
+              </a:rPr>
+              <a:t>) &lt; </a:t>
+            </a:r>
+            <a:r>
+              <a:rPr lang="it-IT" sz="1200" dirty="0">
+                <a:solidFill>
+                  <a:srgbClr val="B5CEA8"/>
+                </a:solidFill>
+                <a:latin typeface="Consolas" panose="020B0609020204030204" pitchFamily="49" charset="0"/>
+                <a:ea typeface="Times New Roman" panose="02020603050405020304" pitchFamily="18" charset="0"/>
+                <a:cs typeface="Times New Roman" panose="02020603050405020304" pitchFamily="18" charset="0"/>
+              </a:rPr>
+              <a:t>0</a:t>
+            </a:r>
+            <a:r>
+              <a:rPr lang="it-IT" sz="1200" dirty="0">
+                <a:solidFill>
+                  <a:srgbClr val="D4D4D4"/>
+                </a:solidFill>
+                <a:latin typeface="Consolas" panose="020B0609020204030204" pitchFamily="49" charset="0"/>
+                <a:ea typeface="Times New Roman" panose="02020603050405020304" pitchFamily="18" charset="0"/>
+                <a:cs typeface="Times New Roman" panose="02020603050405020304" pitchFamily="18" charset="0"/>
+              </a:rPr>
+              <a:t>) {</a:t>
+            </a:r>
+            <a:endParaRPr lang="it-IT" sz="1200" dirty="0">
+              <a:latin typeface="Consolas" panose="020B0609020204030204" pitchFamily="49" charset="0"/>
+              <a:ea typeface="Calibri" panose="020F0502020204030204" pitchFamily="34" charset="0"/>
+              <a:cs typeface="Times New Roman" panose="02020603050405020304" pitchFamily="18" charset="0"/>
+            </a:endParaRPr>
+          </a:p>
+          <a:p>
+            <a:pPr>
+              <a:lnSpc>
+                <a:spcPct val="150000"/>
+              </a:lnSpc>
+              <a:spcAft>
+                <a:spcPts val="0"/>
+              </a:spcAft>
+            </a:pPr>
+            <a:r>
+              <a:rPr lang="it-IT" sz="1200" dirty="0">
+                <a:solidFill>
+                  <a:srgbClr val="D4D4D4"/>
+                </a:solidFill>
+                <a:latin typeface="Consolas" panose="020B0609020204030204" pitchFamily="49" charset="0"/>
+                <a:ea typeface="Times New Roman" panose="02020603050405020304" pitchFamily="18" charset="0"/>
+                <a:cs typeface="Times New Roman" panose="02020603050405020304" pitchFamily="18" charset="0"/>
+              </a:rPr>
+              <a:t>                </a:t>
+            </a:r>
+            <a:r>
+              <a:rPr lang="it-IT" sz="1200" dirty="0" err="1">
+                <a:solidFill>
+                  <a:srgbClr val="DCDCAA"/>
+                </a:solidFill>
+                <a:latin typeface="Consolas" panose="020B0609020204030204" pitchFamily="49" charset="0"/>
+                <a:ea typeface="Times New Roman" panose="02020603050405020304" pitchFamily="18" charset="0"/>
+                <a:cs typeface="Times New Roman" panose="02020603050405020304" pitchFamily="18" charset="0"/>
+              </a:rPr>
+              <a:t>perror</a:t>
+            </a:r>
+            <a:r>
+              <a:rPr lang="it-IT" sz="1200" dirty="0">
+                <a:solidFill>
+                  <a:srgbClr val="D4D4D4"/>
+                </a:solidFill>
+                <a:latin typeface="Consolas" panose="020B0609020204030204" pitchFamily="49" charset="0"/>
+                <a:ea typeface="Times New Roman" panose="02020603050405020304" pitchFamily="18" charset="0"/>
+                <a:cs typeface="Times New Roman" panose="02020603050405020304" pitchFamily="18" charset="0"/>
+              </a:rPr>
+              <a:t>(</a:t>
+            </a:r>
+            <a:r>
+              <a:rPr lang="it-IT" sz="1200" dirty="0">
+                <a:solidFill>
+                  <a:srgbClr val="CE9178"/>
+                </a:solidFill>
+                <a:latin typeface="Consolas" panose="020B0609020204030204" pitchFamily="49" charset="0"/>
+                <a:ea typeface="Times New Roman" panose="02020603050405020304" pitchFamily="18" charset="0"/>
+                <a:cs typeface="Times New Roman" panose="02020603050405020304" pitchFamily="18" charset="0"/>
+              </a:rPr>
+              <a:t>"Errore nella </a:t>
+            </a:r>
+            <a:r>
+              <a:rPr lang="it-IT" sz="1200" dirty="0" err="1">
+                <a:solidFill>
+                  <a:srgbClr val="CE9178"/>
+                </a:solidFill>
+                <a:latin typeface="Consolas" panose="020B0609020204030204" pitchFamily="49" charset="0"/>
+                <a:ea typeface="Times New Roman" panose="02020603050405020304" pitchFamily="18" charset="0"/>
+                <a:cs typeface="Times New Roman" panose="02020603050405020304" pitchFamily="18" charset="0"/>
+              </a:rPr>
+              <a:t>sendto</a:t>
+            </a:r>
+            <a:r>
+              <a:rPr lang="it-IT" sz="1200" dirty="0">
+                <a:solidFill>
+                  <a:srgbClr val="CE9178"/>
+                </a:solidFill>
+                <a:latin typeface="Consolas" panose="020B0609020204030204" pitchFamily="49" charset="0"/>
+                <a:ea typeface="Times New Roman" panose="02020603050405020304" pitchFamily="18" charset="0"/>
+                <a:cs typeface="Times New Roman" panose="02020603050405020304" pitchFamily="18" charset="0"/>
+              </a:rPr>
+              <a:t>."</a:t>
+            </a:r>
+            <a:r>
+              <a:rPr lang="it-IT" sz="1200" dirty="0">
+                <a:solidFill>
+                  <a:srgbClr val="D4D4D4"/>
+                </a:solidFill>
+                <a:latin typeface="Consolas" panose="020B0609020204030204" pitchFamily="49" charset="0"/>
+                <a:ea typeface="Times New Roman" panose="02020603050405020304" pitchFamily="18" charset="0"/>
+                <a:cs typeface="Times New Roman" panose="02020603050405020304" pitchFamily="18" charset="0"/>
+              </a:rPr>
+              <a:t>);</a:t>
+            </a:r>
+            <a:endParaRPr lang="it-IT" sz="1200" dirty="0">
+              <a:latin typeface="Consolas" panose="020B0609020204030204" pitchFamily="49" charset="0"/>
+              <a:ea typeface="Calibri" panose="020F0502020204030204" pitchFamily="34" charset="0"/>
+              <a:cs typeface="Times New Roman" panose="02020603050405020304" pitchFamily="18" charset="0"/>
+            </a:endParaRPr>
+          </a:p>
+          <a:p>
+            <a:pPr>
+              <a:lnSpc>
+                <a:spcPct val="150000"/>
+              </a:lnSpc>
+              <a:spcAft>
+                <a:spcPts val="0"/>
+              </a:spcAft>
+            </a:pPr>
+            <a:r>
+              <a:rPr lang="it-IT" sz="1200" dirty="0">
+                <a:solidFill>
+                  <a:srgbClr val="D4D4D4"/>
+                </a:solidFill>
+                <a:latin typeface="Consolas" panose="020B0609020204030204" pitchFamily="49" charset="0"/>
+                <a:ea typeface="Times New Roman" panose="02020603050405020304" pitchFamily="18" charset="0"/>
+                <a:cs typeface="Times New Roman" panose="02020603050405020304" pitchFamily="18" charset="0"/>
+              </a:rPr>
+              <a:t>                </a:t>
+            </a:r>
+            <a:r>
+              <a:rPr lang="it-IT" sz="1200" dirty="0">
+                <a:solidFill>
+                  <a:srgbClr val="C586C0"/>
+                </a:solidFill>
+                <a:latin typeface="Consolas" panose="020B0609020204030204" pitchFamily="49" charset="0"/>
+                <a:ea typeface="Times New Roman" panose="02020603050405020304" pitchFamily="18" charset="0"/>
+                <a:cs typeface="Times New Roman" panose="02020603050405020304" pitchFamily="18" charset="0"/>
+              </a:rPr>
+              <a:t>continue</a:t>
+            </a:r>
+            <a:r>
+              <a:rPr lang="it-IT" sz="1200" dirty="0">
+                <a:solidFill>
+                  <a:srgbClr val="D4D4D4"/>
+                </a:solidFill>
+                <a:latin typeface="Consolas" panose="020B0609020204030204" pitchFamily="49" charset="0"/>
+                <a:ea typeface="Times New Roman" panose="02020603050405020304" pitchFamily="18" charset="0"/>
+                <a:cs typeface="Times New Roman" panose="02020603050405020304" pitchFamily="18" charset="0"/>
+              </a:rPr>
+              <a:t>;</a:t>
+            </a:r>
+            <a:endParaRPr lang="it-IT" sz="1200" dirty="0">
+              <a:latin typeface="Consolas" panose="020B0609020204030204" pitchFamily="49" charset="0"/>
+              <a:ea typeface="Calibri" panose="020F0502020204030204" pitchFamily="34" charset="0"/>
+              <a:cs typeface="Times New Roman" panose="02020603050405020304" pitchFamily="18" charset="0"/>
+            </a:endParaRPr>
+          </a:p>
+          <a:p>
+            <a:pPr>
+              <a:lnSpc>
+                <a:spcPct val="150000"/>
+              </a:lnSpc>
+              <a:spcAft>
+                <a:spcPts val="0"/>
+              </a:spcAft>
+            </a:pPr>
+            <a:r>
+              <a:rPr lang="it-IT" sz="1200" dirty="0">
+                <a:solidFill>
+                  <a:srgbClr val="D4D4D4"/>
+                </a:solidFill>
+                <a:latin typeface="Consolas" panose="020B0609020204030204" pitchFamily="49" charset="0"/>
+                <a:ea typeface="Times New Roman" panose="02020603050405020304" pitchFamily="18" charset="0"/>
+                <a:cs typeface="Times New Roman" panose="02020603050405020304" pitchFamily="18" charset="0"/>
+              </a:rPr>
+              <a:t>            }</a:t>
+            </a:r>
+            <a:endParaRPr lang="it-IT" sz="1200" dirty="0">
+              <a:latin typeface="Consolas" panose="020B0609020204030204" pitchFamily="49" charset="0"/>
+              <a:ea typeface="Calibri" panose="020F0502020204030204" pitchFamily="34" charset="0"/>
+              <a:cs typeface="Times New Roman" panose="02020603050405020304" pitchFamily="18" charset="0"/>
+            </a:endParaRPr>
+          </a:p>
+        </p:txBody>
+      </p:sp>
+      <p:sp>
+        <p:nvSpPr>
+          <p:cNvPr id="6" name="Callout: linea 5">
+            <a:extLst>
+              <a:ext uri="{FF2B5EF4-FFF2-40B4-BE49-F238E27FC236}">
+                <a16:creationId xmlns:a16="http://schemas.microsoft.com/office/drawing/2014/main" id="{D05C6D4C-6676-4E9C-880E-E4180C031C74}"/>
+              </a:ext>
+            </a:extLst>
+          </p:cNvPr>
+          <p:cNvSpPr/>
+          <p:nvPr/>
+        </p:nvSpPr>
+        <p:spPr>
+          <a:xfrm>
+            <a:off x="6943725" y="2066925"/>
+            <a:ext cx="3333750" cy="1181100"/>
+          </a:xfrm>
+          <a:prstGeom prst="borderCallout1">
+            <a:avLst>
+              <a:gd name="adj1" fmla="val 58266"/>
+              <a:gd name="adj2" fmla="val -5190"/>
+              <a:gd name="adj3" fmla="val 84274"/>
+              <a:gd name="adj4" fmla="val -68904"/>
+            </a:avLst>
+          </a:prstGeom>
+          <a:solidFill>
+            <a:schemeClr val="accent4"/>
+          </a:solidFill>
+          <a:ln>
+            <a:solidFill>
+              <a:schemeClr val="accent4"/>
+            </a:solidFill>
+          </a:ln>
+        </p:spPr>
+        <p:style>
+          <a:lnRef idx="2">
+            <a:schemeClr val="accent1">
+              <a:shade val="50000"/>
+            </a:schemeClr>
+          </a:lnRef>
+          <a:fillRef idx="1">
+            <a:schemeClr val="accent1"/>
+          </a:fillRef>
+          <a:effectRef idx="0">
+            <a:schemeClr val="accent1"/>
+          </a:effectRef>
+          <a:fontRef idx="minor">
+            <a:schemeClr val="lt1"/>
+          </a:fontRef>
+        </p:style>
+        <p:txBody>
+          <a:bodyPr rtlCol="0" anchor="ctr"/>
+          <a:lstStyle/>
+          <a:p>
+            <a:pPr algn="just"/>
+            <a:r>
+              <a:rPr lang="it-IT" sz="1400" dirty="0">
+                <a:solidFill>
+                  <a:schemeClr val="tx1"/>
+                </a:solidFill>
+                <a:latin typeface="Avenir Next LT Pro Light" panose="020B0304020202020204" pitchFamily="34" charset="0"/>
+              </a:rPr>
+              <a:t>Si prende dall’input il nome del file che l’utente passa e si controlla che sia un file di testo (formato .</a:t>
+            </a:r>
+            <a:r>
+              <a:rPr lang="it-IT" sz="1400" dirty="0" err="1">
+                <a:solidFill>
+                  <a:schemeClr val="tx1"/>
+                </a:solidFill>
+                <a:latin typeface="Avenir Next LT Pro Light" panose="020B0304020202020204" pitchFamily="34" charset="0"/>
+              </a:rPr>
+              <a:t>txt</a:t>
+            </a:r>
+            <a:r>
+              <a:rPr lang="it-IT" sz="1400" dirty="0">
+                <a:solidFill>
+                  <a:schemeClr val="tx1"/>
+                </a:solidFill>
+                <a:latin typeface="Avenir Next LT Pro Light" panose="020B0304020202020204" pitchFamily="34" charset="0"/>
+              </a:rPr>
+              <a:t>); se non lo è, non si fa nulla e si stampa una riga apposita (si veda slide successiva)</a:t>
+            </a:r>
+          </a:p>
+        </p:txBody>
+      </p:sp>
+    </p:spTree>
+    <p:extLst>
+      <p:ext uri="{BB962C8B-B14F-4D97-AF65-F5344CB8AC3E}">
+        <p14:creationId xmlns:p14="http://schemas.microsoft.com/office/powerpoint/2010/main" val="3834406972"/>
+      </p:ext>
+    </p:extLst>
+  </p:cSld>
+  <p:clrMapOvr>
+    <a:masterClrMapping/>
+  </p:clrMapOvr>
+</p:sld>
+</file>
+
+<file path=ppt/slides/slide5.xml><?xml version="1.0" encoding="utf-8"?>
+<p:sld xmlns:a="http://schemas.openxmlformats.org/drawingml/2006/main" xmlns:r="http://schemas.openxmlformats.org/officeDocument/2006/relationships" xmlns:p="http://schemas.openxmlformats.org/presentationml/2006/main">
+  <p:cSld>
+    <p:bg>
+      <p:bgPr>
+        <a:solidFill>
+          <a:srgbClr val="2A2A2A"/>
+        </a:solidFill>
+        <a:effectLst/>
+      </p:bgPr>
+    </p:bg>
+    <p:spTree>
+      <p:nvGrpSpPr>
+        <p:cNvPr id="1" name=""/>
+        <p:cNvGrpSpPr/>
+        <p:nvPr/>
+      </p:nvGrpSpPr>
+      <p:grpSpPr>
+        <a:xfrm>
+          <a:off x="0" y="0"/>
+          <a:ext cx="0" cy="0"/>
+          <a:chOff x="0" y="0"/>
+          <a:chExt cx="0" cy="0"/>
+        </a:xfrm>
+      </p:grpSpPr>
+      <p:sp>
+        <p:nvSpPr>
+          <p:cNvPr id="2" name="Titolo 1">
+            <a:extLst>
+              <a:ext uri="{FF2B5EF4-FFF2-40B4-BE49-F238E27FC236}">
+                <a16:creationId xmlns:a16="http://schemas.microsoft.com/office/drawing/2014/main" id="{F1DDE7A4-1A5F-4F0D-B842-7798EDC6EDA8}"/>
+              </a:ext>
+            </a:extLst>
+          </p:cNvPr>
+          <p:cNvSpPr>
+            <a:spLocks noGrp="1"/>
+          </p:cNvSpPr>
+          <p:nvPr>
+            <p:ph type="title"/>
+          </p:nvPr>
+        </p:nvSpPr>
+        <p:spPr>
+          <a:xfrm>
+            <a:off x="166048" y="92077"/>
+            <a:ext cx="11859904" cy="911224"/>
+          </a:xfrm>
+        </p:spPr>
+        <p:txBody>
+          <a:bodyPr>
+            <a:normAutofit/>
+          </a:bodyPr>
+          <a:lstStyle/>
+          <a:p>
+            <a:pPr algn="ctr"/>
+            <a:r>
+              <a:rPr lang="it-IT" dirty="0">
+                <a:solidFill>
+                  <a:schemeClr val="bg1"/>
+                </a:solidFill>
+                <a:latin typeface="Avenir Next LT Pro Light" panose="020B0304020202020204" pitchFamily="34" charset="0"/>
+              </a:rPr>
+              <a:t>Codice Client UDP (2)</a:t>
+            </a:r>
+          </a:p>
+        </p:txBody>
+      </p:sp>
+      <p:sp>
+        <p:nvSpPr>
+          <p:cNvPr id="3" name="Segnaposto numero diapositiva 2">
+            <a:extLst>
+              <a:ext uri="{FF2B5EF4-FFF2-40B4-BE49-F238E27FC236}">
+                <a16:creationId xmlns:a16="http://schemas.microsoft.com/office/drawing/2014/main" id="{A47D4834-59E8-435C-A95B-F4D997DED51E}"/>
+              </a:ext>
+            </a:extLst>
+          </p:cNvPr>
+          <p:cNvSpPr>
+            <a:spLocks noGrp="1"/>
+          </p:cNvSpPr>
+          <p:nvPr>
+            <p:ph type="sldNum" sz="quarter" idx="12"/>
+          </p:nvPr>
+        </p:nvSpPr>
+        <p:spPr/>
+        <p:txBody>
+          <a:bodyPr/>
+          <a:lstStyle/>
+          <a:p>
+            <a:fld id="{4A6DC286-705F-4A37-A21F-B485E3A29C72}" type="slidenum">
+              <a:rPr lang="it-IT" smtClean="0"/>
+              <a:t>5</a:t>
+            </a:fld>
+            <a:endParaRPr lang="it-IT"/>
+          </a:p>
+        </p:txBody>
+      </p:sp>
+      <p:sp>
+        <p:nvSpPr>
+          <p:cNvPr id="5" name="CasellaDiTesto 4">
+            <a:extLst>
+              <a:ext uri="{FF2B5EF4-FFF2-40B4-BE49-F238E27FC236}">
+                <a16:creationId xmlns:a16="http://schemas.microsoft.com/office/drawing/2014/main" id="{16613504-0E07-4823-8604-71855244FD7C}"/>
+              </a:ext>
+            </a:extLst>
+          </p:cNvPr>
+          <p:cNvSpPr txBox="1"/>
+          <p:nvPr/>
+        </p:nvSpPr>
+        <p:spPr>
+          <a:xfrm>
+            <a:off x="503280" y="1171324"/>
+            <a:ext cx="11155320" cy="5048626"/>
+          </a:xfrm>
+          <a:prstGeom prst="rect">
+            <a:avLst/>
+          </a:prstGeom>
+          <a:noFill/>
+        </p:spPr>
+        <p:txBody>
+          <a:bodyPr wrap="square" rtlCol="0">
+            <a:spAutoFit/>
+          </a:bodyPr>
+          <a:lstStyle/>
+          <a:p>
+            <a:pPr>
+              <a:lnSpc>
+                <a:spcPct val="150000"/>
+              </a:lnSpc>
+              <a:spcAft>
+                <a:spcPts val="0"/>
+              </a:spcAft>
+            </a:pPr>
+            <a:r>
+              <a:rPr lang="it-IT" sz="1200" dirty="0">
+                <a:solidFill>
+                  <a:srgbClr val="D4D4D4"/>
+                </a:solidFill>
+                <a:latin typeface="Consolas" panose="020B0609020204030204" pitchFamily="49" charset="0"/>
+                <a:ea typeface="Times New Roman" panose="02020603050405020304" pitchFamily="18" charset="0"/>
+                <a:cs typeface="Times New Roman" panose="02020603050405020304" pitchFamily="18" charset="0"/>
+              </a:rPr>
+              <a:t>            </a:t>
+            </a:r>
+            <a:r>
+              <a:rPr lang="it-IT" sz="1200" dirty="0" err="1">
+                <a:solidFill>
+                  <a:srgbClr val="C586C0"/>
+                </a:solidFill>
+                <a:latin typeface="Consolas" panose="020B0609020204030204" pitchFamily="49" charset="0"/>
+                <a:ea typeface="Times New Roman" panose="02020603050405020304" pitchFamily="18" charset="0"/>
+                <a:cs typeface="Times New Roman" panose="02020603050405020304" pitchFamily="18" charset="0"/>
+              </a:rPr>
+              <a:t>if</a:t>
+            </a:r>
+            <a:r>
+              <a:rPr lang="it-IT" sz="1200" dirty="0">
+                <a:solidFill>
+                  <a:srgbClr val="D4D4D4"/>
+                </a:solidFill>
+                <a:latin typeface="Consolas" panose="020B0609020204030204" pitchFamily="49" charset="0"/>
+                <a:ea typeface="Times New Roman" panose="02020603050405020304" pitchFamily="18" charset="0"/>
+                <a:cs typeface="Times New Roman" panose="02020603050405020304" pitchFamily="18" charset="0"/>
+              </a:rPr>
+              <a:t> (</a:t>
+            </a:r>
+            <a:r>
+              <a:rPr lang="it-IT" sz="1200" dirty="0" err="1">
+                <a:solidFill>
+                  <a:srgbClr val="DCDCAA"/>
+                </a:solidFill>
+                <a:latin typeface="Consolas" panose="020B0609020204030204" pitchFamily="49" charset="0"/>
+                <a:ea typeface="Times New Roman" panose="02020603050405020304" pitchFamily="18" charset="0"/>
+                <a:cs typeface="Times New Roman" panose="02020603050405020304" pitchFamily="18" charset="0"/>
+              </a:rPr>
+              <a:t>recvfrom</a:t>
+            </a:r>
+            <a:r>
+              <a:rPr lang="it-IT" sz="1200" dirty="0">
+                <a:solidFill>
+                  <a:srgbClr val="D4D4D4"/>
+                </a:solidFill>
+                <a:latin typeface="Consolas" panose="020B0609020204030204" pitchFamily="49" charset="0"/>
+                <a:ea typeface="Times New Roman" panose="02020603050405020304" pitchFamily="18" charset="0"/>
+                <a:cs typeface="Times New Roman" panose="02020603050405020304" pitchFamily="18" charset="0"/>
+              </a:rPr>
+              <a:t>(</a:t>
+            </a:r>
+            <a:r>
+              <a:rPr lang="it-IT" sz="1200" dirty="0" err="1">
+                <a:solidFill>
+                  <a:srgbClr val="D4D4D4"/>
+                </a:solidFill>
+                <a:latin typeface="Consolas" panose="020B0609020204030204" pitchFamily="49" charset="0"/>
+                <a:ea typeface="Times New Roman" panose="02020603050405020304" pitchFamily="18" charset="0"/>
+                <a:cs typeface="Times New Roman" panose="02020603050405020304" pitchFamily="18" charset="0"/>
+              </a:rPr>
+              <a:t>socketDescriptor</a:t>
+            </a:r>
+            <a:r>
+              <a:rPr lang="it-IT" sz="1200" dirty="0">
+                <a:solidFill>
+                  <a:srgbClr val="D4D4D4"/>
+                </a:solidFill>
+                <a:latin typeface="Consolas" panose="020B0609020204030204" pitchFamily="49" charset="0"/>
+                <a:ea typeface="Times New Roman" panose="02020603050405020304" pitchFamily="18" charset="0"/>
+                <a:cs typeface="Times New Roman" panose="02020603050405020304" pitchFamily="18" charset="0"/>
+              </a:rPr>
+              <a:t>, &amp;</a:t>
+            </a:r>
+            <a:r>
+              <a:rPr lang="it-IT" sz="1200" dirty="0" err="1">
+                <a:solidFill>
+                  <a:srgbClr val="D4D4D4"/>
+                </a:solidFill>
+                <a:latin typeface="Consolas" panose="020B0609020204030204" pitchFamily="49" charset="0"/>
+                <a:ea typeface="Times New Roman" panose="02020603050405020304" pitchFamily="18" charset="0"/>
+                <a:cs typeface="Times New Roman" panose="02020603050405020304" pitchFamily="18" charset="0"/>
+              </a:rPr>
+              <a:t>result</a:t>
+            </a:r>
+            <a:r>
+              <a:rPr lang="it-IT" sz="1200" dirty="0">
+                <a:solidFill>
+                  <a:srgbClr val="D4D4D4"/>
+                </a:solidFill>
+                <a:latin typeface="Consolas" panose="020B0609020204030204" pitchFamily="49" charset="0"/>
+                <a:ea typeface="Times New Roman" panose="02020603050405020304" pitchFamily="18" charset="0"/>
+                <a:cs typeface="Times New Roman" panose="02020603050405020304" pitchFamily="18" charset="0"/>
+              </a:rPr>
+              <a:t>, </a:t>
+            </a:r>
+            <a:r>
+              <a:rPr lang="it-IT" sz="1200" dirty="0" err="1">
+                <a:solidFill>
+                  <a:srgbClr val="569CD6"/>
+                </a:solidFill>
+                <a:latin typeface="Consolas" panose="020B0609020204030204" pitchFamily="49" charset="0"/>
+                <a:ea typeface="Times New Roman" panose="02020603050405020304" pitchFamily="18" charset="0"/>
+                <a:cs typeface="Times New Roman" panose="02020603050405020304" pitchFamily="18" charset="0"/>
+              </a:rPr>
+              <a:t>sizeof</a:t>
+            </a:r>
+            <a:r>
+              <a:rPr lang="it-IT" sz="1200" dirty="0">
+                <a:solidFill>
+                  <a:srgbClr val="D4D4D4"/>
+                </a:solidFill>
+                <a:latin typeface="Consolas" panose="020B0609020204030204" pitchFamily="49" charset="0"/>
+                <a:ea typeface="Times New Roman" panose="02020603050405020304" pitchFamily="18" charset="0"/>
+                <a:cs typeface="Times New Roman" panose="02020603050405020304" pitchFamily="18" charset="0"/>
+              </a:rPr>
+              <a:t>(</a:t>
+            </a:r>
+            <a:r>
+              <a:rPr lang="it-IT" sz="1200" dirty="0" err="1">
+                <a:solidFill>
+                  <a:srgbClr val="D4D4D4"/>
+                </a:solidFill>
+                <a:latin typeface="Consolas" panose="020B0609020204030204" pitchFamily="49" charset="0"/>
+                <a:ea typeface="Times New Roman" panose="02020603050405020304" pitchFamily="18" charset="0"/>
+                <a:cs typeface="Times New Roman" panose="02020603050405020304" pitchFamily="18" charset="0"/>
+              </a:rPr>
+              <a:t>result</a:t>
+            </a:r>
+            <a:r>
+              <a:rPr lang="it-IT" sz="1200" dirty="0">
+                <a:solidFill>
+                  <a:srgbClr val="D4D4D4"/>
+                </a:solidFill>
+                <a:latin typeface="Consolas" panose="020B0609020204030204" pitchFamily="49" charset="0"/>
+                <a:ea typeface="Times New Roman" panose="02020603050405020304" pitchFamily="18" charset="0"/>
+                <a:cs typeface="Times New Roman" panose="02020603050405020304" pitchFamily="18" charset="0"/>
+              </a:rPr>
+              <a:t>), </a:t>
+            </a:r>
+            <a:r>
+              <a:rPr lang="it-IT" sz="1200" dirty="0">
+                <a:solidFill>
+                  <a:srgbClr val="B5CEA8"/>
+                </a:solidFill>
+                <a:latin typeface="Consolas" panose="020B0609020204030204" pitchFamily="49" charset="0"/>
+                <a:ea typeface="Times New Roman" panose="02020603050405020304" pitchFamily="18" charset="0"/>
+                <a:cs typeface="Times New Roman" panose="02020603050405020304" pitchFamily="18" charset="0"/>
+              </a:rPr>
+              <a:t>0</a:t>
+            </a:r>
+            <a:r>
+              <a:rPr lang="it-IT" sz="1200" dirty="0">
+                <a:solidFill>
+                  <a:srgbClr val="D4D4D4"/>
+                </a:solidFill>
+                <a:latin typeface="Consolas" panose="020B0609020204030204" pitchFamily="49" charset="0"/>
+                <a:ea typeface="Times New Roman" panose="02020603050405020304" pitchFamily="18" charset="0"/>
+                <a:cs typeface="Times New Roman" panose="02020603050405020304" pitchFamily="18" charset="0"/>
+              </a:rPr>
+              <a:t>, (</a:t>
+            </a:r>
+            <a:r>
+              <a:rPr lang="it-IT" sz="1200" dirty="0" err="1">
+                <a:solidFill>
+                  <a:srgbClr val="569CD6"/>
+                </a:solidFill>
+                <a:latin typeface="Consolas" panose="020B0609020204030204" pitchFamily="49" charset="0"/>
+                <a:ea typeface="Times New Roman" panose="02020603050405020304" pitchFamily="18" charset="0"/>
+                <a:cs typeface="Times New Roman" panose="02020603050405020304" pitchFamily="18" charset="0"/>
+              </a:rPr>
+              <a:t>struct</a:t>
+            </a:r>
+            <a:r>
+              <a:rPr lang="it-IT" sz="1200" dirty="0">
+                <a:solidFill>
+                  <a:srgbClr val="D4D4D4"/>
+                </a:solidFill>
+                <a:latin typeface="Consolas" panose="020B0609020204030204" pitchFamily="49" charset="0"/>
+                <a:ea typeface="Times New Roman" panose="02020603050405020304" pitchFamily="18" charset="0"/>
+                <a:cs typeface="Times New Roman" panose="02020603050405020304" pitchFamily="18" charset="0"/>
+              </a:rPr>
+              <a:t> </a:t>
+            </a:r>
+            <a:r>
+              <a:rPr lang="it-IT" sz="1200" dirty="0" err="1">
+                <a:solidFill>
+                  <a:srgbClr val="D4D4D4"/>
+                </a:solidFill>
+                <a:latin typeface="Consolas" panose="020B0609020204030204" pitchFamily="49" charset="0"/>
+                <a:ea typeface="Times New Roman" panose="02020603050405020304" pitchFamily="18" charset="0"/>
+                <a:cs typeface="Times New Roman" panose="02020603050405020304" pitchFamily="18" charset="0"/>
+              </a:rPr>
+              <a:t>sockaddr</a:t>
+            </a:r>
+            <a:r>
+              <a:rPr lang="it-IT" sz="1200" dirty="0">
+                <a:solidFill>
+                  <a:srgbClr val="D4D4D4"/>
+                </a:solidFill>
+                <a:latin typeface="Consolas" panose="020B0609020204030204" pitchFamily="49" charset="0"/>
+                <a:ea typeface="Times New Roman" panose="02020603050405020304" pitchFamily="18" charset="0"/>
+                <a:cs typeface="Times New Roman" panose="02020603050405020304" pitchFamily="18" charset="0"/>
+              </a:rPr>
+              <a:t>*)&amp;</a:t>
+            </a:r>
+            <a:r>
+              <a:rPr lang="it-IT" sz="1200" dirty="0" err="1">
+                <a:solidFill>
+                  <a:srgbClr val="D4D4D4"/>
+                </a:solidFill>
+                <a:latin typeface="Consolas" panose="020B0609020204030204" pitchFamily="49" charset="0"/>
+                <a:ea typeface="Times New Roman" panose="02020603050405020304" pitchFamily="18" charset="0"/>
+                <a:cs typeface="Times New Roman" panose="02020603050405020304" pitchFamily="18" charset="0"/>
+              </a:rPr>
+              <a:t>servaddr</a:t>
+            </a:r>
+            <a:r>
+              <a:rPr lang="it-IT" sz="1200" dirty="0">
+                <a:solidFill>
+                  <a:srgbClr val="D4D4D4"/>
+                </a:solidFill>
+                <a:latin typeface="Consolas" panose="020B0609020204030204" pitchFamily="49" charset="0"/>
+                <a:ea typeface="Times New Roman" panose="02020603050405020304" pitchFamily="18" charset="0"/>
+                <a:cs typeface="Times New Roman" panose="02020603050405020304" pitchFamily="18" charset="0"/>
+              </a:rPr>
+              <a:t>, &amp;</a:t>
+            </a:r>
+            <a:r>
+              <a:rPr lang="it-IT" sz="1200" dirty="0" err="1">
+                <a:solidFill>
+                  <a:srgbClr val="D4D4D4"/>
+                </a:solidFill>
+                <a:latin typeface="Consolas" panose="020B0609020204030204" pitchFamily="49" charset="0"/>
+                <a:ea typeface="Times New Roman" panose="02020603050405020304" pitchFamily="18" charset="0"/>
+                <a:cs typeface="Times New Roman" panose="02020603050405020304" pitchFamily="18" charset="0"/>
+              </a:rPr>
+              <a:t>length</a:t>
+            </a:r>
+            <a:r>
+              <a:rPr lang="it-IT" sz="1200" dirty="0">
+                <a:solidFill>
+                  <a:srgbClr val="D4D4D4"/>
+                </a:solidFill>
+                <a:latin typeface="Consolas" panose="020B0609020204030204" pitchFamily="49" charset="0"/>
+                <a:ea typeface="Times New Roman" panose="02020603050405020304" pitchFamily="18" charset="0"/>
+                <a:cs typeface="Times New Roman" panose="02020603050405020304" pitchFamily="18" charset="0"/>
+              </a:rPr>
+              <a:t>) &lt; </a:t>
+            </a:r>
+            <a:r>
+              <a:rPr lang="it-IT" sz="1200" dirty="0">
+                <a:solidFill>
+                  <a:srgbClr val="B5CEA8"/>
+                </a:solidFill>
+                <a:latin typeface="Consolas" panose="020B0609020204030204" pitchFamily="49" charset="0"/>
+                <a:ea typeface="Times New Roman" panose="02020603050405020304" pitchFamily="18" charset="0"/>
+                <a:cs typeface="Times New Roman" panose="02020603050405020304" pitchFamily="18" charset="0"/>
+              </a:rPr>
+              <a:t>0</a:t>
+            </a:r>
+            <a:r>
+              <a:rPr lang="it-IT" sz="1200" dirty="0">
+                <a:solidFill>
+                  <a:srgbClr val="D4D4D4"/>
+                </a:solidFill>
+                <a:latin typeface="Consolas" panose="020B0609020204030204" pitchFamily="49" charset="0"/>
+                <a:ea typeface="Times New Roman" panose="02020603050405020304" pitchFamily="18" charset="0"/>
+                <a:cs typeface="Times New Roman" panose="02020603050405020304" pitchFamily="18" charset="0"/>
+              </a:rPr>
+              <a:t>) {</a:t>
+            </a:r>
+            <a:endParaRPr lang="it-IT" sz="1200" dirty="0">
+              <a:latin typeface="Consolas" panose="020B0609020204030204" pitchFamily="49" charset="0"/>
+              <a:ea typeface="Calibri" panose="020F0502020204030204" pitchFamily="34" charset="0"/>
+              <a:cs typeface="Times New Roman" panose="02020603050405020304" pitchFamily="18" charset="0"/>
+            </a:endParaRPr>
+          </a:p>
+          <a:p>
+            <a:pPr>
+              <a:lnSpc>
+                <a:spcPct val="150000"/>
+              </a:lnSpc>
+              <a:spcAft>
+                <a:spcPts val="0"/>
+              </a:spcAft>
+            </a:pPr>
+            <a:r>
+              <a:rPr lang="it-IT" sz="1200" dirty="0">
+                <a:solidFill>
+                  <a:srgbClr val="D4D4D4"/>
+                </a:solidFill>
+                <a:latin typeface="Consolas" panose="020B0609020204030204" pitchFamily="49" charset="0"/>
+                <a:ea typeface="Times New Roman" panose="02020603050405020304" pitchFamily="18" charset="0"/>
+                <a:cs typeface="Times New Roman" panose="02020603050405020304" pitchFamily="18" charset="0"/>
+              </a:rPr>
+              <a:t>                </a:t>
+            </a:r>
+            <a:r>
+              <a:rPr lang="it-IT" sz="1200" dirty="0" err="1">
+                <a:solidFill>
+                  <a:srgbClr val="DCDCAA"/>
+                </a:solidFill>
+                <a:latin typeface="Consolas" panose="020B0609020204030204" pitchFamily="49" charset="0"/>
+                <a:ea typeface="Times New Roman" panose="02020603050405020304" pitchFamily="18" charset="0"/>
+                <a:cs typeface="Times New Roman" panose="02020603050405020304" pitchFamily="18" charset="0"/>
+              </a:rPr>
+              <a:t>perror</a:t>
+            </a:r>
+            <a:r>
+              <a:rPr lang="it-IT" sz="1200" dirty="0">
+                <a:solidFill>
+                  <a:srgbClr val="D4D4D4"/>
+                </a:solidFill>
+                <a:latin typeface="Consolas" panose="020B0609020204030204" pitchFamily="49" charset="0"/>
+                <a:ea typeface="Times New Roman" panose="02020603050405020304" pitchFamily="18" charset="0"/>
+                <a:cs typeface="Times New Roman" panose="02020603050405020304" pitchFamily="18" charset="0"/>
+              </a:rPr>
+              <a:t>(</a:t>
+            </a:r>
+            <a:r>
+              <a:rPr lang="it-IT" sz="1200" dirty="0">
+                <a:solidFill>
+                  <a:srgbClr val="CE9178"/>
+                </a:solidFill>
+                <a:latin typeface="Consolas" panose="020B0609020204030204" pitchFamily="49" charset="0"/>
+                <a:ea typeface="Times New Roman" panose="02020603050405020304" pitchFamily="18" charset="0"/>
+                <a:cs typeface="Times New Roman" panose="02020603050405020304" pitchFamily="18" charset="0"/>
+              </a:rPr>
+              <a:t>"Errore nella </a:t>
+            </a:r>
+            <a:r>
+              <a:rPr lang="it-IT" sz="1200" dirty="0" err="1">
+                <a:solidFill>
+                  <a:srgbClr val="CE9178"/>
+                </a:solidFill>
+                <a:latin typeface="Consolas" panose="020B0609020204030204" pitchFamily="49" charset="0"/>
+                <a:ea typeface="Times New Roman" panose="02020603050405020304" pitchFamily="18" charset="0"/>
+                <a:cs typeface="Times New Roman" panose="02020603050405020304" pitchFamily="18" charset="0"/>
+              </a:rPr>
+              <a:t>recvfrom</a:t>
+            </a:r>
+            <a:r>
+              <a:rPr lang="it-IT" sz="1200" dirty="0">
+                <a:solidFill>
+                  <a:srgbClr val="CE9178"/>
+                </a:solidFill>
+                <a:latin typeface="Consolas" panose="020B0609020204030204" pitchFamily="49" charset="0"/>
+                <a:ea typeface="Times New Roman" panose="02020603050405020304" pitchFamily="18" charset="0"/>
+                <a:cs typeface="Times New Roman" panose="02020603050405020304" pitchFamily="18" charset="0"/>
+              </a:rPr>
+              <a:t>."</a:t>
+            </a:r>
+            <a:r>
+              <a:rPr lang="it-IT" sz="1200" dirty="0">
+                <a:solidFill>
+                  <a:srgbClr val="D4D4D4"/>
+                </a:solidFill>
+                <a:latin typeface="Consolas" panose="020B0609020204030204" pitchFamily="49" charset="0"/>
+                <a:ea typeface="Times New Roman" panose="02020603050405020304" pitchFamily="18" charset="0"/>
+                <a:cs typeface="Times New Roman" panose="02020603050405020304" pitchFamily="18" charset="0"/>
+              </a:rPr>
+              <a:t>);</a:t>
+            </a:r>
+            <a:endParaRPr lang="it-IT" sz="1200" dirty="0">
+              <a:latin typeface="Consolas" panose="020B0609020204030204" pitchFamily="49" charset="0"/>
+              <a:ea typeface="Calibri" panose="020F0502020204030204" pitchFamily="34" charset="0"/>
+              <a:cs typeface="Times New Roman" panose="02020603050405020304" pitchFamily="18" charset="0"/>
+            </a:endParaRPr>
+          </a:p>
+          <a:p>
+            <a:pPr>
+              <a:lnSpc>
+                <a:spcPct val="150000"/>
+              </a:lnSpc>
+              <a:spcAft>
+                <a:spcPts val="0"/>
+              </a:spcAft>
+            </a:pPr>
+            <a:r>
+              <a:rPr lang="it-IT" sz="1200" dirty="0">
+                <a:solidFill>
+                  <a:srgbClr val="D4D4D4"/>
+                </a:solidFill>
+                <a:latin typeface="Consolas" panose="020B0609020204030204" pitchFamily="49" charset="0"/>
+                <a:ea typeface="Times New Roman" panose="02020603050405020304" pitchFamily="18" charset="0"/>
+                <a:cs typeface="Times New Roman" panose="02020603050405020304" pitchFamily="18" charset="0"/>
+              </a:rPr>
+              <a:t>                </a:t>
+            </a:r>
+            <a:r>
+              <a:rPr lang="it-IT" sz="1200" dirty="0">
+                <a:solidFill>
+                  <a:srgbClr val="C586C0"/>
+                </a:solidFill>
+                <a:latin typeface="Consolas" panose="020B0609020204030204" pitchFamily="49" charset="0"/>
+                <a:ea typeface="Times New Roman" panose="02020603050405020304" pitchFamily="18" charset="0"/>
+                <a:cs typeface="Times New Roman" panose="02020603050405020304" pitchFamily="18" charset="0"/>
+              </a:rPr>
+              <a:t>continue</a:t>
+            </a:r>
+            <a:r>
+              <a:rPr lang="it-IT" sz="1200" dirty="0">
+                <a:solidFill>
+                  <a:srgbClr val="D4D4D4"/>
+                </a:solidFill>
+                <a:latin typeface="Consolas" panose="020B0609020204030204" pitchFamily="49" charset="0"/>
+                <a:ea typeface="Times New Roman" panose="02020603050405020304" pitchFamily="18" charset="0"/>
+                <a:cs typeface="Times New Roman" panose="02020603050405020304" pitchFamily="18" charset="0"/>
+              </a:rPr>
+              <a:t>;</a:t>
+            </a:r>
+            <a:endParaRPr lang="it-IT" sz="1200" dirty="0">
+              <a:latin typeface="Consolas" panose="020B0609020204030204" pitchFamily="49" charset="0"/>
+              <a:ea typeface="Calibri" panose="020F0502020204030204" pitchFamily="34" charset="0"/>
+              <a:cs typeface="Times New Roman" panose="02020603050405020304" pitchFamily="18" charset="0"/>
+            </a:endParaRPr>
+          </a:p>
+          <a:p>
+            <a:pPr>
+              <a:lnSpc>
+                <a:spcPct val="150000"/>
+              </a:lnSpc>
+              <a:spcAft>
+                <a:spcPts val="0"/>
+              </a:spcAft>
+            </a:pPr>
+            <a:r>
+              <a:rPr lang="it-IT" sz="1200" dirty="0">
+                <a:solidFill>
+                  <a:srgbClr val="D4D4D4"/>
+                </a:solidFill>
+                <a:latin typeface="Consolas" panose="020B0609020204030204" pitchFamily="49" charset="0"/>
+                <a:ea typeface="Times New Roman" panose="02020603050405020304" pitchFamily="18" charset="0"/>
+                <a:cs typeface="Times New Roman" panose="02020603050405020304" pitchFamily="18" charset="0"/>
+              </a:rPr>
+              <a:t>            }</a:t>
+            </a:r>
+            <a:endParaRPr lang="it-IT" sz="1200" dirty="0">
+              <a:latin typeface="Consolas" panose="020B0609020204030204" pitchFamily="49" charset="0"/>
+              <a:ea typeface="Calibri" panose="020F0502020204030204" pitchFamily="34" charset="0"/>
+              <a:cs typeface="Times New Roman" panose="02020603050405020304" pitchFamily="18" charset="0"/>
+            </a:endParaRPr>
+          </a:p>
+          <a:p>
+            <a:pPr>
+              <a:lnSpc>
+                <a:spcPct val="150000"/>
+              </a:lnSpc>
+              <a:spcAft>
+                <a:spcPts val="0"/>
+              </a:spcAft>
+            </a:pPr>
+            <a:r>
+              <a:rPr lang="it-IT" sz="1200" dirty="0">
+                <a:solidFill>
+                  <a:srgbClr val="D4D4D4"/>
+                </a:solidFill>
+                <a:latin typeface="Consolas" panose="020B0609020204030204" pitchFamily="49" charset="0"/>
+                <a:ea typeface="Times New Roman" panose="02020603050405020304" pitchFamily="18" charset="0"/>
+                <a:cs typeface="Times New Roman" panose="02020603050405020304" pitchFamily="18" charset="0"/>
+              </a:rPr>
+              <a:t>        </a:t>
+            </a:r>
+            <a:endParaRPr lang="it-IT" sz="1200" dirty="0">
+              <a:latin typeface="Consolas" panose="020B0609020204030204" pitchFamily="49" charset="0"/>
+              <a:ea typeface="Calibri" panose="020F0502020204030204" pitchFamily="34" charset="0"/>
+              <a:cs typeface="Times New Roman" panose="02020603050405020304" pitchFamily="18" charset="0"/>
+            </a:endParaRPr>
+          </a:p>
+          <a:p>
+            <a:pPr>
+              <a:lnSpc>
+                <a:spcPct val="150000"/>
+              </a:lnSpc>
+              <a:spcAft>
+                <a:spcPts val="0"/>
+              </a:spcAft>
+            </a:pPr>
+            <a:r>
+              <a:rPr lang="it-IT" sz="1200" dirty="0">
+                <a:solidFill>
+                  <a:srgbClr val="D4D4D4"/>
+                </a:solidFill>
+                <a:latin typeface="Consolas" panose="020B0609020204030204" pitchFamily="49" charset="0"/>
+                <a:ea typeface="Times New Roman" panose="02020603050405020304" pitchFamily="18" charset="0"/>
+                <a:cs typeface="Times New Roman" panose="02020603050405020304" pitchFamily="18" charset="0"/>
+              </a:rPr>
+              <a:t>            </a:t>
+            </a:r>
+            <a:r>
+              <a:rPr lang="it-IT" sz="1200" dirty="0" err="1">
+                <a:solidFill>
+                  <a:srgbClr val="C586C0"/>
+                </a:solidFill>
+                <a:latin typeface="Consolas" panose="020B0609020204030204" pitchFamily="49" charset="0"/>
+                <a:ea typeface="Times New Roman" panose="02020603050405020304" pitchFamily="18" charset="0"/>
+                <a:cs typeface="Times New Roman" panose="02020603050405020304" pitchFamily="18" charset="0"/>
+              </a:rPr>
+              <a:t>if</a:t>
+            </a:r>
+            <a:r>
+              <a:rPr lang="it-IT" sz="1200" dirty="0">
+                <a:solidFill>
+                  <a:srgbClr val="D4D4D4"/>
+                </a:solidFill>
+                <a:latin typeface="Consolas" panose="020B0609020204030204" pitchFamily="49" charset="0"/>
+                <a:ea typeface="Times New Roman" panose="02020603050405020304" pitchFamily="18" charset="0"/>
+                <a:cs typeface="Times New Roman" panose="02020603050405020304" pitchFamily="18" charset="0"/>
+              </a:rPr>
+              <a:t> ((</a:t>
+            </a:r>
+            <a:r>
+              <a:rPr lang="it-IT" sz="1200" dirty="0" err="1">
+                <a:solidFill>
+                  <a:srgbClr val="569CD6"/>
+                </a:solidFill>
+                <a:latin typeface="Consolas" panose="020B0609020204030204" pitchFamily="49" charset="0"/>
+                <a:ea typeface="Times New Roman" panose="02020603050405020304" pitchFamily="18" charset="0"/>
+                <a:cs typeface="Times New Roman" panose="02020603050405020304" pitchFamily="18" charset="0"/>
+              </a:rPr>
+              <a:t>int</a:t>
+            </a:r>
+            <a:r>
+              <a:rPr lang="it-IT" sz="1200" dirty="0">
+                <a:solidFill>
+                  <a:srgbClr val="D4D4D4"/>
+                </a:solidFill>
+                <a:latin typeface="Consolas" panose="020B0609020204030204" pitchFamily="49" charset="0"/>
+                <a:ea typeface="Times New Roman" panose="02020603050405020304" pitchFamily="18" charset="0"/>
+                <a:cs typeface="Times New Roman" panose="02020603050405020304" pitchFamily="18" charset="0"/>
+              </a:rPr>
+              <a:t>)</a:t>
+            </a:r>
+            <a:r>
+              <a:rPr lang="it-IT" sz="1200" dirty="0" err="1">
+                <a:solidFill>
+                  <a:srgbClr val="DCDCAA"/>
+                </a:solidFill>
+                <a:latin typeface="Consolas" panose="020B0609020204030204" pitchFamily="49" charset="0"/>
+                <a:ea typeface="Times New Roman" panose="02020603050405020304" pitchFamily="18" charset="0"/>
+                <a:cs typeface="Times New Roman" panose="02020603050405020304" pitchFamily="18" charset="0"/>
+              </a:rPr>
+              <a:t>ntohl</a:t>
+            </a:r>
+            <a:r>
+              <a:rPr lang="it-IT" sz="1200" dirty="0">
+                <a:solidFill>
+                  <a:srgbClr val="D4D4D4"/>
+                </a:solidFill>
+                <a:latin typeface="Consolas" panose="020B0609020204030204" pitchFamily="49" charset="0"/>
+                <a:ea typeface="Times New Roman" panose="02020603050405020304" pitchFamily="18" charset="0"/>
+                <a:cs typeface="Times New Roman" panose="02020603050405020304" pitchFamily="18" charset="0"/>
+              </a:rPr>
+              <a:t>(</a:t>
+            </a:r>
+            <a:r>
+              <a:rPr lang="it-IT" sz="1200" dirty="0" err="1">
+                <a:solidFill>
+                  <a:srgbClr val="D4D4D4"/>
+                </a:solidFill>
+                <a:latin typeface="Consolas" panose="020B0609020204030204" pitchFamily="49" charset="0"/>
+                <a:ea typeface="Times New Roman" panose="02020603050405020304" pitchFamily="18" charset="0"/>
+                <a:cs typeface="Times New Roman" panose="02020603050405020304" pitchFamily="18" charset="0"/>
+              </a:rPr>
+              <a:t>result</a:t>
+            </a:r>
+            <a:r>
+              <a:rPr lang="it-IT" sz="1200" dirty="0">
+                <a:solidFill>
+                  <a:srgbClr val="D4D4D4"/>
+                </a:solidFill>
+                <a:latin typeface="Consolas" panose="020B0609020204030204" pitchFamily="49" charset="0"/>
+                <a:ea typeface="Times New Roman" panose="02020603050405020304" pitchFamily="18" charset="0"/>
+                <a:cs typeface="Times New Roman" panose="02020603050405020304" pitchFamily="18" charset="0"/>
+              </a:rPr>
+              <a:t>) &gt; </a:t>
+            </a:r>
+            <a:r>
+              <a:rPr lang="it-IT" sz="1200" dirty="0">
+                <a:solidFill>
+                  <a:srgbClr val="B5CEA8"/>
+                </a:solidFill>
+                <a:latin typeface="Consolas" panose="020B0609020204030204" pitchFamily="49" charset="0"/>
+                <a:ea typeface="Times New Roman" panose="02020603050405020304" pitchFamily="18" charset="0"/>
+                <a:cs typeface="Times New Roman" panose="02020603050405020304" pitchFamily="18" charset="0"/>
+              </a:rPr>
+              <a:t>0</a:t>
+            </a:r>
+            <a:r>
+              <a:rPr lang="it-IT" sz="1200" dirty="0">
+                <a:solidFill>
+                  <a:srgbClr val="D4D4D4"/>
+                </a:solidFill>
+                <a:latin typeface="Consolas" panose="020B0609020204030204" pitchFamily="49" charset="0"/>
+                <a:ea typeface="Times New Roman" panose="02020603050405020304" pitchFamily="18" charset="0"/>
+                <a:cs typeface="Times New Roman" panose="02020603050405020304" pitchFamily="18" charset="0"/>
+              </a:rPr>
+              <a:t>) {</a:t>
+            </a:r>
+            <a:endParaRPr lang="it-IT" sz="1200" dirty="0">
+              <a:latin typeface="Consolas" panose="020B0609020204030204" pitchFamily="49" charset="0"/>
+              <a:ea typeface="Calibri" panose="020F0502020204030204" pitchFamily="34" charset="0"/>
+              <a:cs typeface="Times New Roman" panose="02020603050405020304" pitchFamily="18" charset="0"/>
+            </a:endParaRPr>
+          </a:p>
+          <a:p>
+            <a:pPr>
+              <a:lnSpc>
+                <a:spcPct val="150000"/>
+              </a:lnSpc>
+              <a:spcAft>
+                <a:spcPts val="0"/>
+              </a:spcAft>
+            </a:pPr>
+            <a:r>
+              <a:rPr lang="it-IT" sz="1200" dirty="0">
+                <a:solidFill>
+                  <a:srgbClr val="D4D4D4"/>
+                </a:solidFill>
+                <a:latin typeface="Consolas" panose="020B0609020204030204" pitchFamily="49" charset="0"/>
+                <a:ea typeface="Times New Roman" panose="02020603050405020304" pitchFamily="18" charset="0"/>
+                <a:cs typeface="Times New Roman" panose="02020603050405020304" pitchFamily="18" charset="0"/>
+              </a:rPr>
+              <a:t>                </a:t>
+            </a:r>
+            <a:r>
+              <a:rPr lang="it-IT" sz="1200" dirty="0" err="1">
+                <a:solidFill>
+                  <a:srgbClr val="DCDCAA"/>
+                </a:solidFill>
+                <a:latin typeface="Consolas" panose="020B0609020204030204" pitchFamily="49" charset="0"/>
+                <a:ea typeface="Times New Roman" panose="02020603050405020304" pitchFamily="18" charset="0"/>
+                <a:cs typeface="Times New Roman" panose="02020603050405020304" pitchFamily="18" charset="0"/>
+              </a:rPr>
+              <a:t>printf</a:t>
+            </a:r>
+            <a:r>
+              <a:rPr lang="it-IT" sz="1200" dirty="0">
+                <a:solidFill>
+                  <a:srgbClr val="D4D4D4"/>
+                </a:solidFill>
+                <a:latin typeface="Consolas" panose="020B0609020204030204" pitchFamily="49" charset="0"/>
+                <a:ea typeface="Times New Roman" panose="02020603050405020304" pitchFamily="18" charset="0"/>
+                <a:cs typeface="Times New Roman" panose="02020603050405020304" pitchFamily="18" charset="0"/>
+              </a:rPr>
+              <a:t>(</a:t>
+            </a:r>
+            <a:r>
+              <a:rPr lang="it-IT" sz="1200" dirty="0">
+                <a:solidFill>
+                  <a:srgbClr val="CE9178"/>
+                </a:solidFill>
+                <a:latin typeface="Consolas" panose="020B0609020204030204" pitchFamily="49" charset="0"/>
+                <a:ea typeface="Times New Roman" panose="02020603050405020304" pitchFamily="18" charset="0"/>
+                <a:cs typeface="Times New Roman" panose="02020603050405020304" pitchFamily="18" charset="0"/>
+              </a:rPr>
+              <a:t>"La parola </a:t>
+            </a:r>
+            <a:r>
+              <a:rPr lang="it-IT" sz="1200" dirty="0" err="1">
+                <a:solidFill>
+                  <a:srgbClr val="CE9178"/>
+                </a:solidFill>
+                <a:latin typeface="Consolas" panose="020B0609020204030204" pitchFamily="49" charset="0"/>
+                <a:ea typeface="Times New Roman" panose="02020603050405020304" pitchFamily="18" charset="0"/>
+                <a:cs typeface="Times New Roman" panose="02020603050405020304" pitchFamily="18" charset="0"/>
+              </a:rPr>
+              <a:t>piu'</a:t>
+            </a:r>
+            <a:r>
+              <a:rPr lang="it-IT" sz="1200" dirty="0">
+                <a:solidFill>
+                  <a:srgbClr val="CE9178"/>
+                </a:solidFill>
+                <a:latin typeface="Consolas" panose="020B0609020204030204" pitchFamily="49" charset="0"/>
+                <a:ea typeface="Times New Roman" panose="02020603050405020304" pitchFamily="18" charset="0"/>
+                <a:cs typeface="Times New Roman" panose="02020603050405020304" pitchFamily="18" charset="0"/>
+              </a:rPr>
+              <a:t> lunga nel file richiesto ha %i caratteri.</a:t>
+            </a:r>
+            <a:r>
+              <a:rPr lang="it-IT" sz="1200" dirty="0">
+                <a:solidFill>
+                  <a:srgbClr val="D7BA7D"/>
+                </a:solidFill>
+                <a:latin typeface="Consolas" panose="020B0609020204030204" pitchFamily="49" charset="0"/>
+                <a:ea typeface="Times New Roman" panose="02020603050405020304" pitchFamily="18" charset="0"/>
+                <a:cs typeface="Times New Roman" panose="02020603050405020304" pitchFamily="18" charset="0"/>
+              </a:rPr>
+              <a:t>\n</a:t>
+            </a:r>
+            <a:r>
+              <a:rPr lang="it-IT" sz="1200" dirty="0">
+                <a:solidFill>
+                  <a:srgbClr val="CE9178"/>
+                </a:solidFill>
+                <a:latin typeface="Consolas" panose="020B0609020204030204" pitchFamily="49" charset="0"/>
+                <a:ea typeface="Times New Roman" panose="02020603050405020304" pitchFamily="18" charset="0"/>
+                <a:cs typeface="Times New Roman" panose="02020603050405020304" pitchFamily="18" charset="0"/>
+              </a:rPr>
+              <a:t>"</a:t>
+            </a:r>
+            <a:r>
+              <a:rPr lang="it-IT" sz="1200" dirty="0">
+                <a:solidFill>
+                  <a:srgbClr val="D4D4D4"/>
+                </a:solidFill>
+                <a:latin typeface="Consolas" panose="020B0609020204030204" pitchFamily="49" charset="0"/>
+                <a:ea typeface="Times New Roman" panose="02020603050405020304" pitchFamily="18" charset="0"/>
+                <a:cs typeface="Times New Roman" panose="02020603050405020304" pitchFamily="18" charset="0"/>
+              </a:rPr>
+              <a:t>, (</a:t>
+            </a:r>
+            <a:r>
+              <a:rPr lang="it-IT" sz="1200" dirty="0" err="1">
+                <a:solidFill>
+                  <a:srgbClr val="569CD6"/>
+                </a:solidFill>
+                <a:latin typeface="Consolas" panose="020B0609020204030204" pitchFamily="49" charset="0"/>
+                <a:ea typeface="Times New Roman" panose="02020603050405020304" pitchFamily="18" charset="0"/>
+                <a:cs typeface="Times New Roman" panose="02020603050405020304" pitchFamily="18" charset="0"/>
+              </a:rPr>
+              <a:t>int</a:t>
+            </a:r>
+            <a:r>
+              <a:rPr lang="it-IT" sz="1200" dirty="0">
+                <a:solidFill>
+                  <a:srgbClr val="D4D4D4"/>
+                </a:solidFill>
+                <a:latin typeface="Consolas" panose="020B0609020204030204" pitchFamily="49" charset="0"/>
+                <a:ea typeface="Times New Roman" panose="02020603050405020304" pitchFamily="18" charset="0"/>
+                <a:cs typeface="Times New Roman" panose="02020603050405020304" pitchFamily="18" charset="0"/>
+              </a:rPr>
+              <a:t>)</a:t>
+            </a:r>
+            <a:r>
+              <a:rPr lang="it-IT" sz="1200" dirty="0" err="1">
+                <a:solidFill>
+                  <a:srgbClr val="DCDCAA"/>
+                </a:solidFill>
+                <a:latin typeface="Consolas" panose="020B0609020204030204" pitchFamily="49" charset="0"/>
+                <a:ea typeface="Times New Roman" panose="02020603050405020304" pitchFamily="18" charset="0"/>
+                <a:cs typeface="Times New Roman" panose="02020603050405020304" pitchFamily="18" charset="0"/>
+              </a:rPr>
+              <a:t>ntohl</a:t>
+            </a:r>
+            <a:r>
+              <a:rPr lang="it-IT" sz="1200" dirty="0">
+                <a:solidFill>
+                  <a:srgbClr val="D4D4D4"/>
+                </a:solidFill>
+                <a:latin typeface="Consolas" panose="020B0609020204030204" pitchFamily="49" charset="0"/>
+                <a:ea typeface="Times New Roman" panose="02020603050405020304" pitchFamily="18" charset="0"/>
+                <a:cs typeface="Times New Roman" panose="02020603050405020304" pitchFamily="18" charset="0"/>
+              </a:rPr>
+              <a:t>(</a:t>
+            </a:r>
+            <a:r>
+              <a:rPr lang="it-IT" sz="1200" dirty="0" err="1">
+                <a:solidFill>
+                  <a:srgbClr val="D4D4D4"/>
+                </a:solidFill>
+                <a:latin typeface="Consolas" panose="020B0609020204030204" pitchFamily="49" charset="0"/>
+                <a:ea typeface="Times New Roman" panose="02020603050405020304" pitchFamily="18" charset="0"/>
+                <a:cs typeface="Times New Roman" panose="02020603050405020304" pitchFamily="18" charset="0"/>
+              </a:rPr>
+              <a:t>result</a:t>
+            </a:r>
+            <a:r>
+              <a:rPr lang="it-IT" sz="1200" dirty="0">
+                <a:solidFill>
+                  <a:srgbClr val="D4D4D4"/>
+                </a:solidFill>
+                <a:latin typeface="Consolas" panose="020B0609020204030204" pitchFamily="49" charset="0"/>
+                <a:ea typeface="Times New Roman" panose="02020603050405020304" pitchFamily="18" charset="0"/>
+                <a:cs typeface="Times New Roman" panose="02020603050405020304" pitchFamily="18" charset="0"/>
+              </a:rPr>
+              <a:t>));</a:t>
+            </a:r>
+            <a:endParaRPr lang="it-IT" sz="1200" dirty="0">
+              <a:latin typeface="Consolas" panose="020B0609020204030204" pitchFamily="49" charset="0"/>
+              <a:ea typeface="Calibri" panose="020F0502020204030204" pitchFamily="34" charset="0"/>
+              <a:cs typeface="Times New Roman" panose="02020603050405020304" pitchFamily="18" charset="0"/>
+            </a:endParaRPr>
+          </a:p>
+          <a:p>
+            <a:pPr>
+              <a:lnSpc>
+                <a:spcPct val="150000"/>
+              </a:lnSpc>
+              <a:spcAft>
+                <a:spcPts val="0"/>
+              </a:spcAft>
+            </a:pPr>
+            <a:r>
+              <a:rPr lang="it-IT" sz="1200" dirty="0">
+                <a:solidFill>
+                  <a:srgbClr val="D4D4D4"/>
+                </a:solidFill>
+                <a:latin typeface="Consolas" panose="020B0609020204030204" pitchFamily="49" charset="0"/>
+                <a:ea typeface="Times New Roman" panose="02020603050405020304" pitchFamily="18" charset="0"/>
+                <a:cs typeface="Times New Roman" panose="02020603050405020304" pitchFamily="18" charset="0"/>
+              </a:rPr>
+              <a:t>            } </a:t>
+            </a:r>
+            <a:r>
+              <a:rPr lang="it-IT" sz="1200" dirty="0">
+                <a:solidFill>
+                  <a:srgbClr val="C586C0"/>
+                </a:solidFill>
+                <a:latin typeface="Consolas" panose="020B0609020204030204" pitchFamily="49" charset="0"/>
+                <a:ea typeface="Times New Roman" panose="02020603050405020304" pitchFamily="18" charset="0"/>
+                <a:cs typeface="Times New Roman" panose="02020603050405020304" pitchFamily="18" charset="0"/>
+              </a:rPr>
+              <a:t>else</a:t>
+            </a:r>
+            <a:r>
+              <a:rPr lang="it-IT" sz="1200" dirty="0">
+                <a:solidFill>
+                  <a:srgbClr val="D4D4D4"/>
+                </a:solidFill>
+                <a:latin typeface="Consolas" panose="020B0609020204030204" pitchFamily="49" charset="0"/>
+                <a:ea typeface="Times New Roman" panose="02020603050405020304" pitchFamily="18" charset="0"/>
+                <a:cs typeface="Times New Roman" panose="02020603050405020304" pitchFamily="18" charset="0"/>
+              </a:rPr>
+              <a:t> </a:t>
+            </a:r>
+            <a:r>
+              <a:rPr lang="it-IT" sz="1200" dirty="0" err="1">
+                <a:solidFill>
+                  <a:srgbClr val="C586C0"/>
+                </a:solidFill>
+                <a:latin typeface="Consolas" panose="020B0609020204030204" pitchFamily="49" charset="0"/>
+                <a:ea typeface="Times New Roman" panose="02020603050405020304" pitchFamily="18" charset="0"/>
+                <a:cs typeface="Times New Roman" panose="02020603050405020304" pitchFamily="18" charset="0"/>
+              </a:rPr>
+              <a:t>if</a:t>
+            </a:r>
+            <a:r>
+              <a:rPr lang="it-IT" sz="1200" dirty="0">
+                <a:solidFill>
+                  <a:srgbClr val="D4D4D4"/>
+                </a:solidFill>
+                <a:latin typeface="Consolas" panose="020B0609020204030204" pitchFamily="49" charset="0"/>
+                <a:ea typeface="Times New Roman" panose="02020603050405020304" pitchFamily="18" charset="0"/>
+                <a:cs typeface="Times New Roman" panose="02020603050405020304" pitchFamily="18" charset="0"/>
+              </a:rPr>
+              <a:t> ((</a:t>
+            </a:r>
+            <a:r>
+              <a:rPr lang="it-IT" sz="1200" dirty="0" err="1">
+                <a:solidFill>
+                  <a:srgbClr val="569CD6"/>
+                </a:solidFill>
+                <a:latin typeface="Consolas" panose="020B0609020204030204" pitchFamily="49" charset="0"/>
+                <a:ea typeface="Times New Roman" panose="02020603050405020304" pitchFamily="18" charset="0"/>
+                <a:cs typeface="Times New Roman" panose="02020603050405020304" pitchFamily="18" charset="0"/>
+              </a:rPr>
+              <a:t>int</a:t>
+            </a:r>
+            <a:r>
+              <a:rPr lang="it-IT" sz="1200" dirty="0">
+                <a:solidFill>
+                  <a:srgbClr val="D4D4D4"/>
+                </a:solidFill>
+                <a:latin typeface="Consolas" panose="020B0609020204030204" pitchFamily="49" charset="0"/>
+                <a:ea typeface="Times New Roman" panose="02020603050405020304" pitchFamily="18" charset="0"/>
+                <a:cs typeface="Times New Roman" panose="02020603050405020304" pitchFamily="18" charset="0"/>
+              </a:rPr>
+              <a:t>)</a:t>
+            </a:r>
+            <a:r>
+              <a:rPr lang="it-IT" sz="1200" dirty="0" err="1">
+                <a:solidFill>
+                  <a:srgbClr val="DCDCAA"/>
+                </a:solidFill>
+                <a:latin typeface="Consolas" panose="020B0609020204030204" pitchFamily="49" charset="0"/>
+                <a:ea typeface="Times New Roman" panose="02020603050405020304" pitchFamily="18" charset="0"/>
+                <a:cs typeface="Times New Roman" panose="02020603050405020304" pitchFamily="18" charset="0"/>
+              </a:rPr>
+              <a:t>ntohl</a:t>
+            </a:r>
+            <a:r>
+              <a:rPr lang="it-IT" sz="1200" dirty="0">
+                <a:solidFill>
+                  <a:srgbClr val="D4D4D4"/>
+                </a:solidFill>
+                <a:latin typeface="Consolas" panose="020B0609020204030204" pitchFamily="49" charset="0"/>
+                <a:ea typeface="Times New Roman" panose="02020603050405020304" pitchFamily="18" charset="0"/>
+                <a:cs typeface="Times New Roman" panose="02020603050405020304" pitchFamily="18" charset="0"/>
+              </a:rPr>
+              <a:t>(</a:t>
+            </a:r>
+            <a:r>
+              <a:rPr lang="it-IT" sz="1200" dirty="0" err="1">
+                <a:solidFill>
+                  <a:srgbClr val="D4D4D4"/>
+                </a:solidFill>
+                <a:latin typeface="Consolas" panose="020B0609020204030204" pitchFamily="49" charset="0"/>
+                <a:ea typeface="Times New Roman" panose="02020603050405020304" pitchFamily="18" charset="0"/>
+                <a:cs typeface="Times New Roman" panose="02020603050405020304" pitchFamily="18" charset="0"/>
+              </a:rPr>
+              <a:t>result</a:t>
+            </a:r>
+            <a:r>
+              <a:rPr lang="it-IT" sz="1200" dirty="0">
+                <a:solidFill>
+                  <a:srgbClr val="D4D4D4"/>
+                </a:solidFill>
+                <a:latin typeface="Consolas" panose="020B0609020204030204" pitchFamily="49" charset="0"/>
+                <a:ea typeface="Times New Roman" panose="02020603050405020304" pitchFamily="18" charset="0"/>
+                <a:cs typeface="Times New Roman" panose="02020603050405020304" pitchFamily="18" charset="0"/>
+              </a:rPr>
+              <a:t>) == </a:t>
+            </a:r>
+            <a:r>
+              <a:rPr lang="it-IT" sz="1200" dirty="0">
+                <a:solidFill>
+                  <a:srgbClr val="B5CEA8"/>
+                </a:solidFill>
+                <a:latin typeface="Consolas" panose="020B0609020204030204" pitchFamily="49" charset="0"/>
+                <a:ea typeface="Times New Roman" panose="02020603050405020304" pitchFamily="18" charset="0"/>
+                <a:cs typeface="Times New Roman" panose="02020603050405020304" pitchFamily="18" charset="0"/>
+              </a:rPr>
+              <a:t>0</a:t>
+            </a:r>
+            <a:r>
+              <a:rPr lang="it-IT" sz="1200" dirty="0">
+                <a:solidFill>
+                  <a:srgbClr val="D4D4D4"/>
+                </a:solidFill>
+                <a:latin typeface="Consolas" panose="020B0609020204030204" pitchFamily="49" charset="0"/>
+                <a:ea typeface="Times New Roman" panose="02020603050405020304" pitchFamily="18" charset="0"/>
+                <a:cs typeface="Times New Roman" panose="02020603050405020304" pitchFamily="18" charset="0"/>
+              </a:rPr>
+              <a:t>) {</a:t>
+            </a:r>
+            <a:endParaRPr lang="it-IT" sz="1200" dirty="0">
+              <a:latin typeface="Consolas" panose="020B0609020204030204" pitchFamily="49" charset="0"/>
+              <a:ea typeface="Calibri" panose="020F0502020204030204" pitchFamily="34" charset="0"/>
+              <a:cs typeface="Times New Roman" panose="02020603050405020304" pitchFamily="18" charset="0"/>
+            </a:endParaRPr>
+          </a:p>
+          <a:p>
+            <a:pPr>
+              <a:lnSpc>
+                <a:spcPct val="150000"/>
+              </a:lnSpc>
+              <a:spcAft>
+                <a:spcPts val="0"/>
+              </a:spcAft>
+            </a:pPr>
+            <a:r>
+              <a:rPr lang="it-IT" sz="1200" dirty="0">
+                <a:solidFill>
+                  <a:srgbClr val="D4D4D4"/>
+                </a:solidFill>
+                <a:latin typeface="Consolas" panose="020B0609020204030204" pitchFamily="49" charset="0"/>
+                <a:ea typeface="Times New Roman" panose="02020603050405020304" pitchFamily="18" charset="0"/>
+                <a:cs typeface="Times New Roman" panose="02020603050405020304" pitchFamily="18" charset="0"/>
+              </a:rPr>
+              <a:t>                </a:t>
+            </a:r>
+            <a:r>
+              <a:rPr lang="it-IT" sz="1200" dirty="0" err="1">
+                <a:solidFill>
+                  <a:srgbClr val="DCDCAA"/>
+                </a:solidFill>
+                <a:latin typeface="Consolas" panose="020B0609020204030204" pitchFamily="49" charset="0"/>
+                <a:ea typeface="Times New Roman" panose="02020603050405020304" pitchFamily="18" charset="0"/>
+                <a:cs typeface="Times New Roman" panose="02020603050405020304" pitchFamily="18" charset="0"/>
+              </a:rPr>
+              <a:t>printf</a:t>
+            </a:r>
+            <a:r>
+              <a:rPr lang="it-IT" sz="1200" dirty="0">
+                <a:solidFill>
+                  <a:srgbClr val="D4D4D4"/>
+                </a:solidFill>
+                <a:latin typeface="Consolas" panose="020B0609020204030204" pitchFamily="49" charset="0"/>
+                <a:ea typeface="Times New Roman" panose="02020603050405020304" pitchFamily="18" charset="0"/>
+                <a:cs typeface="Times New Roman" panose="02020603050405020304" pitchFamily="18" charset="0"/>
+              </a:rPr>
+              <a:t>(</a:t>
+            </a:r>
+            <a:r>
+              <a:rPr lang="it-IT" sz="1200" dirty="0">
+                <a:solidFill>
+                  <a:srgbClr val="CE9178"/>
+                </a:solidFill>
+                <a:latin typeface="Consolas" panose="020B0609020204030204" pitchFamily="49" charset="0"/>
+                <a:ea typeface="Times New Roman" panose="02020603050405020304" pitchFamily="18" charset="0"/>
+                <a:cs typeface="Times New Roman" panose="02020603050405020304" pitchFamily="18" charset="0"/>
+              </a:rPr>
+              <a:t>"Nel file richiesto non ci sono parole.</a:t>
+            </a:r>
+            <a:r>
+              <a:rPr lang="it-IT" sz="1200" dirty="0">
+                <a:solidFill>
+                  <a:srgbClr val="D7BA7D"/>
+                </a:solidFill>
+                <a:latin typeface="Consolas" panose="020B0609020204030204" pitchFamily="49" charset="0"/>
+                <a:ea typeface="Times New Roman" panose="02020603050405020304" pitchFamily="18" charset="0"/>
+                <a:cs typeface="Times New Roman" panose="02020603050405020304" pitchFamily="18" charset="0"/>
+              </a:rPr>
+              <a:t>\n</a:t>
+            </a:r>
+            <a:r>
+              <a:rPr lang="it-IT" sz="1200" dirty="0">
+                <a:solidFill>
+                  <a:srgbClr val="CE9178"/>
+                </a:solidFill>
+                <a:latin typeface="Consolas" panose="020B0609020204030204" pitchFamily="49" charset="0"/>
+                <a:ea typeface="Times New Roman" panose="02020603050405020304" pitchFamily="18" charset="0"/>
+                <a:cs typeface="Times New Roman" panose="02020603050405020304" pitchFamily="18" charset="0"/>
+              </a:rPr>
+              <a:t>"</a:t>
+            </a:r>
+            <a:r>
+              <a:rPr lang="it-IT" sz="1200" dirty="0">
+                <a:solidFill>
+                  <a:srgbClr val="D4D4D4"/>
+                </a:solidFill>
+                <a:latin typeface="Consolas" panose="020B0609020204030204" pitchFamily="49" charset="0"/>
+                <a:ea typeface="Times New Roman" panose="02020603050405020304" pitchFamily="18" charset="0"/>
+                <a:cs typeface="Times New Roman" panose="02020603050405020304" pitchFamily="18" charset="0"/>
+              </a:rPr>
+              <a:t>);</a:t>
+            </a:r>
+            <a:endParaRPr lang="it-IT" sz="1200" dirty="0">
+              <a:latin typeface="Consolas" panose="020B0609020204030204" pitchFamily="49" charset="0"/>
+              <a:ea typeface="Calibri" panose="020F0502020204030204" pitchFamily="34" charset="0"/>
+              <a:cs typeface="Times New Roman" panose="02020603050405020304" pitchFamily="18" charset="0"/>
+            </a:endParaRPr>
+          </a:p>
+          <a:p>
+            <a:pPr>
+              <a:lnSpc>
+                <a:spcPct val="150000"/>
+              </a:lnSpc>
+              <a:spcAft>
+                <a:spcPts val="0"/>
+              </a:spcAft>
+            </a:pPr>
+            <a:r>
+              <a:rPr lang="it-IT" sz="1200" dirty="0">
+                <a:solidFill>
+                  <a:srgbClr val="D4D4D4"/>
+                </a:solidFill>
+                <a:latin typeface="Consolas" panose="020B0609020204030204" pitchFamily="49" charset="0"/>
+                <a:ea typeface="Times New Roman" panose="02020603050405020304" pitchFamily="18" charset="0"/>
+                <a:cs typeface="Times New Roman" panose="02020603050405020304" pitchFamily="18" charset="0"/>
+              </a:rPr>
+              <a:t>            } </a:t>
+            </a:r>
+            <a:r>
+              <a:rPr lang="it-IT" sz="1200" dirty="0">
+                <a:solidFill>
+                  <a:srgbClr val="C586C0"/>
+                </a:solidFill>
+                <a:latin typeface="Consolas" panose="020B0609020204030204" pitchFamily="49" charset="0"/>
+                <a:ea typeface="Times New Roman" panose="02020603050405020304" pitchFamily="18" charset="0"/>
+                <a:cs typeface="Times New Roman" panose="02020603050405020304" pitchFamily="18" charset="0"/>
+              </a:rPr>
+              <a:t>else</a:t>
+            </a:r>
+            <a:r>
+              <a:rPr lang="it-IT" sz="1200" dirty="0">
+                <a:solidFill>
+                  <a:srgbClr val="D4D4D4"/>
+                </a:solidFill>
+                <a:latin typeface="Consolas" panose="020B0609020204030204" pitchFamily="49" charset="0"/>
+                <a:ea typeface="Times New Roman" panose="02020603050405020304" pitchFamily="18" charset="0"/>
+                <a:cs typeface="Times New Roman" panose="02020603050405020304" pitchFamily="18" charset="0"/>
+              </a:rPr>
+              <a:t> {</a:t>
+            </a:r>
+            <a:endParaRPr lang="it-IT" sz="1200" dirty="0">
+              <a:latin typeface="Consolas" panose="020B0609020204030204" pitchFamily="49" charset="0"/>
+              <a:ea typeface="Calibri" panose="020F0502020204030204" pitchFamily="34" charset="0"/>
+              <a:cs typeface="Times New Roman" panose="02020603050405020304" pitchFamily="18" charset="0"/>
+            </a:endParaRPr>
+          </a:p>
+          <a:p>
+            <a:pPr>
+              <a:lnSpc>
+                <a:spcPct val="150000"/>
+              </a:lnSpc>
+              <a:spcAft>
+                <a:spcPts val="0"/>
+              </a:spcAft>
+            </a:pPr>
+            <a:r>
+              <a:rPr lang="it-IT" sz="1200" dirty="0">
+                <a:solidFill>
+                  <a:srgbClr val="D4D4D4"/>
+                </a:solidFill>
+                <a:latin typeface="Consolas" panose="020B0609020204030204" pitchFamily="49" charset="0"/>
+                <a:ea typeface="Times New Roman" panose="02020603050405020304" pitchFamily="18" charset="0"/>
+                <a:cs typeface="Times New Roman" panose="02020603050405020304" pitchFamily="18" charset="0"/>
+              </a:rPr>
+              <a:t>                </a:t>
+            </a:r>
+            <a:r>
+              <a:rPr lang="it-IT" sz="1200" dirty="0" err="1">
+                <a:solidFill>
+                  <a:srgbClr val="DCDCAA"/>
+                </a:solidFill>
+                <a:latin typeface="Consolas" panose="020B0609020204030204" pitchFamily="49" charset="0"/>
+                <a:ea typeface="Times New Roman" panose="02020603050405020304" pitchFamily="18" charset="0"/>
+                <a:cs typeface="Times New Roman" panose="02020603050405020304" pitchFamily="18" charset="0"/>
+              </a:rPr>
+              <a:t>printf</a:t>
+            </a:r>
+            <a:r>
+              <a:rPr lang="it-IT" sz="1200" dirty="0">
+                <a:solidFill>
+                  <a:srgbClr val="D4D4D4"/>
+                </a:solidFill>
+                <a:latin typeface="Consolas" panose="020B0609020204030204" pitchFamily="49" charset="0"/>
+                <a:ea typeface="Times New Roman" panose="02020603050405020304" pitchFamily="18" charset="0"/>
+                <a:cs typeface="Times New Roman" panose="02020603050405020304" pitchFamily="18" charset="0"/>
+              </a:rPr>
+              <a:t>(</a:t>
+            </a:r>
+            <a:r>
+              <a:rPr lang="it-IT" sz="1200" dirty="0">
+                <a:solidFill>
+                  <a:srgbClr val="CE9178"/>
+                </a:solidFill>
+                <a:latin typeface="Consolas" panose="020B0609020204030204" pitchFamily="49" charset="0"/>
+                <a:ea typeface="Times New Roman" panose="02020603050405020304" pitchFamily="18" charset="0"/>
+                <a:cs typeface="Times New Roman" panose="02020603050405020304" pitchFamily="18" charset="0"/>
+              </a:rPr>
+              <a:t>"Il file %s non esiste sul server.</a:t>
+            </a:r>
+            <a:r>
+              <a:rPr lang="it-IT" sz="1200" dirty="0">
+                <a:solidFill>
+                  <a:srgbClr val="D7BA7D"/>
+                </a:solidFill>
+                <a:latin typeface="Consolas" panose="020B0609020204030204" pitchFamily="49" charset="0"/>
+                <a:ea typeface="Times New Roman" panose="02020603050405020304" pitchFamily="18" charset="0"/>
+                <a:cs typeface="Times New Roman" panose="02020603050405020304" pitchFamily="18" charset="0"/>
+              </a:rPr>
+              <a:t>\n</a:t>
+            </a:r>
+            <a:r>
+              <a:rPr lang="it-IT" sz="1200" dirty="0">
+                <a:solidFill>
+                  <a:srgbClr val="CE9178"/>
+                </a:solidFill>
+                <a:latin typeface="Consolas" panose="020B0609020204030204" pitchFamily="49" charset="0"/>
+                <a:ea typeface="Times New Roman" panose="02020603050405020304" pitchFamily="18" charset="0"/>
+                <a:cs typeface="Times New Roman" panose="02020603050405020304" pitchFamily="18" charset="0"/>
+              </a:rPr>
+              <a:t>"</a:t>
+            </a:r>
+            <a:r>
+              <a:rPr lang="it-IT" sz="1200" dirty="0">
+                <a:solidFill>
+                  <a:srgbClr val="D4D4D4"/>
+                </a:solidFill>
+                <a:latin typeface="Consolas" panose="020B0609020204030204" pitchFamily="49" charset="0"/>
+                <a:ea typeface="Times New Roman" panose="02020603050405020304" pitchFamily="18" charset="0"/>
+                <a:cs typeface="Times New Roman" panose="02020603050405020304" pitchFamily="18" charset="0"/>
+              </a:rPr>
+              <a:t>, </a:t>
+            </a:r>
+            <a:r>
+              <a:rPr lang="it-IT" sz="1200" dirty="0" err="1">
+                <a:solidFill>
+                  <a:srgbClr val="D4D4D4"/>
+                </a:solidFill>
+                <a:latin typeface="Consolas" panose="020B0609020204030204" pitchFamily="49" charset="0"/>
+                <a:ea typeface="Times New Roman" panose="02020603050405020304" pitchFamily="18" charset="0"/>
+                <a:cs typeface="Times New Roman" panose="02020603050405020304" pitchFamily="18" charset="0"/>
+              </a:rPr>
+              <a:t>fileName</a:t>
+            </a:r>
+            <a:r>
+              <a:rPr lang="it-IT" sz="1200" dirty="0">
+                <a:solidFill>
+                  <a:srgbClr val="D4D4D4"/>
+                </a:solidFill>
+                <a:latin typeface="Consolas" panose="020B0609020204030204" pitchFamily="49" charset="0"/>
+                <a:ea typeface="Times New Roman" panose="02020603050405020304" pitchFamily="18" charset="0"/>
+                <a:cs typeface="Times New Roman" panose="02020603050405020304" pitchFamily="18" charset="0"/>
+              </a:rPr>
+              <a:t>);</a:t>
+            </a:r>
+            <a:endParaRPr lang="it-IT" sz="1200" dirty="0">
+              <a:latin typeface="Consolas" panose="020B0609020204030204" pitchFamily="49" charset="0"/>
+              <a:ea typeface="Calibri" panose="020F0502020204030204" pitchFamily="34" charset="0"/>
+              <a:cs typeface="Times New Roman" panose="02020603050405020304" pitchFamily="18" charset="0"/>
+            </a:endParaRPr>
+          </a:p>
+          <a:p>
+            <a:pPr>
+              <a:lnSpc>
+                <a:spcPct val="150000"/>
+              </a:lnSpc>
+              <a:spcAft>
+                <a:spcPts val="0"/>
+              </a:spcAft>
+            </a:pPr>
+            <a:r>
+              <a:rPr lang="it-IT" sz="1200" dirty="0">
+                <a:solidFill>
+                  <a:srgbClr val="D4D4D4"/>
+                </a:solidFill>
+                <a:latin typeface="Consolas" panose="020B0609020204030204" pitchFamily="49" charset="0"/>
+                <a:ea typeface="Times New Roman" panose="02020603050405020304" pitchFamily="18" charset="0"/>
+                <a:cs typeface="Times New Roman" panose="02020603050405020304" pitchFamily="18" charset="0"/>
+              </a:rPr>
+              <a:t>            }</a:t>
+            </a:r>
+            <a:endParaRPr lang="it-IT" sz="1200" dirty="0">
+              <a:latin typeface="Consolas" panose="020B0609020204030204" pitchFamily="49" charset="0"/>
+              <a:ea typeface="Calibri" panose="020F0502020204030204" pitchFamily="34" charset="0"/>
+              <a:cs typeface="Times New Roman" panose="02020603050405020304" pitchFamily="18" charset="0"/>
+            </a:endParaRPr>
+          </a:p>
+          <a:p>
+            <a:pPr>
+              <a:lnSpc>
+                <a:spcPct val="150000"/>
+              </a:lnSpc>
+              <a:spcAft>
+                <a:spcPts val="0"/>
+              </a:spcAft>
+            </a:pPr>
+            <a:r>
+              <a:rPr lang="it-IT" sz="1200" dirty="0">
+                <a:solidFill>
+                  <a:srgbClr val="D4D4D4"/>
+                </a:solidFill>
+                <a:latin typeface="Consolas" panose="020B0609020204030204" pitchFamily="49" charset="0"/>
+                <a:ea typeface="Times New Roman" panose="02020603050405020304" pitchFamily="18" charset="0"/>
+                <a:cs typeface="Times New Roman" panose="02020603050405020304" pitchFamily="18" charset="0"/>
+              </a:rPr>
+              <a:t>        } </a:t>
+            </a:r>
+            <a:r>
+              <a:rPr lang="it-IT" sz="1200" dirty="0">
+                <a:solidFill>
+                  <a:srgbClr val="C586C0"/>
+                </a:solidFill>
+                <a:latin typeface="Consolas" panose="020B0609020204030204" pitchFamily="49" charset="0"/>
+                <a:ea typeface="Times New Roman" panose="02020603050405020304" pitchFamily="18" charset="0"/>
+                <a:cs typeface="Times New Roman" panose="02020603050405020304" pitchFamily="18" charset="0"/>
+              </a:rPr>
+              <a:t>else</a:t>
+            </a:r>
+            <a:r>
+              <a:rPr lang="it-IT" sz="1200" dirty="0">
+                <a:solidFill>
+                  <a:srgbClr val="D4D4D4"/>
+                </a:solidFill>
+                <a:latin typeface="Consolas" panose="020B0609020204030204" pitchFamily="49" charset="0"/>
+                <a:ea typeface="Times New Roman" panose="02020603050405020304" pitchFamily="18" charset="0"/>
+                <a:cs typeface="Times New Roman" panose="02020603050405020304" pitchFamily="18" charset="0"/>
+              </a:rPr>
+              <a:t> {</a:t>
+            </a:r>
+            <a:endParaRPr lang="it-IT" sz="1200" dirty="0">
+              <a:latin typeface="Consolas" panose="020B0609020204030204" pitchFamily="49" charset="0"/>
+              <a:ea typeface="Calibri" panose="020F0502020204030204" pitchFamily="34" charset="0"/>
+              <a:cs typeface="Times New Roman" panose="02020603050405020304" pitchFamily="18" charset="0"/>
+            </a:endParaRPr>
+          </a:p>
+          <a:p>
+            <a:pPr>
+              <a:lnSpc>
+                <a:spcPct val="150000"/>
+              </a:lnSpc>
+              <a:spcAft>
+                <a:spcPts val="0"/>
+              </a:spcAft>
+            </a:pPr>
+            <a:r>
+              <a:rPr lang="it-IT" sz="1200" dirty="0">
+                <a:solidFill>
+                  <a:srgbClr val="D4D4D4"/>
+                </a:solidFill>
+                <a:latin typeface="Consolas" panose="020B0609020204030204" pitchFamily="49" charset="0"/>
+                <a:ea typeface="Times New Roman" panose="02020603050405020304" pitchFamily="18" charset="0"/>
+                <a:cs typeface="Times New Roman" panose="02020603050405020304" pitchFamily="18" charset="0"/>
+              </a:rPr>
+              <a:t>            </a:t>
+            </a:r>
+            <a:r>
+              <a:rPr lang="it-IT" sz="1200" dirty="0" err="1">
+                <a:solidFill>
+                  <a:srgbClr val="DCDCAA"/>
+                </a:solidFill>
+                <a:latin typeface="Consolas" panose="020B0609020204030204" pitchFamily="49" charset="0"/>
+                <a:ea typeface="Times New Roman" panose="02020603050405020304" pitchFamily="18" charset="0"/>
+                <a:cs typeface="Times New Roman" panose="02020603050405020304" pitchFamily="18" charset="0"/>
+              </a:rPr>
+              <a:t>printf</a:t>
+            </a:r>
+            <a:r>
+              <a:rPr lang="it-IT" sz="1200" dirty="0">
+                <a:solidFill>
+                  <a:srgbClr val="D4D4D4"/>
+                </a:solidFill>
+                <a:latin typeface="Consolas" panose="020B0609020204030204" pitchFamily="49" charset="0"/>
+                <a:ea typeface="Times New Roman" panose="02020603050405020304" pitchFamily="18" charset="0"/>
+                <a:cs typeface="Times New Roman" panose="02020603050405020304" pitchFamily="18" charset="0"/>
+              </a:rPr>
+              <a:t>(</a:t>
+            </a:r>
+            <a:r>
+              <a:rPr lang="it-IT" sz="1200" dirty="0">
+                <a:solidFill>
+                  <a:srgbClr val="CE9178"/>
+                </a:solidFill>
+                <a:latin typeface="Consolas" panose="020B0609020204030204" pitchFamily="49" charset="0"/>
+                <a:ea typeface="Times New Roman" panose="02020603050405020304" pitchFamily="18" charset="0"/>
+                <a:cs typeface="Times New Roman" panose="02020603050405020304" pitchFamily="18" charset="0"/>
+              </a:rPr>
+              <a:t>"Il file inserito non è un file di testo (*.</a:t>
+            </a:r>
+            <a:r>
+              <a:rPr lang="it-IT" sz="1200" dirty="0" err="1">
+                <a:solidFill>
+                  <a:srgbClr val="CE9178"/>
+                </a:solidFill>
+                <a:latin typeface="Consolas" panose="020B0609020204030204" pitchFamily="49" charset="0"/>
+                <a:ea typeface="Times New Roman" panose="02020603050405020304" pitchFamily="18" charset="0"/>
+                <a:cs typeface="Times New Roman" panose="02020603050405020304" pitchFamily="18" charset="0"/>
+              </a:rPr>
+              <a:t>txt</a:t>
+            </a:r>
+            <a:r>
+              <a:rPr lang="it-IT" sz="1200" dirty="0">
+                <a:solidFill>
+                  <a:srgbClr val="CE9178"/>
+                </a:solidFill>
+                <a:latin typeface="Consolas" panose="020B0609020204030204" pitchFamily="49" charset="0"/>
+                <a:ea typeface="Times New Roman" panose="02020603050405020304" pitchFamily="18" charset="0"/>
+                <a:cs typeface="Times New Roman" panose="02020603050405020304" pitchFamily="18" charset="0"/>
+              </a:rPr>
+              <a:t>).</a:t>
+            </a:r>
+            <a:r>
+              <a:rPr lang="it-IT" sz="1200" dirty="0">
+                <a:solidFill>
+                  <a:srgbClr val="D7BA7D"/>
+                </a:solidFill>
+                <a:latin typeface="Consolas" panose="020B0609020204030204" pitchFamily="49" charset="0"/>
+                <a:ea typeface="Times New Roman" panose="02020603050405020304" pitchFamily="18" charset="0"/>
+                <a:cs typeface="Times New Roman" panose="02020603050405020304" pitchFamily="18" charset="0"/>
+              </a:rPr>
+              <a:t>\n</a:t>
+            </a:r>
+            <a:r>
+              <a:rPr lang="it-IT" sz="1200" dirty="0">
+                <a:solidFill>
+                  <a:srgbClr val="CE9178"/>
+                </a:solidFill>
+                <a:latin typeface="Consolas" panose="020B0609020204030204" pitchFamily="49" charset="0"/>
+                <a:ea typeface="Times New Roman" panose="02020603050405020304" pitchFamily="18" charset="0"/>
+                <a:cs typeface="Times New Roman" panose="02020603050405020304" pitchFamily="18" charset="0"/>
+              </a:rPr>
+              <a:t>"</a:t>
+            </a:r>
+            <a:r>
+              <a:rPr lang="it-IT" sz="1200" dirty="0">
+                <a:solidFill>
+                  <a:srgbClr val="D4D4D4"/>
+                </a:solidFill>
+                <a:latin typeface="Consolas" panose="020B0609020204030204" pitchFamily="49" charset="0"/>
+                <a:ea typeface="Times New Roman" panose="02020603050405020304" pitchFamily="18" charset="0"/>
+                <a:cs typeface="Times New Roman" panose="02020603050405020304" pitchFamily="18" charset="0"/>
+              </a:rPr>
+              <a:t>);</a:t>
+            </a:r>
+            <a:endParaRPr lang="it-IT" sz="1200" dirty="0">
+              <a:latin typeface="Consolas" panose="020B0609020204030204" pitchFamily="49" charset="0"/>
+              <a:ea typeface="Calibri" panose="020F0502020204030204" pitchFamily="34" charset="0"/>
+              <a:cs typeface="Times New Roman" panose="02020603050405020304" pitchFamily="18" charset="0"/>
+            </a:endParaRPr>
+          </a:p>
+          <a:p>
+            <a:pPr>
+              <a:lnSpc>
+                <a:spcPct val="150000"/>
+              </a:lnSpc>
+              <a:spcAft>
+                <a:spcPts val="0"/>
+              </a:spcAft>
+            </a:pPr>
+            <a:r>
+              <a:rPr lang="it-IT" sz="1200" dirty="0">
+                <a:solidFill>
+                  <a:srgbClr val="D4D4D4"/>
+                </a:solidFill>
+                <a:latin typeface="Consolas" panose="020B0609020204030204" pitchFamily="49" charset="0"/>
+                <a:ea typeface="Times New Roman" panose="02020603050405020304" pitchFamily="18" charset="0"/>
+                <a:cs typeface="Times New Roman" panose="02020603050405020304" pitchFamily="18" charset="0"/>
+              </a:rPr>
+              <a:t>        }</a:t>
+            </a:r>
+            <a:endParaRPr lang="it-IT" sz="1200" dirty="0">
+              <a:latin typeface="Consolas" panose="020B0609020204030204" pitchFamily="49" charset="0"/>
+              <a:ea typeface="Calibri" panose="020F0502020204030204" pitchFamily="34" charset="0"/>
+              <a:cs typeface="Times New Roman" panose="02020603050405020304" pitchFamily="18" charset="0"/>
+            </a:endParaRPr>
+          </a:p>
+          <a:p>
+            <a:pPr>
+              <a:lnSpc>
+                <a:spcPct val="150000"/>
+              </a:lnSpc>
+              <a:spcAft>
+                <a:spcPts val="0"/>
+              </a:spcAft>
+            </a:pPr>
+            <a:r>
+              <a:rPr lang="it-IT" sz="1200" dirty="0">
+                <a:solidFill>
+                  <a:srgbClr val="D4D4D4"/>
+                </a:solidFill>
+                <a:latin typeface="Consolas" panose="020B0609020204030204" pitchFamily="49" charset="0"/>
+                <a:ea typeface="Times New Roman" panose="02020603050405020304" pitchFamily="18" charset="0"/>
+                <a:cs typeface="Times New Roman" panose="02020603050405020304" pitchFamily="18" charset="0"/>
+              </a:rPr>
+              <a:t> </a:t>
+            </a:r>
+            <a:endParaRPr lang="it-IT" sz="1200" dirty="0">
+              <a:latin typeface="Consolas" panose="020B0609020204030204" pitchFamily="49" charset="0"/>
+              <a:ea typeface="Calibri" panose="020F0502020204030204" pitchFamily="34" charset="0"/>
+              <a:cs typeface="Times New Roman" panose="02020603050405020304" pitchFamily="18" charset="0"/>
+            </a:endParaRPr>
+          </a:p>
+          <a:p>
+            <a:pPr>
+              <a:lnSpc>
+                <a:spcPct val="150000"/>
+              </a:lnSpc>
+              <a:spcAft>
+                <a:spcPts val="0"/>
+              </a:spcAft>
+            </a:pPr>
+            <a:r>
+              <a:rPr lang="it-IT" sz="1200" dirty="0">
+                <a:solidFill>
+                  <a:srgbClr val="D4D4D4"/>
+                </a:solidFill>
+                <a:latin typeface="Consolas" panose="020B0609020204030204" pitchFamily="49" charset="0"/>
+                <a:ea typeface="Times New Roman" panose="02020603050405020304" pitchFamily="18" charset="0"/>
+                <a:cs typeface="Times New Roman" panose="02020603050405020304" pitchFamily="18" charset="0"/>
+              </a:rPr>
+              <a:t>        </a:t>
+            </a:r>
+            <a:r>
+              <a:rPr lang="it-IT" sz="1200" dirty="0" err="1">
+                <a:solidFill>
+                  <a:srgbClr val="DCDCAA"/>
+                </a:solidFill>
+                <a:latin typeface="Consolas" panose="020B0609020204030204" pitchFamily="49" charset="0"/>
+                <a:ea typeface="Times New Roman" panose="02020603050405020304" pitchFamily="18" charset="0"/>
+                <a:cs typeface="Times New Roman" panose="02020603050405020304" pitchFamily="18" charset="0"/>
+              </a:rPr>
+              <a:t>printf</a:t>
+            </a:r>
+            <a:r>
+              <a:rPr lang="it-IT" sz="1200" dirty="0">
+                <a:solidFill>
+                  <a:srgbClr val="D4D4D4"/>
+                </a:solidFill>
+                <a:latin typeface="Consolas" panose="020B0609020204030204" pitchFamily="49" charset="0"/>
+                <a:ea typeface="Times New Roman" panose="02020603050405020304" pitchFamily="18" charset="0"/>
+                <a:cs typeface="Times New Roman" panose="02020603050405020304" pitchFamily="18" charset="0"/>
+              </a:rPr>
+              <a:t>(</a:t>
+            </a:r>
+            <a:r>
+              <a:rPr lang="it-IT" sz="1200" dirty="0">
+                <a:solidFill>
+                  <a:srgbClr val="CE9178"/>
+                </a:solidFill>
+                <a:latin typeface="Consolas" panose="020B0609020204030204" pitchFamily="49" charset="0"/>
+                <a:ea typeface="Times New Roman" panose="02020603050405020304" pitchFamily="18" charset="0"/>
+                <a:cs typeface="Times New Roman" panose="02020603050405020304" pitchFamily="18" charset="0"/>
+              </a:rPr>
+              <a:t>"Inserire il nome di un file o EOF (CTRL + D) per terminare: "</a:t>
+            </a:r>
+            <a:r>
+              <a:rPr lang="it-IT" sz="1200" dirty="0">
+                <a:solidFill>
+                  <a:srgbClr val="D4D4D4"/>
+                </a:solidFill>
+                <a:latin typeface="Consolas" panose="020B0609020204030204" pitchFamily="49" charset="0"/>
+                <a:ea typeface="Times New Roman" panose="02020603050405020304" pitchFamily="18" charset="0"/>
+                <a:cs typeface="Times New Roman" panose="02020603050405020304" pitchFamily="18" charset="0"/>
+              </a:rPr>
+              <a:t>);</a:t>
+            </a:r>
+            <a:endParaRPr lang="it-IT" sz="1200" dirty="0">
+              <a:latin typeface="Consolas" panose="020B0609020204030204" pitchFamily="49" charset="0"/>
+              <a:ea typeface="Calibri" panose="020F0502020204030204" pitchFamily="34" charset="0"/>
+              <a:cs typeface="Times New Roman" panose="02020603050405020304" pitchFamily="18" charset="0"/>
+            </a:endParaRPr>
+          </a:p>
+          <a:p>
+            <a:pPr>
+              <a:lnSpc>
+                <a:spcPct val="150000"/>
+              </a:lnSpc>
+              <a:spcAft>
+                <a:spcPts val="0"/>
+              </a:spcAft>
+            </a:pPr>
+            <a:r>
+              <a:rPr lang="it-IT" sz="1200" dirty="0">
+                <a:solidFill>
+                  <a:srgbClr val="D4D4D4"/>
+                </a:solidFill>
+                <a:latin typeface="Consolas" panose="020B0609020204030204" pitchFamily="49" charset="0"/>
+                <a:ea typeface="Times New Roman" panose="02020603050405020304" pitchFamily="18" charset="0"/>
+                <a:cs typeface="Times New Roman" panose="02020603050405020304" pitchFamily="18" charset="0"/>
+              </a:rPr>
+              <a:t>    }</a:t>
+            </a:r>
+            <a:endParaRPr lang="it-IT" sz="1200" dirty="0">
+              <a:latin typeface="Consolas" panose="020B0609020204030204" pitchFamily="49" charset="0"/>
+              <a:ea typeface="Calibri" panose="020F0502020204030204" pitchFamily="34" charset="0"/>
+              <a:cs typeface="Times New Roman" panose="02020603050405020304" pitchFamily="18" charset="0"/>
+            </a:endParaRPr>
+          </a:p>
+        </p:txBody>
+      </p:sp>
+      <p:sp>
+        <p:nvSpPr>
+          <p:cNvPr id="4" name="Callout: linea 3">
+            <a:extLst>
+              <a:ext uri="{FF2B5EF4-FFF2-40B4-BE49-F238E27FC236}">
+                <a16:creationId xmlns:a16="http://schemas.microsoft.com/office/drawing/2014/main" id="{3142C27D-66B6-4EC5-B175-799DACA0D343}"/>
+              </a:ext>
+            </a:extLst>
+          </p:cNvPr>
+          <p:cNvSpPr/>
+          <p:nvPr/>
+        </p:nvSpPr>
+        <p:spPr>
+          <a:xfrm>
+            <a:off x="7650120" y="3581400"/>
+            <a:ext cx="3703680" cy="1743326"/>
+          </a:xfrm>
+          <a:prstGeom prst="borderCallout1">
+            <a:avLst>
+              <a:gd name="adj1" fmla="val 26946"/>
+              <a:gd name="adj2" fmla="val -4218"/>
+              <a:gd name="adj3" fmla="val -1691"/>
+              <a:gd name="adj4" fmla="val -29332"/>
+            </a:avLst>
+          </a:prstGeom>
+          <a:solidFill>
+            <a:schemeClr val="accent4"/>
+          </a:solidFill>
+          <a:ln>
+            <a:solidFill>
+              <a:schemeClr val="accent4"/>
+            </a:solidFill>
+          </a:ln>
+        </p:spPr>
+        <p:style>
+          <a:lnRef idx="2">
+            <a:schemeClr val="accent1">
+              <a:shade val="50000"/>
+            </a:schemeClr>
+          </a:lnRef>
+          <a:fillRef idx="1">
+            <a:schemeClr val="accent1"/>
+          </a:fillRef>
+          <a:effectRef idx="0">
+            <a:schemeClr val="accent1"/>
+          </a:effectRef>
+          <a:fontRef idx="minor">
+            <a:schemeClr val="lt1"/>
+          </a:fontRef>
+        </p:style>
+        <p:txBody>
+          <a:bodyPr rtlCol="0" anchor="ctr"/>
+          <a:lstStyle/>
+          <a:p>
+            <a:pPr algn="just"/>
+            <a:r>
+              <a:rPr lang="it-IT" sz="1300" dirty="0">
+                <a:solidFill>
+                  <a:schemeClr val="tx1"/>
+                </a:solidFill>
+                <a:latin typeface="Avenir Next LT Pro Light" panose="020B0304020202020204" pitchFamily="34" charset="0"/>
+              </a:rPr>
+              <a:t>Si gestiscono i tre casi di ciò che si può ricevere dal server:</a:t>
+            </a:r>
+          </a:p>
+          <a:p>
+            <a:pPr marL="285750" indent="-285750" algn="just">
+              <a:buFont typeface="Arial" panose="020B0604020202020204" pitchFamily="34" charset="0"/>
+              <a:buChar char="•"/>
+            </a:pPr>
+            <a:r>
+              <a:rPr lang="it-IT" sz="1300" dirty="0">
+                <a:solidFill>
+                  <a:schemeClr val="tx1"/>
+                </a:solidFill>
+                <a:latin typeface="Avenir Next LT Pro Light" panose="020B0304020202020204" pitchFamily="34" charset="0"/>
+              </a:rPr>
+              <a:t>viene trovata la parola più lunga e si stampa il numero di caratteri;</a:t>
+            </a:r>
+          </a:p>
+          <a:p>
+            <a:pPr marL="285750" indent="-285750" algn="just">
+              <a:buFont typeface="Arial" panose="020B0604020202020204" pitchFamily="34" charset="0"/>
+              <a:buChar char="•"/>
+            </a:pPr>
+            <a:r>
+              <a:rPr lang="it-IT" sz="1300" dirty="0">
+                <a:solidFill>
+                  <a:schemeClr val="tx1"/>
+                </a:solidFill>
+                <a:latin typeface="Avenir Next LT Pro Light" panose="020B0304020202020204" pitchFamily="34" charset="0"/>
+              </a:rPr>
+              <a:t>se si riceve 0, si stampa che nel file richiesto (che esiste) non ci sono parole;</a:t>
+            </a:r>
+          </a:p>
+          <a:p>
+            <a:pPr marL="285750" indent="-285750" algn="just">
+              <a:buFont typeface="Arial" panose="020B0604020202020204" pitchFamily="34" charset="0"/>
+              <a:buChar char="•"/>
+            </a:pPr>
+            <a:r>
+              <a:rPr lang="it-IT" sz="1300" dirty="0">
+                <a:solidFill>
+                  <a:schemeClr val="tx1"/>
+                </a:solidFill>
+                <a:latin typeface="Avenir Next LT Pro Light" panose="020B0304020202020204" pitchFamily="34" charset="0"/>
+              </a:rPr>
+              <a:t>se invece si riceve -1 significa che il file richiesto non esiste sul server.</a:t>
+            </a:r>
+          </a:p>
+        </p:txBody>
+      </p:sp>
+    </p:spTree>
+    <p:extLst>
+      <p:ext uri="{BB962C8B-B14F-4D97-AF65-F5344CB8AC3E}">
+        <p14:creationId xmlns:p14="http://schemas.microsoft.com/office/powerpoint/2010/main" val="1629653739"/>
+      </p:ext>
+    </p:extLst>
+  </p:cSld>
+  <p:clrMapOvr>
+    <a:masterClrMapping/>
+  </p:clrMapOvr>
+</p:sld>
+</file>
+
+<file path=ppt/slides/slide6.xml><?xml version="1.0" encoding="utf-8"?>
+<p:sld xmlns:a="http://schemas.openxmlformats.org/drawingml/2006/main" xmlns:r="http://schemas.openxmlformats.org/officeDocument/2006/relationships" xmlns:p="http://schemas.openxmlformats.org/presentationml/2006/main">
+  <p:cSld>
+    <p:bg>
+      <p:bgPr>
+        <a:solidFill>
+          <a:srgbClr val="2A2A2A"/>
+        </a:solidFill>
+        <a:effectLst/>
+      </p:bgPr>
+    </p:bg>
+    <p:spTree>
+      <p:nvGrpSpPr>
+        <p:cNvPr id="1" name=""/>
+        <p:cNvGrpSpPr/>
+        <p:nvPr/>
+      </p:nvGrpSpPr>
+      <p:grpSpPr>
+        <a:xfrm>
+          <a:off x="0" y="0"/>
+          <a:ext cx="0" cy="0"/>
+          <a:chOff x="0" y="0"/>
+          <a:chExt cx="0" cy="0"/>
+        </a:xfrm>
+      </p:grpSpPr>
+      <p:sp>
+        <p:nvSpPr>
+          <p:cNvPr id="2" name="Titolo 1">
+            <a:extLst>
+              <a:ext uri="{FF2B5EF4-FFF2-40B4-BE49-F238E27FC236}">
+                <a16:creationId xmlns:a16="http://schemas.microsoft.com/office/drawing/2014/main" id="{F1DDE7A4-1A5F-4F0D-B842-7798EDC6EDA8}"/>
+              </a:ext>
+            </a:extLst>
+          </p:cNvPr>
+          <p:cNvSpPr>
+            <a:spLocks noGrp="1"/>
+          </p:cNvSpPr>
+          <p:nvPr>
+            <p:ph type="title"/>
+          </p:nvPr>
+        </p:nvSpPr>
+        <p:spPr>
+          <a:xfrm>
+            <a:off x="166048" y="92077"/>
+            <a:ext cx="11859904" cy="911224"/>
+          </a:xfrm>
+        </p:spPr>
+        <p:txBody>
+          <a:bodyPr>
+            <a:normAutofit/>
+          </a:bodyPr>
+          <a:lstStyle/>
+          <a:p>
+            <a:pPr algn="ctr"/>
+            <a:r>
+              <a:rPr lang="it-IT" dirty="0">
+                <a:solidFill>
+                  <a:schemeClr val="bg1"/>
+                </a:solidFill>
+                <a:latin typeface="Avenir Next LT Pro Light" panose="020B0304020202020204" pitchFamily="34" charset="0"/>
+              </a:rPr>
+              <a:t>Eventuali prove di performance UDP</a:t>
+            </a:r>
+          </a:p>
+        </p:txBody>
+      </p:sp>
+      <p:sp>
+        <p:nvSpPr>
+          <p:cNvPr id="3" name="Segnaposto numero diapositiva 2">
+            <a:extLst>
+              <a:ext uri="{FF2B5EF4-FFF2-40B4-BE49-F238E27FC236}">
+                <a16:creationId xmlns:a16="http://schemas.microsoft.com/office/drawing/2014/main" id="{A47D4834-59E8-435C-A95B-F4D997DED51E}"/>
+              </a:ext>
+            </a:extLst>
+          </p:cNvPr>
+          <p:cNvSpPr>
+            <a:spLocks noGrp="1"/>
+          </p:cNvSpPr>
+          <p:nvPr>
+            <p:ph type="sldNum" sz="quarter" idx="12"/>
+          </p:nvPr>
+        </p:nvSpPr>
+        <p:spPr/>
+        <p:txBody>
+          <a:bodyPr/>
+          <a:lstStyle/>
+          <a:p>
+            <a:fld id="{4A6DC286-705F-4A37-A21F-B485E3A29C72}" type="slidenum">
+              <a:rPr lang="it-IT" smtClean="0"/>
+              <a:t>6</a:t>
+            </a:fld>
+            <a:endParaRPr lang="it-IT"/>
+          </a:p>
+        </p:txBody>
+      </p:sp>
+      <p:sp>
+        <p:nvSpPr>
+          <p:cNvPr id="4" name="CasellaDiTesto 3">
+            <a:extLst>
+              <a:ext uri="{FF2B5EF4-FFF2-40B4-BE49-F238E27FC236}">
+                <a16:creationId xmlns:a16="http://schemas.microsoft.com/office/drawing/2014/main" id="{53201F81-8510-4C74-BAB4-1DBFEB2D3B79}"/>
+              </a:ext>
+            </a:extLst>
+          </p:cNvPr>
+          <p:cNvSpPr txBox="1"/>
+          <p:nvPr/>
+        </p:nvSpPr>
+        <p:spPr>
+          <a:xfrm>
+            <a:off x="503280" y="1003301"/>
+            <a:ext cx="10427575" cy="461088"/>
+          </a:xfrm>
+          <a:prstGeom prst="rect">
+            <a:avLst/>
+          </a:prstGeom>
+          <a:noFill/>
+        </p:spPr>
+        <p:txBody>
+          <a:bodyPr wrap="square" rtlCol="0">
+            <a:spAutoFit/>
+          </a:bodyPr>
+          <a:lstStyle/>
+          <a:p>
+            <a:pPr algn="just">
+              <a:lnSpc>
+                <a:spcPct val="150000"/>
+              </a:lnSpc>
+              <a:spcAft>
+                <a:spcPts val="0"/>
+              </a:spcAft>
+            </a:pPr>
+            <a:r>
+              <a:rPr lang="it-IT" dirty="0">
+                <a:solidFill>
+                  <a:srgbClr val="00B0F0"/>
+                </a:solidFill>
+                <a:latin typeface="Avenir Next LT Pro Light" panose="020B0304020202020204" pitchFamily="34" charset="0"/>
+                <a:ea typeface="Calibri" panose="020F0502020204030204" pitchFamily="34" charset="0"/>
+                <a:cs typeface="Times New Roman" panose="02020603050405020304" pitchFamily="18" charset="0"/>
+              </a:rPr>
+              <a:t>Da definire</a:t>
+            </a:r>
+            <a:endParaRPr lang="it-IT" dirty="0">
+              <a:solidFill>
+                <a:schemeClr val="bg1"/>
+              </a:solidFill>
+              <a:latin typeface="Avenir Next LT Pro Light" panose="020B0304020202020204" pitchFamily="34" charset="0"/>
+              <a:ea typeface="Calibri" panose="020F0502020204030204" pitchFamily="34" charset="0"/>
+              <a:cs typeface="Times New Roman" panose="02020603050405020304" pitchFamily="18" charset="0"/>
+            </a:endParaRPr>
+          </a:p>
+        </p:txBody>
+      </p:sp>
+    </p:spTree>
+    <p:extLst>
+      <p:ext uri="{BB962C8B-B14F-4D97-AF65-F5344CB8AC3E}">
+        <p14:creationId xmlns:p14="http://schemas.microsoft.com/office/powerpoint/2010/main" val="234433866"/>
+      </p:ext>
+    </p:extLst>
+  </p:cSld>
+  <p:clrMapOvr>
+    <a:masterClrMapping/>
+  </p:clrMapOvr>
+</p:sld>
+</file>
+
+<file path=ppt/slides/slide7.xml><?xml version="1.0" encoding="utf-8"?>
+<p:sld xmlns:a="http://schemas.openxmlformats.org/drawingml/2006/main" xmlns:r="http://schemas.openxmlformats.org/officeDocument/2006/relationships" xmlns:p="http://schemas.openxmlformats.org/presentationml/2006/main">
+  <p:cSld>
+    <p:bg>
+      <p:bgPr>
+        <a:solidFill>
+          <a:srgbClr val="2A2A2A"/>
+        </a:solidFill>
+        <a:effectLst/>
+      </p:bgPr>
+    </p:bg>
+    <p:spTree>
+      <p:nvGrpSpPr>
+        <p:cNvPr id="1" name=""/>
+        <p:cNvGrpSpPr/>
+        <p:nvPr/>
+      </p:nvGrpSpPr>
+      <p:grpSpPr>
+        <a:xfrm>
+          <a:off x="0" y="0"/>
+          <a:ext cx="0" cy="0"/>
+          <a:chOff x="0" y="0"/>
+          <a:chExt cx="0" cy="0"/>
+        </a:xfrm>
+      </p:grpSpPr>
       <p:pic>
         <p:nvPicPr>
           <p:cNvPr id="5" name="Immagine 4" descr="Immagine che contiene orologio, luce, segnale&#10;&#10;Descrizione generata automaticamente">
@@ -5513,6 +9250,94 @@
       </p:pic>
       <p:sp>
         <p:nvSpPr>
+          <p:cNvPr id="2" name="Titolo 1">
+            <a:extLst>
+              <a:ext uri="{FF2B5EF4-FFF2-40B4-BE49-F238E27FC236}">
+                <a16:creationId xmlns:a16="http://schemas.microsoft.com/office/drawing/2014/main" id="{F1DDE7A4-1A5F-4F0D-B842-7798EDC6EDA8}"/>
+              </a:ext>
+            </a:extLst>
+          </p:cNvPr>
+          <p:cNvSpPr>
+            <a:spLocks noGrp="1"/>
+          </p:cNvSpPr>
+          <p:nvPr>
+            <p:ph type="title"/>
+          </p:nvPr>
+        </p:nvSpPr>
+        <p:spPr>
+          <a:xfrm>
+            <a:off x="166048" y="92077"/>
+            <a:ext cx="11859904" cy="911224"/>
+          </a:xfrm>
+        </p:spPr>
+        <p:txBody>
+          <a:bodyPr>
+            <a:normAutofit/>
+          </a:bodyPr>
+          <a:lstStyle/>
+          <a:p>
+            <a:pPr algn="ctr"/>
+            <a:r>
+              <a:rPr lang="it-IT" dirty="0">
+                <a:solidFill>
+                  <a:schemeClr val="bg1"/>
+                </a:solidFill>
+                <a:latin typeface="Avenir Next LT Pro Light" panose="020B0304020202020204" pitchFamily="34" charset="0"/>
+              </a:rPr>
+              <a:t>Schema C/S con </a:t>
+            </a:r>
+            <a:r>
+              <a:rPr lang="it-IT">
+                <a:solidFill>
+                  <a:schemeClr val="bg1"/>
+                </a:solidFill>
+                <a:latin typeface="Avenir Next LT Pro Light" panose="020B0304020202020204" pitchFamily="34" charset="0"/>
+              </a:rPr>
+              <a:t>connessione (TCP</a:t>
+            </a:r>
+            <a:r>
+              <a:rPr lang="it-IT" dirty="0">
+                <a:solidFill>
+                  <a:schemeClr val="bg1"/>
+                </a:solidFill>
+                <a:latin typeface="Avenir Next LT Pro Light" panose="020B0304020202020204" pitchFamily="34" charset="0"/>
+              </a:rPr>
+              <a:t>)</a:t>
+            </a:r>
+          </a:p>
+        </p:txBody>
+      </p:sp>
+      <p:sp>
+        <p:nvSpPr>
+          <p:cNvPr id="3" name="Segnaposto numero diapositiva 2">
+            <a:extLst>
+              <a:ext uri="{FF2B5EF4-FFF2-40B4-BE49-F238E27FC236}">
+                <a16:creationId xmlns:a16="http://schemas.microsoft.com/office/drawing/2014/main" id="{A47D4834-59E8-435C-A95B-F4D997DED51E}"/>
+              </a:ext>
+            </a:extLst>
+          </p:cNvPr>
+          <p:cNvSpPr>
+            <a:spLocks noGrp="1"/>
+          </p:cNvSpPr>
+          <p:nvPr>
+            <p:ph type="sldNum" sz="quarter" idx="12"/>
+          </p:nvPr>
+        </p:nvSpPr>
+        <p:spPr/>
+        <p:txBody>
+          <a:bodyPr/>
+          <a:lstStyle/>
+          <a:p>
+            <a:fld id="{4A6DC286-705F-4A37-A21F-B485E3A29C72}" type="slidenum">
+              <a:rPr lang="it-IT" smtClean="0"/>
+              <a:t>7</a:t>
+            </a:fld>
+            <a:endParaRPr lang="it-IT"/>
+          </a:p>
+        </p:txBody>
+      </p:sp>
+      <p:sp>
+        <p:nvSpPr>
           <p:cNvPr id="6" name="CasellaDiTesto 5">
             <a:extLst>
               <a:ext uri="{FF2B5EF4-FFF2-40B4-BE49-F238E27FC236}">
@@ -6042,7 +9867,7 @@
 </p:sld>
 </file>
 
-<file path=ppt/slides/slide5.xml><?xml version="1.0" encoding="utf-8"?>
+<file path=ppt/slides/slide8.xml><?xml version="1.0" encoding="utf-8"?>
 <p:sld xmlns:a="http://schemas.openxmlformats.org/drawingml/2006/main" xmlns:r="http://schemas.openxmlformats.org/officeDocument/2006/relationships" xmlns:p="http://schemas.openxmlformats.org/presentationml/2006/main">
   <p:cSld>
     <p:bg>
@@ -6131,7 +9956,7 @@
           <a:p>
             <a:fld id="{4A6DC286-705F-4A37-A21F-B485E3A29C72}" type="slidenum">
               <a:rPr lang="it-IT" smtClean="0"/>
-              <a:t>5</a:t>
+              <a:t>8</a:t>
             </a:fld>
             <a:endParaRPr lang="it-IT"/>
           </a:p>

--- a/Presentazione.pptx
+++ b/Presentazione.pptx
@@ -5,7 +5,7 @@
     <p:sldMasterId id="2147483714" r:id="rId1"/>
   </p:sldMasterIdLst>
   <p:notesMasterIdLst>
-    <p:notesMasterId r:id="rId10"/>
+    <p:notesMasterId r:id="rId12"/>
   </p:notesMasterIdLst>
   <p:sldIdLst>
     <p:sldId id="256" r:id="rId2"/>
@@ -15,7 +15,9 @@
     <p:sldId id="269" r:id="rId6"/>
     <p:sldId id="270" r:id="rId7"/>
     <p:sldId id="266" r:id="rId8"/>
-    <p:sldId id="267" r:id="rId9"/>
+    <p:sldId id="271" r:id="rId9"/>
+    <p:sldId id="273" r:id="rId10"/>
+    <p:sldId id="267" r:id="rId11"/>
   </p:sldIdLst>
   <p:sldSz cx="12192000" cy="6858000"/>
   <p:notesSz cx="6858000" cy="9144000"/>
@@ -144,7 +146,7 @@
 <file path=ppt/revisionInfo.xml><?xml version="1.0" encoding="utf-8"?>
 <p1510:revInfo xmlns:a="http://schemas.openxmlformats.org/drawingml/2006/main" xmlns:r="http://schemas.openxmlformats.org/officeDocument/2006/relationships" xmlns:p1510="http://schemas.microsoft.com/office/powerpoint/2015/10/main">
   <p1510:revLst>
-    <p1510:client id="{43CC9881-2FEC-47B1-AC96-5220636F8AE5}" v="17" dt="2019-10-28T15:41:27.137"/>
+    <p1510:client id="{255E8966-DA7A-4F42-BBC2-EB4277AFD265}" v="19" dt="2019-10-30T22:36:44.570"/>
   </p1510:revLst>
 </p1510:revInfo>
 </file>
@@ -459,8 +461,8 @@
   </pc:docChgLst>
   <pc:docChgLst>
     <pc:chgData name="Andrei Daniel Ivan" userId="d3c4cde5a19fb9a3" providerId="LiveId" clId="{255E8966-DA7A-4F42-BBC2-EB4277AFD265}"/>
-    <pc:docChg chg="undo custSel addSld delSld modSld">
-      <pc:chgData name="Andrei Daniel Ivan" userId="d3c4cde5a19fb9a3" providerId="LiveId" clId="{255E8966-DA7A-4F42-BBC2-EB4277AFD265}" dt="2019-10-26T23:21:44.601" v="644" actId="1076"/>
+    <pc:docChg chg="undo custSel addSld delSld modSld sldOrd">
+      <pc:chgData name="Andrei Daniel Ivan" userId="d3c4cde5a19fb9a3" providerId="LiveId" clId="{255E8966-DA7A-4F42-BBC2-EB4277AFD265}" dt="2019-10-30T22:49:04.770" v="1325" actId="20577"/>
       <pc:docMkLst>
         <pc:docMk/>
       </pc:docMkLst>
@@ -539,7 +541,7 @@
         </pc:sldMkLst>
       </pc:sldChg>
       <pc:sldChg chg="modSp">
-        <pc:chgData name="Andrei Daniel Ivan" userId="d3c4cde5a19fb9a3" providerId="LiveId" clId="{255E8966-DA7A-4F42-BBC2-EB4277AFD265}" dt="2019-10-26T13:33:15.785" v="634" actId="20577"/>
+        <pc:chgData name="Andrei Daniel Ivan" userId="d3c4cde5a19fb9a3" providerId="LiveId" clId="{255E8966-DA7A-4F42-BBC2-EB4277AFD265}" dt="2019-10-30T22:49:04.770" v="1325" actId="20577"/>
         <pc:sldMkLst>
           <pc:docMk/>
           <pc:sldMk cId="148092493" sldId="264"/>
@@ -553,7 +555,7 @@
           </ac:spMkLst>
         </pc:spChg>
         <pc:spChg chg="mod">
-          <ac:chgData name="Andrei Daniel Ivan" userId="d3c4cde5a19fb9a3" providerId="LiveId" clId="{255E8966-DA7A-4F42-BBC2-EB4277AFD265}" dt="2019-10-26T13:33:15.785" v="634" actId="20577"/>
+          <ac:chgData name="Andrei Daniel Ivan" userId="d3c4cde5a19fb9a3" providerId="LiveId" clId="{255E8966-DA7A-4F42-BBC2-EB4277AFD265}" dt="2019-10-30T22:49:04.770" v="1325" actId="20577"/>
           <ac:spMkLst>
             <pc:docMk/>
             <pc:sldMk cId="148092493" sldId="264"/>
@@ -845,8 +847,8 @@
           </ac:picMkLst>
         </pc:picChg>
       </pc:sldChg>
-      <pc:sldChg chg="modSp add">
-        <pc:chgData name="Andrei Daniel Ivan" userId="d3c4cde5a19fb9a3" providerId="LiveId" clId="{255E8966-DA7A-4F42-BBC2-EB4277AFD265}" dt="2019-10-25T18:37:36.389" v="105" actId="20577"/>
+      <pc:sldChg chg="addSp modSp add">
+        <pc:chgData name="Andrei Daniel Ivan" userId="d3c4cde5a19fb9a3" providerId="LiveId" clId="{255E8966-DA7A-4F42-BBC2-EB4277AFD265}" dt="2019-10-30T22:42:40.994" v="1312" actId="20577"/>
         <pc:sldMkLst>
           <pc:docMk/>
           <pc:sldMk cId="1080024111" sldId="267"/>
@@ -857,6 +859,154 @@
             <pc:docMk/>
             <pc:sldMk cId="1080024111" sldId="267"/>
             <ac:spMk id="2" creationId="{F1DDE7A4-1A5F-4F0D-B842-7798EDC6EDA8}"/>
+          </ac:spMkLst>
+        </pc:spChg>
+        <pc:spChg chg="mod">
+          <ac:chgData name="Andrei Daniel Ivan" userId="d3c4cde5a19fb9a3" providerId="LiveId" clId="{255E8966-DA7A-4F42-BBC2-EB4277AFD265}" dt="2019-10-30T22:42:40.994" v="1312" actId="20577"/>
+          <ac:spMkLst>
+            <pc:docMk/>
+            <pc:sldMk cId="1080024111" sldId="267"/>
+            <ac:spMk id="4" creationId="{53201F81-8510-4C74-BAB4-1DBFEB2D3B79}"/>
+          </ac:spMkLst>
+        </pc:spChg>
+        <pc:graphicFrameChg chg="add mod modGraphic">
+          <ac:chgData name="Andrei Daniel Ivan" userId="d3c4cde5a19fb9a3" providerId="LiveId" clId="{255E8966-DA7A-4F42-BBC2-EB4277AFD265}" dt="2019-10-30T22:39:07.634" v="1309" actId="1076"/>
+          <ac:graphicFrameMkLst>
+            <pc:docMk/>
+            <pc:sldMk cId="1080024111" sldId="267"/>
+            <ac:graphicFrameMk id="5" creationId="{CA79D04B-AC1F-476F-B7A0-1C488465314C}"/>
+          </ac:graphicFrameMkLst>
+        </pc:graphicFrameChg>
+      </pc:sldChg>
+      <pc:sldChg chg="modSp">
+        <pc:chgData name="Andrei Daniel Ivan" userId="d3c4cde5a19fb9a3" providerId="LiveId" clId="{255E8966-DA7A-4F42-BBC2-EB4277AFD265}" dt="2019-10-30T20:59:08.458" v="658" actId="20577"/>
+        <pc:sldMkLst>
+          <pc:docMk/>
+          <pc:sldMk cId="234433866" sldId="270"/>
+        </pc:sldMkLst>
+        <pc:spChg chg="mod">
+          <ac:chgData name="Andrei Daniel Ivan" userId="d3c4cde5a19fb9a3" providerId="LiveId" clId="{255E8966-DA7A-4F42-BBC2-EB4277AFD265}" dt="2019-10-30T20:59:08.458" v="658" actId="20577"/>
+          <ac:spMkLst>
+            <pc:docMk/>
+            <pc:sldMk cId="234433866" sldId="270"/>
+            <ac:spMk id="2" creationId="{F1DDE7A4-1A5F-4F0D-B842-7798EDC6EDA8}"/>
+          </ac:spMkLst>
+        </pc:spChg>
+      </pc:sldChg>
+      <pc:sldChg chg="addSp delSp modSp add ord">
+        <pc:chgData name="Andrei Daniel Ivan" userId="d3c4cde5a19fb9a3" providerId="LiveId" clId="{255E8966-DA7A-4F42-BBC2-EB4277AFD265}" dt="2019-10-30T22:18:23.315" v="916" actId="1076"/>
+        <pc:sldMkLst>
+          <pc:docMk/>
+          <pc:sldMk cId="502692845" sldId="271"/>
+        </pc:sldMkLst>
+        <pc:spChg chg="mod">
+          <ac:chgData name="Andrei Daniel Ivan" userId="d3c4cde5a19fb9a3" providerId="LiveId" clId="{255E8966-DA7A-4F42-BBC2-EB4277AFD265}" dt="2019-10-30T21:52:45.061" v="678" actId="20577"/>
+          <ac:spMkLst>
+            <pc:docMk/>
+            <pc:sldMk cId="502692845" sldId="271"/>
+            <ac:spMk id="2" creationId="{F1DDE7A4-1A5F-4F0D-B842-7798EDC6EDA8}"/>
+          </ac:spMkLst>
+        </pc:spChg>
+        <pc:spChg chg="del">
+          <ac:chgData name="Andrei Daniel Ivan" userId="d3c4cde5a19fb9a3" providerId="LiveId" clId="{255E8966-DA7A-4F42-BBC2-EB4277AFD265}" dt="2019-10-30T21:52:52.351" v="679" actId="478"/>
+          <ac:spMkLst>
+            <pc:docMk/>
+            <pc:sldMk cId="502692845" sldId="271"/>
+            <ac:spMk id="4" creationId="{3142C27D-66B6-4EC5-B175-799DACA0D343}"/>
+          </ac:spMkLst>
+        </pc:spChg>
+        <pc:spChg chg="del">
+          <ac:chgData name="Andrei Daniel Ivan" userId="d3c4cde5a19fb9a3" providerId="LiveId" clId="{255E8966-DA7A-4F42-BBC2-EB4277AFD265}" dt="2019-10-30T21:52:55.269" v="680" actId="478"/>
+          <ac:spMkLst>
+            <pc:docMk/>
+            <pc:sldMk cId="502692845" sldId="271"/>
+            <ac:spMk id="5" creationId="{16613504-0E07-4823-8604-71855244FD7C}"/>
+          </ac:spMkLst>
+        </pc:spChg>
+        <pc:spChg chg="add mod">
+          <ac:chgData name="Andrei Daniel Ivan" userId="d3c4cde5a19fb9a3" providerId="LiveId" clId="{255E8966-DA7A-4F42-BBC2-EB4277AFD265}" dt="2019-10-30T22:18:19.371" v="915" actId="1076"/>
+          <ac:spMkLst>
+            <pc:docMk/>
+            <pc:sldMk cId="502692845" sldId="271"/>
+            <ac:spMk id="6" creationId="{10CEFE9C-E284-478C-A613-1FD6E69D8BC7}"/>
+          </ac:spMkLst>
+        </pc:spChg>
+        <pc:spChg chg="add del mod">
+          <ac:chgData name="Andrei Daniel Ivan" userId="d3c4cde5a19fb9a3" providerId="LiveId" clId="{255E8966-DA7A-4F42-BBC2-EB4277AFD265}" dt="2019-10-30T22:18:00.027" v="909" actId="478"/>
+          <ac:spMkLst>
+            <pc:docMk/>
+            <pc:sldMk cId="502692845" sldId="271"/>
+            <ac:spMk id="7" creationId="{63B77A7B-4485-42D9-A6EE-2B9B56578926}"/>
+          </ac:spMkLst>
+        </pc:spChg>
+        <pc:spChg chg="add mod">
+          <ac:chgData name="Andrei Daniel Ivan" userId="d3c4cde5a19fb9a3" providerId="LiveId" clId="{255E8966-DA7A-4F42-BBC2-EB4277AFD265}" dt="2019-10-30T22:18:23.315" v="916" actId="1076"/>
+          <ac:spMkLst>
+            <pc:docMk/>
+            <pc:sldMk cId="502692845" sldId="271"/>
+            <ac:spMk id="8" creationId="{B6517F2D-9583-46BE-9C26-9F12B08DEC6F}"/>
+          </ac:spMkLst>
+        </pc:spChg>
+      </pc:sldChg>
+      <pc:sldChg chg="addSp delSp modSp add del ord">
+        <pc:chgData name="Andrei Daniel Ivan" userId="d3c4cde5a19fb9a3" providerId="LiveId" clId="{255E8966-DA7A-4F42-BBC2-EB4277AFD265}" dt="2019-10-30T22:29:23.654" v="1032" actId="2696"/>
+        <pc:sldMkLst>
+          <pc:docMk/>
+          <pc:sldMk cId="2593298368" sldId="272"/>
+        </pc:sldMkLst>
+        <pc:spChg chg="mod">
+          <ac:chgData name="Andrei Daniel Ivan" userId="d3c4cde5a19fb9a3" providerId="LiveId" clId="{255E8966-DA7A-4F42-BBC2-EB4277AFD265}" dt="2019-10-30T21:47:19.549" v="665" actId="20577"/>
+          <ac:spMkLst>
+            <pc:docMk/>
+            <pc:sldMk cId="2593298368" sldId="272"/>
+            <ac:spMk id="2" creationId="{F1DDE7A4-1A5F-4F0D-B842-7798EDC6EDA8}"/>
+          </ac:spMkLst>
+        </pc:spChg>
+        <pc:spChg chg="del">
+          <ac:chgData name="Andrei Daniel Ivan" userId="d3c4cde5a19fb9a3" providerId="LiveId" clId="{255E8966-DA7A-4F42-BBC2-EB4277AFD265}" dt="2019-10-30T22:27:14.443" v="1010" actId="478"/>
+          <ac:spMkLst>
+            <pc:docMk/>
+            <pc:sldMk cId="2593298368" sldId="272"/>
+            <ac:spMk id="4" creationId="{53201F81-8510-4C74-BAB4-1DBFEB2D3B79}"/>
+          </ac:spMkLst>
+        </pc:spChg>
+        <pc:graphicFrameChg chg="add mod modGraphic">
+          <ac:chgData name="Andrei Daniel Ivan" userId="d3c4cde5a19fb9a3" providerId="LiveId" clId="{255E8966-DA7A-4F42-BBC2-EB4277AFD265}" dt="2019-10-30T22:28:27.619" v="1030" actId="20577"/>
+          <ac:graphicFrameMkLst>
+            <pc:docMk/>
+            <pc:sldMk cId="2593298368" sldId="272"/>
+            <ac:graphicFrameMk id="5" creationId="{FCB2B16E-5D83-4198-9BC9-02E05CC17886}"/>
+          </ac:graphicFrameMkLst>
+        </pc:graphicFrameChg>
+      </pc:sldChg>
+      <pc:sldChg chg="addSp modSp add">
+        <pc:chgData name="Andrei Daniel Ivan" userId="d3c4cde5a19fb9a3" providerId="LiveId" clId="{255E8966-DA7A-4F42-BBC2-EB4277AFD265}" dt="2019-10-30T22:18:46.011" v="942" actId="1076"/>
+        <pc:sldMkLst>
+          <pc:docMk/>
+          <pc:sldMk cId="143152469" sldId="273"/>
+        </pc:sldMkLst>
+        <pc:spChg chg="mod">
+          <ac:chgData name="Andrei Daniel Ivan" userId="d3c4cde5a19fb9a3" providerId="LiveId" clId="{255E8966-DA7A-4F42-BBC2-EB4277AFD265}" dt="2019-10-30T22:03:12.394" v="682" actId="20577"/>
+          <ac:spMkLst>
+            <pc:docMk/>
+            <pc:sldMk cId="143152469" sldId="273"/>
+            <ac:spMk id="2" creationId="{F1DDE7A4-1A5F-4F0D-B842-7798EDC6EDA8}"/>
+          </ac:spMkLst>
+        </pc:spChg>
+        <pc:spChg chg="add mod">
+          <ac:chgData name="Andrei Daniel Ivan" userId="d3c4cde5a19fb9a3" providerId="LiveId" clId="{255E8966-DA7A-4F42-BBC2-EB4277AFD265}" dt="2019-10-30T22:11:45.309" v="768" actId="20577"/>
+          <ac:spMkLst>
+            <pc:docMk/>
+            <pc:sldMk cId="143152469" sldId="273"/>
+            <ac:spMk id="4" creationId="{23737725-202B-4361-92C2-B54B0910720A}"/>
+          </ac:spMkLst>
+        </pc:spChg>
+        <pc:spChg chg="add mod">
+          <ac:chgData name="Andrei Daniel Ivan" userId="d3c4cde5a19fb9a3" providerId="LiveId" clId="{255E8966-DA7A-4F42-BBC2-EB4277AFD265}" dt="2019-10-30T22:18:46.011" v="942" actId="1076"/>
+          <ac:spMkLst>
+            <pc:docMk/>
+            <pc:sldMk cId="143152469" sldId="273"/>
+            <ac:spMk id="5" creationId="{D7CA7163-CE4B-4F88-9969-3F9B9A1F17CC}"/>
           </ac:spMkLst>
         </pc:spChg>
       </pc:sldChg>
@@ -1329,7 +1479,7 @@
           <a:p>
             <a:fld id="{227EB8F9-9849-4F1B-8247-B2B87148EF6E}" type="datetimeFigureOut">
               <a:rPr lang="it-IT" smtClean="0"/>
-              <a:t>28/10/2019</a:t>
+              <a:t>30/10/2019</a:t>
             </a:fld>
             <a:endParaRPr lang="it-IT"/>
           </a:p>
@@ -1727,7 +1877,7 @@
           <a:p>
             <a:fld id="{519C5307-3A56-4F91-8FB2-60E4C7C3FF23}" type="datetime1">
               <a:rPr lang="it-IT" smtClean="0"/>
-              <a:t>28/10/2019</a:t>
+              <a:t>30/10/2019</a:t>
             </a:fld>
             <a:endParaRPr lang="it-IT"/>
           </a:p>
@@ -1898,7 +2048,7 @@
           <a:p>
             <a:fld id="{519C5307-3A56-4F91-8FB2-60E4C7C3FF23}" type="datetime1">
               <a:rPr lang="it-IT" smtClean="0"/>
-              <a:t>28/10/2019</a:t>
+              <a:t>30/10/2019</a:t>
             </a:fld>
             <a:endParaRPr lang="it-IT"/>
           </a:p>
@@ -2079,7 +2229,7 @@
           <a:p>
             <a:fld id="{519C5307-3A56-4F91-8FB2-60E4C7C3FF23}" type="datetime1">
               <a:rPr lang="it-IT" smtClean="0"/>
-              <a:t>28/10/2019</a:t>
+              <a:t>30/10/2019</a:t>
             </a:fld>
             <a:endParaRPr lang="it-IT"/>
           </a:p>
@@ -2250,7 +2400,7 @@
           <a:p>
             <a:fld id="{519C5307-3A56-4F91-8FB2-60E4C7C3FF23}" type="datetime1">
               <a:rPr lang="it-IT" smtClean="0"/>
-              <a:t>28/10/2019</a:t>
+              <a:t>30/10/2019</a:t>
             </a:fld>
             <a:endParaRPr lang="it-IT"/>
           </a:p>
@@ -2497,7 +2647,7 @@
           <a:p>
             <a:fld id="{519C5307-3A56-4F91-8FB2-60E4C7C3FF23}" type="datetime1">
               <a:rPr lang="it-IT" smtClean="0"/>
-              <a:t>28/10/2019</a:t>
+              <a:t>30/10/2019</a:t>
             </a:fld>
             <a:endParaRPr lang="it-IT"/>
           </a:p>
@@ -2730,7 +2880,7 @@
           <a:p>
             <a:fld id="{519C5307-3A56-4F91-8FB2-60E4C7C3FF23}" type="datetime1">
               <a:rPr lang="it-IT" smtClean="0"/>
-              <a:t>28/10/2019</a:t>
+              <a:t>30/10/2019</a:t>
             </a:fld>
             <a:endParaRPr lang="it-IT"/>
           </a:p>
@@ -3098,7 +3248,7 @@
           <a:p>
             <a:fld id="{519C5307-3A56-4F91-8FB2-60E4C7C3FF23}" type="datetime1">
               <a:rPr lang="it-IT" smtClean="0"/>
-              <a:t>28/10/2019</a:t>
+              <a:t>30/10/2019</a:t>
             </a:fld>
             <a:endParaRPr lang="it-IT"/>
           </a:p>
@@ -3217,7 +3367,7 @@
           <a:p>
             <a:fld id="{519C5307-3A56-4F91-8FB2-60E4C7C3FF23}" type="datetime1">
               <a:rPr lang="it-IT" smtClean="0"/>
-              <a:t>28/10/2019</a:t>
+              <a:t>30/10/2019</a:t>
             </a:fld>
             <a:endParaRPr lang="it-IT"/>
           </a:p>
@@ -3313,7 +3463,7 @@
           <a:p>
             <a:fld id="{519C5307-3A56-4F91-8FB2-60E4C7C3FF23}" type="datetime1">
               <a:rPr lang="it-IT" smtClean="0"/>
-              <a:t>28/10/2019</a:t>
+              <a:t>30/10/2019</a:t>
             </a:fld>
             <a:endParaRPr lang="it-IT"/>
           </a:p>
@@ -3591,7 +3741,7 @@
           <a:p>
             <a:fld id="{519C5307-3A56-4F91-8FB2-60E4C7C3FF23}" type="datetime1">
               <a:rPr lang="it-IT" smtClean="0"/>
-              <a:t>28/10/2019</a:t>
+              <a:t>30/10/2019</a:t>
             </a:fld>
             <a:endParaRPr lang="it-IT"/>
           </a:p>
@@ -3849,7 +3999,7 @@
           <a:p>
             <a:fld id="{519C5307-3A56-4F91-8FB2-60E4C7C3FF23}" type="datetime1">
               <a:rPr lang="it-IT" smtClean="0"/>
-              <a:t>28/10/2019</a:t>
+              <a:t>30/10/2019</a:t>
             </a:fld>
             <a:endParaRPr lang="it-IT"/>
           </a:p>
@@ -4063,7 +4213,7 @@
           <a:p>
             <a:fld id="{519C5307-3A56-4F91-8FB2-60E4C7C3FF23}" type="datetime1">
               <a:rPr lang="it-IT" smtClean="0"/>
-              <a:t>28/10/2019</a:t>
+              <a:t>30/10/2019</a:t>
             </a:fld>
             <a:endParaRPr lang="it-IT"/>
           </a:p>
@@ -4862,6 +5012,362 @@
 </p:sld>
 </file>
 
+<file path=ppt/slides/slide10.xml><?xml version="1.0" encoding="utf-8"?>
+<p:sld xmlns:a="http://schemas.openxmlformats.org/drawingml/2006/main" xmlns:r="http://schemas.openxmlformats.org/officeDocument/2006/relationships" xmlns:p="http://schemas.openxmlformats.org/presentationml/2006/main">
+  <p:cSld>
+    <p:bg>
+      <p:bgPr>
+        <a:solidFill>
+          <a:srgbClr val="2A2A2A"/>
+        </a:solidFill>
+        <a:effectLst/>
+      </p:bgPr>
+    </p:bg>
+    <p:spTree>
+      <p:nvGrpSpPr>
+        <p:cNvPr id="1" name=""/>
+        <p:cNvGrpSpPr/>
+        <p:nvPr/>
+      </p:nvGrpSpPr>
+      <p:grpSpPr>
+        <a:xfrm>
+          <a:off x="0" y="0"/>
+          <a:ext cx="0" cy="0"/>
+          <a:chOff x="0" y="0"/>
+          <a:chExt cx="0" cy="0"/>
+        </a:xfrm>
+      </p:grpSpPr>
+      <p:sp>
+        <p:nvSpPr>
+          <p:cNvPr id="2" name="Titolo 1">
+            <a:extLst>
+              <a:ext uri="{FF2B5EF4-FFF2-40B4-BE49-F238E27FC236}">
+                <a16:creationId xmlns:a16="http://schemas.microsoft.com/office/drawing/2014/main" id="{F1DDE7A4-1A5F-4F0D-B842-7798EDC6EDA8}"/>
+              </a:ext>
+            </a:extLst>
+          </p:cNvPr>
+          <p:cNvSpPr>
+            <a:spLocks noGrp="1"/>
+          </p:cNvSpPr>
+          <p:nvPr>
+            <p:ph type="title"/>
+          </p:nvPr>
+        </p:nvSpPr>
+        <p:spPr>
+          <a:xfrm>
+            <a:off x="166048" y="92077"/>
+            <a:ext cx="11859904" cy="911224"/>
+          </a:xfrm>
+        </p:spPr>
+        <p:txBody>
+          <a:bodyPr>
+            <a:normAutofit/>
+          </a:bodyPr>
+          <a:lstStyle/>
+          <a:p>
+            <a:pPr algn="ctr"/>
+            <a:r>
+              <a:rPr lang="it-IT" dirty="0">
+                <a:solidFill>
+                  <a:schemeClr val="bg1"/>
+                </a:solidFill>
+                <a:latin typeface="Avenir Next LT Pro Light" panose="020B0304020202020204" pitchFamily="34" charset="0"/>
+              </a:rPr>
+              <a:t>Conclusione</a:t>
+            </a:r>
+          </a:p>
+        </p:txBody>
+      </p:sp>
+      <p:sp>
+        <p:nvSpPr>
+          <p:cNvPr id="3" name="Segnaposto numero diapositiva 2">
+            <a:extLst>
+              <a:ext uri="{FF2B5EF4-FFF2-40B4-BE49-F238E27FC236}">
+                <a16:creationId xmlns:a16="http://schemas.microsoft.com/office/drawing/2014/main" id="{A47D4834-59E8-435C-A95B-F4D997DED51E}"/>
+              </a:ext>
+            </a:extLst>
+          </p:cNvPr>
+          <p:cNvSpPr>
+            <a:spLocks noGrp="1"/>
+          </p:cNvSpPr>
+          <p:nvPr>
+            <p:ph type="sldNum" sz="quarter" idx="12"/>
+          </p:nvPr>
+        </p:nvSpPr>
+        <p:spPr/>
+        <p:txBody>
+          <a:bodyPr/>
+          <a:lstStyle/>
+          <a:p>
+            <a:fld id="{4A6DC286-705F-4A37-A21F-B485E3A29C72}" type="slidenum">
+              <a:rPr lang="it-IT" smtClean="0"/>
+              <a:t>10</a:t>
+            </a:fld>
+            <a:endParaRPr lang="it-IT"/>
+          </a:p>
+        </p:txBody>
+      </p:sp>
+      <p:sp>
+        <p:nvSpPr>
+          <p:cNvPr id="4" name="CasellaDiTesto 3">
+            <a:extLst>
+              <a:ext uri="{FF2B5EF4-FFF2-40B4-BE49-F238E27FC236}">
+                <a16:creationId xmlns:a16="http://schemas.microsoft.com/office/drawing/2014/main" id="{53201F81-8510-4C74-BAB4-1DBFEB2D3B79}"/>
+              </a:ext>
+            </a:extLst>
+          </p:cNvPr>
+          <p:cNvSpPr txBox="1"/>
+          <p:nvPr/>
+        </p:nvSpPr>
+        <p:spPr>
+          <a:xfrm>
+            <a:off x="979080" y="1003301"/>
+            <a:ext cx="10233837" cy="461088"/>
+          </a:xfrm>
+          <a:prstGeom prst="rect">
+            <a:avLst/>
+          </a:prstGeom>
+          <a:noFill/>
+        </p:spPr>
+        <p:txBody>
+          <a:bodyPr wrap="square" rtlCol="0">
+            <a:spAutoFit/>
+          </a:bodyPr>
+          <a:lstStyle/>
+          <a:p>
+            <a:pPr algn="just">
+              <a:lnSpc>
+                <a:spcPct val="150000"/>
+              </a:lnSpc>
+              <a:spcAft>
+                <a:spcPts val="0"/>
+              </a:spcAft>
+            </a:pPr>
+            <a:r>
+              <a:rPr lang="it-IT" dirty="0">
+                <a:solidFill>
+                  <a:srgbClr val="00B0F0"/>
+                </a:solidFill>
+                <a:latin typeface="Avenir Next LT Pro Light" panose="020B0304020202020204" pitchFamily="34" charset="0"/>
+                <a:ea typeface="Calibri" panose="020F0502020204030204" pitchFamily="34" charset="0"/>
+                <a:cs typeface="Times New Roman" panose="02020603050405020304" pitchFamily="18" charset="0"/>
+              </a:rPr>
+              <a:t>Da definire</a:t>
+            </a:r>
+            <a:endParaRPr lang="it-IT" dirty="0">
+              <a:solidFill>
+                <a:schemeClr val="bg1"/>
+              </a:solidFill>
+              <a:latin typeface="Avenir Next LT Pro Light" panose="020B0304020202020204" pitchFamily="34" charset="0"/>
+              <a:ea typeface="Calibri" panose="020F0502020204030204" pitchFamily="34" charset="0"/>
+              <a:cs typeface="Times New Roman" panose="02020603050405020304" pitchFamily="18" charset="0"/>
+            </a:endParaRPr>
+          </a:p>
+        </p:txBody>
+      </p:sp>
+      <p:graphicFrame>
+        <p:nvGraphicFramePr>
+          <p:cNvPr id="5" name="Tabella 5">
+            <a:extLst>
+              <a:ext uri="{FF2B5EF4-FFF2-40B4-BE49-F238E27FC236}">
+                <a16:creationId xmlns:a16="http://schemas.microsoft.com/office/drawing/2014/main" id="{CA79D04B-AC1F-476F-B7A0-1C488465314C}"/>
+              </a:ext>
+            </a:extLst>
+          </p:cNvPr>
+          <p:cNvGraphicFramePr>
+            <a:graphicFrameLocks noGrp="1"/>
+          </p:cNvGraphicFramePr>
+          <p:nvPr>
+            <p:extLst>
+              <p:ext uri="{D42A27DB-BD31-4B8C-83A1-F6EECF244321}">
+                <p14:modId xmlns:p14="http://schemas.microsoft.com/office/powerpoint/2010/main" val="3028717868"/>
+              </p:ext>
+            </p:extLst>
+          </p:nvPr>
+        </p:nvGraphicFramePr>
+        <p:xfrm>
+          <a:off x="979080" y="1723139"/>
+          <a:ext cx="10233837" cy="741680"/>
+        </p:xfrm>
+        <a:graphic>
+          <a:graphicData uri="http://schemas.openxmlformats.org/drawingml/2006/table">
+            <a:tbl>
+              <a:tblPr firstRow="1" bandRow="1">
+                <a:tableStyleId>{6E25E649-3F16-4E02-A733-19D2CDBF48F0}</a:tableStyleId>
+              </a:tblPr>
+              <a:tblGrid>
+                <a:gridCol w="3411279">
+                  <a:extLst>
+                    <a:ext uri="{9D8B030D-6E8A-4147-A177-3AD203B41FA5}">
+                      <a16:colId xmlns:a16="http://schemas.microsoft.com/office/drawing/2014/main" val="3461508120"/>
+                    </a:ext>
+                  </a:extLst>
+                </a:gridCol>
+                <a:gridCol w="3411279">
+                  <a:extLst>
+                    <a:ext uri="{9D8B030D-6E8A-4147-A177-3AD203B41FA5}">
+                      <a16:colId xmlns:a16="http://schemas.microsoft.com/office/drawing/2014/main" val="1449633221"/>
+                    </a:ext>
+                  </a:extLst>
+                </a:gridCol>
+                <a:gridCol w="3411279">
+                  <a:extLst>
+                    <a:ext uri="{9D8B030D-6E8A-4147-A177-3AD203B41FA5}">
+                      <a16:colId xmlns:a16="http://schemas.microsoft.com/office/drawing/2014/main" val="2318056460"/>
+                    </a:ext>
+                  </a:extLst>
+                </a:gridCol>
+              </a:tblGrid>
+              <a:tr h="370840">
+                <a:tc>
+                  <a:txBody>
+                    <a:bodyPr/>
+                    <a:lstStyle/>
+                    <a:p>
+                      <a:endParaRPr lang="it-IT" dirty="0"/>
+                    </a:p>
+                  </a:txBody>
+                  <a:tcPr/>
+                </a:tc>
+                <a:tc>
+                  <a:txBody>
+                    <a:bodyPr/>
+                    <a:lstStyle/>
+                    <a:p>
+                      <a:pPr algn="ctr"/>
+                      <a:r>
+                        <a:rPr lang="it-IT" sz="1600" dirty="0">
+                          <a:solidFill>
+                            <a:schemeClr val="tx1"/>
+                          </a:solidFill>
+                          <a:latin typeface="Avenir Next LT Pro Light" panose="020B0304020202020204" pitchFamily="34" charset="0"/>
+                        </a:rPr>
+                        <a:t>Buffer da 1 carattere</a:t>
+                      </a:r>
+                    </a:p>
+                  </a:txBody>
+                  <a:tcPr/>
+                </a:tc>
+                <a:tc>
+                  <a:txBody>
+                    <a:bodyPr/>
+                    <a:lstStyle/>
+                    <a:p>
+                      <a:pPr algn="ctr"/>
+                      <a:r>
+                        <a:rPr lang="it-IT" sz="1600" dirty="0">
+                          <a:solidFill>
+                            <a:schemeClr val="tx1"/>
+                          </a:solidFill>
+                          <a:latin typeface="Avenir Next LT Pro Light" panose="020B0304020202020204" pitchFamily="34" charset="0"/>
+                        </a:rPr>
+                        <a:t>Buffer da 256 caratteri</a:t>
+                      </a:r>
+                    </a:p>
+                  </a:txBody>
+                  <a:tcPr/>
+                </a:tc>
+                <a:extLst>
+                  <a:ext uri="{0D108BD9-81ED-4DB2-BD59-A6C34878D82A}">
+                    <a16:rowId xmlns:a16="http://schemas.microsoft.com/office/drawing/2014/main" val="2262861192"/>
+                  </a:ext>
+                </a:extLst>
+              </a:tr>
+              <a:tr h="370840">
+                <a:tc>
+                  <a:txBody>
+                    <a:bodyPr/>
+                    <a:lstStyle/>
+                    <a:p>
+                      <a:r>
+                        <a:rPr lang="it-IT" sz="1600" dirty="0"/>
+                        <a:t>Lettura e scrittura su </a:t>
+                      </a:r>
+                      <a:r>
+                        <a:rPr lang="it-IT" sz="1600" dirty="0" err="1"/>
+                        <a:t>Socket</a:t>
+                      </a:r>
+                      <a:r>
+                        <a:rPr lang="it-IT" sz="1600" dirty="0"/>
+                        <a:t> in TCP</a:t>
+                      </a:r>
+                    </a:p>
+                  </a:txBody>
+                  <a:tcPr/>
+                </a:tc>
+                <a:tc>
+                  <a:txBody>
+                    <a:bodyPr/>
+                    <a:lstStyle/>
+                    <a:p>
+                      <a:pPr algn="ctr"/>
+                      <a:r>
+                        <a:rPr lang="it-IT" sz="1600" dirty="0">
+                          <a:latin typeface="Avenir Next LT Pro Light" panose="020B0304020202020204" pitchFamily="34" charset="0"/>
+                        </a:rPr>
+                        <a:t>±100 </a:t>
+                      </a:r>
+                      <a:r>
+                        <a:rPr lang="it-IT" sz="1600" dirty="0" err="1">
+                          <a:latin typeface="Avenir Next LT Pro Light" panose="020B0304020202020204" pitchFamily="34" charset="0"/>
+                        </a:rPr>
+                        <a:t>ms</a:t>
+                      </a:r>
+                      <a:endParaRPr lang="it-IT" sz="1600" dirty="0">
+                        <a:latin typeface="Avenir Next LT Pro Light" panose="020B0304020202020204" pitchFamily="34" charset="0"/>
+                      </a:endParaRPr>
+                    </a:p>
+                  </a:txBody>
+                  <a:tcPr/>
+                </a:tc>
+                <a:tc>
+                  <a:txBody>
+                    <a:bodyPr/>
+                    <a:lstStyle/>
+                    <a:p>
+                      <a:pPr algn="ctr"/>
+                      <a:r>
+                        <a:rPr lang="it-IT" sz="1600" dirty="0">
+                          <a:latin typeface="Avenir Next LT Pro Light" panose="020B0304020202020204" pitchFamily="34" charset="0"/>
+                        </a:rPr>
+                        <a:t>±50 </a:t>
+                      </a:r>
+                      <a:r>
+                        <a:rPr lang="it-IT" sz="1600" dirty="0" err="1">
+                          <a:latin typeface="Avenir Next LT Pro Light" panose="020B0304020202020204" pitchFamily="34" charset="0"/>
+                        </a:rPr>
+                        <a:t>ms</a:t>
+                      </a:r>
+                      <a:endParaRPr lang="it-IT" sz="1600" dirty="0">
+                        <a:latin typeface="Avenir Next LT Pro Light" panose="020B0304020202020204" pitchFamily="34" charset="0"/>
+                      </a:endParaRPr>
+                    </a:p>
+                  </a:txBody>
+                  <a:tcPr/>
+                </a:tc>
+                <a:extLst>
+                  <a:ext uri="{0D108BD9-81ED-4DB2-BD59-A6C34878D82A}">
+                    <a16:rowId xmlns:a16="http://schemas.microsoft.com/office/drawing/2014/main" val="2367173363"/>
+                  </a:ext>
+                </a:extLst>
+              </a:tr>
+            </a:tbl>
+          </a:graphicData>
+        </a:graphic>
+      </p:graphicFrame>
+    </p:spTree>
+    <p:extLst>
+      <p:ext uri="{BB962C8B-B14F-4D97-AF65-F5344CB8AC3E}">
+        <p14:creationId xmlns:p14="http://schemas.microsoft.com/office/powerpoint/2010/main" val="1080024111"/>
+      </p:ext>
+    </p:extLst>
+  </p:cSld>
+  <p:clrMapOvr>
+    <a:masterClrMapping/>
+  </p:clrMapOvr>
+</p:sld>
+</file>
+
 <file path=ppt/slides/slide2.xml><?xml version="1.0" encoding="utf-8"?>
 <p:sld xmlns:a="http://schemas.openxmlformats.org/drawingml/2006/main" xmlns:r="http://schemas.openxmlformats.org/officeDocument/2006/relationships" xmlns:p="http://schemas.openxmlformats.org/presentationml/2006/main">
   <p:cSld>
@@ -5002,7 +5508,7 @@
                 <a:ea typeface="Calibri" panose="020F0502020204030204" pitchFamily="34" charset="0"/>
                 <a:cs typeface="Times New Roman" panose="02020603050405020304" pitchFamily="18" charset="0"/>
               </a:rPr>
-              <a:t>Da definire</a:t>
+              <a:t>Parlare di UDP parallelo/sequenziale, decisione per i caratteri a-z, TCP boh</a:t>
             </a:r>
             <a:endParaRPr lang="it-IT" dirty="0">
               <a:solidFill>
@@ -9082,7 +9588,7 @@
                 </a:solidFill>
                 <a:latin typeface="Avenir Next LT Pro Light" panose="020B0304020202020204" pitchFamily="34" charset="0"/>
               </a:rPr>
-              <a:t>Eventuali prove di performance UDP</a:t>
+              <a:t>Prove di performance UDP</a:t>
             </a:r>
           </a:p>
         </p:txBody>
@@ -9928,7 +10434,7 @@
                 </a:solidFill>
                 <a:latin typeface="Avenir Next LT Pro Light" panose="020B0304020202020204" pitchFamily="34" charset="0"/>
               </a:rPr>
-              <a:t>Conclusione</a:t>
+              <a:t>Codice Server TCP (1)</a:t>
             </a:r>
           </a:p>
         </p:txBody>
@@ -9964,10 +10470,10 @@
       </p:sp>
       <p:sp>
         <p:nvSpPr>
-          <p:cNvPr id="4" name="CasellaDiTesto 3">
+          <p:cNvPr id="6" name="CasellaDiTesto 5">
             <a:extLst>
               <a:ext uri="{FF2B5EF4-FFF2-40B4-BE49-F238E27FC236}">
-                <a16:creationId xmlns:a16="http://schemas.microsoft.com/office/drawing/2014/main" id="{53201F81-8510-4C74-BAB4-1DBFEB2D3B79}"/>
+                <a16:creationId xmlns:a16="http://schemas.microsoft.com/office/drawing/2014/main" id="{10CEFE9C-E284-478C-A613-1FD6E69D8BC7}"/>
               </a:ext>
             </a:extLst>
           </p:cNvPr>
@@ -9976,8 +10482,8 @@
         </p:nvSpPr>
         <p:spPr>
           <a:xfrm>
-            <a:off x="503280" y="1003301"/>
-            <a:ext cx="10427575" cy="461088"/>
+            <a:off x="1040050" y="1660378"/>
+            <a:ext cx="7141699" cy="3007426"/>
           </a:xfrm>
           <a:prstGeom prst="rect">
             <a:avLst/>
@@ -9985,12 +10491,12 @@
           <a:noFill/>
         </p:spPr>
         <p:txBody>
-          <a:bodyPr wrap="square" rtlCol="0">
+          <a:bodyPr wrap="none" rtlCol="0">
             <a:spAutoFit/>
           </a:bodyPr>
           <a:lstStyle/>
           <a:p>
-            <a:pPr algn="just">
+            <a:pPr>
               <a:lnSpc>
                 <a:spcPct val="150000"/>
               </a:lnSpc>
@@ -9999,31 +10505,1980 @@
               </a:spcAft>
             </a:pPr>
             <a:r>
-              <a:rPr lang="it-IT" dirty="0">
-                <a:solidFill>
-                  <a:srgbClr val="00B0F0"/>
-                </a:solidFill>
-                <a:latin typeface="Avenir Next LT Pro Light" panose="020B0304020202020204" pitchFamily="34" charset="0"/>
-                <a:ea typeface="Calibri" panose="020F0502020204030204" pitchFamily="34" charset="0"/>
-                <a:cs typeface="Times New Roman" panose="02020603050405020304" pitchFamily="18" charset="0"/>
-              </a:rPr>
-              <a:t>Da definire</a:t>
-            </a:r>
-            <a:endParaRPr lang="it-IT" dirty="0">
-              <a:solidFill>
-                <a:schemeClr val="bg1"/>
-              </a:solidFill>
-              <a:latin typeface="Avenir Next LT Pro Light" panose="020B0304020202020204" pitchFamily="34" charset="0"/>
+              <a:rPr lang="it-IT" sz="1600" dirty="0" err="1">
+                <a:solidFill>
+                  <a:srgbClr val="C586C0"/>
+                </a:solidFill>
+                <a:latin typeface="Consolas" panose="020B0609020204030204" pitchFamily="49" charset="0"/>
+                <a:ea typeface="Times New Roman" panose="02020603050405020304" pitchFamily="18" charset="0"/>
+                <a:cs typeface="Times New Roman" panose="02020603050405020304" pitchFamily="18" charset="0"/>
+              </a:rPr>
+              <a:t>while</a:t>
+            </a:r>
+            <a:r>
+              <a:rPr lang="it-IT" sz="1600" dirty="0">
+                <a:solidFill>
+                  <a:srgbClr val="D4D4D4"/>
+                </a:solidFill>
+                <a:latin typeface="Consolas" panose="020B0609020204030204" pitchFamily="49" charset="0"/>
+                <a:ea typeface="Times New Roman" panose="02020603050405020304" pitchFamily="18" charset="0"/>
+                <a:cs typeface="Times New Roman" panose="02020603050405020304" pitchFamily="18" charset="0"/>
+              </a:rPr>
+              <a:t> ((</a:t>
+            </a:r>
+            <a:r>
+              <a:rPr lang="it-IT" sz="1600" dirty="0" err="1">
+                <a:solidFill>
+                  <a:srgbClr val="D4D4D4"/>
+                </a:solidFill>
+                <a:latin typeface="Consolas" panose="020B0609020204030204" pitchFamily="49" charset="0"/>
+                <a:ea typeface="Times New Roman" panose="02020603050405020304" pitchFamily="18" charset="0"/>
+                <a:cs typeface="Times New Roman" panose="02020603050405020304" pitchFamily="18" charset="0"/>
+              </a:rPr>
+              <a:t>readSocket</a:t>
+            </a:r>
+            <a:r>
+              <a:rPr lang="it-IT" sz="1600" dirty="0">
+                <a:solidFill>
+                  <a:srgbClr val="D4D4D4"/>
+                </a:solidFill>
+                <a:latin typeface="Consolas" panose="020B0609020204030204" pitchFamily="49" charset="0"/>
+                <a:ea typeface="Times New Roman" panose="02020603050405020304" pitchFamily="18" charset="0"/>
+                <a:cs typeface="Times New Roman" panose="02020603050405020304" pitchFamily="18" charset="0"/>
+              </a:rPr>
+              <a:t> = </a:t>
+            </a:r>
+            <a:r>
+              <a:rPr lang="it-IT" sz="1600" dirty="0" err="1">
+                <a:solidFill>
+                  <a:srgbClr val="DCDCAA"/>
+                </a:solidFill>
+                <a:latin typeface="Consolas" panose="020B0609020204030204" pitchFamily="49" charset="0"/>
+                <a:ea typeface="Times New Roman" panose="02020603050405020304" pitchFamily="18" charset="0"/>
+                <a:cs typeface="Times New Roman" panose="02020603050405020304" pitchFamily="18" charset="0"/>
+              </a:rPr>
+              <a:t>read</a:t>
+            </a:r>
+            <a:r>
+              <a:rPr lang="it-IT" sz="1600" dirty="0">
+                <a:solidFill>
+                  <a:srgbClr val="D4D4D4"/>
+                </a:solidFill>
+                <a:latin typeface="Consolas" panose="020B0609020204030204" pitchFamily="49" charset="0"/>
+                <a:ea typeface="Times New Roman" panose="02020603050405020304" pitchFamily="18" charset="0"/>
+                <a:cs typeface="Times New Roman" panose="02020603050405020304" pitchFamily="18" charset="0"/>
+              </a:rPr>
+              <a:t>(</a:t>
+            </a:r>
+            <a:r>
+              <a:rPr lang="it-IT" sz="1600" dirty="0" err="1">
+                <a:solidFill>
+                  <a:srgbClr val="D4D4D4"/>
+                </a:solidFill>
+                <a:latin typeface="Consolas" panose="020B0609020204030204" pitchFamily="49" charset="0"/>
+                <a:ea typeface="Times New Roman" panose="02020603050405020304" pitchFamily="18" charset="0"/>
+                <a:cs typeface="Times New Roman" panose="02020603050405020304" pitchFamily="18" charset="0"/>
+              </a:rPr>
+              <a:t>newSocket</a:t>
+            </a:r>
+            <a:r>
+              <a:rPr lang="it-IT" sz="1600" dirty="0">
+                <a:solidFill>
+                  <a:srgbClr val="D4D4D4"/>
+                </a:solidFill>
+                <a:latin typeface="Consolas" panose="020B0609020204030204" pitchFamily="49" charset="0"/>
+                <a:ea typeface="Times New Roman" panose="02020603050405020304" pitchFamily="18" charset="0"/>
+                <a:cs typeface="Times New Roman" panose="02020603050405020304" pitchFamily="18" charset="0"/>
+              </a:rPr>
+              <a:t>, &amp;c, </a:t>
+            </a:r>
+            <a:r>
+              <a:rPr lang="it-IT" sz="1600" dirty="0" err="1">
+                <a:solidFill>
+                  <a:srgbClr val="569CD6"/>
+                </a:solidFill>
+                <a:latin typeface="Consolas" panose="020B0609020204030204" pitchFamily="49" charset="0"/>
+                <a:ea typeface="Times New Roman" panose="02020603050405020304" pitchFamily="18" charset="0"/>
+                <a:cs typeface="Times New Roman" panose="02020603050405020304" pitchFamily="18" charset="0"/>
+              </a:rPr>
+              <a:t>sizeof</a:t>
+            </a:r>
+            <a:r>
+              <a:rPr lang="it-IT" sz="1600" dirty="0">
+                <a:solidFill>
+                  <a:srgbClr val="D4D4D4"/>
+                </a:solidFill>
+                <a:latin typeface="Consolas" panose="020B0609020204030204" pitchFamily="49" charset="0"/>
+                <a:ea typeface="Times New Roman" panose="02020603050405020304" pitchFamily="18" charset="0"/>
+                <a:cs typeface="Times New Roman" panose="02020603050405020304" pitchFamily="18" charset="0"/>
+              </a:rPr>
+              <a:t>(</a:t>
+            </a:r>
+            <a:r>
+              <a:rPr lang="it-IT" sz="1600" dirty="0" err="1">
+                <a:solidFill>
+                  <a:srgbClr val="569CD6"/>
+                </a:solidFill>
+                <a:latin typeface="Consolas" panose="020B0609020204030204" pitchFamily="49" charset="0"/>
+                <a:ea typeface="Times New Roman" panose="02020603050405020304" pitchFamily="18" charset="0"/>
+                <a:cs typeface="Times New Roman" panose="02020603050405020304" pitchFamily="18" charset="0"/>
+              </a:rPr>
+              <a:t>char</a:t>
+            </a:r>
+            <a:r>
+              <a:rPr lang="it-IT" sz="1600" dirty="0">
+                <a:solidFill>
+                  <a:srgbClr val="D4D4D4"/>
+                </a:solidFill>
+                <a:latin typeface="Consolas" panose="020B0609020204030204" pitchFamily="49" charset="0"/>
+                <a:ea typeface="Times New Roman" panose="02020603050405020304" pitchFamily="18" charset="0"/>
+                <a:cs typeface="Times New Roman" panose="02020603050405020304" pitchFamily="18" charset="0"/>
+              </a:rPr>
+              <a:t>))) &gt; </a:t>
+            </a:r>
+            <a:r>
+              <a:rPr lang="it-IT" sz="1600" dirty="0">
+                <a:solidFill>
+                  <a:srgbClr val="B5CEA8"/>
+                </a:solidFill>
+                <a:latin typeface="Consolas" panose="020B0609020204030204" pitchFamily="49" charset="0"/>
+                <a:ea typeface="Times New Roman" panose="02020603050405020304" pitchFamily="18" charset="0"/>
+                <a:cs typeface="Times New Roman" panose="02020603050405020304" pitchFamily="18" charset="0"/>
+              </a:rPr>
+              <a:t>0</a:t>
+            </a:r>
+            <a:r>
+              <a:rPr lang="it-IT" sz="1600" dirty="0">
+                <a:solidFill>
+                  <a:srgbClr val="D4D4D4"/>
+                </a:solidFill>
+                <a:latin typeface="Consolas" panose="020B0609020204030204" pitchFamily="49" charset="0"/>
+                <a:ea typeface="Times New Roman" panose="02020603050405020304" pitchFamily="18" charset="0"/>
+                <a:cs typeface="Times New Roman" panose="02020603050405020304" pitchFamily="18" charset="0"/>
+              </a:rPr>
+              <a:t>) {</a:t>
+            </a:r>
+            <a:endParaRPr lang="it-IT" sz="1600" dirty="0">
+              <a:latin typeface="Consolas" panose="020B0609020204030204" pitchFamily="49" charset="0"/>
               <a:ea typeface="Calibri" panose="020F0502020204030204" pitchFamily="34" charset="0"/>
               <a:cs typeface="Times New Roman" panose="02020603050405020304" pitchFamily="18" charset="0"/>
             </a:endParaRPr>
+          </a:p>
+          <a:p>
+            <a:pPr>
+              <a:lnSpc>
+                <a:spcPct val="150000"/>
+              </a:lnSpc>
+              <a:spcAft>
+                <a:spcPts val="0"/>
+              </a:spcAft>
+            </a:pPr>
+            <a:r>
+              <a:rPr lang="it-IT" sz="1600" dirty="0">
+                <a:solidFill>
+                  <a:srgbClr val="C586C0"/>
+                </a:solidFill>
+                <a:latin typeface="Consolas" panose="020B0609020204030204" pitchFamily="49" charset="0"/>
+                <a:ea typeface="Times New Roman" panose="02020603050405020304" pitchFamily="18" charset="0"/>
+                <a:cs typeface="Times New Roman" panose="02020603050405020304" pitchFamily="18" charset="0"/>
+              </a:rPr>
+              <a:t>	</a:t>
+            </a:r>
+            <a:r>
+              <a:rPr lang="it-IT" sz="1600" dirty="0" err="1">
+                <a:solidFill>
+                  <a:srgbClr val="C586C0"/>
+                </a:solidFill>
+                <a:latin typeface="Consolas" panose="020B0609020204030204" pitchFamily="49" charset="0"/>
+                <a:ea typeface="Times New Roman" panose="02020603050405020304" pitchFamily="18" charset="0"/>
+                <a:cs typeface="Times New Roman" panose="02020603050405020304" pitchFamily="18" charset="0"/>
+              </a:rPr>
+              <a:t>if</a:t>
+            </a:r>
+            <a:r>
+              <a:rPr lang="it-IT" sz="1600" dirty="0">
+                <a:solidFill>
+                  <a:srgbClr val="D4D4D4"/>
+                </a:solidFill>
+                <a:latin typeface="Consolas" panose="020B0609020204030204" pitchFamily="49" charset="0"/>
+                <a:ea typeface="Times New Roman" panose="02020603050405020304" pitchFamily="18" charset="0"/>
+                <a:cs typeface="Times New Roman" panose="02020603050405020304" pitchFamily="18" charset="0"/>
+              </a:rPr>
+              <a:t> (</a:t>
+            </a:r>
+            <a:r>
+              <a:rPr lang="it-IT" sz="1600" dirty="0" err="1">
+                <a:solidFill>
+                  <a:srgbClr val="D4D4D4"/>
+                </a:solidFill>
+                <a:latin typeface="Consolas" panose="020B0609020204030204" pitchFamily="49" charset="0"/>
+                <a:ea typeface="Times New Roman" panose="02020603050405020304" pitchFamily="18" charset="0"/>
+                <a:cs typeface="Times New Roman" panose="02020603050405020304" pitchFamily="18" charset="0"/>
+              </a:rPr>
+              <a:t>numLinea</a:t>
+            </a:r>
+            <a:r>
+              <a:rPr lang="it-IT" sz="1600" dirty="0">
+                <a:solidFill>
+                  <a:srgbClr val="D4D4D4"/>
+                </a:solidFill>
+                <a:latin typeface="Consolas" panose="020B0609020204030204" pitchFamily="49" charset="0"/>
+                <a:ea typeface="Times New Roman" panose="02020603050405020304" pitchFamily="18" charset="0"/>
+                <a:cs typeface="Times New Roman" panose="02020603050405020304" pitchFamily="18" charset="0"/>
+              </a:rPr>
+              <a:t> != </a:t>
+            </a:r>
+            <a:r>
+              <a:rPr lang="it-IT" sz="1600" dirty="0" err="1">
+                <a:solidFill>
+                  <a:srgbClr val="D4D4D4"/>
+                </a:solidFill>
+                <a:latin typeface="Consolas" panose="020B0609020204030204" pitchFamily="49" charset="0"/>
+                <a:ea typeface="Times New Roman" panose="02020603050405020304" pitchFamily="18" charset="0"/>
+                <a:cs typeface="Times New Roman" panose="02020603050405020304" pitchFamily="18" charset="0"/>
+              </a:rPr>
+              <a:t>contaLinea</a:t>
+            </a:r>
+            <a:r>
+              <a:rPr lang="it-IT" sz="1600" dirty="0">
+                <a:solidFill>
+                  <a:srgbClr val="D4D4D4"/>
+                </a:solidFill>
+                <a:latin typeface="Consolas" panose="020B0609020204030204" pitchFamily="49" charset="0"/>
+                <a:ea typeface="Times New Roman" panose="02020603050405020304" pitchFamily="18" charset="0"/>
+                <a:cs typeface="Times New Roman" panose="02020603050405020304" pitchFamily="18" charset="0"/>
+              </a:rPr>
+              <a:t>) {</a:t>
+            </a:r>
+            <a:endParaRPr lang="it-IT" sz="1600" dirty="0">
+              <a:latin typeface="Consolas" panose="020B0609020204030204" pitchFamily="49" charset="0"/>
+              <a:ea typeface="Calibri" panose="020F0502020204030204" pitchFamily="34" charset="0"/>
+              <a:cs typeface="Times New Roman" panose="02020603050405020304" pitchFamily="18" charset="0"/>
+            </a:endParaRPr>
+          </a:p>
+          <a:p>
+            <a:pPr>
+              <a:lnSpc>
+                <a:spcPct val="150000"/>
+              </a:lnSpc>
+              <a:spcAft>
+                <a:spcPts val="0"/>
+              </a:spcAft>
+            </a:pPr>
+            <a:r>
+              <a:rPr lang="it-IT" sz="1600" dirty="0">
+                <a:solidFill>
+                  <a:srgbClr val="DCDCAA"/>
+                </a:solidFill>
+                <a:latin typeface="Consolas" panose="020B0609020204030204" pitchFamily="49" charset="0"/>
+                <a:ea typeface="Times New Roman" panose="02020603050405020304" pitchFamily="18" charset="0"/>
+                <a:cs typeface="Times New Roman" panose="02020603050405020304" pitchFamily="18" charset="0"/>
+              </a:rPr>
+              <a:t>		</a:t>
+            </a:r>
+            <a:r>
+              <a:rPr lang="it-IT" sz="1600" dirty="0" err="1">
+                <a:solidFill>
+                  <a:srgbClr val="DCDCAA"/>
+                </a:solidFill>
+                <a:latin typeface="Consolas" panose="020B0609020204030204" pitchFamily="49" charset="0"/>
+                <a:ea typeface="Times New Roman" panose="02020603050405020304" pitchFamily="18" charset="0"/>
+                <a:cs typeface="Times New Roman" panose="02020603050405020304" pitchFamily="18" charset="0"/>
+              </a:rPr>
+              <a:t>write</a:t>
+            </a:r>
+            <a:r>
+              <a:rPr lang="it-IT" sz="1600" dirty="0">
+                <a:solidFill>
+                  <a:srgbClr val="D4D4D4"/>
+                </a:solidFill>
+                <a:latin typeface="Consolas" panose="020B0609020204030204" pitchFamily="49" charset="0"/>
+                <a:ea typeface="Times New Roman" panose="02020603050405020304" pitchFamily="18" charset="0"/>
+                <a:cs typeface="Times New Roman" panose="02020603050405020304" pitchFamily="18" charset="0"/>
+              </a:rPr>
+              <a:t>(</a:t>
+            </a:r>
+            <a:r>
+              <a:rPr lang="it-IT" sz="1600" dirty="0" err="1">
+                <a:solidFill>
+                  <a:srgbClr val="D4D4D4"/>
+                </a:solidFill>
+                <a:latin typeface="Consolas" panose="020B0609020204030204" pitchFamily="49" charset="0"/>
+                <a:ea typeface="Times New Roman" panose="02020603050405020304" pitchFamily="18" charset="0"/>
+                <a:cs typeface="Times New Roman" panose="02020603050405020304" pitchFamily="18" charset="0"/>
+              </a:rPr>
+              <a:t>newSocket</a:t>
+            </a:r>
+            <a:r>
+              <a:rPr lang="it-IT" sz="1600" dirty="0">
+                <a:solidFill>
+                  <a:srgbClr val="D4D4D4"/>
+                </a:solidFill>
+                <a:latin typeface="Consolas" panose="020B0609020204030204" pitchFamily="49" charset="0"/>
+                <a:ea typeface="Times New Roman" panose="02020603050405020304" pitchFamily="18" charset="0"/>
+                <a:cs typeface="Times New Roman" panose="02020603050405020304" pitchFamily="18" charset="0"/>
+              </a:rPr>
+              <a:t>, &amp;c, </a:t>
+            </a:r>
+            <a:r>
+              <a:rPr lang="it-IT" sz="1600" dirty="0" err="1">
+                <a:solidFill>
+                  <a:srgbClr val="569CD6"/>
+                </a:solidFill>
+                <a:latin typeface="Consolas" panose="020B0609020204030204" pitchFamily="49" charset="0"/>
+                <a:ea typeface="Times New Roman" panose="02020603050405020304" pitchFamily="18" charset="0"/>
+                <a:cs typeface="Times New Roman" panose="02020603050405020304" pitchFamily="18" charset="0"/>
+              </a:rPr>
+              <a:t>sizeof</a:t>
+            </a:r>
+            <a:r>
+              <a:rPr lang="it-IT" sz="1600" dirty="0">
+                <a:solidFill>
+                  <a:srgbClr val="D4D4D4"/>
+                </a:solidFill>
+                <a:latin typeface="Consolas" panose="020B0609020204030204" pitchFamily="49" charset="0"/>
+                <a:ea typeface="Times New Roman" panose="02020603050405020304" pitchFamily="18" charset="0"/>
+                <a:cs typeface="Times New Roman" panose="02020603050405020304" pitchFamily="18" charset="0"/>
+              </a:rPr>
+              <a:t>(</a:t>
+            </a:r>
+            <a:r>
+              <a:rPr lang="it-IT" sz="1600" dirty="0" err="1">
+                <a:solidFill>
+                  <a:srgbClr val="569CD6"/>
+                </a:solidFill>
+                <a:latin typeface="Consolas" panose="020B0609020204030204" pitchFamily="49" charset="0"/>
+                <a:ea typeface="Times New Roman" panose="02020603050405020304" pitchFamily="18" charset="0"/>
+                <a:cs typeface="Times New Roman" panose="02020603050405020304" pitchFamily="18" charset="0"/>
+              </a:rPr>
+              <a:t>char</a:t>
+            </a:r>
+            <a:r>
+              <a:rPr lang="it-IT" sz="1600" dirty="0">
+                <a:solidFill>
+                  <a:srgbClr val="D4D4D4"/>
+                </a:solidFill>
+                <a:latin typeface="Consolas" panose="020B0609020204030204" pitchFamily="49" charset="0"/>
+                <a:ea typeface="Times New Roman" panose="02020603050405020304" pitchFamily="18" charset="0"/>
+                <a:cs typeface="Times New Roman" panose="02020603050405020304" pitchFamily="18" charset="0"/>
+              </a:rPr>
+              <a:t>));</a:t>
+            </a:r>
+            <a:endParaRPr lang="it-IT" sz="1600" dirty="0">
+              <a:latin typeface="Consolas" panose="020B0609020204030204" pitchFamily="49" charset="0"/>
+              <a:ea typeface="Calibri" panose="020F0502020204030204" pitchFamily="34" charset="0"/>
+              <a:cs typeface="Times New Roman" panose="02020603050405020304" pitchFamily="18" charset="0"/>
+            </a:endParaRPr>
+          </a:p>
+          <a:p>
+            <a:pPr>
+              <a:lnSpc>
+                <a:spcPct val="150000"/>
+              </a:lnSpc>
+              <a:spcAft>
+                <a:spcPts val="0"/>
+              </a:spcAft>
+            </a:pPr>
+            <a:r>
+              <a:rPr lang="it-IT" sz="1600" dirty="0">
+                <a:solidFill>
+                  <a:srgbClr val="D4D4D4"/>
+                </a:solidFill>
+                <a:latin typeface="Consolas" panose="020B0609020204030204" pitchFamily="49" charset="0"/>
+                <a:ea typeface="Times New Roman" panose="02020603050405020304" pitchFamily="18" charset="0"/>
+                <a:cs typeface="Times New Roman" panose="02020603050405020304" pitchFamily="18" charset="0"/>
+              </a:rPr>
+              <a:t>	}</a:t>
+            </a:r>
+            <a:endParaRPr lang="it-IT" sz="1600" dirty="0">
+              <a:latin typeface="Consolas" panose="020B0609020204030204" pitchFamily="49" charset="0"/>
+              <a:ea typeface="Calibri" panose="020F0502020204030204" pitchFamily="34" charset="0"/>
+              <a:cs typeface="Times New Roman" panose="02020603050405020304" pitchFamily="18" charset="0"/>
+            </a:endParaRPr>
+          </a:p>
+          <a:p>
+            <a:pPr>
+              <a:lnSpc>
+                <a:spcPct val="150000"/>
+              </a:lnSpc>
+              <a:spcAft>
+                <a:spcPts val="0"/>
+              </a:spcAft>
+            </a:pPr>
+            <a:r>
+              <a:rPr lang="it-IT" sz="1600" dirty="0">
+                <a:solidFill>
+                  <a:srgbClr val="C586C0"/>
+                </a:solidFill>
+                <a:latin typeface="Consolas" panose="020B0609020204030204" pitchFamily="49" charset="0"/>
+                <a:ea typeface="Times New Roman" panose="02020603050405020304" pitchFamily="18" charset="0"/>
+                <a:cs typeface="Times New Roman" panose="02020603050405020304" pitchFamily="18" charset="0"/>
+              </a:rPr>
+              <a:t>	</a:t>
+            </a:r>
+            <a:r>
+              <a:rPr lang="it-IT" sz="1600" dirty="0" err="1">
+                <a:solidFill>
+                  <a:srgbClr val="C586C0"/>
+                </a:solidFill>
+                <a:latin typeface="Consolas" panose="020B0609020204030204" pitchFamily="49" charset="0"/>
+                <a:ea typeface="Times New Roman" panose="02020603050405020304" pitchFamily="18" charset="0"/>
+                <a:cs typeface="Times New Roman" panose="02020603050405020304" pitchFamily="18" charset="0"/>
+              </a:rPr>
+              <a:t>if</a:t>
+            </a:r>
+            <a:r>
+              <a:rPr lang="it-IT" sz="1600" dirty="0">
+                <a:solidFill>
+                  <a:srgbClr val="D4D4D4"/>
+                </a:solidFill>
+                <a:latin typeface="Consolas" panose="020B0609020204030204" pitchFamily="49" charset="0"/>
+                <a:ea typeface="Times New Roman" panose="02020603050405020304" pitchFamily="18" charset="0"/>
+                <a:cs typeface="Times New Roman" panose="02020603050405020304" pitchFamily="18" charset="0"/>
+              </a:rPr>
+              <a:t> (c == </a:t>
+            </a:r>
+            <a:r>
+              <a:rPr lang="it-IT" sz="1600" dirty="0">
+                <a:solidFill>
+                  <a:srgbClr val="CE9178"/>
+                </a:solidFill>
+                <a:latin typeface="Consolas" panose="020B0609020204030204" pitchFamily="49" charset="0"/>
+                <a:ea typeface="Times New Roman" panose="02020603050405020304" pitchFamily="18" charset="0"/>
+                <a:cs typeface="Times New Roman" panose="02020603050405020304" pitchFamily="18" charset="0"/>
+              </a:rPr>
+              <a:t>'</a:t>
+            </a:r>
+            <a:r>
+              <a:rPr lang="it-IT" sz="1600" dirty="0">
+                <a:solidFill>
+                  <a:srgbClr val="D7BA7D"/>
+                </a:solidFill>
+                <a:latin typeface="Consolas" panose="020B0609020204030204" pitchFamily="49" charset="0"/>
+                <a:ea typeface="Times New Roman" panose="02020603050405020304" pitchFamily="18" charset="0"/>
+                <a:cs typeface="Times New Roman" panose="02020603050405020304" pitchFamily="18" charset="0"/>
+              </a:rPr>
+              <a:t>\n</a:t>
+            </a:r>
+            <a:r>
+              <a:rPr lang="it-IT" sz="1600" dirty="0">
+                <a:solidFill>
+                  <a:srgbClr val="CE9178"/>
+                </a:solidFill>
+                <a:latin typeface="Consolas" panose="020B0609020204030204" pitchFamily="49" charset="0"/>
+                <a:ea typeface="Times New Roman" panose="02020603050405020304" pitchFamily="18" charset="0"/>
+                <a:cs typeface="Times New Roman" panose="02020603050405020304" pitchFamily="18" charset="0"/>
+              </a:rPr>
+              <a:t>'</a:t>
+            </a:r>
+            <a:r>
+              <a:rPr lang="it-IT" sz="1600" dirty="0">
+                <a:solidFill>
+                  <a:srgbClr val="D4D4D4"/>
+                </a:solidFill>
+                <a:latin typeface="Consolas" panose="020B0609020204030204" pitchFamily="49" charset="0"/>
+                <a:ea typeface="Times New Roman" panose="02020603050405020304" pitchFamily="18" charset="0"/>
+                <a:cs typeface="Times New Roman" panose="02020603050405020304" pitchFamily="18" charset="0"/>
+              </a:rPr>
+              <a:t>) {</a:t>
+            </a:r>
+            <a:endParaRPr lang="it-IT" sz="1600" dirty="0">
+              <a:latin typeface="Consolas" panose="020B0609020204030204" pitchFamily="49" charset="0"/>
+              <a:ea typeface="Calibri" panose="020F0502020204030204" pitchFamily="34" charset="0"/>
+              <a:cs typeface="Times New Roman" panose="02020603050405020304" pitchFamily="18" charset="0"/>
+            </a:endParaRPr>
+          </a:p>
+          <a:p>
+            <a:pPr>
+              <a:lnSpc>
+                <a:spcPct val="150000"/>
+              </a:lnSpc>
+              <a:spcAft>
+                <a:spcPts val="0"/>
+              </a:spcAft>
+            </a:pPr>
+            <a:r>
+              <a:rPr lang="it-IT" sz="1600" dirty="0">
+                <a:solidFill>
+                  <a:srgbClr val="D4D4D4"/>
+                </a:solidFill>
+                <a:latin typeface="Consolas" panose="020B0609020204030204" pitchFamily="49" charset="0"/>
+                <a:ea typeface="Times New Roman" panose="02020603050405020304" pitchFamily="18" charset="0"/>
+                <a:cs typeface="Times New Roman" panose="02020603050405020304" pitchFamily="18" charset="0"/>
+              </a:rPr>
+              <a:t>		</a:t>
+            </a:r>
+            <a:r>
+              <a:rPr lang="it-IT" sz="1600" dirty="0" err="1">
+                <a:solidFill>
+                  <a:srgbClr val="D4D4D4"/>
+                </a:solidFill>
+                <a:latin typeface="Consolas" panose="020B0609020204030204" pitchFamily="49" charset="0"/>
+                <a:ea typeface="Times New Roman" panose="02020603050405020304" pitchFamily="18" charset="0"/>
+                <a:cs typeface="Times New Roman" panose="02020603050405020304" pitchFamily="18" charset="0"/>
+              </a:rPr>
+              <a:t>contaLinea</a:t>
+            </a:r>
+            <a:r>
+              <a:rPr lang="it-IT" sz="1600" dirty="0">
+                <a:solidFill>
+                  <a:srgbClr val="D4D4D4"/>
+                </a:solidFill>
+                <a:latin typeface="Consolas" panose="020B0609020204030204" pitchFamily="49" charset="0"/>
+                <a:ea typeface="Times New Roman" panose="02020603050405020304" pitchFamily="18" charset="0"/>
+                <a:cs typeface="Times New Roman" panose="02020603050405020304" pitchFamily="18" charset="0"/>
+              </a:rPr>
+              <a:t>++;</a:t>
+            </a:r>
+            <a:endParaRPr lang="it-IT" sz="1600" dirty="0">
+              <a:latin typeface="Consolas" panose="020B0609020204030204" pitchFamily="49" charset="0"/>
+              <a:ea typeface="Calibri" panose="020F0502020204030204" pitchFamily="34" charset="0"/>
+              <a:cs typeface="Times New Roman" panose="02020603050405020304" pitchFamily="18" charset="0"/>
+            </a:endParaRPr>
+          </a:p>
+          <a:p>
+            <a:pPr>
+              <a:lnSpc>
+                <a:spcPct val="150000"/>
+              </a:lnSpc>
+              <a:spcAft>
+                <a:spcPts val="0"/>
+              </a:spcAft>
+            </a:pPr>
+            <a:r>
+              <a:rPr lang="it-IT" sz="1600" dirty="0">
+                <a:solidFill>
+                  <a:srgbClr val="D4D4D4"/>
+                </a:solidFill>
+                <a:latin typeface="Consolas" panose="020B0609020204030204" pitchFamily="49" charset="0"/>
+                <a:ea typeface="Times New Roman" panose="02020603050405020304" pitchFamily="18" charset="0"/>
+                <a:cs typeface="Times New Roman" panose="02020603050405020304" pitchFamily="18" charset="0"/>
+              </a:rPr>
+              <a:t>	}</a:t>
+            </a:r>
+            <a:endParaRPr lang="it-IT" sz="1600" dirty="0">
+              <a:latin typeface="Consolas" panose="020B0609020204030204" pitchFamily="49" charset="0"/>
+              <a:ea typeface="Calibri" panose="020F0502020204030204" pitchFamily="34" charset="0"/>
+              <a:cs typeface="Times New Roman" panose="02020603050405020304" pitchFamily="18" charset="0"/>
+            </a:endParaRPr>
+          </a:p>
+          <a:p>
+            <a:pPr>
+              <a:lnSpc>
+                <a:spcPct val="150000"/>
+              </a:lnSpc>
+              <a:spcAft>
+                <a:spcPts val="0"/>
+              </a:spcAft>
+            </a:pPr>
+            <a:r>
+              <a:rPr lang="it-IT" sz="1600" dirty="0">
+                <a:solidFill>
+                  <a:srgbClr val="D4D4D4"/>
+                </a:solidFill>
+                <a:latin typeface="Consolas" panose="020B0609020204030204" pitchFamily="49" charset="0"/>
+                <a:ea typeface="Times New Roman" panose="02020603050405020304" pitchFamily="18" charset="0"/>
+                <a:cs typeface="Times New Roman" panose="02020603050405020304" pitchFamily="18" charset="0"/>
+              </a:rPr>
+              <a:t>}</a:t>
+            </a:r>
+            <a:endParaRPr lang="it-IT" sz="1400" dirty="0">
+              <a:latin typeface="Consolas" panose="020B0609020204030204" pitchFamily="49" charset="0"/>
+              <a:ea typeface="Calibri" panose="020F0502020204030204" pitchFamily="34" charset="0"/>
+              <a:cs typeface="Times New Roman" panose="02020603050405020304" pitchFamily="18" charset="0"/>
+            </a:endParaRPr>
+          </a:p>
+        </p:txBody>
+      </p:sp>
+      <p:sp>
+        <p:nvSpPr>
+          <p:cNvPr id="8" name="Rettangolo con angoli arrotondati 7">
+            <a:extLst>
+              <a:ext uri="{FF2B5EF4-FFF2-40B4-BE49-F238E27FC236}">
+                <a16:creationId xmlns:a16="http://schemas.microsoft.com/office/drawing/2014/main" id="{B6517F2D-9583-46BE-9C26-9F12B08DEC6F}"/>
+              </a:ext>
+            </a:extLst>
+          </p:cNvPr>
+          <p:cNvSpPr/>
+          <p:nvPr/>
+        </p:nvSpPr>
+        <p:spPr>
+          <a:xfrm>
+            <a:off x="7696198" y="3372551"/>
+            <a:ext cx="2509286" cy="981592"/>
+          </a:xfrm>
+          <a:prstGeom prst="roundRect">
+            <a:avLst/>
+          </a:prstGeom>
+          <a:solidFill>
+            <a:schemeClr val="accent4"/>
+          </a:solidFill>
+          <a:ln>
+            <a:solidFill>
+              <a:schemeClr val="accent4"/>
+            </a:solidFill>
+          </a:ln>
+        </p:spPr>
+        <p:style>
+          <a:lnRef idx="2">
+            <a:schemeClr val="accent1">
+              <a:shade val="50000"/>
+            </a:schemeClr>
+          </a:lnRef>
+          <a:fillRef idx="1">
+            <a:schemeClr val="accent1"/>
+          </a:fillRef>
+          <a:effectRef idx="0">
+            <a:schemeClr val="accent1"/>
+          </a:effectRef>
+          <a:fontRef idx="minor">
+            <a:schemeClr val="lt1"/>
+          </a:fontRef>
+        </p:style>
+        <p:txBody>
+          <a:bodyPr rtlCol="0" anchor="ctr"/>
+          <a:lstStyle/>
+          <a:p>
+            <a:pPr algn="just"/>
+            <a:r>
+              <a:rPr lang="it-IT" sz="1400" dirty="0">
+                <a:solidFill>
+                  <a:schemeClr val="tx1"/>
+                </a:solidFill>
+                <a:latin typeface="Avenir Next LT Pro Light" panose="020B0304020202020204" pitchFamily="34" charset="0"/>
+              </a:rPr>
+              <a:t>Variante dell’algoritmo per leggere e scrivere sulla </a:t>
+            </a:r>
+            <a:r>
+              <a:rPr lang="it-IT" sz="1400" dirty="0" err="1">
+                <a:solidFill>
+                  <a:schemeClr val="tx1"/>
+                </a:solidFill>
+                <a:latin typeface="Avenir Next LT Pro Light" panose="020B0304020202020204" pitchFamily="34" charset="0"/>
+              </a:rPr>
+              <a:t>socket</a:t>
+            </a:r>
+            <a:r>
+              <a:rPr lang="it-IT" sz="1400" dirty="0">
+                <a:solidFill>
+                  <a:schemeClr val="tx1"/>
+                </a:solidFill>
+                <a:latin typeface="Avenir Next LT Pro Light" panose="020B0304020202020204" pitchFamily="34" charset="0"/>
+              </a:rPr>
+              <a:t> usando un carattere alla volta.</a:t>
+            </a:r>
           </a:p>
         </p:txBody>
       </p:sp>
     </p:spTree>
     <p:extLst>
       <p:ext uri="{BB962C8B-B14F-4D97-AF65-F5344CB8AC3E}">
-        <p14:creationId xmlns:p14="http://schemas.microsoft.com/office/powerpoint/2010/main" val="1080024111"/>
+        <p14:creationId xmlns:p14="http://schemas.microsoft.com/office/powerpoint/2010/main" val="502692845"/>
+      </p:ext>
+    </p:extLst>
+  </p:cSld>
+  <p:clrMapOvr>
+    <a:masterClrMapping/>
+  </p:clrMapOvr>
+</p:sld>
+</file>
+
+<file path=ppt/slides/slide9.xml><?xml version="1.0" encoding="utf-8"?>
+<p:sld xmlns:a="http://schemas.openxmlformats.org/drawingml/2006/main" xmlns:r="http://schemas.openxmlformats.org/officeDocument/2006/relationships" xmlns:p="http://schemas.openxmlformats.org/presentationml/2006/main">
+  <p:cSld>
+    <p:bg>
+      <p:bgPr>
+        <a:solidFill>
+          <a:srgbClr val="2A2A2A"/>
+        </a:solidFill>
+        <a:effectLst/>
+      </p:bgPr>
+    </p:bg>
+    <p:spTree>
+      <p:nvGrpSpPr>
+        <p:cNvPr id="1" name=""/>
+        <p:cNvGrpSpPr/>
+        <p:nvPr/>
+      </p:nvGrpSpPr>
+      <p:grpSpPr>
+        <a:xfrm>
+          <a:off x="0" y="0"/>
+          <a:ext cx="0" cy="0"/>
+          <a:chOff x="0" y="0"/>
+          <a:chExt cx="0" cy="0"/>
+        </a:xfrm>
+      </p:grpSpPr>
+      <p:sp>
+        <p:nvSpPr>
+          <p:cNvPr id="2" name="Titolo 1">
+            <a:extLst>
+              <a:ext uri="{FF2B5EF4-FFF2-40B4-BE49-F238E27FC236}">
+                <a16:creationId xmlns:a16="http://schemas.microsoft.com/office/drawing/2014/main" id="{F1DDE7A4-1A5F-4F0D-B842-7798EDC6EDA8}"/>
+              </a:ext>
+            </a:extLst>
+          </p:cNvPr>
+          <p:cNvSpPr>
+            <a:spLocks noGrp="1"/>
+          </p:cNvSpPr>
+          <p:nvPr>
+            <p:ph type="title"/>
+          </p:nvPr>
+        </p:nvSpPr>
+        <p:spPr>
+          <a:xfrm>
+            <a:off x="166048" y="92077"/>
+            <a:ext cx="11859904" cy="911224"/>
+          </a:xfrm>
+        </p:spPr>
+        <p:txBody>
+          <a:bodyPr>
+            <a:normAutofit/>
+          </a:bodyPr>
+          <a:lstStyle/>
+          <a:p>
+            <a:pPr algn="ctr"/>
+            <a:r>
+              <a:rPr lang="it-IT" dirty="0">
+                <a:solidFill>
+                  <a:schemeClr val="bg1"/>
+                </a:solidFill>
+                <a:latin typeface="Avenir Next LT Pro Light" panose="020B0304020202020204" pitchFamily="34" charset="0"/>
+              </a:rPr>
+              <a:t>Codice Server TCP (2)</a:t>
+            </a:r>
+          </a:p>
+        </p:txBody>
+      </p:sp>
+      <p:sp>
+        <p:nvSpPr>
+          <p:cNvPr id="3" name="Segnaposto numero diapositiva 2">
+            <a:extLst>
+              <a:ext uri="{FF2B5EF4-FFF2-40B4-BE49-F238E27FC236}">
+                <a16:creationId xmlns:a16="http://schemas.microsoft.com/office/drawing/2014/main" id="{A47D4834-59E8-435C-A95B-F4D997DED51E}"/>
+              </a:ext>
+            </a:extLst>
+          </p:cNvPr>
+          <p:cNvSpPr>
+            <a:spLocks noGrp="1"/>
+          </p:cNvSpPr>
+          <p:nvPr>
+            <p:ph type="sldNum" sz="quarter" idx="12"/>
+          </p:nvPr>
+        </p:nvSpPr>
+        <p:spPr/>
+        <p:txBody>
+          <a:bodyPr/>
+          <a:lstStyle/>
+          <a:p>
+            <a:fld id="{4A6DC286-705F-4A37-A21F-B485E3A29C72}" type="slidenum">
+              <a:rPr lang="it-IT" smtClean="0"/>
+              <a:t>9</a:t>
+            </a:fld>
+            <a:endParaRPr lang="it-IT"/>
+          </a:p>
+        </p:txBody>
+      </p:sp>
+      <p:sp>
+        <p:nvSpPr>
+          <p:cNvPr id="4" name="CasellaDiTesto 3">
+            <a:extLst>
+              <a:ext uri="{FF2B5EF4-FFF2-40B4-BE49-F238E27FC236}">
+                <a16:creationId xmlns:a16="http://schemas.microsoft.com/office/drawing/2014/main" id="{23737725-202B-4361-92C2-B54B0910720A}"/>
+              </a:ext>
+            </a:extLst>
+          </p:cNvPr>
+          <p:cNvSpPr txBox="1"/>
+          <p:nvPr/>
+        </p:nvSpPr>
+        <p:spPr>
+          <a:xfrm>
+            <a:off x="945419" y="1186835"/>
+            <a:ext cx="6247223" cy="4985980"/>
+          </a:xfrm>
+          <a:prstGeom prst="rect">
+            <a:avLst/>
+          </a:prstGeom>
+          <a:noFill/>
+        </p:spPr>
+        <p:txBody>
+          <a:bodyPr wrap="none" rtlCol="0">
+            <a:spAutoFit/>
+          </a:bodyPr>
+          <a:lstStyle/>
+          <a:p>
+            <a:pPr>
+              <a:lnSpc>
+                <a:spcPct val="120000"/>
+              </a:lnSpc>
+              <a:spcAft>
+                <a:spcPts val="0"/>
+              </a:spcAft>
+            </a:pPr>
+            <a:r>
+              <a:rPr lang="it-IT" sz="1400" dirty="0" err="1">
+                <a:solidFill>
+                  <a:srgbClr val="C586C0"/>
+                </a:solidFill>
+                <a:latin typeface="Consolas" panose="020B0609020204030204" pitchFamily="49" charset="0"/>
+                <a:ea typeface="Times New Roman" panose="02020603050405020304" pitchFamily="18" charset="0"/>
+                <a:cs typeface="Times New Roman" panose="02020603050405020304" pitchFamily="18" charset="0"/>
+              </a:rPr>
+              <a:t>while</a:t>
+            </a:r>
+            <a:r>
+              <a:rPr lang="it-IT" sz="1400" dirty="0">
+                <a:solidFill>
+                  <a:srgbClr val="D4D4D4"/>
+                </a:solidFill>
+                <a:latin typeface="Consolas" panose="020B0609020204030204" pitchFamily="49" charset="0"/>
+                <a:ea typeface="Times New Roman" panose="02020603050405020304" pitchFamily="18" charset="0"/>
+                <a:cs typeface="Times New Roman" panose="02020603050405020304" pitchFamily="18" charset="0"/>
+              </a:rPr>
+              <a:t> ((</a:t>
+            </a:r>
+            <a:r>
+              <a:rPr lang="it-IT" sz="1400" dirty="0" err="1">
+                <a:solidFill>
+                  <a:srgbClr val="D4D4D4"/>
+                </a:solidFill>
+                <a:latin typeface="Consolas" panose="020B0609020204030204" pitchFamily="49" charset="0"/>
+                <a:ea typeface="Times New Roman" panose="02020603050405020304" pitchFamily="18" charset="0"/>
+                <a:cs typeface="Times New Roman" panose="02020603050405020304" pitchFamily="18" charset="0"/>
+              </a:rPr>
+              <a:t>readSocket</a:t>
+            </a:r>
+            <a:r>
+              <a:rPr lang="it-IT" sz="1400" dirty="0">
+                <a:solidFill>
+                  <a:srgbClr val="D4D4D4"/>
+                </a:solidFill>
+                <a:latin typeface="Consolas" panose="020B0609020204030204" pitchFamily="49" charset="0"/>
+                <a:ea typeface="Times New Roman" panose="02020603050405020304" pitchFamily="18" charset="0"/>
+                <a:cs typeface="Times New Roman" panose="02020603050405020304" pitchFamily="18" charset="0"/>
+              </a:rPr>
+              <a:t> = </a:t>
+            </a:r>
+            <a:r>
+              <a:rPr lang="it-IT" sz="1400" dirty="0" err="1">
+                <a:solidFill>
+                  <a:srgbClr val="DCDCAA"/>
+                </a:solidFill>
+                <a:latin typeface="Consolas" panose="020B0609020204030204" pitchFamily="49" charset="0"/>
+                <a:ea typeface="Times New Roman" panose="02020603050405020304" pitchFamily="18" charset="0"/>
+                <a:cs typeface="Times New Roman" panose="02020603050405020304" pitchFamily="18" charset="0"/>
+              </a:rPr>
+              <a:t>read</a:t>
+            </a:r>
+            <a:r>
+              <a:rPr lang="it-IT" sz="1400" dirty="0">
+                <a:solidFill>
+                  <a:srgbClr val="D4D4D4"/>
+                </a:solidFill>
+                <a:latin typeface="Consolas" panose="020B0609020204030204" pitchFamily="49" charset="0"/>
+                <a:ea typeface="Times New Roman" panose="02020603050405020304" pitchFamily="18" charset="0"/>
+                <a:cs typeface="Times New Roman" panose="02020603050405020304" pitchFamily="18" charset="0"/>
+              </a:rPr>
+              <a:t>(</a:t>
+            </a:r>
+            <a:r>
+              <a:rPr lang="it-IT" sz="1400" dirty="0" err="1">
+                <a:solidFill>
+                  <a:srgbClr val="D4D4D4"/>
+                </a:solidFill>
+                <a:latin typeface="Consolas" panose="020B0609020204030204" pitchFamily="49" charset="0"/>
+                <a:ea typeface="Times New Roman" panose="02020603050405020304" pitchFamily="18" charset="0"/>
+                <a:cs typeface="Times New Roman" panose="02020603050405020304" pitchFamily="18" charset="0"/>
+              </a:rPr>
+              <a:t>newSocket</a:t>
+            </a:r>
+            <a:r>
+              <a:rPr lang="it-IT" sz="1400" dirty="0">
+                <a:solidFill>
+                  <a:srgbClr val="D4D4D4"/>
+                </a:solidFill>
+                <a:latin typeface="Consolas" panose="020B0609020204030204" pitchFamily="49" charset="0"/>
+                <a:ea typeface="Times New Roman" panose="02020603050405020304" pitchFamily="18" charset="0"/>
+                <a:cs typeface="Times New Roman" panose="02020603050405020304" pitchFamily="18" charset="0"/>
+              </a:rPr>
+              <a:t>, &amp;</a:t>
+            </a:r>
+            <a:r>
+              <a:rPr lang="it-IT" sz="1400" dirty="0" err="1">
+                <a:solidFill>
+                  <a:srgbClr val="D4D4D4"/>
+                </a:solidFill>
+                <a:latin typeface="Consolas" panose="020B0609020204030204" pitchFamily="49" charset="0"/>
+                <a:ea typeface="Times New Roman" panose="02020603050405020304" pitchFamily="18" charset="0"/>
+                <a:cs typeface="Times New Roman" panose="02020603050405020304" pitchFamily="18" charset="0"/>
+              </a:rPr>
+              <a:t>buff</a:t>
+            </a:r>
+            <a:r>
+              <a:rPr lang="it-IT" sz="1400" dirty="0">
+                <a:solidFill>
+                  <a:srgbClr val="D4D4D4"/>
+                </a:solidFill>
+                <a:latin typeface="Consolas" panose="020B0609020204030204" pitchFamily="49" charset="0"/>
+                <a:ea typeface="Times New Roman" panose="02020603050405020304" pitchFamily="18" charset="0"/>
+                <a:cs typeface="Times New Roman" panose="02020603050405020304" pitchFamily="18" charset="0"/>
+              </a:rPr>
+              <a:t>, DIM_BUFF)) &gt; </a:t>
+            </a:r>
+            <a:r>
+              <a:rPr lang="it-IT" sz="1400" dirty="0">
+                <a:solidFill>
+                  <a:srgbClr val="B5CEA8"/>
+                </a:solidFill>
+                <a:latin typeface="Consolas" panose="020B0609020204030204" pitchFamily="49" charset="0"/>
+                <a:ea typeface="Times New Roman" panose="02020603050405020304" pitchFamily="18" charset="0"/>
+                <a:cs typeface="Times New Roman" panose="02020603050405020304" pitchFamily="18" charset="0"/>
+              </a:rPr>
+              <a:t>0</a:t>
+            </a:r>
+            <a:r>
+              <a:rPr lang="it-IT" sz="1400" dirty="0">
+                <a:solidFill>
+                  <a:srgbClr val="D4D4D4"/>
+                </a:solidFill>
+                <a:latin typeface="Consolas" panose="020B0609020204030204" pitchFamily="49" charset="0"/>
+                <a:ea typeface="Times New Roman" panose="02020603050405020304" pitchFamily="18" charset="0"/>
+                <a:cs typeface="Times New Roman" panose="02020603050405020304" pitchFamily="18" charset="0"/>
+              </a:rPr>
+              <a:t>) {</a:t>
+            </a:r>
+            <a:endParaRPr lang="it-IT" sz="1400" dirty="0">
+              <a:latin typeface="Consolas" panose="020B0609020204030204" pitchFamily="49" charset="0"/>
+              <a:ea typeface="Calibri" panose="020F0502020204030204" pitchFamily="34" charset="0"/>
+              <a:cs typeface="Times New Roman" panose="02020603050405020304" pitchFamily="18" charset="0"/>
+            </a:endParaRPr>
+          </a:p>
+          <a:p>
+            <a:pPr>
+              <a:lnSpc>
+                <a:spcPct val="120000"/>
+              </a:lnSpc>
+              <a:spcAft>
+                <a:spcPts val="0"/>
+              </a:spcAft>
+            </a:pPr>
+            <a:r>
+              <a:rPr lang="it-IT" sz="1400" dirty="0">
+                <a:solidFill>
+                  <a:srgbClr val="D4D4D4"/>
+                </a:solidFill>
+                <a:latin typeface="Consolas" panose="020B0609020204030204" pitchFamily="49" charset="0"/>
+                <a:ea typeface="Times New Roman" panose="02020603050405020304" pitchFamily="18" charset="0"/>
+                <a:cs typeface="Times New Roman" panose="02020603050405020304" pitchFamily="18" charset="0"/>
+              </a:rPr>
+              <a:t>	i = </a:t>
+            </a:r>
+            <a:r>
+              <a:rPr lang="it-IT" sz="1400" dirty="0">
+                <a:solidFill>
+                  <a:srgbClr val="B5CEA8"/>
+                </a:solidFill>
+                <a:latin typeface="Consolas" panose="020B0609020204030204" pitchFamily="49" charset="0"/>
+                <a:ea typeface="Times New Roman" panose="02020603050405020304" pitchFamily="18" charset="0"/>
+                <a:cs typeface="Times New Roman" panose="02020603050405020304" pitchFamily="18" charset="0"/>
+              </a:rPr>
+              <a:t>0</a:t>
+            </a:r>
+            <a:r>
+              <a:rPr lang="it-IT" sz="1400" dirty="0">
+                <a:solidFill>
+                  <a:srgbClr val="D4D4D4"/>
+                </a:solidFill>
+                <a:latin typeface="Consolas" panose="020B0609020204030204" pitchFamily="49" charset="0"/>
+                <a:ea typeface="Times New Roman" panose="02020603050405020304" pitchFamily="18" charset="0"/>
+                <a:cs typeface="Times New Roman" panose="02020603050405020304" pitchFamily="18" charset="0"/>
+              </a:rPr>
+              <a:t>;</a:t>
+            </a:r>
+            <a:endParaRPr lang="it-IT" sz="1400" dirty="0">
+              <a:latin typeface="Consolas" panose="020B0609020204030204" pitchFamily="49" charset="0"/>
+              <a:ea typeface="Calibri" panose="020F0502020204030204" pitchFamily="34" charset="0"/>
+              <a:cs typeface="Times New Roman" panose="02020603050405020304" pitchFamily="18" charset="0"/>
+            </a:endParaRPr>
+          </a:p>
+          <a:p>
+            <a:pPr>
+              <a:lnSpc>
+                <a:spcPct val="120000"/>
+              </a:lnSpc>
+              <a:spcAft>
+                <a:spcPts val="0"/>
+              </a:spcAft>
+            </a:pPr>
+            <a:r>
+              <a:rPr lang="it-IT" sz="1400" dirty="0">
+                <a:solidFill>
+                  <a:srgbClr val="C586C0"/>
+                </a:solidFill>
+                <a:latin typeface="Consolas" panose="020B0609020204030204" pitchFamily="49" charset="0"/>
+                <a:ea typeface="Times New Roman" panose="02020603050405020304" pitchFamily="18" charset="0"/>
+                <a:cs typeface="Times New Roman" panose="02020603050405020304" pitchFamily="18" charset="0"/>
+              </a:rPr>
+              <a:t>	</a:t>
+            </a:r>
+            <a:r>
+              <a:rPr lang="it-IT" sz="1400" dirty="0" err="1">
+                <a:solidFill>
+                  <a:srgbClr val="C586C0"/>
+                </a:solidFill>
+                <a:latin typeface="Consolas" panose="020B0609020204030204" pitchFamily="49" charset="0"/>
+                <a:ea typeface="Times New Roman" panose="02020603050405020304" pitchFamily="18" charset="0"/>
+                <a:cs typeface="Times New Roman" panose="02020603050405020304" pitchFamily="18" charset="0"/>
+              </a:rPr>
+              <a:t>while</a:t>
+            </a:r>
+            <a:r>
+              <a:rPr lang="it-IT" sz="1400" dirty="0">
+                <a:solidFill>
+                  <a:srgbClr val="D4D4D4"/>
+                </a:solidFill>
+                <a:latin typeface="Consolas" panose="020B0609020204030204" pitchFamily="49" charset="0"/>
+                <a:ea typeface="Times New Roman" panose="02020603050405020304" pitchFamily="18" charset="0"/>
+                <a:cs typeface="Times New Roman" panose="02020603050405020304" pitchFamily="18" charset="0"/>
+              </a:rPr>
+              <a:t> (i &lt; </a:t>
+            </a:r>
+            <a:r>
+              <a:rPr lang="it-IT" sz="1400" dirty="0" err="1">
+                <a:solidFill>
+                  <a:srgbClr val="D4D4D4"/>
+                </a:solidFill>
+                <a:latin typeface="Consolas" panose="020B0609020204030204" pitchFamily="49" charset="0"/>
+                <a:ea typeface="Times New Roman" panose="02020603050405020304" pitchFamily="18" charset="0"/>
+                <a:cs typeface="Times New Roman" panose="02020603050405020304" pitchFamily="18" charset="0"/>
+              </a:rPr>
+              <a:t>readSocket</a:t>
+            </a:r>
+            <a:r>
+              <a:rPr lang="it-IT" sz="1400" dirty="0">
+                <a:solidFill>
+                  <a:srgbClr val="D4D4D4"/>
+                </a:solidFill>
+                <a:latin typeface="Consolas" panose="020B0609020204030204" pitchFamily="49" charset="0"/>
+                <a:ea typeface="Times New Roman" panose="02020603050405020304" pitchFamily="18" charset="0"/>
+                <a:cs typeface="Times New Roman" panose="02020603050405020304" pitchFamily="18" charset="0"/>
+              </a:rPr>
+              <a:t>) {</a:t>
+            </a:r>
+            <a:endParaRPr lang="it-IT" sz="1400" dirty="0">
+              <a:latin typeface="Consolas" panose="020B0609020204030204" pitchFamily="49" charset="0"/>
+              <a:ea typeface="Calibri" panose="020F0502020204030204" pitchFamily="34" charset="0"/>
+              <a:cs typeface="Times New Roman" panose="02020603050405020304" pitchFamily="18" charset="0"/>
+            </a:endParaRPr>
+          </a:p>
+          <a:p>
+            <a:pPr>
+              <a:lnSpc>
+                <a:spcPct val="120000"/>
+              </a:lnSpc>
+              <a:spcAft>
+                <a:spcPts val="0"/>
+              </a:spcAft>
+            </a:pPr>
+            <a:r>
+              <a:rPr lang="it-IT" sz="1400" dirty="0">
+                <a:solidFill>
+                  <a:srgbClr val="C586C0"/>
+                </a:solidFill>
+                <a:latin typeface="Consolas" panose="020B0609020204030204" pitchFamily="49" charset="0"/>
+                <a:ea typeface="Times New Roman" panose="02020603050405020304" pitchFamily="18" charset="0"/>
+                <a:cs typeface="Times New Roman" panose="02020603050405020304" pitchFamily="18" charset="0"/>
+              </a:rPr>
+              <a:t>		</a:t>
+            </a:r>
+            <a:r>
+              <a:rPr lang="it-IT" sz="1400" dirty="0" err="1">
+                <a:solidFill>
+                  <a:srgbClr val="C586C0"/>
+                </a:solidFill>
+                <a:latin typeface="Consolas" panose="020B0609020204030204" pitchFamily="49" charset="0"/>
+                <a:ea typeface="Times New Roman" panose="02020603050405020304" pitchFamily="18" charset="0"/>
+                <a:cs typeface="Times New Roman" panose="02020603050405020304" pitchFamily="18" charset="0"/>
+              </a:rPr>
+              <a:t>if</a:t>
+            </a:r>
+            <a:r>
+              <a:rPr lang="it-IT" sz="1400" dirty="0">
+                <a:solidFill>
+                  <a:srgbClr val="D4D4D4"/>
+                </a:solidFill>
+                <a:latin typeface="Consolas" panose="020B0609020204030204" pitchFamily="49" charset="0"/>
+                <a:ea typeface="Times New Roman" panose="02020603050405020304" pitchFamily="18" charset="0"/>
+                <a:cs typeface="Times New Roman" panose="02020603050405020304" pitchFamily="18" charset="0"/>
+              </a:rPr>
+              <a:t> (</a:t>
+            </a:r>
+            <a:r>
+              <a:rPr lang="it-IT" sz="1400" dirty="0" err="1">
+                <a:solidFill>
+                  <a:srgbClr val="D4D4D4"/>
+                </a:solidFill>
+                <a:latin typeface="Consolas" panose="020B0609020204030204" pitchFamily="49" charset="0"/>
+                <a:ea typeface="Times New Roman" panose="02020603050405020304" pitchFamily="18" charset="0"/>
+                <a:cs typeface="Times New Roman" panose="02020603050405020304" pitchFamily="18" charset="0"/>
+              </a:rPr>
+              <a:t>numLinea</a:t>
+            </a:r>
+            <a:r>
+              <a:rPr lang="it-IT" sz="1400" dirty="0">
+                <a:solidFill>
+                  <a:srgbClr val="D4D4D4"/>
+                </a:solidFill>
+                <a:latin typeface="Consolas" panose="020B0609020204030204" pitchFamily="49" charset="0"/>
+                <a:ea typeface="Times New Roman" panose="02020603050405020304" pitchFamily="18" charset="0"/>
+                <a:cs typeface="Times New Roman" panose="02020603050405020304" pitchFamily="18" charset="0"/>
+              </a:rPr>
+              <a:t> != </a:t>
+            </a:r>
+            <a:r>
+              <a:rPr lang="it-IT" sz="1400" dirty="0" err="1">
+                <a:solidFill>
+                  <a:srgbClr val="D4D4D4"/>
+                </a:solidFill>
+                <a:latin typeface="Consolas" panose="020B0609020204030204" pitchFamily="49" charset="0"/>
+                <a:ea typeface="Times New Roman" panose="02020603050405020304" pitchFamily="18" charset="0"/>
+                <a:cs typeface="Times New Roman" panose="02020603050405020304" pitchFamily="18" charset="0"/>
+              </a:rPr>
+              <a:t>contaLinea</a:t>
+            </a:r>
+            <a:r>
+              <a:rPr lang="it-IT" sz="1400" dirty="0">
+                <a:solidFill>
+                  <a:srgbClr val="D4D4D4"/>
+                </a:solidFill>
+                <a:latin typeface="Consolas" panose="020B0609020204030204" pitchFamily="49" charset="0"/>
+                <a:ea typeface="Times New Roman" panose="02020603050405020304" pitchFamily="18" charset="0"/>
+                <a:cs typeface="Times New Roman" panose="02020603050405020304" pitchFamily="18" charset="0"/>
+              </a:rPr>
+              <a:t>) {</a:t>
+            </a:r>
+            <a:endParaRPr lang="it-IT" sz="1400" dirty="0">
+              <a:latin typeface="Consolas" panose="020B0609020204030204" pitchFamily="49" charset="0"/>
+              <a:ea typeface="Calibri" panose="020F0502020204030204" pitchFamily="34" charset="0"/>
+              <a:cs typeface="Times New Roman" panose="02020603050405020304" pitchFamily="18" charset="0"/>
+            </a:endParaRPr>
+          </a:p>
+          <a:p>
+            <a:pPr>
+              <a:lnSpc>
+                <a:spcPct val="120000"/>
+              </a:lnSpc>
+              <a:spcAft>
+                <a:spcPts val="0"/>
+              </a:spcAft>
+            </a:pPr>
+            <a:r>
+              <a:rPr lang="it-IT" sz="1400" dirty="0">
+                <a:solidFill>
+                  <a:srgbClr val="DCDCAA"/>
+                </a:solidFill>
+                <a:latin typeface="Consolas" panose="020B0609020204030204" pitchFamily="49" charset="0"/>
+                <a:ea typeface="Times New Roman" panose="02020603050405020304" pitchFamily="18" charset="0"/>
+                <a:cs typeface="Times New Roman" panose="02020603050405020304" pitchFamily="18" charset="0"/>
+              </a:rPr>
+              <a:t>			</a:t>
+            </a:r>
+            <a:r>
+              <a:rPr lang="it-IT" sz="1400" dirty="0" err="1">
+                <a:solidFill>
+                  <a:srgbClr val="DCDCAA"/>
+                </a:solidFill>
+                <a:latin typeface="Consolas" panose="020B0609020204030204" pitchFamily="49" charset="0"/>
+                <a:ea typeface="Times New Roman" panose="02020603050405020304" pitchFamily="18" charset="0"/>
+                <a:cs typeface="Times New Roman" panose="02020603050405020304" pitchFamily="18" charset="0"/>
+              </a:rPr>
+              <a:t>write</a:t>
+            </a:r>
+            <a:r>
+              <a:rPr lang="it-IT" sz="1400" dirty="0">
+                <a:solidFill>
+                  <a:srgbClr val="D4D4D4"/>
+                </a:solidFill>
+                <a:latin typeface="Consolas" panose="020B0609020204030204" pitchFamily="49" charset="0"/>
+                <a:ea typeface="Times New Roman" panose="02020603050405020304" pitchFamily="18" charset="0"/>
+                <a:cs typeface="Times New Roman" panose="02020603050405020304" pitchFamily="18" charset="0"/>
+              </a:rPr>
+              <a:t>(</a:t>
+            </a:r>
+            <a:r>
+              <a:rPr lang="it-IT" sz="1400" dirty="0" err="1">
+                <a:solidFill>
+                  <a:srgbClr val="D4D4D4"/>
+                </a:solidFill>
+                <a:latin typeface="Consolas" panose="020B0609020204030204" pitchFamily="49" charset="0"/>
+                <a:ea typeface="Times New Roman" panose="02020603050405020304" pitchFamily="18" charset="0"/>
+                <a:cs typeface="Times New Roman" panose="02020603050405020304" pitchFamily="18" charset="0"/>
+              </a:rPr>
+              <a:t>newSocket</a:t>
+            </a:r>
+            <a:r>
+              <a:rPr lang="it-IT" sz="1400" dirty="0">
+                <a:solidFill>
+                  <a:srgbClr val="D4D4D4"/>
+                </a:solidFill>
+                <a:latin typeface="Consolas" panose="020B0609020204030204" pitchFamily="49" charset="0"/>
+                <a:ea typeface="Times New Roman" panose="02020603050405020304" pitchFamily="18" charset="0"/>
+                <a:cs typeface="Times New Roman" panose="02020603050405020304" pitchFamily="18" charset="0"/>
+              </a:rPr>
+              <a:t>, &amp;(</a:t>
+            </a:r>
+            <a:r>
+              <a:rPr lang="it-IT" sz="1400" dirty="0" err="1">
+                <a:solidFill>
+                  <a:srgbClr val="9CDCFE"/>
+                </a:solidFill>
+                <a:latin typeface="Consolas" panose="020B0609020204030204" pitchFamily="49" charset="0"/>
+                <a:ea typeface="Times New Roman" panose="02020603050405020304" pitchFamily="18" charset="0"/>
+                <a:cs typeface="Times New Roman" panose="02020603050405020304" pitchFamily="18" charset="0"/>
+              </a:rPr>
+              <a:t>buff</a:t>
+            </a:r>
+            <a:r>
+              <a:rPr lang="it-IT" sz="1400" dirty="0">
+                <a:solidFill>
+                  <a:srgbClr val="D4D4D4"/>
+                </a:solidFill>
+                <a:latin typeface="Consolas" panose="020B0609020204030204" pitchFamily="49" charset="0"/>
+                <a:ea typeface="Times New Roman" panose="02020603050405020304" pitchFamily="18" charset="0"/>
+                <a:cs typeface="Times New Roman" panose="02020603050405020304" pitchFamily="18" charset="0"/>
+              </a:rPr>
+              <a:t>[i]), </a:t>
+            </a:r>
+            <a:r>
+              <a:rPr lang="it-IT" sz="1400" dirty="0" err="1">
+                <a:solidFill>
+                  <a:srgbClr val="569CD6"/>
+                </a:solidFill>
+                <a:latin typeface="Consolas" panose="020B0609020204030204" pitchFamily="49" charset="0"/>
+                <a:ea typeface="Times New Roman" panose="02020603050405020304" pitchFamily="18" charset="0"/>
+                <a:cs typeface="Times New Roman" panose="02020603050405020304" pitchFamily="18" charset="0"/>
+              </a:rPr>
+              <a:t>sizeof</a:t>
+            </a:r>
+            <a:r>
+              <a:rPr lang="it-IT" sz="1400" dirty="0">
+                <a:solidFill>
+                  <a:srgbClr val="D4D4D4"/>
+                </a:solidFill>
+                <a:latin typeface="Consolas" panose="020B0609020204030204" pitchFamily="49" charset="0"/>
+                <a:ea typeface="Times New Roman" panose="02020603050405020304" pitchFamily="18" charset="0"/>
+                <a:cs typeface="Times New Roman" panose="02020603050405020304" pitchFamily="18" charset="0"/>
+              </a:rPr>
+              <a:t>(</a:t>
+            </a:r>
+            <a:r>
+              <a:rPr lang="it-IT" sz="1400" dirty="0" err="1">
+                <a:solidFill>
+                  <a:srgbClr val="569CD6"/>
+                </a:solidFill>
+                <a:latin typeface="Consolas" panose="020B0609020204030204" pitchFamily="49" charset="0"/>
+                <a:ea typeface="Times New Roman" panose="02020603050405020304" pitchFamily="18" charset="0"/>
+                <a:cs typeface="Times New Roman" panose="02020603050405020304" pitchFamily="18" charset="0"/>
+              </a:rPr>
+              <a:t>char</a:t>
+            </a:r>
+            <a:r>
+              <a:rPr lang="it-IT" sz="1400" dirty="0">
+                <a:solidFill>
+                  <a:srgbClr val="D4D4D4"/>
+                </a:solidFill>
+                <a:latin typeface="Consolas" panose="020B0609020204030204" pitchFamily="49" charset="0"/>
+                <a:ea typeface="Times New Roman" panose="02020603050405020304" pitchFamily="18" charset="0"/>
+                <a:cs typeface="Times New Roman" panose="02020603050405020304" pitchFamily="18" charset="0"/>
+              </a:rPr>
+              <a:t>));</a:t>
+            </a:r>
+            <a:endParaRPr lang="it-IT" sz="1400" dirty="0">
+              <a:latin typeface="Consolas" panose="020B0609020204030204" pitchFamily="49" charset="0"/>
+              <a:ea typeface="Calibri" panose="020F0502020204030204" pitchFamily="34" charset="0"/>
+              <a:cs typeface="Times New Roman" panose="02020603050405020304" pitchFamily="18" charset="0"/>
+            </a:endParaRPr>
+          </a:p>
+          <a:p>
+            <a:pPr>
+              <a:lnSpc>
+                <a:spcPct val="120000"/>
+              </a:lnSpc>
+              <a:spcAft>
+                <a:spcPts val="0"/>
+              </a:spcAft>
+            </a:pPr>
+            <a:r>
+              <a:rPr lang="it-IT" sz="1400" dirty="0">
+                <a:solidFill>
+                  <a:srgbClr val="D4D4D4"/>
+                </a:solidFill>
+                <a:latin typeface="Consolas" panose="020B0609020204030204" pitchFamily="49" charset="0"/>
+                <a:ea typeface="Times New Roman" panose="02020603050405020304" pitchFamily="18" charset="0"/>
+                <a:cs typeface="Times New Roman" panose="02020603050405020304" pitchFamily="18" charset="0"/>
+              </a:rPr>
+              <a:t>		}</a:t>
+            </a:r>
+            <a:endParaRPr lang="it-IT" sz="1400" dirty="0">
+              <a:latin typeface="Consolas" panose="020B0609020204030204" pitchFamily="49" charset="0"/>
+              <a:ea typeface="Calibri" panose="020F0502020204030204" pitchFamily="34" charset="0"/>
+              <a:cs typeface="Times New Roman" panose="02020603050405020304" pitchFamily="18" charset="0"/>
+            </a:endParaRPr>
+          </a:p>
+          <a:p>
+            <a:pPr>
+              <a:lnSpc>
+                <a:spcPct val="120000"/>
+              </a:lnSpc>
+              <a:spcAft>
+                <a:spcPts val="0"/>
+              </a:spcAft>
+            </a:pPr>
+            <a:r>
+              <a:rPr lang="it-IT" sz="1400" dirty="0">
+                <a:solidFill>
+                  <a:srgbClr val="C586C0"/>
+                </a:solidFill>
+                <a:latin typeface="Consolas" panose="020B0609020204030204" pitchFamily="49" charset="0"/>
+                <a:ea typeface="Times New Roman" panose="02020603050405020304" pitchFamily="18" charset="0"/>
+                <a:cs typeface="Times New Roman" panose="02020603050405020304" pitchFamily="18" charset="0"/>
+              </a:rPr>
+              <a:t>		else</a:t>
+            </a:r>
+            <a:r>
+              <a:rPr lang="it-IT" sz="1400" dirty="0">
+                <a:solidFill>
+                  <a:srgbClr val="D4D4D4"/>
+                </a:solidFill>
+                <a:latin typeface="Consolas" panose="020B0609020204030204" pitchFamily="49" charset="0"/>
+                <a:ea typeface="Times New Roman" panose="02020603050405020304" pitchFamily="18" charset="0"/>
+                <a:cs typeface="Times New Roman" panose="02020603050405020304" pitchFamily="18" charset="0"/>
+              </a:rPr>
+              <a:t> {</a:t>
+            </a:r>
+            <a:endParaRPr lang="it-IT" sz="1400" dirty="0">
+              <a:latin typeface="Consolas" panose="020B0609020204030204" pitchFamily="49" charset="0"/>
+              <a:ea typeface="Calibri" panose="020F0502020204030204" pitchFamily="34" charset="0"/>
+              <a:cs typeface="Times New Roman" panose="02020603050405020304" pitchFamily="18" charset="0"/>
+            </a:endParaRPr>
+          </a:p>
+          <a:p>
+            <a:pPr>
+              <a:lnSpc>
+                <a:spcPct val="120000"/>
+              </a:lnSpc>
+              <a:spcAft>
+                <a:spcPts val="0"/>
+              </a:spcAft>
+            </a:pPr>
+            <a:r>
+              <a:rPr lang="it-IT" sz="1400" dirty="0">
+                <a:solidFill>
+                  <a:srgbClr val="C586C0"/>
+                </a:solidFill>
+                <a:latin typeface="Consolas" panose="020B0609020204030204" pitchFamily="49" charset="0"/>
+                <a:ea typeface="Times New Roman" panose="02020603050405020304" pitchFamily="18" charset="0"/>
+                <a:cs typeface="Times New Roman" panose="02020603050405020304" pitchFamily="18" charset="0"/>
+              </a:rPr>
+              <a:t>			</a:t>
+            </a:r>
+            <a:r>
+              <a:rPr lang="it-IT" sz="1400" dirty="0" err="1">
+                <a:solidFill>
+                  <a:srgbClr val="C586C0"/>
+                </a:solidFill>
+                <a:latin typeface="Consolas" panose="020B0609020204030204" pitchFamily="49" charset="0"/>
+                <a:ea typeface="Times New Roman" panose="02020603050405020304" pitchFamily="18" charset="0"/>
+                <a:cs typeface="Times New Roman" panose="02020603050405020304" pitchFamily="18" charset="0"/>
+              </a:rPr>
+              <a:t>while</a:t>
+            </a:r>
+            <a:r>
+              <a:rPr lang="it-IT" sz="1400" dirty="0">
+                <a:solidFill>
+                  <a:srgbClr val="D4D4D4"/>
+                </a:solidFill>
+                <a:latin typeface="Consolas" panose="020B0609020204030204" pitchFamily="49" charset="0"/>
+                <a:ea typeface="Times New Roman" panose="02020603050405020304" pitchFamily="18" charset="0"/>
+                <a:cs typeface="Times New Roman" panose="02020603050405020304" pitchFamily="18" charset="0"/>
+              </a:rPr>
+              <a:t>(</a:t>
+            </a:r>
+            <a:r>
+              <a:rPr lang="it-IT" sz="1400" dirty="0" err="1">
+                <a:solidFill>
+                  <a:srgbClr val="9CDCFE"/>
+                </a:solidFill>
+                <a:latin typeface="Consolas" panose="020B0609020204030204" pitchFamily="49" charset="0"/>
+                <a:ea typeface="Times New Roman" panose="02020603050405020304" pitchFamily="18" charset="0"/>
+                <a:cs typeface="Times New Roman" panose="02020603050405020304" pitchFamily="18" charset="0"/>
+              </a:rPr>
+              <a:t>buff</a:t>
+            </a:r>
+            <a:r>
+              <a:rPr lang="it-IT" sz="1400" dirty="0">
+                <a:solidFill>
+                  <a:srgbClr val="D4D4D4"/>
+                </a:solidFill>
+                <a:latin typeface="Consolas" panose="020B0609020204030204" pitchFamily="49" charset="0"/>
+                <a:ea typeface="Times New Roman" panose="02020603050405020304" pitchFamily="18" charset="0"/>
+                <a:cs typeface="Times New Roman" panose="02020603050405020304" pitchFamily="18" charset="0"/>
+              </a:rPr>
+              <a:t>[i] != </a:t>
+            </a:r>
+            <a:r>
+              <a:rPr lang="it-IT" sz="1400" dirty="0">
+                <a:solidFill>
+                  <a:srgbClr val="CE9178"/>
+                </a:solidFill>
+                <a:latin typeface="Consolas" panose="020B0609020204030204" pitchFamily="49" charset="0"/>
+                <a:ea typeface="Times New Roman" panose="02020603050405020304" pitchFamily="18" charset="0"/>
+                <a:cs typeface="Times New Roman" panose="02020603050405020304" pitchFamily="18" charset="0"/>
+              </a:rPr>
+              <a:t>'</a:t>
+            </a:r>
+            <a:r>
+              <a:rPr lang="it-IT" sz="1400" dirty="0">
+                <a:solidFill>
+                  <a:srgbClr val="D7BA7D"/>
+                </a:solidFill>
+                <a:latin typeface="Consolas" panose="020B0609020204030204" pitchFamily="49" charset="0"/>
+                <a:ea typeface="Times New Roman" panose="02020603050405020304" pitchFamily="18" charset="0"/>
+                <a:cs typeface="Times New Roman" panose="02020603050405020304" pitchFamily="18" charset="0"/>
+              </a:rPr>
+              <a:t>\n</a:t>
+            </a:r>
+            <a:r>
+              <a:rPr lang="it-IT" sz="1400" dirty="0">
+                <a:solidFill>
+                  <a:srgbClr val="CE9178"/>
+                </a:solidFill>
+                <a:latin typeface="Consolas" panose="020B0609020204030204" pitchFamily="49" charset="0"/>
+                <a:ea typeface="Times New Roman" panose="02020603050405020304" pitchFamily="18" charset="0"/>
+                <a:cs typeface="Times New Roman" panose="02020603050405020304" pitchFamily="18" charset="0"/>
+              </a:rPr>
+              <a:t>'</a:t>
+            </a:r>
+            <a:r>
+              <a:rPr lang="it-IT" sz="1400" dirty="0">
+                <a:solidFill>
+                  <a:srgbClr val="D4D4D4"/>
+                </a:solidFill>
+                <a:latin typeface="Consolas" panose="020B0609020204030204" pitchFamily="49" charset="0"/>
+                <a:ea typeface="Times New Roman" panose="02020603050405020304" pitchFamily="18" charset="0"/>
+                <a:cs typeface="Times New Roman" panose="02020603050405020304" pitchFamily="18" charset="0"/>
+              </a:rPr>
+              <a:t> &amp;&amp; i &lt; </a:t>
+            </a:r>
+            <a:r>
+              <a:rPr lang="it-IT" sz="1400" dirty="0" err="1">
+                <a:solidFill>
+                  <a:srgbClr val="D4D4D4"/>
+                </a:solidFill>
+                <a:latin typeface="Consolas" panose="020B0609020204030204" pitchFamily="49" charset="0"/>
+                <a:ea typeface="Times New Roman" panose="02020603050405020304" pitchFamily="18" charset="0"/>
+                <a:cs typeface="Times New Roman" panose="02020603050405020304" pitchFamily="18" charset="0"/>
+              </a:rPr>
+              <a:t>readSocket</a:t>
+            </a:r>
+            <a:r>
+              <a:rPr lang="it-IT" sz="1400" dirty="0">
+                <a:solidFill>
+                  <a:srgbClr val="D4D4D4"/>
+                </a:solidFill>
+                <a:latin typeface="Consolas" panose="020B0609020204030204" pitchFamily="49" charset="0"/>
+                <a:ea typeface="Times New Roman" panose="02020603050405020304" pitchFamily="18" charset="0"/>
+                <a:cs typeface="Times New Roman" panose="02020603050405020304" pitchFamily="18" charset="0"/>
+              </a:rPr>
+              <a:t>) {</a:t>
+            </a:r>
+            <a:endParaRPr lang="it-IT" sz="1400" dirty="0">
+              <a:latin typeface="Consolas" panose="020B0609020204030204" pitchFamily="49" charset="0"/>
+              <a:ea typeface="Calibri" panose="020F0502020204030204" pitchFamily="34" charset="0"/>
+              <a:cs typeface="Times New Roman" panose="02020603050405020304" pitchFamily="18" charset="0"/>
+            </a:endParaRPr>
+          </a:p>
+          <a:p>
+            <a:pPr>
+              <a:lnSpc>
+                <a:spcPct val="120000"/>
+              </a:lnSpc>
+              <a:spcAft>
+                <a:spcPts val="0"/>
+              </a:spcAft>
+            </a:pPr>
+            <a:r>
+              <a:rPr lang="it-IT" sz="1400" dirty="0">
+                <a:solidFill>
+                  <a:srgbClr val="D4D4D4"/>
+                </a:solidFill>
+                <a:latin typeface="Consolas" panose="020B0609020204030204" pitchFamily="49" charset="0"/>
+                <a:ea typeface="Times New Roman" panose="02020603050405020304" pitchFamily="18" charset="0"/>
+                <a:cs typeface="Times New Roman" panose="02020603050405020304" pitchFamily="18" charset="0"/>
+              </a:rPr>
+              <a:t>				i++;</a:t>
+            </a:r>
+            <a:endParaRPr lang="it-IT" sz="1400" dirty="0">
+              <a:latin typeface="Consolas" panose="020B0609020204030204" pitchFamily="49" charset="0"/>
+              <a:ea typeface="Calibri" panose="020F0502020204030204" pitchFamily="34" charset="0"/>
+              <a:cs typeface="Times New Roman" panose="02020603050405020304" pitchFamily="18" charset="0"/>
+            </a:endParaRPr>
+          </a:p>
+          <a:p>
+            <a:pPr>
+              <a:lnSpc>
+                <a:spcPct val="120000"/>
+              </a:lnSpc>
+              <a:spcAft>
+                <a:spcPts val="0"/>
+              </a:spcAft>
+            </a:pPr>
+            <a:r>
+              <a:rPr lang="it-IT" sz="1400" dirty="0">
+                <a:solidFill>
+                  <a:srgbClr val="D4D4D4"/>
+                </a:solidFill>
+                <a:latin typeface="Consolas" panose="020B0609020204030204" pitchFamily="49" charset="0"/>
+                <a:ea typeface="Times New Roman" panose="02020603050405020304" pitchFamily="18" charset="0"/>
+                <a:cs typeface="Times New Roman" panose="02020603050405020304" pitchFamily="18" charset="0"/>
+              </a:rPr>
+              <a:t>			}</a:t>
+            </a:r>
+            <a:endParaRPr lang="it-IT" sz="1400" dirty="0">
+              <a:latin typeface="Consolas" panose="020B0609020204030204" pitchFamily="49" charset="0"/>
+              <a:ea typeface="Calibri" panose="020F0502020204030204" pitchFamily="34" charset="0"/>
+              <a:cs typeface="Times New Roman" panose="02020603050405020304" pitchFamily="18" charset="0"/>
+            </a:endParaRPr>
+          </a:p>
+          <a:p>
+            <a:pPr>
+              <a:lnSpc>
+                <a:spcPct val="120000"/>
+              </a:lnSpc>
+              <a:spcAft>
+                <a:spcPts val="0"/>
+              </a:spcAft>
+            </a:pPr>
+            <a:r>
+              <a:rPr lang="it-IT" sz="1400" dirty="0">
+                <a:solidFill>
+                  <a:srgbClr val="D4D4D4"/>
+                </a:solidFill>
+                <a:latin typeface="Consolas" panose="020B0609020204030204" pitchFamily="49" charset="0"/>
+                <a:ea typeface="Times New Roman" panose="02020603050405020304" pitchFamily="18" charset="0"/>
+                <a:cs typeface="Times New Roman" panose="02020603050405020304" pitchFamily="18" charset="0"/>
+              </a:rPr>
+              <a:t>		}</a:t>
+            </a:r>
+            <a:endParaRPr lang="it-IT" sz="1400" dirty="0">
+              <a:latin typeface="Consolas" panose="020B0609020204030204" pitchFamily="49" charset="0"/>
+              <a:ea typeface="Calibri" panose="020F0502020204030204" pitchFamily="34" charset="0"/>
+              <a:cs typeface="Times New Roman" panose="02020603050405020304" pitchFamily="18" charset="0"/>
+            </a:endParaRPr>
+          </a:p>
+          <a:p>
+            <a:pPr>
+              <a:lnSpc>
+                <a:spcPct val="120000"/>
+              </a:lnSpc>
+              <a:spcAft>
+                <a:spcPts val="0"/>
+              </a:spcAft>
+            </a:pPr>
+            <a:r>
+              <a:rPr lang="it-IT" sz="1400" dirty="0">
+                <a:solidFill>
+                  <a:srgbClr val="D4D4D4"/>
+                </a:solidFill>
+                <a:latin typeface="Consolas" panose="020B0609020204030204" pitchFamily="49" charset="0"/>
+                <a:ea typeface="Times New Roman" panose="02020603050405020304" pitchFamily="18" charset="0"/>
+                <a:cs typeface="Times New Roman" panose="02020603050405020304" pitchFamily="18" charset="0"/>
+              </a:rPr>
+              <a:t>                    </a:t>
+            </a:r>
+            <a:endParaRPr lang="it-IT" sz="1400" dirty="0">
+              <a:latin typeface="Consolas" panose="020B0609020204030204" pitchFamily="49" charset="0"/>
+              <a:ea typeface="Calibri" panose="020F0502020204030204" pitchFamily="34" charset="0"/>
+              <a:cs typeface="Times New Roman" panose="02020603050405020304" pitchFamily="18" charset="0"/>
+            </a:endParaRPr>
+          </a:p>
+          <a:p>
+            <a:pPr>
+              <a:lnSpc>
+                <a:spcPct val="120000"/>
+              </a:lnSpc>
+              <a:spcAft>
+                <a:spcPts val="0"/>
+              </a:spcAft>
+            </a:pPr>
+            <a:r>
+              <a:rPr lang="it-IT" sz="1400" dirty="0">
+                <a:solidFill>
+                  <a:srgbClr val="C586C0"/>
+                </a:solidFill>
+                <a:latin typeface="Consolas" panose="020B0609020204030204" pitchFamily="49" charset="0"/>
+                <a:ea typeface="Times New Roman" panose="02020603050405020304" pitchFamily="18" charset="0"/>
+                <a:cs typeface="Times New Roman" panose="02020603050405020304" pitchFamily="18" charset="0"/>
+              </a:rPr>
+              <a:t>		</a:t>
+            </a:r>
+            <a:r>
+              <a:rPr lang="it-IT" sz="1400" dirty="0" err="1">
+                <a:solidFill>
+                  <a:srgbClr val="C586C0"/>
+                </a:solidFill>
+                <a:latin typeface="Consolas" panose="020B0609020204030204" pitchFamily="49" charset="0"/>
+                <a:ea typeface="Times New Roman" panose="02020603050405020304" pitchFamily="18" charset="0"/>
+                <a:cs typeface="Times New Roman" panose="02020603050405020304" pitchFamily="18" charset="0"/>
+              </a:rPr>
+              <a:t>if</a:t>
+            </a:r>
+            <a:r>
+              <a:rPr lang="it-IT" sz="1400" dirty="0">
+                <a:solidFill>
+                  <a:srgbClr val="D4D4D4"/>
+                </a:solidFill>
+                <a:latin typeface="Consolas" panose="020B0609020204030204" pitchFamily="49" charset="0"/>
+                <a:ea typeface="Times New Roman" panose="02020603050405020304" pitchFamily="18" charset="0"/>
+                <a:cs typeface="Times New Roman" panose="02020603050405020304" pitchFamily="18" charset="0"/>
+              </a:rPr>
+              <a:t> (</a:t>
+            </a:r>
+            <a:r>
+              <a:rPr lang="it-IT" sz="1400" dirty="0" err="1">
+                <a:solidFill>
+                  <a:srgbClr val="9CDCFE"/>
+                </a:solidFill>
+                <a:latin typeface="Consolas" panose="020B0609020204030204" pitchFamily="49" charset="0"/>
+                <a:ea typeface="Times New Roman" panose="02020603050405020304" pitchFamily="18" charset="0"/>
+                <a:cs typeface="Times New Roman" panose="02020603050405020304" pitchFamily="18" charset="0"/>
+              </a:rPr>
+              <a:t>buff</a:t>
+            </a:r>
+            <a:r>
+              <a:rPr lang="it-IT" sz="1400" dirty="0">
+                <a:solidFill>
+                  <a:srgbClr val="D4D4D4"/>
+                </a:solidFill>
+                <a:latin typeface="Consolas" panose="020B0609020204030204" pitchFamily="49" charset="0"/>
+                <a:ea typeface="Times New Roman" panose="02020603050405020304" pitchFamily="18" charset="0"/>
+                <a:cs typeface="Times New Roman" panose="02020603050405020304" pitchFamily="18" charset="0"/>
+              </a:rPr>
+              <a:t>[i] == </a:t>
+            </a:r>
+            <a:r>
+              <a:rPr lang="it-IT" sz="1400" dirty="0">
+                <a:solidFill>
+                  <a:srgbClr val="CE9178"/>
+                </a:solidFill>
+                <a:latin typeface="Consolas" panose="020B0609020204030204" pitchFamily="49" charset="0"/>
+                <a:ea typeface="Times New Roman" panose="02020603050405020304" pitchFamily="18" charset="0"/>
+                <a:cs typeface="Times New Roman" panose="02020603050405020304" pitchFamily="18" charset="0"/>
+              </a:rPr>
+              <a:t>'</a:t>
+            </a:r>
+            <a:r>
+              <a:rPr lang="it-IT" sz="1400" dirty="0">
+                <a:solidFill>
+                  <a:srgbClr val="D7BA7D"/>
+                </a:solidFill>
+                <a:latin typeface="Consolas" panose="020B0609020204030204" pitchFamily="49" charset="0"/>
+                <a:ea typeface="Times New Roman" panose="02020603050405020304" pitchFamily="18" charset="0"/>
+                <a:cs typeface="Times New Roman" panose="02020603050405020304" pitchFamily="18" charset="0"/>
+              </a:rPr>
+              <a:t>\n</a:t>
+            </a:r>
+            <a:r>
+              <a:rPr lang="it-IT" sz="1400" dirty="0">
+                <a:solidFill>
+                  <a:srgbClr val="CE9178"/>
+                </a:solidFill>
+                <a:latin typeface="Consolas" panose="020B0609020204030204" pitchFamily="49" charset="0"/>
+                <a:ea typeface="Times New Roman" panose="02020603050405020304" pitchFamily="18" charset="0"/>
+                <a:cs typeface="Times New Roman" panose="02020603050405020304" pitchFamily="18" charset="0"/>
+              </a:rPr>
+              <a:t>'</a:t>
+            </a:r>
+            <a:r>
+              <a:rPr lang="it-IT" sz="1400" dirty="0">
+                <a:solidFill>
+                  <a:srgbClr val="D4D4D4"/>
+                </a:solidFill>
+                <a:latin typeface="Consolas" panose="020B0609020204030204" pitchFamily="49" charset="0"/>
+                <a:ea typeface="Times New Roman" panose="02020603050405020304" pitchFamily="18" charset="0"/>
+                <a:cs typeface="Times New Roman" panose="02020603050405020304" pitchFamily="18" charset="0"/>
+              </a:rPr>
+              <a:t>) {</a:t>
+            </a:r>
+            <a:endParaRPr lang="it-IT" sz="1400" dirty="0">
+              <a:latin typeface="Consolas" panose="020B0609020204030204" pitchFamily="49" charset="0"/>
+              <a:ea typeface="Calibri" panose="020F0502020204030204" pitchFamily="34" charset="0"/>
+              <a:cs typeface="Times New Roman" panose="02020603050405020304" pitchFamily="18" charset="0"/>
+            </a:endParaRPr>
+          </a:p>
+          <a:p>
+            <a:pPr>
+              <a:lnSpc>
+                <a:spcPct val="120000"/>
+              </a:lnSpc>
+              <a:spcAft>
+                <a:spcPts val="0"/>
+              </a:spcAft>
+            </a:pPr>
+            <a:r>
+              <a:rPr lang="it-IT" sz="1400" dirty="0">
+                <a:solidFill>
+                  <a:srgbClr val="D4D4D4"/>
+                </a:solidFill>
+                <a:latin typeface="Consolas" panose="020B0609020204030204" pitchFamily="49" charset="0"/>
+                <a:ea typeface="Times New Roman" panose="02020603050405020304" pitchFamily="18" charset="0"/>
+                <a:cs typeface="Times New Roman" panose="02020603050405020304" pitchFamily="18" charset="0"/>
+              </a:rPr>
+              <a:t>			</a:t>
+            </a:r>
+            <a:r>
+              <a:rPr lang="it-IT" sz="1400" dirty="0" err="1">
+                <a:solidFill>
+                  <a:srgbClr val="D4D4D4"/>
+                </a:solidFill>
+                <a:latin typeface="Consolas" panose="020B0609020204030204" pitchFamily="49" charset="0"/>
+                <a:ea typeface="Times New Roman" panose="02020603050405020304" pitchFamily="18" charset="0"/>
+                <a:cs typeface="Times New Roman" panose="02020603050405020304" pitchFamily="18" charset="0"/>
+              </a:rPr>
+              <a:t>contaLinea</a:t>
+            </a:r>
+            <a:r>
+              <a:rPr lang="it-IT" sz="1400" dirty="0">
+                <a:solidFill>
+                  <a:srgbClr val="D4D4D4"/>
+                </a:solidFill>
+                <a:latin typeface="Consolas" panose="020B0609020204030204" pitchFamily="49" charset="0"/>
+                <a:ea typeface="Times New Roman" panose="02020603050405020304" pitchFamily="18" charset="0"/>
+                <a:cs typeface="Times New Roman" panose="02020603050405020304" pitchFamily="18" charset="0"/>
+              </a:rPr>
+              <a:t>++;</a:t>
+            </a:r>
+            <a:endParaRPr lang="it-IT" sz="1400" dirty="0">
+              <a:latin typeface="Consolas" panose="020B0609020204030204" pitchFamily="49" charset="0"/>
+              <a:ea typeface="Calibri" panose="020F0502020204030204" pitchFamily="34" charset="0"/>
+              <a:cs typeface="Times New Roman" panose="02020603050405020304" pitchFamily="18" charset="0"/>
+            </a:endParaRPr>
+          </a:p>
+          <a:p>
+            <a:pPr>
+              <a:lnSpc>
+                <a:spcPct val="120000"/>
+              </a:lnSpc>
+              <a:spcAft>
+                <a:spcPts val="0"/>
+              </a:spcAft>
+            </a:pPr>
+            <a:r>
+              <a:rPr lang="it-IT" sz="1400" dirty="0">
+                <a:solidFill>
+                  <a:srgbClr val="D4D4D4"/>
+                </a:solidFill>
+                <a:latin typeface="Consolas" panose="020B0609020204030204" pitchFamily="49" charset="0"/>
+                <a:ea typeface="Times New Roman" panose="02020603050405020304" pitchFamily="18" charset="0"/>
+                <a:cs typeface="Times New Roman" panose="02020603050405020304" pitchFamily="18" charset="0"/>
+              </a:rPr>
+              <a:t>		}</a:t>
+            </a:r>
+            <a:endParaRPr lang="it-IT" sz="1400" dirty="0">
+              <a:latin typeface="Consolas" panose="020B0609020204030204" pitchFamily="49" charset="0"/>
+              <a:ea typeface="Calibri" panose="020F0502020204030204" pitchFamily="34" charset="0"/>
+              <a:cs typeface="Times New Roman" panose="02020603050405020304" pitchFamily="18" charset="0"/>
+            </a:endParaRPr>
+          </a:p>
+          <a:p>
+            <a:pPr>
+              <a:lnSpc>
+                <a:spcPct val="120000"/>
+              </a:lnSpc>
+              <a:spcAft>
+                <a:spcPts val="0"/>
+              </a:spcAft>
+            </a:pPr>
+            <a:r>
+              <a:rPr lang="it-IT" sz="1400" dirty="0">
+                <a:solidFill>
+                  <a:srgbClr val="D4D4D4"/>
+                </a:solidFill>
+                <a:latin typeface="Consolas" panose="020B0609020204030204" pitchFamily="49" charset="0"/>
+                <a:ea typeface="Times New Roman" panose="02020603050405020304" pitchFamily="18" charset="0"/>
+                <a:cs typeface="Times New Roman" panose="02020603050405020304" pitchFamily="18" charset="0"/>
+              </a:rPr>
+              <a:t> </a:t>
+            </a:r>
+            <a:endParaRPr lang="it-IT" sz="1400" dirty="0">
+              <a:latin typeface="Consolas" panose="020B0609020204030204" pitchFamily="49" charset="0"/>
+              <a:ea typeface="Calibri" panose="020F0502020204030204" pitchFamily="34" charset="0"/>
+              <a:cs typeface="Times New Roman" panose="02020603050405020304" pitchFamily="18" charset="0"/>
+            </a:endParaRPr>
+          </a:p>
+          <a:p>
+            <a:pPr>
+              <a:lnSpc>
+                <a:spcPct val="120000"/>
+              </a:lnSpc>
+              <a:spcAft>
+                <a:spcPts val="0"/>
+              </a:spcAft>
+            </a:pPr>
+            <a:r>
+              <a:rPr lang="it-IT" sz="1400" dirty="0">
+                <a:solidFill>
+                  <a:srgbClr val="D4D4D4"/>
+                </a:solidFill>
+                <a:latin typeface="Consolas" panose="020B0609020204030204" pitchFamily="49" charset="0"/>
+                <a:ea typeface="Times New Roman" panose="02020603050405020304" pitchFamily="18" charset="0"/>
+                <a:cs typeface="Times New Roman" panose="02020603050405020304" pitchFamily="18" charset="0"/>
+              </a:rPr>
+              <a:t>		i++;</a:t>
+            </a:r>
+            <a:endParaRPr lang="it-IT" sz="1400" dirty="0">
+              <a:latin typeface="Consolas" panose="020B0609020204030204" pitchFamily="49" charset="0"/>
+              <a:ea typeface="Calibri" panose="020F0502020204030204" pitchFamily="34" charset="0"/>
+              <a:cs typeface="Times New Roman" panose="02020603050405020304" pitchFamily="18" charset="0"/>
+            </a:endParaRPr>
+          </a:p>
+          <a:p>
+            <a:pPr>
+              <a:lnSpc>
+                <a:spcPct val="120000"/>
+              </a:lnSpc>
+              <a:spcAft>
+                <a:spcPts val="0"/>
+              </a:spcAft>
+            </a:pPr>
+            <a:r>
+              <a:rPr lang="it-IT" sz="1400" dirty="0">
+                <a:solidFill>
+                  <a:srgbClr val="D4D4D4"/>
+                </a:solidFill>
+                <a:latin typeface="Consolas" panose="020B0609020204030204" pitchFamily="49" charset="0"/>
+                <a:ea typeface="Times New Roman" panose="02020603050405020304" pitchFamily="18" charset="0"/>
+                <a:cs typeface="Times New Roman" panose="02020603050405020304" pitchFamily="18" charset="0"/>
+              </a:rPr>
+              <a:t>	}</a:t>
+            </a:r>
+            <a:endParaRPr lang="it-IT" sz="1400" dirty="0">
+              <a:latin typeface="Consolas" panose="020B0609020204030204" pitchFamily="49" charset="0"/>
+              <a:ea typeface="Calibri" panose="020F0502020204030204" pitchFamily="34" charset="0"/>
+              <a:cs typeface="Times New Roman" panose="02020603050405020304" pitchFamily="18" charset="0"/>
+            </a:endParaRPr>
+          </a:p>
+          <a:p>
+            <a:pPr>
+              <a:lnSpc>
+                <a:spcPct val="120000"/>
+              </a:lnSpc>
+              <a:spcAft>
+                <a:spcPts val="0"/>
+              </a:spcAft>
+            </a:pPr>
+            <a:r>
+              <a:rPr lang="it-IT" sz="1400" dirty="0">
+                <a:solidFill>
+                  <a:srgbClr val="D4D4D4"/>
+                </a:solidFill>
+                <a:latin typeface="Consolas" panose="020B0609020204030204" pitchFamily="49" charset="0"/>
+                <a:ea typeface="Times New Roman" panose="02020603050405020304" pitchFamily="18" charset="0"/>
+                <a:cs typeface="Times New Roman" panose="02020603050405020304" pitchFamily="18" charset="0"/>
+              </a:rPr>
+              <a:t>}</a:t>
+            </a:r>
+            <a:endParaRPr lang="it-IT" sz="1400" dirty="0">
+              <a:latin typeface="Consolas" panose="020B0609020204030204" pitchFamily="49" charset="0"/>
+              <a:ea typeface="Calibri" panose="020F0502020204030204" pitchFamily="34" charset="0"/>
+              <a:cs typeface="Times New Roman" panose="02020603050405020304" pitchFamily="18" charset="0"/>
+            </a:endParaRPr>
+          </a:p>
+        </p:txBody>
+      </p:sp>
+      <p:sp>
+        <p:nvSpPr>
+          <p:cNvPr id="5" name="Rettangolo con angoli arrotondati 4">
+            <a:extLst>
+              <a:ext uri="{FF2B5EF4-FFF2-40B4-BE49-F238E27FC236}">
+                <a16:creationId xmlns:a16="http://schemas.microsoft.com/office/drawing/2014/main" id="{D7CA7163-CE4B-4F88-9969-3F9B9A1F17CC}"/>
+              </a:ext>
+            </a:extLst>
+          </p:cNvPr>
+          <p:cNvSpPr/>
+          <p:nvPr/>
+        </p:nvSpPr>
+        <p:spPr>
+          <a:xfrm>
+            <a:off x="7526077" y="3904179"/>
+            <a:ext cx="2509286" cy="981592"/>
+          </a:xfrm>
+          <a:prstGeom prst="roundRect">
+            <a:avLst/>
+          </a:prstGeom>
+          <a:solidFill>
+            <a:schemeClr val="accent4"/>
+          </a:solidFill>
+          <a:ln>
+            <a:solidFill>
+              <a:schemeClr val="accent4"/>
+            </a:solidFill>
+          </a:ln>
+        </p:spPr>
+        <p:style>
+          <a:lnRef idx="2">
+            <a:schemeClr val="accent1">
+              <a:shade val="50000"/>
+            </a:schemeClr>
+          </a:lnRef>
+          <a:fillRef idx="1">
+            <a:schemeClr val="accent1"/>
+          </a:fillRef>
+          <a:effectRef idx="0">
+            <a:schemeClr val="accent1"/>
+          </a:effectRef>
+          <a:fontRef idx="minor">
+            <a:schemeClr val="lt1"/>
+          </a:fontRef>
+        </p:style>
+        <p:txBody>
+          <a:bodyPr rtlCol="0" anchor="ctr"/>
+          <a:lstStyle/>
+          <a:p>
+            <a:pPr algn="just"/>
+            <a:r>
+              <a:rPr lang="it-IT" sz="1400" dirty="0">
+                <a:solidFill>
+                  <a:schemeClr val="tx1"/>
+                </a:solidFill>
+                <a:latin typeface="Avenir Next LT Pro Light" panose="020B0304020202020204" pitchFamily="34" charset="0"/>
+              </a:rPr>
+              <a:t>Variante dell’algoritmo per leggere e scrivere sulla </a:t>
+            </a:r>
+            <a:r>
+              <a:rPr lang="it-IT" sz="1400" dirty="0" err="1">
+                <a:solidFill>
+                  <a:schemeClr val="tx1"/>
+                </a:solidFill>
+                <a:latin typeface="Avenir Next LT Pro Light" panose="020B0304020202020204" pitchFamily="34" charset="0"/>
+              </a:rPr>
+              <a:t>socket</a:t>
+            </a:r>
+            <a:r>
+              <a:rPr lang="it-IT" sz="1400" dirty="0">
+                <a:solidFill>
+                  <a:schemeClr val="tx1"/>
+                </a:solidFill>
+                <a:latin typeface="Avenir Next LT Pro Light" panose="020B0304020202020204" pitchFamily="34" charset="0"/>
+              </a:rPr>
+              <a:t> usando un buffer da 256 caratteri.</a:t>
+            </a:r>
+          </a:p>
+        </p:txBody>
+      </p:sp>
+    </p:spTree>
+    <p:extLst>
+      <p:ext uri="{BB962C8B-B14F-4D97-AF65-F5344CB8AC3E}">
+        <p14:creationId xmlns:p14="http://schemas.microsoft.com/office/powerpoint/2010/main" val="143152469"/>
       </p:ext>
     </p:extLst>
   </p:cSld>
